--- a/Images/Figures_PPT/ChlorophytaRhodophytaTree.pptx
+++ b/Images/Figures_PPT/ChlorophytaRhodophytaTree.pptx
@@ -38840,7 +38840,7 @@
               <a:avLst/>
             </a:prstGeom>
             <a:solidFill>
-              <a:srgbClr val="3CBA26">
+              <a:srgbClr val="63E3C5">
                 <a:alpha val="100000"/>
               </a:srgbClr>
             </a:solidFill>
@@ -38910,7 +38910,7 @@
               <a:avLst/>
             </a:prstGeom>
             <a:solidFill>
-              <a:srgbClr val="3CBA26">
+              <a:srgbClr val="63E3C5">
                 <a:alpha val="100000"/>
               </a:srgbClr>
             </a:solidFill>

--- a/Images/Figures_PPT/ChlorophytaRhodophytaTree.pptx
+++ b/Images/Figures_PPT/ChlorophytaRhodophytaTree.pptx
@@ -36530,7 +36530,7 @@
               <a:avLst/>
             </a:prstGeom>
             <a:solidFill>
-              <a:srgbClr val="3CBA26">
+              <a:srgbClr val="BEBEBE">
                 <a:alpha val="100000"/>
               </a:srgbClr>
             </a:solidFill>
@@ -37300,7 +37300,7 @@
               <a:avLst/>
             </a:prstGeom>
             <a:solidFill>
-              <a:srgbClr val="3CBA26">
+              <a:srgbClr val="BEBEBE">
                 <a:alpha val="100000"/>
               </a:srgbClr>
             </a:solidFill>
@@ -39288,7 +39288,7 @@
           </p:nvSpPr>
           <p:spPr>
             <a:xfrm>
-              <a:off x="8816207" y="2278114"/>
+              <a:off x="8816207" y="2168386"/>
               <a:ext cx="1172603" cy="1417544"/>
             </a:xfrm>
             <a:prstGeom prst="rect">
@@ -39309,7 +39309,7 @@
           </p:nvSpPr>
           <p:spPr>
             <a:xfrm>
-              <a:off x="8885796" y="2330154"/>
+              <a:off x="8885796" y="2220426"/>
               <a:ext cx="1033425" cy="115341"/>
             </a:xfrm>
             <a:prstGeom prst="rect">
@@ -39361,7 +39361,7 @@
           </p:blipFill>
           <p:spPr>
             <a:xfrm>
-              <a:off x="8885796" y="2528790"/>
+              <a:off x="8885796" y="2419062"/>
               <a:ext cx="219455" cy="1097280"/>
             </a:xfrm>
             <a:prstGeom prst="rect">
@@ -39377,7 +39377,7 @@
           </p:nvSpPr>
           <p:spPr>
             <a:xfrm>
-              <a:off x="9061361" y="3410425"/>
+              <a:off x="9061361" y="3300697"/>
               <a:ext cx="43891" cy="0"/>
             </a:xfrm>
             <a:custGeom>
@@ -39417,7 +39417,7 @@
           </p:nvSpPr>
           <p:spPr>
             <a:xfrm>
-              <a:off x="9061361" y="3114692"/>
+              <a:off x="9061361" y="3004964"/>
               <a:ext cx="43891" cy="0"/>
             </a:xfrm>
             <a:custGeom>
@@ -39457,7 +39457,7 @@
           </p:nvSpPr>
           <p:spPr>
             <a:xfrm>
-              <a:off x="9061361" y="2818959"/>
+              <a:off x="9061361" y="2709231"/>
               <a:ext cx="43891" cy="0"/>
             </a:xfrm>
             <a:custGeom>
@@ -39497,7 +39497,7 @@
           </p:nvSpPr>
           <p:spPr>
             <a:xfrm>
-              <a:off x="8885796" y="3410425"/>
+              <a:off x="8885796" y="3300697"/>
               <a:ext cx="43891" cy="0"/>
             </a:xfrm>
             <a:custGeom>
@@ -39537,7 +39537,7 @@
           </p:nvSpPr>
           <p:spPr>
             <a:xfrm>
-              <a:off x="8885796" y="3114692"/>
+              <a:off x="8885796" y="3004964"/>
               <a:ext cx="43891" cy="0"/>
             </a:xfrm>
             <a:custGeom>
@@ -39577,7 +39577,7 @@
           </p:nvSpPr>
           <p:spPr>
             <a:xfrm>
-              <a:off x="8885796" y="2818959"/>
+              <a:off x="8885796" y="2709231"/>
               <a:ext cx="43891" cy="0"/>
             </a:xfrm>
             <a:custGeom>
@@ -39617,7 +39617,7 @@
           </p:nvSpPr>
           <p:spPr>
             <a:xfrm>
-              <a:off x="9174841" y="3385528"/>
+              <a:off x="9174841" y="3275800"/>
               <a:ext cx="69850" cy="48021"/>
             </a:xfrm>
             <a:prstGeom prst="rect">
@@ -39663,7 +39663,7 @@
           </p:nvSpPr>
           <p:spPr>
             <a:xfrm>
-              <a:off x="9174841" y="3089794"/>
+              <a:off x="9174841" y="2980066"/>
               <a:ext cx="69850" cy="48021"/>
             </a:xfrm>
             <a:prstGeom prst="rect">
@@ -39709,7 +39709,7 @@
           </p:nvSpPr>
           <p:spPr>
             <a:xfrm>
-              <a:off x="9174841" y="2794061"/>
+              <a:off x="9174841" y="2684333"/>
               <a:ext cx="69850" cy="48021"/>
             </a:xfrm>
             <a:prstGeom prst="rect">
@@ -39755,7 +39755,549 @@
           </p:nvSpPr>
           <p:spPr>
             <a:xfrm>
-              <a:off x="8816207" y="3702859"/>
+              <a:off x="8816207" y="3593131"/>
+              <a:ext cx="1109041" cy="1417544"/>
+            </a:xfrm>
+            <a:prstGeom prst="rect">
+              <a:avLst/>
+            </a:prstGeom>
+          </p:spPr>
+          <p:txBody>
+            <a:bodyPr/>
+            <a:lstStyle/>
+            <a:p/>
+          </p:txBody>
+        </p:sp>
+        <p:sp>
+          <p:nvSpPr>
+            <p:cNvPr id="997" name="tx996"/>
+            <p:cNvSpPr/>
+            <p:nvPr/>
+          </p:nvSpPr>
+          <p:spPr>
+            <a:xfrm>
+              <a:off x="8885796" y="3644922"/>
+              <a:ext cx="969863" cy="115589"/>
+            </a:xfrm>
+            <a:prstGeom prst="rect">
+              <a:avLst/>
+            </a:prstGeom>
+            <a:noFill/>
+          </p:spPr>
+          <p:txBody>
+            <a:bodyPr lIns="0" rIns="0" tIns="0" bIns="0" anchorCtr="1" anchor="ctr" wrap="none"/>
+            <a:lstStyle/>
+            <a:p>
+              <a:pPr algn="l" marL="0" marR="0" indent="0">
+                <a:lnSpc>
+                  <a:spcPts val="1000"/>
+                </a:lnSpc>
+                <a:spcBef>
+                  <a:spcPts val="0"/>
+                </a:spcBef>
+                <a:spcAft>
+                  <a:spcPts val="0"/>
+                </a:spcAft>
+              </a:pPr>
+              <a:r>
+                <a:rPr sz="1000">
+                  <a:solidFill>
+                    <a:srgbClr val="000000">
+                      <a:alpha val="100000"/>
+                    </a:srgbClr>
+                  </a:solidFill>
+                  <a:latin typeface="Times New Roman"/>
+                  <a:cs typeface="Times New Roman"/>
+                </a:rPr>
+                <a:t>Metabolic Strategy</a:t>
+              </a:r>
+            </a:p>
+          </p:txBody>
+        </p:sp>
+        <p:sp>
+          <p:nvSpPr>
+            <p:cNvPr id="998" name="rc997"/>
+            <p:cNvSpPr/>
+            <p:nvPr/>
+          </p:nvSpPr>
+          <p:spPr>
+            <a:xfrm>
+              <a:off x="8885796" y="3843806"/>
+              <a:ext cx="219455" cy="219456"/>
+            </a:xfrm>
+            <a:prstGeom prst="rect">
+              <a:avLst/>
+            </a:prstGeom>
+            <a:solidFill>
+              <a:srgbClr val="FFFFFF">
+                <a:alpha val="100000"/>
+              </a:srgbClr>
+            </a:solidFill>
+            <a:ln w="13550" cap="rnd">
+              <a:solidFill>
+                <a:srgbClr val="FFFFFF">
+                  <a:alpha val="100000"/>
+                </a:srgbClr>
+              </a:solidFill>
+              <a:prstDash val="solid"/>
+              <a:round/>
+            </a:ln>
+          </p:spPr>
+          <p:txBody>
+            <a:bodyPr/>
+            <a:lstStyle/>
+            <a:p/>
+          </p:txBody>
+        </p:sp>
+        <p:sp>
+          <p:nvSpPr>
+            <p:cNvPr id="999" name="rc998"/>
+            <p:cNvSpPr/>
+            <p:nvPr/>
+          </p:nvSpPr>
+          <p:spPr>
+            <a:xfrm>
+              <a:off x="8887596" y="3845606"/>
+              <a:ext cx="215856" cy="215856"/>
+            </a:xfrm>
+            <a:prstGeom prst="rect">
+              <a:avLst/>
+            </a:prstGeom>
+            <a:solidFill>
+              <a:srgbClr val="3CBA26">
+                <a:alpha val="100000"/>
+              </a:srgbClr>
+            </a:solidFill>
+            <a:ln w="2710" cap="flat">
+              <a:solidFill>
+                <a:srgbClr val="FFFFFF">
+                  <a:alpha val="100000"/>
+                </a:srgbClr>
+              </a:solidFill>
+              <a:prstDash val="solid"/>
+              <a:miter/>
+            </a:ln>
+          </p:spPr>
+          <p:txBody>
+            <a:bodyPr/>
+            <a:lstStyle/>
+            <a:p/>
+          </p:txBody>
+        </p:sp>
+        <p:sp>
+          <p:nvSpPr>
+            <p:cNvPr id="1000" name="rc999"/>
+            <p:cNvSpPr/>
+            <p:nvPr/>
+          </p:nvSpPr>
+          <p:spPr>
+            <a:xfrm>
+              <a:off x="8885796" y="4063262"/>
+              <a:ext cx="219455" cy="219455"/>
+            </a:xfrm>
+            <a:prstGeom prst="rect">
+              <a:avLst/>
+            </a:prstGeom>
+            <a:solidFill>
+              <a:srgbClr val="FFFFFF">
+                <a:alpha val="100000"/>
+              </a:srgbClr>
+            </a:solidFill>
+            <a:ln w="13550" cap="rnd">
+              <a:solidFill>
+                <a:srgbClr val="FFFFFF">
+                  <a:alpha val="100000"/>
+                </a:srgbClr>
+              </a:solidFill>
+              <a:prstDash val="solid"/>
+              <a:round/>
+            </a:ln>
+          </p:spPr>
+          <p:txBody>
+            <a:bodyPr/>
+            <a:lstStyle/>
+            <a:p/>
+          </p:txBody>
+        </p:sp>
+        <p:sp>
+          <p:nvSpPr>
+            <p:cNvPr id="1001" name="rc1000"/>
+            <p:cNvSpPr/>
+            <p:nvPr/>
+          </p:nvSpPr>
+          <p:spPr>
+            <a:xfrm>
+              <a:off x="8885796" y="4282718"/>
+              <a:ext cx="219455" cy="219455"/>
+            </a:xfrm>
+            <a:prstGeom prst="rect">
+              <a:avLst/>
+            </a:prstGeom>
+            <a:solidFill>
+              <a:srgbClr val="FFFFFF">
+                <a:alpha val="100000"/>
+              </a:srgbClr>
+            </a:solidFill>
+            <a:ln w="13550" cap="rnd">
+              <a:solidFill>
+                <a:srgbClr val="FFFFFF">
+                  <a:alpha val="100000"/>
+                </a:srgbClr>
+              </a:solidFill>
+              <a:prstDash val="solid"/>
+              <a:round/>
+            </a:ln>
+          </p:spPr>
+          <p:txBody>
+            <a:bodyPr/>
+            <a:lstStyle/>
+            <a:p/>
+          </p:txBody>
+        </p:sp>
+        <p:sp>
+          <p:nvSpPr>
+            <p:cNvPr id="1002" name="rc1001"/>
+            <p:cNvSpPr/>
+            <p:nvPr/>
+          </p:nvSpPr>
+          <p:spPr>
+            <a:xfrm>
+              <a:off x="8887596" y="4284518"/>
+              <a:ext cx="215856" cy="215855"/>
+            </a:xfrm>
+            <a:prstGeom prst="rect">
+              <a:avLst/>
+            </a:prstGeom>
+            <a:solidFill>
+              <a:srgbClr val="63E3C5">
+                <a:alpha val="100000"/>
+              </a:srgbClr>
+            </a:solidFill>
+            <a:ln w="2710" cap="flat">
+              <a:solidFill>
+                <a:srgbClr val="FFFFFF">
+                  <a:alpha val="100000"/>
+                </a:srgbClr>
+              </a:solidFill>
+              <a:prstDash val="solid"/>
+              <a:miter/>
+            </a:ln>
+          </p:spPr>
+          <p:txBody>
+            <a:bodyPr/>
+            <a:lstStyle/>
+            <a:p/>
+          </p:txBody>
+        </p:sp>
+        <p:sp>
+          <p:nvSpPr>
+            <p:cNvPr id="1003" name="rc1002"/>
+            <p:cNvSpPr/>
+            <p:nvPr/>
+          </p:nvSpPr>
+          <p:spPr>
+            <a:xfrm>
+              <a:off x="8885796" y="4502174"/>
+              <a:ext cx="219455" cy="219455"/>
+            </a:xfrm>
+            <a:prstGeom prst="rect">
+              <a:avLst/>
+            </a:prstGeom>
+            <a:solidFill>
+              <a:srgbClr val="FFFFFF">
+                <a:alpha val="100000"/>
+              </a:srgbClr>
+            </a:solidFill>
+            <a:ln w="13550" cap="rnd">
+              <a:solidFill>
+                <a:srgbClr val="FFFFFF">
+                  <a:alpha val="100000"/>
+                </a:srgbClr>
+              </a:solidFill>
+              <a:prstDash val="solid"/>
+              <a:round/>
+            </a:ln>
+          </p:spPr>
+          <p:txBody>
+            <a:bodyPr/>
+            <a:lstStyle/>
+            <a:p/>
+          </p:txBody>
+        </p:sp>
+        <p:sp>
+          <p:nvSpPr>
+            <p:cNvPr id="1004" name="rc1003"/>
+            <p:cNvSpPr/>
+            <p:nvPr/>
+          </p:nvSpPr>
+          <p:spPr>
+            <a:xfrm>
+              <a:off x="8885796" y="4721630"/>
+              <a:ext cx="219455" cy="219455"/>
+            </a:xfrm>
+            <a:prstGeom prst="rect">
+              <a:avLst/>
+            </a:prstGeom>
+            <a:solidFill>
+              <a:srgbClr val="FFFFFF">
+                <a:alpha val="100000"/>
+              </a:srgbClr>
+            </a:solidFill>
+            <a:ln w="13550" cap="rnd">
+              <a:solidFill>
+                <a:srgbClr val="FFFFFF">
+                  <a:alpha val="100000"/>
+                </a:srgbClr>
+              </a:solidFill>
+              <a:prstDash val="solid"/>
+              <a:round/>
+            </a:ln>
+          </p:spPr>
+          <p:txBody>
+            <a:bodyPr/>
+            <a:lstStyle/>
+            <a:p/>
+          </p:txBody>
+        </p:sp>
+        <p:sp>
+          <p:nvSpPr>
+            <p:cNvPr id="1005" name="tx1004"/>
+            <p:cNvSpPr/>
+            <p:nvPr/>
+          </p:nvSpPr>
+          <p:spPr>
+            <a:xfrm>
+              <a:off x="9174841" y="3913220"/>
+              <a:ext cx="337551" cy="63437"/>
+            </a:xfrm>
+            <a:prstGeom prst="rect">
+              <a:avLst/>
+            </a:prstGeom>
+            <a:noFill/>
+          </p:spPr>
+          <p:txBody>
+            <a:bodyPr lIns="0" rIns="0" tIns="0" bIns="0" anchorCtr="1" anchor="ctr" wrap="none"/>
+            <a:lstStyle/>
+            <a:p>
+              <a:pPr algn="l" marL="0" marR="0" indent="0">
+                <a:lnSpc>
+                  <a:spcPts val="550"/>
+                </a:lnSpc>
+                <a:spcBef>
+                  <a:spcPts val="0"/>
+                </a:spcBef>
+                <a:spcAft>
+                  <a:spcPts val="0"/>
+                </a:spcAft>
+              </a:pPr>
+              <a:r>
+                <a:rPr sz="550">
+                  <a:solidFill>
+                    <a:srgbClr val="000000">
+                      <a:alpha val="100000"/>
+                    </a:srgbClr>
+                  </a:solidFill>
+                  <a:latin typeface="Times New Roman"/>
+                  <a:cs typeface="Times New Roman"/>
+                </a:rPr>
+                <a:t>Autotrophic</a:t>
+              </a:r>
+            </a:p>
+          </p:txBody>
+        </p:sp>
+        <p:sp>
+          <p:nvSpPr>
+            <p:cNvPr id="1006" name="tx1005"/>
+            <p:cNvSpPr/>
+            <p:nvPr/>
+          </p:nvSpPr>
+          <p:spPr>
+            <a:xfrm>
+              <a:off x="9174841" y="4132676"/>
+              <a:ext cx="337483" cy="63437"/>
+            </a:xfrm>
+            <a:prstGeom prst="rect">
+              <a:avLst/>
+            </a:prstGeom>
+            <a:noFill/>
+          </p:spPr>
+          <p:txBody>
+            <a:bodyPr lIns="0" rIns="0" tIns="0" bIns="0" anchorCtr="1" anchor="ctr" wrap="none"/>
+            <a:lstStyle/>
+            <a:p>
+              <a:pPr algn="l" marL="0" marR="0" indent="0">
+                <a:lnSpc>
+                  <a:spcPts val="550"/>
+                </a:lnSpc>
+                <a:spcBef>
+                  <a:spcPts val="0"/>
+                </a:spcBef>
+                <a:spcAft>
+                  <a:spcPts val="0"/>
+                </a:spcAft>
+              </a:pPr>
+              <a:r>
+                <a:rPr sz="550">
+                  <a:solidFill>
+                    <a:srgbClr val="000000">
+                      <a:alpha val="100000"/>
+                    </a:srgbClr>
+                  </a:solidFill>
+                  <a:latin typeface="Times New Roman"/>
+                  <a:cs typeface="Times New Roman"/>
+                </a:rPr>
+                <a:t>Heterotroph</a:t>
+              </a:r>
+            </a:p>
+          </p:txBody>
+        </p:sp>
+        <p:sp>
+          <p:nvSpPr>
+            <p:cNvPr id="1007" name="tx1006"/>
+            <p:cNvSpPr/>
+            <p:nvPr/>
+          </p:nvSpPr>
+          <p:spPr>
+            <a:xfrm>
+              <a:off x="9174841" y="4352132"/>
+              <a:ext cx="298806" cy="63437"/>
+            </a:xfrm>
+            <a:prstGeom prst="rect">
+              <a:avLst/>
+            </a:prstGeom>
+            <a:noFill/>
+          </p:spPr>
+          <p:txBody>
+            <a:bodyPr lIns="0" rIns="0" tIns="0" bIns="0" anchorCtr="1" anchor="ctr" wrap="none"/>
+            <a:lstStyle/>
+            <a:p>
+              <a:pPr algn="l" marL="0" marR="0" indent="0">
+                <a:lnSpc>
+                  <a:spcPts val="550"/>
+                </a:lnSpc>
+                <a:spcBef>
+                  <a:spcPts val="0"/>
+                </a:spcBef>
+                <a:spcAft>
+                  <a:spcPts val="0"/>
+                </a:spcAft>
+              </a:pPr>
+              <a:r>
+                <a:rPr sz="550">
+                  <a:solidFill>
+                    <a:srgbClr val="000000">
+                      <a:alpha val="100000"/>
+                    </a:srgbClr>
+                  </a:solidFill>
+                  <a:latin typeface="Times New Roman"/>
+                  <a:cs typeface="Times New Roman"/>
+                </a:rPr>
+                <a:t>Mixotroph</a:t>
+              </a:r>
+            </a:p>
+          </p:txBody>
+        </p:sp>
+        <p:sp>
+          <p:nvSpPr>
+            <p:cNvPr id="1008" name="tx1007"/>
+            <p:cNvSpPr/>
+            <p:nvPr/>
+          </p:nvSpPr>
+          <p:spPr>
+            <a:xfrm>
+              <a:off x="9174841" y="4585572"/>
+              <a:ext cx="221112" cy="49454"/>
+            </a:xfrm>
+            <a:prstGeom prst="rect">
+              <a:avLst/>
+            </a:prstGeom>
+            <a:noFill/>
+          </p:spPr>
+          <p:txBody>
+            <a:bodyPr lIns="0" rIns="0" tIns="0" bIns="0" anchorCtr="1" anchor="ctr" wrap="none"/>
+            <a:lstStyle/>
+            <a:p>
+              <a:pPr algn="l" marL="0" marR="0" indent="0">
+                <a:lnSpc>
+                  <a:spcPts val="550"/>
+                </a:lnSpc>
+                <a:spcBef>
+                  <a:spcPts val="0"/>
+                </a:spcBef>
+                <a:spcAft>
+                  <a:spcPts val="0"/>
+                </a:spcAft>
+              </a:pPr>
+              <a:r>
+                <a:rPr sz="550">
+                  <a:solidFill>
+                    <a:srgbClr val="000000">
+                      <a:alpha val="100000"/>
+                    </a:srgbClr>
+                  </a:solidFill>
+                  <a:latin typeface="Times New Roman"/>
+                  <a:cs typeface="Times New Roman"/>
+                </a:rPr>
+                <a:t>Parasite</a:t>
+              </a:r>
+            </a:p>
+          </p:txBody>
+        </p:sp>
+        <p:sp>
+          <p:nvSpPr>
+            <p:cNvPr id="1009" name="tx1008"/>
+            <p:cNvSpPr/>
+            <p:nvPr/>
+          </p:nvSpPr>
+          <p:spPr>
+            <a:xfrm>
+              <a:off x="9174841" y="4790908"/>
+              <a:ext cx="422954" cy="63574"/>
+            </a:xfrm>
+            <a:prstGeom prst="rect">
+              <a:avLst/>
+            </a:prstGeom>
+            <a:noFill/>
+          </p:spPr>
+          <p:txBody>
+            <a:bodyPr lIns="0" rIns="0" tIns="0" bIns="0" anchorCtr="1" anchor="ctr" wrap="none"/>
+            <a:lstStyle/>
+            <a:p>
+              <a:pPr algn="l" marL="0" marR="0" indent="0">
+                <a:lnSpc>
+                  <a:spcPts val="550"/>
+                </a:lnSpc>
+                <a:spcBef>
+                  <a:spcPts val="0"/>
+                </a:spcBef>
+                <a:spcAft>
+                  <a:spcPts val="0"/>
+                </a:spcAft>
+              </a:pPr>
+              <a:r>
+                <a:rPr sz="550">
+                  <a:solidFill>
+                    <a:srgbClr val="000000">
+                      <a:alpha val="100000"/>
+                    </a:srgbClr>
+                  </a:solidFill>
+                  <a:latin typeface="Times New Roman"/>
+                  <a:cs typeface="Times New Roman"/>
+                </a:rPr>
+                <a:t>Endosymbiotic</a:t>
+              </a:r>
+            </a:p>
+          </p:txBody>
+        </p:sp>
+        <p:sp>
+          <p:nvSpPr>
+            <p:cNvPr id="1010" name="rc1009"/>
+            <p:cNvSpPr/>
+            <p:nvPr/>
+          </p:nvSpPr>
+          <p:spPr>
+            <a:xfrm>
+              <a:off x="8816207" y="5017875"/>
               <a:ext cx="939935" cy="1417544"/>
             </a:xfrm>
             <a:prstGeom prst="rect">
@@ -39770,13 +40312,13 @@
         </p:sp>
         <p:sp>
           <p:nvSpPr>
-            <p:cNvPr id="997" name="tx996"/>
-            <p:cNvSpPr/>
-            <p:nvPr/>
-          </p:nvSpPr>
-          <p:spPr>
-            <a:xfrm>
-              <a:off x="8885796" y="3782308"/>
+            <p:cNvPr id="1011" name="tx1010"/>
+            <p:cNvSpPr/>
+            <p:nvPr/>
+          </p:nvSpPr>
+          <p:spPr>
+            <a:xfrm>
+              <a:off x="8885796" y="5097324"/>
               <a:ext cx="800757" cy="87932"/>
             </a:xfrm>
             <a:prstGeom prst="rect">
@@ -39816,13 +40358,13 @@
         </p:sp>
         <p:sp>
           <p:nvSpPr>
-            <p:cNvPr id="998" name="rc997"/>
-            <p:cNvSpPr/>
-            <p:nvPr/>
-          </p:nvSpPr>
-          <p:spPr>
-            <a:xfrm>
-              <a:off x="8885796" y="3953534"/>
+            <p:cNvPr id="1012" name="rc1011"/>
+            <p:cNvSpPr/>
+            <p:nvPr/>
+          </p:nvSpPr>
+          <p:spPr>
+            <a:xfrm>
+              <a:off x="8885796" y="5268550"/>
               <a:ext cx="219455" cy="219455"/>
             </a:xfrm>
             <a:prstGeom prst="rect">
@@ -39851,13 +40393,13 @@
         </p:sp>
         <p:sp>
           <p:nvSpPr>
-            <p:cNvPr id="999" name="rc998"/>
-            <p:cNvSpPr/>
-            <p:nvPr/>
-          </p:nvSpPr>
-          <p:spPr>
-            <a:xfrm>
-              <a:off x="8887596" y="3955334"/>
+            <p:cNvPr id="1013" name="rc1012"/>
+            <p:cNvSpPr/>
+            <p:nvPr/>
+          </p:nvSpPr>
+          <p:spPr>
+            <a:xfrm>
+              <a:off x="8887596" y="5270350"/>
               <a:ext cx="215856" cy="215855"/>
             </a:xfrm>
             <a:prstGeom prst="rect">
@@ -39886,13 +40428,13 @@
         </p:sp>
         <p:sp>
           <p:nvSpPr>
-            <p:cNvPr id="1000" name="rc999"/>
-            <p:cNvSpPr/>
-            <p:nvPr/>
-          </p:nvSpPr>
-          <p:spPr>
-            <a:xfrm>
-              <a:off x="8885796" y="4172990"/>
+            <p:cNvPr id="1014" name="rc1013"/>
+            <p:cNvSpPr/>
+            <p:nvPr/>
+          </p:nvSpPr>
+          <p:spPr>
+            <a:xfrm>
+              <a:off x="8885796" y="5488006"/>
               <a:ext cx="219455" cy="219455"/>
             </a:xfrm>
             <a:prstGeom prst="rect">
@@ -39921,13 +40463,13 @@
         </p:sp>
         <p:sp>
           <p:nvSpPr>
-            <p:cNvPr id="1001" name="rc1000"/>
-            <p:cNvSpPr/>
-            <p:nvPr/>
-          </p:nvSpPr>
-          <p:spPr>
-            <a:xfrm>
-              <a:off x="8887596" y="4174790"/>
+            <p:cNvPr id="1015" name="rc1014"/>
+            <p:cNvSpPr/>
+            <p:nvPr/>
+          </p:nvSpPr>
+          <p:spPr>
+            <a:xfrm>
+              <a:off x="8887596" y="5489806"/>
               <a:ext cx="215856" cy="215855"/>
             </a:xfrm>
             <a:prstGeom prst="rect">
@@ -39956,13 +40498,13 @@
         </p:sp>
         <p:sp>
           <p:nvSpPr>
-            <p:cNvPr id="1002" name="rc1001"/>
-            <p:cNvSpPr/>
-            <p:nvPr/>
-          </p:nvSpPr>
-          <p:spPr>
-            <a:xfrm>
-              <a:off x="8885796" y="4392446"/>
+            <p:cNvPr id="1016" name="rc1015"/>
+            <p:cNvSpPr/>
+            <p:nvPr/>
+          </p:nvSpPr>
+          <p:spPr>
+            <a:xfrm>
+              <a:off x="8885796" y="5707462"/>
               <a:ext cx="219455" cy="219455"/>
             </a:xfrm>
             <a:prstGeom prst="rect">
@@ -39991,13 +40533,13 @@
         </p:sp>
         <p:sp>
           <p:nvSpPr>
-            <p:cNvPr id="1003" name="rc1002"/>
-            <p:cNvSpPr/>
-            <p:nvPr/>
-          </p:nvSpPr>
-          <p:spPr>
-            <a:xfrm>
-              <a:off x="8887596" y="4394246"/>
+            <p:cNvPr id="1017" name="rc1016"/>
+            <p:cNvSpPr/>
+            <p:nvPr/>
+          </p:nvSpPr>
+          <p:spPr>
+            <a:xfrm>
+              <a:off x="8887596" y="5709262"/>
               <a:ext cx="215856" cy="215855"/>
             </a:xfrm>
             <a:prstGeom prst="rect">
@@ -40026,13 +40568,13 @@
         </p:sp>
         <p:sp>
           <p:nvSpPr>
-            <p:cNvPr id="1004" name="rc1003"/>
-            <p:cNvSpPr/>
-            <p:nvPr/>
-          </p:nvSpPr>
-          <p:spPr>
-            <a:xfrm>
-              <a:off x="8885796" y="4611902"/>
+            <p:cNvPr id="1018" name="rc1017"/>
+            <p:cNvSpPr/>
+            <p:nvPr/>
+          </p:nvSpPr>
+          <p:spPr>
+            <a:xfrm>
+              <a:off x="8885796" y="5926918"/>
               <a:ext cx="219455" cy="219455"/>
             </a:xfrm>
             <a:prstGeom prst="rect">
@@ -40061,13 +40603,13 @@
         </p:sp>
         <p:sp>
           <p:nvSpPr>
-            <p:cNvPr id="1005" name="rc1004"/>
-            <p:cNvSpPr/>
-            <p:nvPr/>
-          </p:nvSpPr>
-          <p:spPr>
-            <a:xfrm>
-              <a:off x="8887596" y="4613702"/>
+            <p:cNvPr id="1019" name="rc1018"/>
+            <p:cNvSpPr/>
+            <p:nvPr/>
+          </p:nvSpPr>
+          <p:spPr>
+            <a:xfrm>
+              <a:off x="8887596" y="5928718"/>
               <a:ext cx="215856" cy="215855"/>
             </a:xfrm>
             <a:prstGeom prst="rect">
@@ -40096,13 +40638,13 @@
         </p:sp>
         <p:sp>
           <p:nvSpPr>
-            <p:cNvPr id="1006" name="rc1005"/>
-            <p:cNvSpPr/>
-            <p:nvPr/>
-          </p:nvSpPr>
-          <p:spPr>
-            <a:xfrm>
-              <a:off x="8885796" y="4831358"/>
+            <p:cNvPr id="1020" name="rc1019"/>
+            <p:cNvSpPr/>
+            <p:nvPr/>
+          </p:nvSpPr>
+          <p:spPr>
+            <a:xfrm>
+              <a:off x="8885796" y="6146374"/>
               <a:ext cx="219455" cy="219455"/>
             </a:xfrm>
             <a:prstGeom prst="rect">
@@ -40131,13 +40673,13 @@
         </p:sp>
         <p:sp>
           <p:nvSpPr>
-            <p:cNvPr id="1007" name="rc1006"/>
-            <p:cNvSpPr/>
-            <p:nvPr/>
-          </p:nvSpPr>
-          <p:spPr>
-            <a:xfrm>
-              <a:off x="8887596" y="4833158"/>
+            <p:cNvPr id="1021" name="rc1020"/>
+            <p:cNvSpPr/>
+            <p:nvPr/>
+          </p:nvSpPr>
+          <p:spPr>
+            <a:xfrm>
+              <a:off x="8887596" y="6148174"/>
               <a:ext cx="215856" cy="215855"/>
             </a:xfrm>
             <a:prstGeom prst="rect">
@@ -40166,13 +40708,13 @@
         </p:sp>
         <p:sp>
           <p:nvSpPr>
-            <p:cNvPr id="1008" name="tx1007"/>
-            <p:cNvSpPr/>
-            <p:nvPr/>
-          </p:nvSpPr>
-          <p:spPr>
-            <a:xfrm>
-              <a:off x="9174841" y="4040138"/>
+            <p:cNvPr id="1022" name="tx1021"/>
+            <p:cNvSpPr/>
+            <p:nvPr/>
+          </p:nvSpPr>
+          <p:spPr>
+            <a:xfrm>
+              <a:off x="9174841" y="5355154"/>
               <a:ext cx="50443" cy="46248"/>
             </a:xfrm>
             <a:prstGeom prst="rect">
@@ -40212,13 +40754,13 @@
         </p:sp>
         <p:sp>
           <p:nvSpPr>
-            <p:cNvPr id="1009" name="tx1008"/>
-            <p:cNvSpPr/>
-            <p:nvPr/>
-          </p:nvSpPr>
-          <p:spPr>
-            <a:xfrm>
-              <a:off x="9174841" y="4259594"/>
+            <p:cNvPr id="1023" name="tx1022"/>
+            <p:cNvSpPr/>
+            <p:nvPr/>
+          </p:nvSpPr>
+          <p:spPr>
+            <a:xfrm>
+              <a:off x="9174841" y="5574610"/>
               <a:ext cx="62107" cy="46248"/>
             </a:xfrm>
             <a:prstGeom prst="rect">
@@ -40258,13 +40800,13 @@
         </p:sp>
         <p:sp>
           <p:nvSpPr>
-            <p:cNvPr id="1010" name="tx1009"/>
-            <p:cNvSpPr/>
-            <p:nvPr/>
-          </p:nvSpPr>
-          <p:spPr>
-            <a:xfrm>
-              <a:off x="9174841" y="4479050"/>
+            <p:cNvPr id="1024" name="tx1023"/>
+            <p:cNvSpPr/>
+            <p:nvPr/>
+          </p:nvSpPr>
+          <p:spPr>
+            <a:xfrm>
+              <a:off x="9174841" y="5794066"/>
               <a:ext cx="42667" cy="46248"/>
             </a:xfrm>
             <a:prstGeom prst="rect">
@@ -40304,13 +40846,13 @@
         </p:sp>
         <p:sp>
           <p:nvSpPr>
-            <p:cNvPr id="1011" name="tx1010"/>
-            <p:cNvSpPr/>
-            <p:nvPr/>
-          </p:nvSpPr>
-          <p:spPr>
-            <a:xfrm>
-              <a:off x="9174841" y="4698506"/>
+            <p:cNvPr id="1025" name="tx1024"/>
+            <p:cNvSpPr/>
+            <p:nvPr/>
+          </p:nvSpPr>
+          <p:spPr>
+            <a:xfrm>
+              <a:off x="9174841" y="6013522"/>
               <a:ext cx="38847" cy="46248"/>
             </a:xfrm>
             <a:prstGeom prst="rect">
@@ -40350,13 +40892,13 @@
         </p:sp>
         <p:sp>
           <p:nvSpPr>
-            <p:cNvPr id="1012" name="tx1011"/>
-            <p:cNvSpPr/>
-            <p:nvPr/>
-          </p:nvSpPr>
-          <p:spPr>
-            <a:xfrm>
-              <a:off x="9174841" y="4916154"/>
+            <p:cNvPr id="1026" name="tx1025"/>
+            <p:cNvSpPr/>
+            <p:nvPr/>
+          </p:nvSpPr>
+          <p:spPr>
+            <a:xfrm>
+              <a:off x="9174841" y="6231170"/>
               <a:ext cx="100886" cy="48055"/>
             </a:xfrm>
             <a:prstGeom prst="rect">
@@ -40396,468 +40938,7 @@
         </p:sp>
         <p:sp>
           <p:nvSpPr>
-            <p:cNvPr id="1013" name="rc1012"/>
-            <p:cNvSpPr/>
-            <p:nvPr/>
-          </p:nvSpPr>
-          <p:spPr>
-            <a:xfrm>
-              <a:off x="8816207" y="5127603"/>
-              <a:ext cx="1109041" cy="1198088"/>
-            </a:xfrm>
-            <a:prstGeom prst="rect">
-              <a:avLst/>
-            </a:prstGeom>
-          </p:spPr>
-          <p:txBody>
-            <a:bodyPr/>
-            <a:lstStyle/>
-            <a:p/>
-          </p:txBody>
-        </p:sp>
-        <p:sp>
-          <p:nvSpPr>
-            <p:cNvPr id="1014" name="tx1013"/>
-            <p:cNvSpPr/>
-            <p:nvPr/>
-          </p:nvSpPr>
-          <p:spPr>
-            <a:xfrm>
-              <a:off x="8885796" y="5179395"/>
-              <a:ext cx="969863" cy="115589"/>
-            </a:xfrm>
-            <a:prstGeom prst="rect">
-              <a:avLst/>
-            </a:prstGeom>
-            <a:noFill/>
-          </p:spPr>
-          <p:txBody>
-            <a:bodyPr lIns="0" rIns="0" tIns="0" bIns="0" anchorCtr="1" anchor="ctr" wrap="none"/>
-            <a:lstStyle/>
-            <a:p>
-              <a:pPr algn="l" marL="0" marR="0" indent="0">
-                <a:lnSpc>
-                  <a:spcPts val="1000"/>
-                </a:lnSpc>
-                <a:spcBef>
-                  <a:spcPts val="0"/>
-                </a:spcBef>
-                <a:spcAft>
-                  <a:spcPts val="0"/>
-                </a:spcAft>
-              </a:pPr>
-              <a:r>
-                <a:rPr sz="1000">
-                  <a:solidFill>
-                    <a:srgbClr val="000000">
-                      <a:alpha val="100000"/>
-                    </a:srgbClr>
-                  </a:solidFill>
-                  <a:latin typeface="Times New Roman"/>
-                  <a:cs typeface="Times New Roman"/>
-                </a:rPr>
-                <a:t>Metabolic Strategy</a:t>
-              </a:r>
-            </a:p>
-          </p:txBody>
-        </p:sp>
-        <p:sp>
-          <p:nvSpPr>
-            <p:cNvPr id="1015" name="rc1014"/>
-            <p:cNvSpPr/>
-            <p:nvPr/>
-          </p:nvSpPr>
-          <p:spPr>
-            <a:xfrm>
-              <a:off x="8885796" y="5378278"/>
-              <a:ext cx="219455" cy="219455"/>
-            </a:xfrm>
-            <a:prstGeom prst="rect">
-              <a:avLst/>
-            </a:prstGeom>
-            <a:solidFill>
-              <a:srgbClr val="FFFFFF">
-                <a:alpha val="100000"/>
-              </a:srgbClr>
-            </a:solidFill>
-            <a:ln w="13550" cap="rnd">
-              <a:solidFill>
-                <a:srgbClr val="FFFFFF">
-                  <a:alpha val="100000"/>
-                </a:srgbClr>
-              </a:solidFill>
-              <a:prstDash val="solid"/>
-              <a:round/>
-            </a:ln>
-          </p:spPr>
-          <p:txBody>
-            <a:bodyPr/>
-            <a:lstStyle/>
-            <a:p/>
-          </p:txBody>
-        </p:sp>
-        <p:sp>
-          <p:nvSpPr>
-            <p:cNvPr id="1016" name="rc1015"/>
-            <p:cNvSpPr/>
-            <p:nvPr/>
-          </p:nvSpPr>
-          <p:spPr>
-            <a:xfrm>
-              <a:off x="8887596" y="5380078"/>
-              <a:ext cx="215856" cy="215855"/>
-            </a:xfrm>
-            <a:prstGeom prst="rect">
-              <a:avLst/>
-            </a:prstGeom>
-            <a:solidFill>
-              <a:srgbClr val="3CBA26">
-                <a:alpha val="100000"/>
-              </a:srgbClr>
-            </a:solidFill>
-            <a:ln w="2710" cap="flat">
-              <a:solidFill>
-                <a:srgbClr val="FFFFFF">
-                  <a:alpha val="100000"/>
-                </a:srgbClr>
-              </a:solidFill>
-              <a:prstDash val="solid"/>
-              <a:miter/>
-            </a:ln>
-          </p:spPr>
-          <p:txBody>
-            <a:bodyPr/>
-            <a:lstStyle/>
-            <a:p/>
-          </p:txBody>
-        </p:sp>
-        <p:sp>
-          <p:nvSpPr>
-            <p:cNvPr id="1017" name="rc1016"/>
-            <p:cNvSpPr/>
-            <p:nvPr/>
-          </p:nvSpPr>
-          <p:spPr>
-            <a:xfrm>
-              <a:off x="8885796" y="5597734"/>
-              <a:ext cx="219455" cy="219455"/>
-            </a:xfrm>
-            <a:prstGeom prst="rect">
-              <a:avLst/>
-            </a:prstGeom>
-            <a:solidFill>
-              <a:srgbClr val="FFFFFF">
-                <a:alpha val="100000"/>
-              </a:srgbClr>
-            </a:solidFill>
-            <a:ln w="13550" cap="rnd">
-              <a:solidFill>
-                <a:srgbClr val="FFFFFF">
-                  <a:alpha val="100000"/>
-                </a:srgbClr>
-              </a:solidFill>
-              <a:prstDash val="solid"/>
-              <a:round/>
-            </a:ln>
-          </p:spPr>
-          <p:txBody>
-            <a:bodyPr/>
-            <a:lstStyle/>
-            <a:p/>
-          </p:txBody>
-        </p:sp>
-        <p:sp>
-          <p:nvSpPr>
-            <p:cNvPr id="1018" name="rc1017"/>
-            <p:cNvSpPr/>
-            <p:nvPr/>
-          </p:nvSpPr>
-          <p:spPr>
-            <a:xfrm>
-              <a:off x="8885796" y="5817190"/>
-              <a:ext cx="219455" cy="219455"/>
-            </a:xfrm>
-            <a:prstGeom prst="rect">
-              <a:avLst/>
-            </a:prstGeom>
-            <a:solidFill>
-              <a:srgbClr val="FFFFFF">
-                <a:alpha val="100000"/>
-              </a:srgbClr>
-            </a:solidFill>
-            <a:ln w="13550" cap="rnd">
-              <a:solidFill>
-                <a:srgbClr val="FFFFFF">
-                  <a:alpha val="100000"/>
-                </a:srgbClr>
-              </a:solidFill>
-              <a:prstDash val="solid"/>
-              <a:round/>
-            </a:ln>
-          </p:spPr>
-          <p:txBody>
-            <a:bodyPr/>
-            <a:lstStyle/>
-            <a:p/>
-          </p:txBody>
-        </p:sp>
-        <p:sp>
-          <p:nvSpPr>
-            <p:cNvPr id="1019" name="rc1018"/>
-            <p:cNvSpPr/>
-            <p:nvPr/>
-          </p:nvSpPr>
-          <p:spPr>
-            <a:xfrm>
-              <a:off x="8887596" y="5818990"/>
-              <a:ext cx="215856" cy="215855"/>
-            </a:xfrm>
-            <a:prstGeom prst="rect">
-              <a:avLst/>
-            </a:prstGeom>
-            <a:solidFill>
-              <a:srgbClr val="63E3C5">
-                <a:alpha val="100000"/>
-              </a:srgbClr>
-            </a:solidFill>
-            <a:ln w="2710" cap="flat">
-              <a:solidFill>
-                <a:srgbClr val="FFFFFF">
-                  <a:alpha val="100000"/>
-                </a:srgbClr>
-              </a:solidFill>
-              <a:prstDash val="solid"/>
-              <a:miter/>
-            </a:ln>
-          </p:spPr>
-          <p:txBody>
-            <a:bodyPr/>
-            <a:lstStyle/>
-            <a:p/>
-          </p:txBody>
-        </p:sp>
-        <p:sp>
-          <p:nvSpPr>
-            <p:cNvPr id="1020" name="rc1019"/>
-            <p:cNvSpPr/>
-            <p:nvPr/>
-          </p:nvSpPr>
-          <p:spPr>
-            <a:xfrm>
-              <a:off x="8885796" y="6036646"/>
-              <a:ext cx="219455" cy="219455"/>
-            </a:xfrm>
-            <a:prstGeom prst="rect">
-              <a:avLst/>
-            </a:prstGeom>
-            <a:solidFill>
-              <a:srgbClr val="FFFFFF">
-                <a:alpha val="100000"/>
-              </a:srgbClr>
-            </a:solidFill>
-            <a:ln w="13550" cap="rnd">
-              <a:solidFill>
-                <a:srgbClr val="FFFFFF">
-                  <a:alpha val="100000"/>
-                </a:srgbClr>
-              </a:solidFill>
-              <a:prstDash val="solid"/>
-              <a:round/>
-            </a:ln>
-          </p:spPr>
-          <p:txBody>
-            <a:bodyPr/>
-            <a:lstStyle/>
-            <a:p/>
-          </p:txBody>
-        </p:sp>
-        <p:sp>
-          <p:nvSpPr>
-            <p:cNvPr id="1021" name="tx1020"/>
-            <p:cNvSpPr/>
-            <p:nvPr/>
-          </p:nvSpPr>
-          <p:spPr>
-            <a:xfrm>
-              <a:off x="9174841" y="5447692"/>
-              <a:ext cx="337551" cy="63437"/>
-            </a:xfrm>
-            <a:prstGeom prst="rect">
-              <a:avLst/>
-            </a:prstGeom>
-            <a:noFill/>
-          </p:spPr>
-          <p:txBody>
-            <a:bodyPr lIns="0" rIns="0" tIns="0" bIns="0" anchorCtr="1" anchor="ctr" wrap="none"/>
-            <a:lstStyle/>
-            <a:p>
-              <a:pPr algn="l" marL="0" marR="0" indent="0">
-                <a:lnSpc>
-                  <a:spcPts val="550"/>
-                </a:lnSpc>
-                <a:spcBef>
-                  <a:spcPts val="0"/>
-                </a:spcBef>
-                <a:spcAft>
-                  <a:spcPts val="0"/>
-                </a:spcAft>
-              </a:pPr>
-              <a:r>
-                <a:rPr sz="550">
-                  <a:solidFill>
-                    <a:srgbClr val="000000">
-                      <a:alpha val="100000"/>
-                    </a:srgbClr>
-                  </a:solidFill>
-                  <a:latin typeface="Times New Roman"/>
-                  <a:cs typeface="Times New Roman"/>
-                </a:rPr>
-                <a:t>Autotrophic</a:t>
-              </a:r>
-            </a:p>
-          </p:txBody>
-        </p:sp>
-        <p:sp>
-          <p:nvSpPr>
-            <p:cNvPr id="1022" name="tx1021"/>
-            <p:cNvSpPr/>
-            <p:nvPr/>
-          </p:nvSpPr>
-          <p:spPr>
-            <a:xfrm>
-              <a:off x="9174841" y="5667148"/>
-              <a:ext cx="337483" cy="63437"/>
-            </a:xfrm>
-            <a:prstGeom prst="rect">
-              <a:avLst/>
-            </a:prstGeom>
-            <a:noFill/>
-          </p:spPr>
-          <p:txBody>
-            <a:bodyPr lIns="0" rIns="0" tIns="0" bIns="0" anchorCtr="1" anchor="ctr" wrap="none"/>
-            <a:lstStyle/>
-            <a:p>
-              <a:pPr algn="l" marL="0" marR="0" indent="0">
-                <a:lnSpc>
-                  <a:spcPts val="550"/>
-                </a:lnSpc>
-                <a:spcBef>
-                  <a:spcPts val="0"/>
-                </a:spcBef>
-                <a:spcAft>
-                  <a:spcPts val="0"/>
-                </a:spcAft>
-              </a:pPr>
-              <a:r>
-                <a:rPr sz="550">
-                  <a:solidFill>
-                    <a:srgbClr val="000000">
-                      <a:alpha val="100000"/>
-                    </a:srgbClr>
-                  </a:solidFill>
-                  <a:latin typeface="Times New Roman"/>
-                  <a:cs typeface="Times New Roman"/>
-                </a:rPr>
-                <a:t>Heterotroph</a:t>
-              </a:r>
-            </a:p>
-          </p:txBody>
-        </p:sp>
-        <p:sp>
-          <p:nvSpPr>
-            <p:cNvPr id="1023" name="tx1022"/>
-            <p:cNvSpPr/>
-            <p:nvPr/>
-          </p:nvSpPr>
-          <p:spPr>
-            <a:xfrm>
-              <a:off x="9174841" y="5886604"/>
-              <a:ext cx="298806" cy="63437"/>
-            </a:xfrm>
-            <a:prstGeom prst="rect">
-              <a:avLst/>
-            </a:prstGeom>
-            <a:noFill/>
-          </p:spPr>
-          <p:txBody>
-            <a:bodyPr lIns="0" rIns="0" tIns="0" bIns="0" anchorCtr="1" anchor="ctr" wrap="none"/>
-            <a:lstStyle/>
-            <a:p>
-              <a:pPr algn="l" marL="0" marR="0" indent="0">
-                <a:lnSpc>
-                  <a:spcPts val="550"/>
-                </a:lnSpc>
-                <a:spcBef>
-                  <a:spcPts val="0"/>
-                </a:spcBef>
-                <a:spcAft>
-                  <a:spcPts val="0"/>
-                </a:spcAft>
-              </a:pPr>
-              <a:r>
-                <a:rPr sz="550">
-                  <a:solidFill>
-                    <a:srgbClr val="000000">
-                      <a:alpha val="100000"/>
-                    </a:srgbClr>
-                  </a:solidFill>
-                  <a:latin typeface="Times New Roman"/>
-                  <a:cs typeface="Times New Roman"/>
-                </a:rPr>
-                <a:t>Mixotroph</a:t>
-              </a:r>
-            </a:p>
-          </p:txBody>
-        </p:sp>
-        <p:sp>
-          <p:nvSpPr>
-            <p:cNvPr id="1024" name="tx1023"/>
-            <p:cNvSpPr/>
-            <p:nvPr/>
-          </p:nvSpPr>
-          <p:spPr>
-            <a:xfrm>
-              <a:off x="9174841" y="6120044"/>
-              <a:ext cx="221112" cy="49454"/>
-            </a:xfrm>
-            <a:prstGeom prst="rect">
-              <a:avLst/>
-            </a:prstGeom>
-            <a:noFill/>
-          </p:spPr>
-          <p:txBody>
-            <a:bodyPr lIns="0" rIns="0" tIns="0" bIns="0" anchorCtr="1" anchor="ctr" wrap="none"/>
-            <a:lstStyle/>
-            <a:p>
-              <a:pPr algn="l" marL="0" marR="0" indent="0">
-                <a:lnSpc>
-                  <a:spcPts val="550"/>
-                </a:lnSpc>
-                <a:spcBef>
-                  <a:spcPts val="0"/>
-                </a:spcBef>
-                <a:spcAft>
-                  <a:spcPts val="0"/>
-                </a:spcAft>
-              </a:pPr>
-              <a:r>
-                <a:rPr sz="550">
-                  <a:solidFill>
-                    <a:srgbClr val="000000">
-                      <a:alpha val="100000"/>
-                    </a:srgbClr>
-                  </a:solidFill>
-                  <a:latin typeface="Times New Roman"/>
-                  <a:cs typeface="Times New Roman"/>
-                </a:rPr>
-                <a:t>Parasite</a:t>
-              </a:r>
-            </a:p>
-          </p:txBody>
-        </p:sp>
-        <p:sp>
-          <p:nvSpPr>
-            <p:cNvPr id="1025" name="tx1024"/>
+            <p:cNvPr id="1027" name="tx1026"/>
             <p:cNvSpPr/>
             <p:nvPr/>
           </p:nvSpPr>
@@ -40903,7 +40984,7 @@
         </p:sp>
         <p:sp>
           <p:nvSpPr>
-            <p:cNvPr id="1026" name="tx1025"/>
+            <p:cNvPr id="1028" name="tx1027"/>
             <p:cNvSpPr/>
             <p:nvPr/>
           </p:nvSpPr>

--- a/Images/Figures_PPT/ChlorophytaRhodophytaTree.pptx
+++ b/Images/Figures_PPT/ChlorophytaRhodophytaTree.pptx
@@ -36530,7 +36530,7 @@
               <a:avLst/>
             </a:prstGeom>
             <a:solidFill>
-              <a:srgbClr val="BEBEBE">
+              <a:srgbClr val="3CBA26">
                 <a:alpha val="100000"/>
               </a:srgbClr>
             </a:solidFill>
@@ -37300,7 +37300,7 @@
               <a:avLst/>
             </a:prstGeom>
             <a:solidFill>
-              <a:srgbClr val="BEBEBE">
+              <a:srgbClr val="3CBA26">
                 <a:alpha val="100000"/>
               </a:srgbClr>
             </a:solidFill>

--- a/Images/Figures_PPT/ChlorophytaRhodophytaTree.pptx
+++ b/Images/Figures_PPT/ChlorophytaRhodophytaTree.pptx
@@ -39288,7 +39288,7 @@
           </p:nvSpPr>
           <p:spPr>
             <a:xfrm>
-              <a:off x="8816207" y="2168386"/>
+              <a:off x="8816207" y="1948930"/>
               <a:ext cx="1172603" cy="1417544"/>
             </a:xfrm>
             <a:prstGeom prst="rect">
@@ -39309,7 +39309,7 @@
           </p:nvSpPr>
           <p:spPr>
             <a:xfrm>
-              <a:off x="8885796" y="2220426"/>
+              <a:off x="8885796" y="2000970"/>
               <a:ext cx="1033425" cy="115341"/>
             </a:xfrm>
             <a:prstGeom prst="rect">
@@ -39361,7 +39361,7 @@
           </p:blipFill>
           <p:spPr>
             <a:xfrm>
-              <a:off x="8885796" y="2419062"/>
+              <a:off x="8885796" y="2199606"/>
               <a:ext cx="219455" cy="1097280"/>
             </a:xfrm>
             <a:prstGeom prst="rect">
@@ -39377,7 +39377,7 @@
           </p:nvSpPr>
           <p:spPr>
             <a:xfrm>
-              <a:off x="9061361" y="3300697"/>
+              <a:off x="9061361" y="3081241"/>
               <a:ext cx="43891" cy="0"/>
             </a:xfrm>
             <a:custGeom>
@@ -39417,7 +39417,7 @@
           </p:nvSpPr>
           <p:spPr>
             <a:xfrm>
-              <a:off x="9061361" y="3004964"/>
+              <a:off x="9061361" y="2785508"/>
               <a:ext cx="43891" cy="0"/>
             </a:xfrm>
             <a:custGeom>
@@ -39457,7 +39457,7 @@
           </p:nvSpPr>
           <p:spPr>
             <a:xfrm>
-              <a:off x="9061361" y="2709231"/>
+              <a:off x="9061361" y="2489775"/>
               <a:ext cx="43891" cy="0"/>
             </a:xfrm>
             <a:custGeom>
@@ -39497,7 +39497,7 @@
           </p:nvSpPr>
           <p:spPr>
             <a:xfrm>
-              <a:off x="8885796" y="3300697"/>
+              <a:off x="8885796" y="3081241"/>
               <a:ext cx="43891" cy="0"/>
             </a:xfrm>
             <a:custGeom>
@@ -39537,7 +39537,7 @@
           </p:nvSpPr>
           <p:spPr>
             <a:xfrm>
-              <a:off x="8885796" y="3004964"/>
+              <a:off x="8885796" y="2785508"/>
               <a:ext cx="43891" cy="0"/>
             </a:xfrm>
             <a:custGeom>
@@ -39577,7 +39577,7 @@
           </p:nvSpPr>
           <p:spPr>
             <a:xfrm>
-              <a:off x="8885796" y="2709231"/>
+              <a:off x="8885796" y="2489775"/>
               <a:ext cx="43891" cy="0"/>
             </a:xfrm>
             <a:custGeom>
@@ -39617,7 +39617,7 @@
           </p:nvSpPr>
           <p:spPr>
             <a:xfrm>
-              <a:off x="9174841" y="3275800"/>
+              <a:off x="9174841" y="3056344"/>
               <a:ext cx="69850" cy="48021"/>
             </a:xfrm>
             <a:prstGeom prst="rect">
@@ -39663,7 +39663,7 @@
           </p:nvSpPr>
           <p:spPr>
             <a:xfrm>
-              <a:off x="9174841" y="2980066"/>
+              <a:off x="9174841" y="2760610"/>
               <a:ext cx="69850" cy="48021"/>
             </a:xfrm>
             <a:prstGeom prst="rect">
@@ -39709,7 +39709,7 @@
           </p:nvSpPr>
           <p:spPr>
             <a:xfrm>
-              <a:off x="9174841" y="2684333"/>
+              <a:off x="9174841" y="2464877"/>
               <a:ext cx="69850" cy="48021"/>
             </a:xfrm>
             <a:prstGeom prst="rect">
@@ -39755,8 +39755,8 @@
           </p:nvSpPr>
           <p:spPr>
             <a:xfrm>
-              <a:off x="8816207" y="3593131"/>
-              <a:ext cx="1109041" cy="1417544"/>
+              <a:off x="8816207" y="3373675"/>
+              <a:ext cx="939935" cy="1417544"/>
             </a:xfrm>
             <a:prstGeom prst="rect">
               <a:avLst/>
@@ -39776,7 +39776,654 @@
           </p:nvSpPr>
           <p:spPr>
             <a:xfrm>
-              <a:off x="8885796" y="3644922"/>
+              <a:off x="8885796" y="3453124"/>
+              <a:ext cx="800757" cy="87932"/>
+            </a:xfrm>
+            <a:prstGeom prst="rect">
+              <a:avLst/>
+            </a:prstGeom>
+            <a:noFill/>
+          </p:spPr>
+          <p:txBody>
+            <a:bodyPr lIns="0" rIns="0" tIns="0" bIns="0" anchorCtr="1" anchor="ctr" wrap="none"/>
+            <a:lstStyle/>
+            <a:p>
+              <a:pPr algn="l" marL="0" marR="0" indent="0">
+                <a:lnSpc>
+                  <a:spcPts val="1000"/>
+                </a:lnSpc>
+                <a:spcBef>
+                  <a:spcPts val="0"/>
+                </a:spcBef>
+                <a:spcAft>
+                  <a:spcPts val="0"/>
+                </a:spcAft>
+              </a:pPr>
+              <a:r>
+                <a:rPr sz="1000">
+                  <a:solidFill>
+                    <a:srgbClr val="000000">
+                      <a:alpha val="100000"/>
+                    </a:srgbClr>
+                  </a:solidFill>
+                  <a:latin typeface="Times New Roman"/>
+                  <a:cs typeface="Times New Roman"/>
+                </a:rPr>
+                <a:t>HMMER Score</a:t>
+              </a:r>
+            </a:p>
+          </p:txBody>
+        </p:sp>
+        <p:sp>
+          <p:nvSpPr>
+            <p:cNvPr id="998" name="rc997"/>
+            <p:cNvSpPr/>
+            <p:nvPr/>
+          </p:nvSpPr>
+          <p:spPr>
+            <a:xfrm>
+              <a:off x="8885796" y="3624350"/>
+              <a:ext cx="219455" cy="219455"/>
+            </a:xfrm>
+            <a:prstGeom prst="rect">
+              <a:avLst/>
+            </a:prstGeom>
+            <a:solidFill>
+              <a:srgbClr val="FFFFFF">
+                <a:alpha val="100000"/>
+              </a:srgbClr>
+            </a:solidFill>
+            <a:ln w="13550" cap="rnd">
+              <a:solidFill>
+                <a:srgbClr val="FFFFFF">
+                  <a:alpha val="100000"/>
+                </a:srgbClr>
+              </a:solidFill>
+              <a:prstDash val="solid"/>
+              <a:round/>
+            </a:ln>
+          </p:spPr>
+          <p:txBody>
+            <a:bodyPr/>
+            <a:lstStyle/>
+            <a:p/>
+          </p:txBody>
+        </p:sp>
+        <p:sp>
+          <p:nvSpPr>
+            <p:cNvPr id="999" name="rc998"/>
+            <p:cNvSpPr/>
+            <p:nvPr/>
+          </p:nvSpPr>
+          <p:spPr>
+            <a:xfrm>
+              <a:off x="8887596" y="3626150"/>
+              <a:ext cx="215856" cy="215856"/>
+            </a:xfrm>
+            <a:prstGeom prst="rect">
+              <a:avLst/>
+            </a:prstGeom>
+            <a:solidFill>
+              <a:srgbClr val="AE5A41">
+                <a:alpha val="100000"/>
+              </a:srgbClr>
+            </a:solidFill>
+            <a:ln w="2710" cap="flat">
+              <a:solidFill>
+                <a:srgbClr val="FFFFFF">
+                  <a:alpha val="100000"/>
+                </a:srgbClr>
+              </a:solidFill>
+              <a:prstDash val="solid"/>
+              <a:miter/>
+            </a:ln>
+          </p:spPr>
+          <p:txBody>
+            <a:bodyPr/>
+            <a:lstStyle/>
+            <a:p/>
+          </p:txBody>
+        </p:sp>
+        <p:sp>
+          <p:nvSpPr>
+            <p:cNvPr id="1000" name="rc999"/>
+            <p:cNvSpPr/>
+            <p:nvPr/>
+          </p:nvSpPr>
+          <p:spPr>
+            <a:xfrm>
+              <a:off x="8885796" y="3843806"/>
+              <a:ext cx="219455" cy="219456"/>
+            </a:xfrm>
+            <a:prstGeom prst="rect">
+              <a:avLst/>
+            </a:prstGeom>
+            <a:solidFill>
+              <a:srgbClr val="FFFFFF">
+                <a:alpha val="100000"/>
+              </a:srgbClr>
+            </a:solidFill>
+            <a:ln w="13550" cap="rnd">
+              <a:solidFill>
+                <a:srgbClr val="FFFFFF">
+                  <a:alpha val="100000"/>
+                </a:srgbClr>
+              </a:solidFill>
+              <a:prstDash val="solid"/>
+              <a:round/>
+            </a:ln>
+          </p:spPr>
+          <p:txBody>
+            <a:bodyPr/>
+            <a:lstStyle/>
+            <a:p/>
+          </p:txBody>
+        </p:sp>
+        <p:sp>
+          <p:nvSpPr>
+            <p:cNvPr id="1001" name="rc1000"/>
+            <p:cNvSpPr/>
+            <p:nvPr/>
+          </p:nvSpPr>
+          <p:spPr>
+            <a:xfrm>
+              <a:off x="8887596" y="3845606"/>
+              <a:ext cx="215856" cy="215856"/>
+            </a:xfrm>
+            <a:prstGeom prst="rect">
+              <a:avLst/>
+            </a:prstGeom>
+            <a:solidFill>
+              <a:srgbClr val="559E83">
+                <a:alpha val="100000"/>
+              </a:srgbClr>
+            </a:solidFill>
+            <a:ln w="2710" cap="flat">
+              <a:solidFill>
+                <a:srgbClr val="FFFFFF">
+                  <a:alpha val="100000"/>
+                </a:srgbClr>
+              </a:solidFill>
+              <a:prstDash val="solid"/>
+              <a:miter/>
+            </a:ln>
+          </p:spPr>
+          <p:txBody>
+            <a:bodyPr/>
+            <a:lstStyle/>
+            <a:p/>
+          </p:txBody>
+        </p:sp>
+        <p:sp>
+          <p:nvSpPr>
+            <p:cNvPr id="1002" name="rc1001"/>
+            <p:cNvSpPr/>
+            <p:nvPr/>
+          </p:nvSpPr>
+          <p:spPr>
+            <a:xfrm>
+              <a:off x="8885796" y="4063262"/>
+              <a:ext cx="219455" cy="219455"/>
+            </a:xfrm>
+            <a:prstGeom prst="rect">
+              <a:avLst/>
+            </a:prstGeom>
+            <a:solidFill>
+              <a:srgbClr val="FFFFFF">
+                <a:alpha val="100000"/>
+              </a:srgbClr>
+            </a:solidFill>
+            <a:ln w="13550" cap="rnd">
+              <a:solidFill>
+                <a:srgbClr val="FFFFFF">
+                  <a:alpha val="100000"/>
+                </a:srgbClr>
+              </a:solidFill>
+              <a:prstDash val="solid"/>
+              <a:round/>
+            </a:ln>
+          </p:spPr>
+          <p:txBody>
+            <a:bodyPr/>
+            <a:lstStyle/>
+            <a:p/>
+          </p:txBody>
+        </p:sp>
+        <p:sp>
+          <p:nvSpPr>
+            <p:cNvPr id="1003" name="rc1002"/>
+            <p:cNvSpPr/>
+            <p:nvPr/>
+          </p:nvSpPr>
+          <p:spPr>
+            <a:xfrm>
+              <a:off x="8887596" y="4065062"/>
+              <a:ext cx="215856" cy="215855"/>
+            </a:xfrm>
+            <a:prstGeom prst="rect">
+              <a:avLst/>
+            </a:prstGeom>
+            <a:solidFill>
+              <a:srgbClr val="B2D4AD">
+                <a:alpha val="100000"/>
+              </a:srgbClr>
+            </a:solidFill>
+            <a:ln w="2710" cap="flat">
+              <a:solidFill>
+                <a:srgbClr val="FFFFFF">
+                  <a:alpha val="100000"/>
+                </a:srgbClr>
+              </a:solidFill>
+              <a:prstDash val="solid"/>
+              <a:miter/>
+            </a:ln>
+          </p:spPr>
+          <p:txBody>
+            <a:bodyPr/>
+            <a:lstStyle/>
+            <a:p/>
+          </p:txBody>
+        </p:sp>
+        <p:sp>
+          <p:nvSpPr>
+            <p:cNvPr id="1004" name="rc1003"/>
+            <p:cNvSpPr/>
+            <p:nvPr/>
+          </p:nvSpPr>
+          <p:spPr>
+            <a:xfrm>
+              <a:off x="8885796" y="4282718"/>
+              <a:ext cx="219455" cy="219455"/>
+            </a:xfrm>
+            <a:prstGeom prst="rect">
+              <a:avLst/>
+            </a:prstGeom>
+            <a:solidFill>
+              <a:srgbClr val="FFFFFF">
+                <a:alpha val="100000"/>
+              </a:srgbClr>
+            </a:solidFill>
+            <a:ln w="13550" cap="rnd">
+              <a:solidFill>
+                <a:srgbClr val="FFFFFF">
+                  <a:alpha val="100000"/>
+                </a:srgbClr>
+              </a:solidFill>
+              <a:prstDash val="solid"/>
+              <a:round/>
+            </a:ln>
+          </p:spPr>
+          <p:txBody>
+            <a:bodyPr/>
+            <a:lstStyle/>
+            <a:p/>
+          </p:txBody>
+        </p:sp>
+        <p:sp>
+          <p:nvSpPr>
+            <p:cNvPr id="1005" name="rc1004"/>
+            <p:cNvSpPr/>
+            <p:nvPr/>
+          </p:nvSpPr>
+          <p:spPr>
+            <a:xfrm>
+              <a:off x="8887596" y="4284518"/>
+              <a:ext cx="215856" cy="215855"/>
+            </a:xfrm>
+            <a:prstGeom prst="rect">
+              <a:avLst/>
+            </a:prstGeom>
+            <a:solidFill>
+              <a:srgbClr val="DBC795">
+                <a:alpha val="100000"/>
+              </a:srgbClr>
+            </a:solidFill>
+            <a:ln w="2710" cap="flat">
+              <a:solidFill>
+                <a:srgbClr val="FFFFFF">
+                  <a:alpha val="100000"/>
+                </a:srgbClr>
+              </a:solidFill>
+              <a:prstDash val="solid"/>
+              <a:miter/>
+            </a:ln>
+          </p:spPr>
+          <p:txBody>
+            <a:bodyPr/>
+            <a:lstStyle/>
+            <a:p/>
+          </p:txBody>
+        </p:sp>
+        <p:sp>
+          <p:nvSpPr>
+            <p:cNvPr id="1006" name="rc1005"/>
+            <p:cNvSpPr/>
+            <p:nvPr/>
+          </p:nvSpPr>
+          <p:spPr>
+            <a:xfrm>
+              <a:off x="8885796" y="4502174"/>
+              <a:ext cx="219455" cy="219455"/>
+            </a:xfrm>
+            <a:prstGeom prst="rect">
+              <a:avLst/>
+            </a:prstGeom>
+            <a:solidFill>
+              <a:srgbClr val="FFFFFF">
+                <a:alpha val="100000"/>
+              </a:srgbClr>
+            </a:solidFill>
+            <a:ln w="13550" cap="rnd">
+              <a:solidFill>
+                <a:srgbClr val="FFFFFF">
+                  <a:alpha val="100000"/>
+                </a:srgbClr>
+              </a:solidFill>
+              <a:prstDash val="solid"/>
+              <a:round/>
+            </a:ln>
+          </p:spPr>
+          <p:txBody>
+            <a:bodyPr/>
+            <a:lstStyle/>
+            <a:p/>
+          </p:txBody>
+        </p:sp>
+        <p:sp>
+          <p:nvSpPr>
+            <p:cNvPr id="1007" name="rc1006"/>
+            <p:cNvSpPr/>
+            <p:nvPr/>
+          </p:nvSpPr>
+          <p:spPr>
+            <a:xfrm>
+              <a:off x="8887596" y="4503974"/>
+              <a:ext cx="215856" cy="215855"/>
+            </a:xfrm>
+            <a:prstGeom prst="rect">
+              <a:avLst/>
+            </a:prstGeom>
+            <a:solidFill>
+              <a:srgbClr val="FFFFFF">
+                <a:alpha val="100000"/>
+              </a:srgbClr>
+            </a:solidFill>
+            <a:ln w="2710" cap="flat">
+              <a:solidFill>
+                <a:srgbClr val="FFFFFF">
+                  <a:alpha val="100000"/>
+                </a:srgbClr>
+              </a:solidFill>
+              <a:prstDash val="solid"/>
+              <a:miter/>
+            </a:ln>
+          </p:spPr>
+          <p:txBody>
+            <a:bodyPr/>
+            <a:lstStyle/>
+            <a:p/>
+          </p:txBody>
+        </p:sp>
+        <p:sp>
+          <p:nvSpPr>
+            <p:cNvPr id="1008" name="tx1007"/>
+            <p:cNvSpPr/>
+            <p:nvPr/>
+          </p:nvSpPr>
+          <p:spPr>
+            <a:xfrm>
+              <a:off x="9174841" y="3710954"/>
+              <a:ext cx="50443" cy="46248"/>
+            </a:xfrm>
+            <a:prstGeom prst="rect">
+              <a:avLst/>
+            </a:prstGeom>
+            <a:noFill/>
+          </p:spPr>
+          <p:txBody>
+            <a:bodyPr lIns="0" rIns="0" tIns="0" bIns="0" anchorCtr="1" anchor="ctr" wrap="none"/>
+            <a:lstStyle/>
+            <a:p>
+              <a:pPr algn="l" marL="0" marR="0" indent="0">
+                <a:lnSpc>
+                  <a:spcPts val="550"/>
+                </a:lnSpc>
+                <a:spcBef>
+                  <a:spcPts val="0"/>
+                </a:spcBef>
+                <a:spcAft>
+                  <a:spcPts val="0"/>
+                </a:spcAft>
+              </a:pPr>
+              <a:r>
+                <a:rPr sz="550">
+                  <a:solidFill>
+                    <a:srgbClr val="000000">
+                      <a:alpha val="100000"/>
+                    </a:srgbClr>
+                  </a:solidFill>
+                  <a:latin typeface="Times New Roman"/>
+                  <a:cs typeface="Times New Roman"/>
+                </a:rPr>
+                <a:t>H</a:t>
+              </a:r>
+            </a:p>
+          </p:txBody>
+        </p:sp>
+        <p:sp>
+          <p:nvSpPr>
+            <p:cNvPr id="1009" name="tx1008"/>
+            <p:cNvSpPr/>
+            <p:nvPr/>
+          </p:nvSpPr>
+          <p:spPr>
+            <a:xfrm>
+              <a:off x="9174841" y="3930410"/>
+              <a:ext cx="62107" cy="46248"/>
+            </a:xfrm>
+            <a:prstGeom prst="rect">
+              <a:avLst/>
+            </a:prstGeom>
+            <a:noFill/>
+          </p:spPr>
+          <p:txBody>
+            <a:bodyPr lIns="0" rIns="0" tIns="0" bIns="0" anchorCtr="1" anchor="ctr" wrap="none"/>
+            <a:lstStyle/>
+            <a:p>
+              <a:pPr algn="l" marL="0" marR="0" indent="0">
+                <a:lnSpc>
+                  <a:spcPts val="550"/>
+                </a:lnSpc>
+                <a:spcBef>
+                  <a:spcPts val="0"/>
+                </a:spcBef>
+                <a:spcAft>
+                  <a:spcPts val="0"/>
+                </a:spcAft>
+              </a:pPr>
+              <a:r>
+                <a:rPr sz="550">
+                  <a:solidFill>
+                    <a:srgbClr val="000000">
+                      <a:alpha val="100000"/>
+                    </a:srgbClr>
+                  </a:solidFill>
+                  <a:latin typeface="Times New Roman"/>
+                  <a:cs typeface="Times New Roman"/>
+                </a:rPr>
+                <a:t>M</a:t>
+              </a:r>
+            </a:p>
+          </p:txBody>
+        </p:sp>
+        <p:sp>
+          <p:nvSpPr>
+            <p:cNvPr id="1010" name="tx1009"/>
+            <p:cNvSpPr/>
+            <p:nvPr/>
+          </p:nvSpPr>
+          <p:spPr>
+            <a:xfrm>
+              <a:off x="9174841" y="4149866"/>
+              <a:ext cx="42667" cy="46248"/>
+            </a:xfrm>
+            <a:prstGeom prst="rect">
+              <a:avLst/>
+            </a:prstGeom>
+            <a:noFill/>
+          </p:spPr>
+          <p:txBody>
+            <a:bodyPr lIns="0" rIns="0" tIns="0" bIns="0" anchorCtr="1" anchor="ctr" wrap="none"/>
+            <a:lstStyle/>
+            <a:p>
+              <a:pPr algn="l" marL="0" marR="0" indent="0">
+                <a:lnSpc>
+                  <a:spcPts val="550"/>
+                </a:lnSpc>
+                <a:spcBef>
+                  <a:spcPts val="0"/>
+                </a:spcBef>
+                <a:spcAft>
+                  <a:spcPts val="0"/>
+                </a:spcAft>
+              </a:pPr>
+              <a:r>
+                <a:rPr sz="550">
+                  <a:solidFill>
+                    <a:srgbClr val="000000">
+                      <a:alpha val="100000"/>
+                    </a:srgbClr>
+                  </a:solidFill>
+                  <a:latin typeface="Times New Roman"/>
+                  <a:cs typeface="Times New Roman"/>
+                </a:rPr>
+                <a:t>L</a:t>
+              </a:r>
+            </a:p>
+          </p:txBody>
+        </p:sp>
+        <p:sp>
+          <p:nvSpPr>
+            <p:cNvPr id="1011" name="tx1010"/>
+            <p:cNvSpPr/>
+            <p:nvPr/>
+          </p:nvSpPr>
+          <p:spPr>
+            <a:xfrm>
+              <a:off x="9174841" y="4369322"/>
+              <a:ext cx="38847" cy="46248"/>
+            </a:xfrm>
+            <a:prstGeom prst="rect">
+              <a:avLst/>
+            </a:prstGeom>
+            <a:noFill/>
+          </p:spPr>
+          <p:txBody>
+            <a:bodyPr lIns="0" rIns="0" tIns="0" bIns="0" anchorCtr="1" anchor="ctr" wrap="none"/>
+            <a:lstStyle/>
+            <a:p>
+              <a:pPr algn="l" marL="0" marR="0" indent="0">
+                <a:lnSpc>
+                  <a:spcPts val="550"/>
+                </a:lnSpc>
+                <a:spcBef>
+                  <a:spcPts val="0"/>
+                </a:spcBef>
+                <a:spcAft>
+                  <a:spcPts val="0"/>
+                </a:spcAft>
+              </a:pPr>
+              <a:r>
+                <a:rPr sz="550">
+                  <a:solidFill>
+                    <a:srgbClr val="000000">
+                      <a:alpha val="100000"/>
+                    </a:srgbClr>
+                  </a:solidFill>
+                  <a:latin typeface="Times New Roman"/>
+                  <a:cs typeface="Times New Roman"/>
+                </a:rPr>
+                <a:t>P</a:t>
+              </a:r>
+            </a:p>
+          </p:txBody>
+        </p:sp>
+        <p:sp>
+          <p:nvSpPr>
+            <p:cNvPr id="1012" name="tx1011"/>
+            <p:cNvSpPr/>
+            <p:nvPr/>
+          </p:nvSpPr>
+          <p:spPr>
+            <a:xfrm>
+              <a:off x="9174841" y="4586970"/>
+              <a:ext cx="100886" cy="48055"/>
+            </a:xfrm>
+            <a:prstGeom prst="rect">
+              <a:avLst/>
+            </a:prstGeom>
+            <a:noFill/>
+          </p:spPr>
+          <p:txBody>
+            <a:bodyPr lIns="0" rIns="0" tIns="0" bIns="0" anchorCtr="1" anchor="ctr" wrap="none"/>
+            <a:lstStyle/>
+            <a:p>
+              <a:pPr algn="l" marL="0" marR="0" indent="0">
+                <a:lnSpc>
+                  <a:spcPts val="550"/>
+                </a:lnSpc>
+                <a:spcBef>
+                  <a:spcPts val="0"/>
+                </a:spcBef>
+                <a:spcAft>
+                  <a:spcPts val="0"/>
+                </a:spcAft>
+              </a:pPr>
+              <a:r>
+                <a:rPr sz="550">
+                  <a:solidFill>
+                    <a:srgbClr val="000000">
+                      <a:alpha val="100000"/>
+                    </a:srgbClr>
+                  </a:solidFill>
+                  <a:latin typeface="Times New Roman"/>
+                  <a:cs typeface="Times New Roman"/>
+                </a:rPr>
+                <a:t>NA</a:t>
+              </a:r>
+            </a:p>
+          </p:txBody>
+        </p:sp>
+        <p:sp>
+          <p:nvSpPr>
+            <p:cNvPr id="1013" name="rc1012"/>
+            <p:cNvSpPr/>
+            <p:nvPr/>
+          </p:nvSpPr>
+          <p:spPr>
+            <a:xfrm>
+              <a:off x="8816207" y="4798419"/>
+              <a:ext cx="1109041" cy="1856456"/>
+            </a:xfrm>
+            <a:prstGeom prst="rect">
+              <a:avLst/>
+            </a:prstGeom>
+          </p:spPr>
+          <p:txBody>
+            <a:bodyPr/>
+            <a:lstStyle/>
+            <a:p/>
+          </p:txBody>
+        </p:sp>
+        <p:sp>
+          <p:nvSpPr>
+            <p:cNvPr id="1014" name="tx1013"/>
+            <p:cNvSpPr/>
+            <p:nvPr/>
+          </p:nvSpPr>
+          <p:spPr>
+            <a:xfrm>
+              <a:off x="8885796" y="4850211"/>
               <a:ext cx="969863" cy="115589"/>
             </a:xfrm>
             <a:prstGeom prst="rect">
@@ -39816,13 +40463,293 @@
         </p:sp>
         <p:sp>
           <p:nvSpPr>
-            <p:cNvPr id="998" name="rc997"/>
-            <p:cNvSpPr/>
-            <p:nvPr/>
-          </p:nvSpPr>
-          <p:spPr>
-            <a:xfrm>
-              <a:off x="8885796" y="3843806"/>
+            <p:cNvPr id="1015" name="rc1014"/>
+            <p:cNvSpPr/>
+            <p:nvPr/>
+          </p:nvSpPr>
+          <p:spPr>
+            <a:xfrm>
+              <a:off x="8885796" y="5049094"/>
+              <a:ext cx="219455" cy="219455"/>
+            </a:xfrm>
+            <a:prstGeom prst="rect">
+              <a:avLst/>
+            </a:prstGeom>
+            <a:solidFill>
+              <a:srgbClr val="FFFFFF">
+                <a:alpha val="100000"/>
+              </a:srgbClr>
+            </a:solidFill>
+            <a:ln w="13550" cap="rnd">
+              <a:solidFill>
+                <a:srgbClr val="FFFFFF">
+                  <a:alpha val="100000"/>
+                </a:srgbClr>
+              </a:solidFill>
+              <a:prstDash val="solid"/>
+              <a:round/>
+            </a:ln>
+          </p:spPr>
+          <p:txBody>
+            <a:bodyPr/>
+            <a:lstStyle/>
+            <a:p/>
+          </p:txBody>
+        </p:sp>
+        <p:sp>
+          <p:nvSpPr>
+            <p:cNvPr id="1016" name="rc1015"/>
+            <p:cNvSpPr/>
+            <p:nvPr/>
+          </p:nvSpPr>
+          <p:spPr>
+            <a:xfrm>
+              <a:off x="8887596" y="5050894"/>
+              <a:ext cx="215856" cy="215855"/>
+            </a:xfrm>
+            <a:prstGeom prst="rect">
+              <a:avLst/>
+            </a:prstGeom>
+            <a:solidFill>
+              <a:srgbClr val="3CBA26">
+                <a:alpha val="100000"/>
+              </a:srgbClr>
+            </a:solidFill>
+            <a:ln w="2710" cap="flat">
+              <a:solidFill>
+                <a:srgbClr val="FFFFFF">
+                  <a:alpha val="100000"/>
+                </a:srgbClr>
+              </a:solidFill>
+              <a:prstDash val="solid"/>
+              <a:miter/>
+            </a:ln>
+          </p:spPr>
+          <p:txBody>
+            <a:bodyPr/>
+            <a:lstStyle/>
+            <a:p/>
+          </p:txBody>
+        </p:sp>
+        <p:sp>
+          <p:nvSpPr>
+            <p:cNvPr id="1017" name="rc1016"/>
+            <p:cNvSpPr/>
+            <p:nvPr/>
+          </p:nvSpPr>
+          <p:spPr>
+            <a:xfrm>
+              <a:off x="8885796" y="5268550"/>
+              <a:ext cx="219455" cy="219455"/>
+            </a:xfrm>
+            <a:prstGeom prst="rect">
+              <a:avLst/>
+            </a:prstGeom>
+            <a:solidFill>
+              <a:srgbClr val="FFFFFF">
+                <a:alpha val="100000"/>
+              </a:srgbClr>
+            </a:solidFill>
+            <a:ln w="13550" cap="rnd">
+              <a:solidFill>
+                <a:srgbClr val="FFFFFF">
+                  <a:alpha val="100000"/>
+                </a:srgbClr>
+              </a:solidFill>
+              <a:prstDash val="solid"/>
+              <a:round/>
+            </a:ln>
+          </p:spPr>
+          <p:txBody>
+            <a:bodyPr/>
+            <a:lstStyle/>
+            <a:p/>
+          </p:txBody>
+        </p:sp>
+        <p:sp>
+          <p:nvSpPr>
+            <p:cNvPr id="1018" name="rc1017"/>
+            <p:cNvSpPr/>
+            <p:nvPr/>
+          </p:nvSpPr>
+          <p:spPr>
+            <a:xfrm>
+              <a:off x="8885796" y="5488006"/>
+              <a:ext cx="219455" cy="219455"/>
+            </a:xfrm>
+            <a:prstGeom prst="rect">
+              <a:avLst/>
+            </a:prstGeom>
+            <a:solidFill>
+              <a:srgbClr val="FFFFFF">
+                <a:alpha val="100000"/>
+              </a:srgbClr>
+            </a:solidFill>
+            <a:ln w="13550" cap="rnd">
+              <a:solidFill>
+                <a:srgbClr val="FFFFFF">
+                  <a:alpha val="100000"/>
+                </a:srgbClr>
+              </a:solidFill>
+              <a:prstDash val="solid"/>
+              <a:round/>
+            </a:ln>
+          </p:spPr>
+          <p:txBody>
+            <a:bodyPr/>
+            <a:lstStyle/>
+            <a:p/>
+          </p:txBody>
+        </p:sp>
+        <p:sp>
+          <p:nvSpPr>
+            <p:cNvPr id="1019" name="rc1018"/>
+            <p:cNvSpPr/>
+            <p:nvPr/>
+          </p:nvSpPr>
+          <p:spPr>
+            <a:xfrm>
+              <a:off x="8887596" y="5489806"/>
+              <a:ext cx="215856" cy="215855"/>
+            </a:xfrm>
+            <a:prstGeom prst="rect">
+              <a:avLst/>
+            </a:prstGeom>
+            <a:solidFill>
+              <a:srgbClr val="63E3C5">
+                <a:alpha val="100000"/>
+              </a:srgbClr>
+            </a:solidFill>
+            <a:ln w="2710" cap="flat">
+              <a:solidFill>
+                <a:srgbClr val="FFFFFF">
+                  <a:alpha val="100000"/>
+                </a:srgbClr>
+              </a:solidFill>
+              <a:prstDash val="solid"/>
+              <a:miter/>
+            </a:ln>
+          </p:spPr>
+          <p:txBody>
+            <a:bodyPr/>
+            <a:lstStyle/>
+            <a:p/>
+          </p:txBody>
+        </p:sp>
+        <p:sp>
+          <p:nvSpPr>
+            <p:cNvPr id="1020" name="rc1019"/>
+            <p:cNvSpPr/>
+            <p:nvPr/>
+          </p:nvSpPr>
+          <p:spPr>
+            <a:xfrm>
+              <a:off x="8885796" y="5707462"/>
+              <a:ext cx="219455" cy="219455"/>
+            </a:xfrm>
+            <a:prstGeom prst="rect">
+              <a:avLst/>
+            </a:prstGeom>
+            <a:solidFill>
+              <a:srgbClr val="FFFFFF">
+                <a:alpha val="100000"/>
+              </a:srgbClr>
+            </a:solidFill>
+            <a:ln w="13550" cap="rnd">
+              <a:solidFill>
+                <a:srgbClr val="FFFFFF">
+                  <a:alpha val="100000"/>
+                </a:srgbClr>
+              </a:solidFill>
+              <a:prstDash val="solid"/>
+              <a:round/>
+            </a:ln>
+          </p:spPr>
+          <p:txBody>
+            <a:bodyPr/>
+            <a:lstStyle/>
+            <a:p/>
+          </p:txBody>
+        </p:sp>
+        <p:sp>
+          <p:nvSpPr>
+            <p:cNvPr id="1021" name="rc1020"/>
+            <p:cNvSpPr/>
+            <p:nvPr/>
+          </p:nvSpPr>
+          <p:spPr>
+            <a:xfrm>
+              <a:off x="8885796" y="5926918"/>
+              <a:ext cx="219455" cy="219455"/>
+            </a:xfrm>
+            <a:prstGeom prst="rect">
+              <a:avLst/>
+            </a:prstGeom>
+            <a:solidFill>
+              <a:srgbClr val="FFFFFF">
+                <a:alpha val="100000"/>
+              </a:srgbClr>
+            </a:solidFill>
+            <a:ln w="13550" cap="rnd">
+              <a:solidFill>
+                <a:srgbClr val="FFFFFF">
+                  <a:alpha val="100000"/>
+                </a:srgbClr>
+              </a:solidFill>
+              <a:prstDash val="solid"/>
+              <a:round/>
+            </a:ln>
+          </p:spPr>
+          <p:txBody>
+            <a:bodyPr/>
+            <a:lstStyle/>
+            <a:p/>
+          </p:txBody>
+        </p:sp>
+        <p:sp>
+          <p:nvSpPr>
+            <p:cNvPr id="1022" name="rc1021"/>
+            <p:cNvSpPr/>
+            <p:nvPr/>
+          </p:nvSpPr>
+          <p:spPr>
+            <a:xfrm>
+              <a:off x="8885796" y="6146374"/>
+              <a:ext cx="219455" cy="219455"/>
+            </a:xfrm>
+            <a:prstGeom prst="rect">
+              <a:avLst/>
+            </a:prstGeom>
+            <a:solidFill>
+              <a:srgbClr val="FFFFFF">
+                <a:alpha val="100000"/>
+              </a:srgbClr>
+            </a:solidFill>
+            <a:ln w="13550" cap="rnd">
+              <a:solidFill>
+                <a:srgbClr val="FFFFFF">
+                  <a:alpha val="100000"/>
+                </a:srgbClr>
+              </a:solidFill>
+              <a:prstDash val="solid"/>
+              <a:round/>
+            </a:ln>
+          </p:spPr>
+          <p:txBody>
+            <a:bodyPr/>
+            <a:lstStyle/>
+            <a:p/>
+          </p:txBody>
+        </p:sp>
+        <p:sp>
+          <p:nvSpPr>
+            <p:cNvPr id="1023" name="rc1022"/>
+            <p:cNvSpPr/>
+            <p:nvPr/>
+          </p:nvSpPr>
+          <p:spPr>
+            <a:xfrm>
+              <a:off x="8885796" y="6365830"/>
               <a:ext cx="219455" cy="219456"/>
             </a:xfrm>
             <a:prstGeom prst="rect">
@@ -39851,223 +40778,13 @@
         </p:sp>
         <p:sp>
           <p:nvSpPr>
-            <p:cNvPr id="999" name="rc998"/>
-            <p:cNvSpPr/>
-            <p:nvPr/>
-          </p:nvSpPr>
-          <p:spPr>
-            <a:xfrm>
-              <a:off x="8887596" y="3845606"/>
-              <a:ext cx="215856" cy="215856"/>
-            </a:xfrm>
-            <a:prstGeom prst="rect">
-              <a:avLst/>
-            </a:prstGeom>
-            <a:solidFill>
-              <a:srgbClr val="3CBA26">
-                <a:alpha val="100000"/>
-              </a:srgbClr>
-            </a:solidFill>
-            <a:ln w="2710" cap="flat">
-              <a:solidFill>
-                <a:srgbClr val="FFFFFF">
-                  <a:alpha val="100000"/>
-                </a:srgbClr>
-              </a:solidFill>
-              <a:prstDash val="solid"/>
-              <a:miter/>
-            </a:ln>
-          </p:spPr>
-          <p:txBody>
-            <a:bodyPr/>
-            <a:lstStyle/>
-            <a:p/>
-          </p:txBody>
-        </p:sp>
-        <p:sp>
-          <p:nvSpPr>
-            <p:cNvPr id="1000" name="rc999"/>
-            <p:cNvSpPr/>
-            <p:nvPr/>
-          </p:nvSpPr>
-          <p:spPr>
-            <a:xfrm>
-              <a:off x="8885796" y="4063262"/>
-              <a:ext cx="219455" cy="219455"/>
-            </a:xfrm>
-            <a:prstGeom prst="rect">
-              <a:avLst/>
-            </a:prstGeom>
-            <a:solidFill>
-              <a:srgbClr val="FFFFFF">
-                <a:alpha val="100000"/>
-              </a:srgbClr>
-            </a:solidFill>
-            <a:ln w="13550" cap="rnd">
-              <a:solidFill>
-                <a:srgbClr val="FFFFFF">
-                  <a:alpha val="100000"/>
-                </a:srgbClr>
-              </a:solidFill>
-              <a:prstDash val="solid"/>
-              <a:round/>
-            </a:ln>
-          </p:spPr>
-          <p:txBody>
-            <a:bodyPr/>
-            <a:lstStyle/>
-            <a:p/>
-          </p:txBody>
-        </p:sp>
-        <p:sp>
-          <p:nvSpPr>
-            <p:cNvPr id="1001" name="rc1000"/>
-            <p:cNvSpPr/>
-            <p:nvPr/>
-          </p:nvSpPr>
-          <p:spPr>
-            <a:xfrm>
-              <a:off x="8885796" y="4282718"/>
-              <a:ext cx="219455" cy="219455"/>
-            </a:xfrm>
-            <a:prstGeom prst="rect">
-              <a:avLst/>
-            </a:prstGeom>
-            <a:solidFill>
-              <a:srgbClr val="FFFFFF">
-                <a:alpha val="100000"/>
-              </a:srgbClr>
-            </a:solidFill>
-            <a:ln w="13550" cap="rnd">
-              <a:solidFill>
-                <a:srgbClr val="FFFFFF">
-                  <a:alpha val="100000"/>
-                </a:srgbClr>
-              </a:solidFill>
-              <a:prstDash val="solid"/>
-              <a:round/>
-            </a:ln>
-          </p:spPr>
-          <p:txBody>
-            <a:bodyPr/>
-            <a:lstStyle/>
-            <a:p/>
-          </p:txBody>
-        </p:sp>
-        <p:sp>
-          <p:nvSpPr>
-            <p:cNvPr id="1002" name="rc1001"/>
-            <p:cNvSpPr/>
-            <p:nvPr/>
-          </p:nvSpPr>
-          <p:spPr>
-            <a:xfrm>
-              <a:off x="8887596" y="4284518"/>
-              <a:ext cx="215856" cy="215855"/>
-            </a:xfrm>
-            <a:prstGeom prst="rect">
-              <a:avLst/>
-            </a:prstGeom>
-            <a:solidFill>
-              <a:srgbClr val="63E3C5">
-                <a:alpha val="100000"/>
-              </a:srgbClr>
-            </a:solidFill>
-            <a:ln w="2710" cap="flat">
-              <a:solidFill>
-                <a:srgbClr val="FFFFFF">
-                  <a:alpha val="100000"/>
-                </a:srgbClr>
-              </a:solidFill>
-              <a:prstDash val="solid"/>
-              <a:miter/>
-            </a:ln>
-          </p:spPr>
-          <p:txBody>
-            <a:bodyPr/>
-            <a:lstStyle/>
-            <a:p/>
-          </p:txBody>
-        </p:sp>
-        <p:sp>
-          <p:nvSpPr>
-            <p:cNvPr id="1003" name="rc1002"/>
-            <p:cNvSpPr/>
-            <p:nvPr/>
-          </p:nvSpPr>
-          <p:spPr>
-            <a:xfrm>
-              <a:off x="8885796" y="4502174"/>
-              <a:ext cx="219455" cy="219455"/>
-            </a:xfrm>
-            <a:prstGeom prst="rect">
-              <a:avLst/>
-            </a:prstGeom>
-            <a:solidFill>
-              <a:srgbClr val="FFFFFF">
-                <a:alpha val="100000"/>
-              </a:srgbClr>
-            </a:solidFill>
-            <a:ln w="13550" cap="rnd">
-              <a:solidFill>
-                <a:srgbClr val="FFFFFF">
-                  <a:alpha val="100000"/>
-                </a:srgbClr>
-              </a:solidFill>
-              <a:prstDash val="solid"/>
-              <a:round/>
-            </a:ln>
-          </p:spPr>
-          <p:txBody>
-            <a:bodyPr/>
-            <a:lstStyle/>
-            <a:p/>
-          </p:txBody>
-        </p:sp>
-        <p:sp>
-          <p:nvSpPr>
-            <p:cNvPr id="1004" name="rc1003"/>
-            <p:cNvSpPr/>
-            <p:nvPr/>
-          </p:nvSpPr>
-          <p:spPr>
-            <a:xfrm>
-              <a:off x="8885796" y="4721630"/>
-              <a:ext cx="219455" cy="219455"/>
-            </a:xfrm>
-            <a:prstGeom prst="rect">
-              <a:avLst/>
-            </a:prstGeom>
-            <a:solidFill>
-              <a:srgbClr val="FFFFFF">
-                <a:alpha val="100000"/>
-              </a:srgbClr>
-            </a:solidFill>
-            <a:ln w="13550" cap="rnd">
-              <a:solidFill>
-                <a:srgbClr val="FFFFFF">
-                  <a:alpha val="100000"/>
-                </a:srgbClr>
-              </a:solidFill>
-              <a:prstDash val="solid"/>
-              <a:round/>
-            </a:ln>
-          </p:spPr>
-          <p:txBody>
-            <a:bodyPr/>
-            <a:lstStyle/>
-            <a:p/>
-          </p:txBody>
-        </p:sp>
-        <p:sp>
-          <p:nvSpPr>
-            <p:cNvPr id="1005" name="tx1004"/>
-            <p:cNvSpPr/>
-            <p:nvPr/>
-          </p:nvSpPr>
-          <p:spPr>
-            <a:xfrm>
-              <a:off x="9174841" y="3913220"/>
+            <p:cNvPr id="1024" name="tx1023"/>
+            <p:cNvSpPr/>
+            <p:nvPr/>
+          </p:nvSpPr>
+          <p:spPr>
+            <a:xfrm>
+              <a:off x="9174841" y="5118508"/>
               <a:ext cx="337551" cy="63437"/>
             </a:xfrm>
             <a:prstGeom prst="rect">
@@ -40107,13 +40824,13 @@
         </p:sp>
         <p:sp>
           <p:nvSpPr>
-            <p:cNvPr id="1006" name="tx1005"/>
-            <p:cNvSpPr/>
-            <p:nvPr/>
-          </p:nvSpPr>
-          <p:spPr>
-            <a:xfrm>
-              <a:off x="9174841" y="4132676"/>
+            <p:cNvPr id="1025" name="tx1024"/>
+            <p:cNvSpPr/>
+            <p:nvPr/>
+          </p:nvSpPr>
+          <p:spPr>
+            <a:xfrm>
+              <a:off x="9174841" y="5337964"/>
               <a:ext cx="337483" cy="63437"/>
             </a:xfrm>
             <a:prstGeom prst="rect">
@@ -40153,13 +40870,13 @@
         </p:sp>
         <p:sp>
           <p:nvSpPr>
-            <p:cNvPr id="1007" name="tx1006"/>
-            <p:cNvSpPr/>
-            <p:nvPr/>
-          </p:nvSpPr>
-          <p:spPr>
-            <a:xfrm>
-              <a:off x="9174841" y="4352132"/>
+            <p:cNvPr id="1026" name="tx1025"/>
+            <p:cNvSpPr/>
+            <p:nvPr/>
+          </p:nvSpPr>
+          <p:spPr>
+            <a:xfrm>
+              <a:off x="9174841" y="5557420"/>
               <a:ext cx="298806" cy="63437"/>
             </a:xfrm>
             <a:prstGeom prst="rect">
@@ -40199,14 +40916,14 @@
         </p:sp>
         <p:sp>
           <p:nvSpPr>
-            <p:cNvPr id="1008" name="tx1007"/>
-            <p:cNvSpPr/>
-            <p:nvPr/>
-          </p:nvSpPr>
-          <p:spPr>
-            <a:xfrm>
-              <a:off x="9174841" y="4585572"/>
-              <a:ext cx="221112" cy="49454"/>
+            <p:cNvPr id="1027" name="tx1026"/>
+            <p:cNvSpPr/>
+            <p:nvPr/>
+          </p:nvSpPr>
+          <p:spPr>
+            <a:xfrm>
+              <a:off x="9174841" y="5790860"/>
+              <a:ext cx="428752" cy="49454"/>
             </a:xfrm>
             <a:prstGeom prst="rect">
               <a:avLst/>
@@ -40238,20 +40955,112 @@
                   <a:latin typeface="Times New Roman"/>
                   <a:cs typeface="Times New Roman"/>
                 </a:rPr>
-                <a:t>Parasite</a:t>
+                <a:t>Plastid Parasite</a:t>
               </a:r>
             </a:p>
           </p:txBody>
         </p:sp>
         <p:sp>
           <p:nvSpPr>
-            <p:cNvPr id="1009" name="tx1008"/>
-            <p:cNvSpPr/>
-            <p:nvPr/>
-          </p:nvSpPr>
-          <p:spPr>
-            <a:xfrm>
-              <a:off x="9174841" y="4790908"/>
+            <p:cNvPr id="1028" name="tx1027"/>
+            <p:cNvSpPr/>
+            <p:nvPr/>
+          </p:nvSpPr>
+          <p:spPr>
+            <a:xfrm>
+              <a:off x="9174841" y="6010316"/>
+              <a:ext cx="572306" cy="49454"/>
+            </a:xfrm>
+            <a:prstGeom prst="rect">
+              <a:avLst/>
+            </a:prstGeom>
+            <a:noFill/>
+          </p:spPr>
+          <p:txBody>
+            <a:bodyPr lIns="0" rIns="0" tIns="0" bIns="0" anchorCtr="1" anchor="ctr" wrap="none"/>
+            <a:lstStyle/>
+            <a:p>
+              <a:pPr algn="l" marL="0" marR="0" indent="0">
+                <a:lnSpc>
+                  <a:spcPts val="550"/>
+                </a:lnSpc>
+                <a:spcBef>
+                  <a:spcPts val="0"/>
+                </a:spcBef>
+                <a:spcAft>
+                  <a:spcPts val="0"/>
+                </a:spcAft>
+              </a:pPr>
+              <a:r>
+                <a:rPr sz="550">
+                  <a:solidFill>
+                    <a:srgbClr val="000000">
+                      <a:alpha val="100000"/>
+                    </a:srgbClr>
+                  </a:solidFill>
+                  <a:latin typeface="Times New Roman"/>
+                  <a:cs typeface="Times New Roman"/>
+                </a:rPr>
+                <a:t>Non-Plastid Parasite</a:t>
+              </a:r>
+            </a:p>
+          </p:txBody>
+        </p:sp>
+        <p:sp>
+          <p:nvSpPr>
+            <p:cNvPr id="1029" name="tx1028"/>
+            <p:cNvSpPr/>
+            <p:nvPr/>
+          </p:nvSpPr>
+          <p:spPr>
+            <a:xfrm>
+              <a:off x="9174841" y="6215652"/>
+              <a:ext cx="591610" cy="63574"/>
+            </a:xfrm>
+            <a:prstGeom prst="rect">
+              <a:avLst/>
+            </a:prstGeom>
+            <a:noFill/>
+          </p:spPr>
+          <p:txBody>
+            <a:bodyPr lIns="0" rIns="0" tIns="0" bIns="0" anchorCtr="1" anchor="ctr" wrap="none"/>
+            <a:lstStyle/>
+            <a:p>
+              <a:pPr algn="l" marL="0" marR="0" indent="0">
+                <a:lnSpc>
+                  <a:spcPts val="550"/>
+                </a:lnSpc>
+                <a:spcBef>
+                  <a:spcPts val="0"/>
+                </a:spcBef>
+                <a:spcAft>
+                  <a:spcPts val="0"/>
+                </a:spcAft>
+              </a:pPr>
+              <a:r>
+                <a:rPr sz="550">
+                  <a:solidFill>
+                    <a:srgbClr val="000000">
+                      <a:alpha val="100000"/>
+                    </a:srgbClr>
+                  </a:solidFill>
+                  <a:latin typeface="Times New Roman"/>
+                  <a:cs typeface="Times New Roman"/>
+                </a:rPr>
+                <a:t>Streptophyta parasite</a:t>
+              </a:r>
+            </a:p>
+          </p:txBody>
+        </p:sp>
+        <p:sp>
+          <p:nvSpPr>
+            <p:cNvPr id="1030" name="tx1029"/>
+            <p:cNvSpPr/>
+            <p:nvPr/>
+          </p:nvSpPr>
+          <p:spPr>
+            <a:xfrm>
+              <a:off x="9174841" y="6435108"/>
               <a:ext cx="422954" cy="63574"/>
             </a:xfrm>
             <a:prstGeom prst="rect">
@@ -40291,654 +41100,7 @@
         </p:sp>
         <p:sp>
           <p:nvSpPr>
-            <p:cNvPr id="1010" name="rc1009"/>
-            <p:cNvSpPr/>
-            <p:nvPr/>
-          </p:nvSpPr>
-          <p:spPr>
-            <a:xfrm>
-              <a:off x="8816207" y="5017875"/>
-              <a:ext cx="939935" cy="1417544"/>
-            </a:xfrm>
-            <a:prstGeom prst="rect">
-              <a:avLst/>
-            </a:prstGeom>
-          </p:spPr>
-          <p:txBody>
-            <a:bodyPr/>
-            <a:lstStyle/>
-            <a:p/>
-          </p:txBody>
-        </p:sp>
-        <p:sp>
-          <p:nvSpPr>
-            <p:cNvPr id="1011" name="tx1010"/>
-            <p:cNvSpPr/>
-            <p:nvPr/>
-          </p:nvSpPr>
-          <p:spPr>
-            <a:xfrm>
-              <a:off x="8885796" y="5097324"/>
-              <a:ext cx="800757" cy="87932"/>
-            </a:xfrm>
-            <a:prstGeom prst="rect">
-              <a:avLst/>
-            </a:prstGeom>
-            <a:noFill/>
-          </p:spPr>
-          <p:txBody>
-            <a:bodyPr lIns="0" rIns="0" tIns="0" bIns="0" anchorCtr="1" anchor="ctr" wrap="none"/>
-            <a:lstStyle/>
-            <a:p>
-              <a:pPr algn="l" marL="0" marR="0" indent="0">
-                <a:lnSpc>
-                  <a:spcPts val="1000"/>
-                </a:lnSpc>
-                <a:spcBef>
-                  <a:spcPts val="0"/>
-                </a:spcBef>
-                <a:spcAft>
-                  <a:spcPts val="0"/>
-                </a:spcAft>
-              </a:pPr>
-              <a:r>
-                <a:rPr sz="1000">
-                  <a:solidFill>
-                    <a:srgbClr val="000000">
-                      <a:alpha val="100000"/>
-                    </a:srgbClr>
-                  </a:solidFill>
-                  <a:latin typeface="Times New Roman"/>
-                  <a:cs typeface="Times New Roman"/>
-                </a:rPr>
-                <a:t>HMMER Score</a:t>
-              </a:r>
-            </a:p>
-          </p:txBody>
-        </p:sp>
-        <p:sp>
-          <p:nvSpPr>
-            <p:cNvPr id="1012" name="rc1011"/>
-            <p:cNvSpPr/>
-            <p:nvPr/>
-          </p:nvSpPr>
-          <p:spPr>
-            <a:xfrm>
-              <a:off x="8885796" y="5268550"/>
-              <a:ext cx="219455" cy="219455"/>
-            </a:xfrm>
-            <a:prstGeom prst="rect">
-              <a:avLst/>
-            </a:prstGeom>
-            <a:solidFill>
-              <a:srgbClr val="FFFFFF">
-                <a:alpha val="100000"/>
-              </a:srgbClr>
-            </a:solidFill>
-            <a:ln w="13550" cap="rnd">
-              <a:solidFill>
-                <a:srgbClr val="FFFFFF">
-                  <a:alpha val="100000"/>
-                </a:srgbClr>
-              </a:solidFill>
-              <a:prstDash val="solid"/>
-              <a:round/>
-            </a:ln>
-          </p:spPr>
-          <p:txBody>
-            <a:bodyPr/>
-            <a:lstStyle/>
-            <a:p/>
-          </p:txBody>
-        </p:sp>
-        <p:sp>
-          <p:nvSpPr>
-            <p:cNvPr id="1013" name="rc1012"/>
-            <p:cNvSpPr/>
-            <p:nvPr/>
-          </p:nvSpPr>
-          <p:spPr>
-            <a:xfrm>
-              <a:off x="8887596" y="5270350"/>
-              <a:ext cx="215856" cy="215855"/>
-            </a:xfrm>
-            <a:prstGeom prst="rect">
-              <a:avLst/>
-            </a:prstGeom>
-            <a:solidFill>
-              <a:srgbClr val="AE5A41">
-                <a:alpha val="100000"/>
-              </a:srgbClr>
-            </a:solidFill>
-            <a:ln w="2710" cap="flat">
-              <a:solidFill>
-                <a:srgbClr val="FFFFFF">
-                  <a:alpha val="100000"/>
-                </a:srgbClr>
-              </a:solidFill>
-              <a:prstDash val="solid"/>
-              <a:miter/>
-            </a:ln>
-          </p:spPr>
-          <p:txBody>
-            <a:bodyPr/>
-            <a:lstStyle/>
-            <a:p/>
-          </p:txBody>
-        </p:sp>
-        <p:sp>
-          <p:nvSpPr>
-            <p:cNvPr id="1014" name="rc1013"/>
-            <p:cNvSpPr/>
-            <p:nvPr/>
-          </p:nvSpPr>
-          <p:spPr>
-            <a:xfrm>
-              <a:off x="8885796" y="5488006"/>
-              <a:ext cx="219455" cy="219455"/>
-            </a:xfrm>
-            <a:prstGeom prst="rect">
-              <a:avLst/>
-            </a:prstGeom>
-            <a:solidFill>
-              <a:srgbClr val="FFFFFF">
-                <a:alpha val="100000"/>
-              </a:srgbClr>
-            </a:solidFill>
-            <a:ln w="13550" cap="rnd">
-              <a:solidFill>
-                <a:srgbClr val="FFFFFF">
-                  <a:alpha val="100000"/>
-                </a:srgbClr>
-              </a:solidFill>
-              <a:prstDash val="solid"/>
-              <a:round/>
-            </a:ln>
-          </p:spPr>
-          <p:txBody>
-            <a:bodyPr/>
-            <a:lstStyle/>
-            <a:p/>
-          </p:txBody>
-        </p:sp>
-        <p:sp>
-          <p:nvSpPr>
-            <p:cNvPr id="1015" name="rc1014"/>
-            <p:cNvSpPr/>
-            <p:nvPr/>
-          </p:nvSpPr>
-          <p:spPr>
-            <a:xfrm>
-              <a:off x="8887596" y="5489806"/>
-              <a:ext cx="215856" cy="215855"/>
-            </a:xfrm>
-            <a:prstGeom prst="rect">
-              <a:avLst/>
-            </a:prstGeom>
-            <a:solidFill>
-              <a:srgbClr val="559E83">
-                <a:alpha val="100000"/>
-              </a:srgbClr>
-            </a:solidFill>
-            <a:ln w="2710" cap="flat">
-              <a:solidFill>
-                <a:srgbClr val="FFFFFF">
-                  <a:alpha val="100000"/>
-                </a:srgbClr>
-              </a:solidFill>
-              <a:prstDash val="solid"/>
-              <a:miter/>
-            </a:ln>
-          </p:spPr>
-          <p:txBody>
-            <a:bodyPr/>
-            <a:lstStyle/>
-            <a:p/>
-          </p:txBody>
-        </p:sp>
-        <p:sp>
-          <p:nvSpPr>
-            <p:cNvPr id="1016" name="rc1015"/>
-            <p:cNvSpPr/>
-            <p:nvPr/>
-          </p:nvSpPr>
-          <p:spPr>
-            <a:xfrm>
-              <a:off x="8885796" y="5707462"/>
-              <a:ext cx="219455" cy="219455"/>
-            </a:xfrm>
-            <a:prstGeom prst="rect">
-              <a:avLst/>
-            </a:prstGeom>
-            <a:solidFill>
-              <a:srgbClr val="FFFFFF">
-                <a:alpha val="100000"/>
-              </a:srgbClr>
-            </a:solidFill>
-            <a:ln w="13550" cap="rnd">
-              <a:solidFill>
-                <a:srgbClr val="FFFFFF">
-                  <a:alpha val="100000"/>
-                </a:srgbClr>
-              </a:solidFill>
-              <a:prstDash val="solid"/>
-              <a:round/>
-            </a:ln>
-          </p:spPr>
-          <p:txBody>
-            <a:bodyPr/>
-            <a:lstStyle/>
-            <a:p/>
-          </p:txBody>
-        </p:sp>
-        <p:sp>
-          <p:nvSpPr>
-            <p:cNvPr id="1017" name="rc1016"/>
-            <p:cNvSpPr/>
-            <p:nvPr/>
-          </p:nvSpPr>
-          <p:spPr>
-            <a:xfrm>
-              <a:off x="8887596" y="5709262"/>
-              <a:ext cx="215856" cy="215855"/>
-            </a:xfrm>
-            <a:prstGeom prst="rect">
-              <a:avLst/>
-            </a:prstGeom>
-            <a:solidFill>
-              <a:srgbClr val="B2D4AD">
-                <a:alpha val="100000"/>
-              </a:srgbClr>
-            </a:solidFill>
-            <a:ln w="2710" cap="flat">
-              <a:solidFill>
-                <a:srgbClr val="FFFFFF">
-                  <a:alpha val="100000"/>
-                </a:srgbClr>
-              </a:solidFill>
-              <a:prstDash val="solid"/>
-              <a:miter/>
-            </a:ln>
-          </p:spPr>
-          <p:txBody>
-            <a:bodyPr/>
-            <a:lstStyle/>
-            <a:p/>
-          </p:txBody>
-        </p:sp>
-        <p:sp>
-          <p:nvSpPr>
-            <p:cNvPr id="1018" name="rc1017"/>
-            <p:cNvSpPr/>
-            <p:nvPr/>
-          </p:nvSpPr>
-          <p:spPr>
-            <a:xfrm>
-              <a:off x="8885796" y="5926918"/>
-              <a:ext cx="219455" cy="219455"/>
-            </a:xfrm>
-            <a:prstGeom prst="rect">
-              <a:avLst/>
-            </a:prstGeom>
-            <a:solidFill>
-              <a:srgbClr val="FFFFFF">
-                <a:alpha val="100000"/>
-              </a:srgbClr>
-            </a:solidFill>
-            <a:ln w="13550" cap="rnd">
-              <a:solidFill>
-                <a:srgbClr val="FFFFFF">
-                  <a:alpha val="100000"/>
-                </a:srgbClr>
-              </a:solidFill>
-              <a:prstDash val="solid"/>
-              <a:round/>
-            </a:ln>
-          </p:spPr>
-          <p:txBody>
-            <a:bodyPr/>
-            <a:lstStyle/>
-            <a:p/>
-          </p:txBody>
-        </p:sp>
-        <p:sp>
-          <p:nvSpPr>
-            <p:cNvPr id="1019" name="rc1018"/>
-            <p:cNvSpPr/>
-            <p:nvPr/>
-          </p:nvSpPr>
-          <p:spPr>
-            <a:xfrm>
-              <a:off x="8887596" y="5928718"/>
-              <a:ext cx="215856" cy="215855"/>
-            </a:xfrm>
-            <a:prstGeom prst="rect">
-              <a:avLst/>
-            </a:prstGeom>
-            <a:solidFill>
-              <a:srgbClr val="DBC795">
-                <a:alpha val="100000"/>
-              </a:srgbClr>
-            </a:solidFill>
-            <a:ln w="2710" cap="flat">
-              <a:solidFill>
-                <a:srgbClr val="FFFFFF">
-                  <a:alpha val="100000"/>
-                </a:srgbClr>
-              </a:solidFill>
-              <a:prstDash val="solid"/>
-              <a:miter/>
-            </a:ln>
-          </p:spPr>
-          <p:txBody>
-            <a:bodyPr/>
-            <a:lstStyle/>
-            <a:p/>
-          </p:txBody>
-        </p:sp>
-        <p:sp>
-          <p:nvSpPr>
-            <p:cNvPr id="1020" name="rc1019"/>
-            <p:cNvSpPr/>
-            <p:nvPr/>
-          </p:nvSpPr>
-          <p:spPr>
-            <a:xfrm>
-              <a:off x="8885796" y="6146374"/>
-              <a:ext cx="219455" cy="219455"/>
-            </a:xfrm>
-            <a:prstGeom prst="rect">
-              <a:avLst/>
-            </a:prstGeom>
-            <a:solidFill>
-              <a:srgbClr val="FFFFFF">
-                <a:alpha val="100000"/>
-              </a:srgbClr>
-            </a:solidFill>
-            <a:ln w="13550" cap="rnd">
-              <a:solidFill>
-                <a:srgbClr val="FFFFFF">
-                  <a:alpha val="100000"/>
-                </a:srgbClr>
-              </a:solidFill>
-              <a:prstDash val="solid"/>
-              <a:round/>
-            </a:ln>
-          </p:spPr>
-          <p:txBody>
-            <a:bodyPr/>
-            <a:lstStyle/>
-            <a:p/>
-          </p:txBody>
-        </p:sp>
-        <p:sp>
-          <p:nvSpPr>
-            <p:cNvPr id="1021" name="rc1020"/>
-            <p:cNvSpPr/>
-            <p:nvPr/>
-          </p:nvSpPr>
-          <p:spPr>
-            <a:xfrm>
-              <a:off x="8887596" y="6148174"/>
-              <a:ext cx="215856" cy="215855"/>
-            </a:xfrm>
-            <a:prstGeom prst="rect">
-              <a:avLst/>
-            </a:prstGeom>
-            <a:solidFill>
-              <a:srgbClr val="FFFFFF">
-                <a:alpha val="100000"/>
-              </a:srgbClr>
-            </a:solidFill>
-            <a:ln w="2710" cap="flat">
-              <a:solidFill>
-                <a:srgbClr val="FFFFFF">
-                  <a:alpha val="100000"/>
-                </a:srgbClr>
-              </a:solidFill>
-              <a:prstDash val="solid"/>
-              <a:miter/>
-            </a:ln>
-          </p:spPr>
-          <p:txBody>
-            <a:bodyPr/>
-            <a:lstStyle/>
-            <a:p/>
-          </p:txBody>
-        </p:sp>
-        <p:sp>
-          <p:nvSpPr>
-            <p:cNvPr id="1022" name="tx1021"/>
-            <p:cNvSpPr/>
-            <p:nvPr/>
-          </p:nvSpPr>
-          <p:spPr>
-            <a:xfrm>
-              <a:off x="9174841" y="5355154"/>
-              <a:ext cx="50443" cy="46248"/>
-            </a:xfrm>
-            <a:prstGeom prst="rect">
-              <a:avLst/>
-            </a:prstGeom>
-            <a:noFill/>
-          </p:spPr>
-          <p:txBody>
-            <a:bodyPr lIns="0" rIns="0" tIns="0" bIns="0" anchorCtr="1" anchor="ctr" wrap="none"/>
-            <a:lstStyle/>
-            <a:p>
-              <a:pPr algn="l" marL="0" marR="0" indent="0">
-                <a:lnSpc>
-                  <a:spcPts val="550"/>
-                </a:lnSpc>
-                <a:spcBef>
-                  <a:spcPts val="0"/>
-                </a:spcBef>
-                <a:spcAft>
-                  <a:spcPts val="0"/>
-                </a:spcAft>
-              </a:pPr>
-              <a:r>
-                <a:rPr sz="550">
-                  <a:solidFill>
-                    <a:srgbClr val="000000">
-                      <a:alpha val="100000"/>
-                    </a:srgbClr>
-                  </a:solidFill>
-                  <a:latin typeface="Times New Roman"/>
-                  <a:cs typeface="Times New Roman"/>
-                </a:rPr>
-                <a:t>H</a:t>
-              </a:r>
-            </a:p>
-          </p:txBody>
-        </p:sp>
-        <p:sp>
-          <p:nvSpPr>
-            <p:cNvPr id="1023" name="tx1022"/>
-            <p:cNvSpPr/>
-            <p:nvPr/>
-          </p:nvSpPr>
-          <p:spPr>
-            <a:xfrm>
-              <a:off x="9174841" y="5574610"/>
-              <a:ext cx="62107" cy="46248"/>
-            </a:xfrm>
-            <a:prstGeom prst="rect">
-              <a:avLst/>
-            </a:prstGeom>
-            <a:noFill/>
-          </p:spPr>
-          <p:txBody>
-            <a:bodyPr lIns="0" rIns="0" tIns="0" bIns="0" anchorCtr="1" anchor="ctr" wrap="none"/>
-            <a:lstStyle/>
-            <a:p>
-              <a:pPr algn="l" marL="0" marR="0" indent="0">
-                <a:lnSpc>
-                  <a:spcPts val="550"/>
-                </a:lnSpc>
-                <a:spcBef>
-                  <a:spcPts val="0"/>
-                </a:spcBef>
-                <a:spcAft>
-                  <a:spcPts val="0"/>
-                </a:spcAft>
-              </a:pPr>
-              <a:r>
-                <a:rPr sz="550">
-                  <a:solidFill>
-                    <a:srgbClr val="000000">
-                      <a:alpha val="100000"/>
-                    </a:srgbClr>
-                  </a:solidFill>
-                  <a:latin typeface="Times New Roman"/>
-                  <a:cs typeface="Times New Roman"/>
-                </a:rPr>
-                <a:t>M</a:t>
-              </a:r>
-            </a:p>
-          </p:txBody>
-        </p:sp>
-        <p:sp>
-          <p:nvSpPr>
-            <p:cNvPr id="1024" name="tx1023"/>
-            <p:cNvSpPr/>
-            <p:nvPr/>
-          </p:nvSpPr>
-          <p:spPr>
-            <a:xfrm>
-              <a:off x="9174841" y="5794066"/>
-              <a:ext cx="42667" cy="46248"/>
-            </a:xfrm>
-            <a:prstGeom prst="rect">
-              <a:avLst/>
-            </a:prstGeom>
-            <a:noFill/>
-          </p:spPr>
-          <p:txBody>
-            <a:bodyPr lIns="0" rIns="0" tIns="0" bIns="0" anchorCtr="1" anchor="ctr" wrap="none"/>
-            <a:lstStyle/>
-            <a:p>
-              <a:pPr algn="l" marL="0" marR="0" indent="0">
-                <a:lnSpc>
-                  <a:spcPts val="550"/>
-                </a:lnSpc>
-                <a:spcBef>
-                  <a:spcPts val="0"/>
-                </a:spcBef>
-                <a:spcAft>
-                  <a:spcPts val="0"/>
-                </a:spcAft>
-              </a:pPr>
-              <a:r>
-                <a:rPr sz="550">
-                  <a:solidFill>
-                    <a:srgbClr val="000000">
-                      <a:alpha val="100000"/>
-                    </a:srgbClr>
-                  </a:solidFill>
-                  <a:latin typeface="Times New Roman"/>
-                  <a:cs typeface="Times New Roman"/>
-                </a:rPr>
-                <a:t>L</a:t>
-              </a:r>
-            </a:p>
-          </p:txBody>
-        </p:sp>
-        <p:sp>
-          <p:nvSpPr>
-            <p:cNvPr id="1025" name="tx1024"/>
-            <p:cNvSpPr/>
-            <p:nvPr/>
-          </p:nvSpPr>
-          <p:spPr>
-            <a:xfrm>
-              <a:off x="9174841" y="6013522"/>
-              <a:ext cx="38847" cy="46248"/>
-            </a:xfrm>
-            <a:prstGeom prst="rect">
-              <a:avLst/>
-            </a:prstGeom>
-            <a:noFill/>
-          </p:spPr>
-          <p:txBody>
-            <a:bodyPr lIns="0" rIns="0" tIns="0" bIns="0" anchorCtr="1" anchor="ctr" wrap="none"/>
-            <a:lstStyle/>
-            <a:p>
-              <a:pPr algn="l" marL="0" marR="0" indent="0">
-                <a:lnSpc>
-                  <a:spcPts val="550"/>
-                </a:lnSpc>
-                <a:spcBef>
-                  <a:spcPts val="0"/>
-                </a:spcBef>
-                <a:spcAft>
-                  <a:spcPts val="0"/>
-                </a:spcAft>
-              </a:pPr>
-              <a:r>
-                <a:rPr sz="550">
-                  <a:solidFill>
-                    <a:srgbClr val="000000">
-                      <a:alpha val="100000"/>
-                    </a:srgbClr>
-                  </a:solidFill>
-                  <a:latin typeface="Times New Roman"/>
-                  <a:cs typeface="Times New Roman"/>
-                </a:rPr>
-                <a:t>P</a:t>
-              </a:r>
-            </a:p>
-          </p:txBody>
-        </p:sp>
-        <p:sp>
-          <p:nvSpPr>
-            <p:cNvPr id="1026" name="tx1025"/>
-            <p:cNvSpPr/>
-            <p:nvPr/>
-          </p:nvSpPr>
-          <p:spPr>
-            <a:xfrm>
-              <a:off x="9174841" y="6231170"/>
-              <a:ext cx="100886" cy="48055"/>
-            </a:xfrm>
-            <a:prstGeom prst="rect">
-              <a:avLst/>
-            </a:prstGeom>
-            <a:noFill/>
-          </p:spPr>
-          <p:txBody>
-            <a:bodyPr lIns="0" rIns="0" tIns="0" bIns="0" anchorCtr="1" anchor="ctr" wrap="none"/>
-            <a:lstStyle/>
-            <a:p>
-              <a:pPr algn="l" marL="0" marR="0" indent="0">
-                <a:lnSpc>
-                  <a:spcPts val="550"/>
-                </a:lnSpc>
-                <a:spcBef>
-                  <a:spcPts val="0"/>
-                </a:spcBef>
-                <a:spcAft>
-                  <a:spcPts val="0"/>
-                </a:spcAft>
-              </a:pPr>
-              <a:r>
-                <a:rPr sz="550">
-                  <a:solidFill>
-                    <a:srgbClr val="000000">
-                      <a:alpha val="100000"/>
-                    </a:srgbClr>
-                  </a:solidFill>
-                  <a:latin typeface="Times New Roman"/>
-                  <a:cs typeface="Times New Roman"/>
-                </a:rPr>
-                <a:t>NA</a:t>
-              </a:r>
-            </a:p>
-          </p:txBody>
-        </p:sp>
-        <p:sp>
-          <p:nvSpPr>
-            <p:cNvPr id="1027" name="tx1026"/>
+            <p:cNvPr id="1031" name="tx1030"/>
             <p:cNvSpPr/>
             <p:nvPr/>
           </p:nvSpPr>
@@ -40984,7 +41146,7 @@
         </p:sp>
         <p:sp>
           <p:nvSpPr>
-            <p:cNvPr id="1028" name="tx1027"/>
+            <p:cNvPr id="1032" name="tx1031"/>
             <p:cNvSpPr/>
             <p:nvPr/>
           </p:nvSpPr>

--- a/Images/Figures_PPT/ChlorophytaRhodophytaTree.pptx
+++ b/Images/Figures_PPT/ChlorophytaRhodophytaTree.pptx
@@ -36138,3157 +36138,7 @@
           </p:nvSpPr>
           <p:spPr>
             <a:xfrm>
-              <a:off x="6504872" y="7146173"/>
-              <a:ext cx="250633" cy="64642"/>
-            </a:xfrm>
-            <a:prstGeom prst="rect">
-              <a:avLst/>
-            </a:prstGeom>
-            <a:solidFill>
-              <a:srgbClr val="3CBA26">
-                <a:alpha val="100000"/>
-              </a:srgbClr>
-            </a:solidFill>
-            <a:ln w="2710" cap="flat">
-              <a:solidFill>
-                <a:srgbClr val="FFFFFF">
-                  <a:alpha val="100000"/>
-                </a:srgbClr>
-              </a:solidFill>
-              <a:prstDash val="solid"/>
-              <a:miter/>
-            </a:ln>
-          </p:spPr>
-          <p:txBody>
-            <a:bodyPr/>
-            <a:lstStyle/>
-            <a:p/>
-          </p:txBody>
-        </p:sp>
-        <p:sp>
-          <p:nvSpPr>
-            <p:cNvPr id="895" name="rc894"/>
-            <p:cNvSpPr/>
-            <p:nvPr/>
-          </p:nvSpPr>
-          <p:spPr>
-            <a:xfrm>
-              <a:off x="6504872" y="7081531"/>
-              <a:ext cx="250633" cy="64642"/>
-            </a:xfrm>
-            <a:prstGeom prst="rect">
-              <a:avLst/>
-            </a:prstGeom>
-            <a:solidFill>
-              <a:srgbClr val="3CBA26">
-                <a:alpha val="100000"/>
-              </a:srgbClr>
-            </a:solidFill>
-            <a:ln w="2710" cap="flat">
-              <a:solidFill>
-                <a:srgbClr val="FFFFFF">
-                  <a:alpha val="100000"/>
-                </a:srgbClr>
-              </a:solidFill>
-              <a:prstDash val="solid"/>
-              <a:miter/>
-            </a:ln>
-          </p:spPr>
-          <p:txBody>
-            <a:bodyPr/>
-            <a:lstStyle/>
-            <a:p/>
-          </p:txBody>
-        </p:sp>
-        <p:sp>
-          <p:nvSpPr>
-            <p:cNvPr id="896" name="rc895"/>
-            <p:cNvSpPr/>
-            <p:nvPr/>
-          </p:nvSpPr>
-          <p:spPr>
-            <a:xfrm>
-              <a:off x="6504872" y="7016888"/>
-              <a:ext cx="250633" cy="64642"/>
-            </a:xfrm>
-            <a:prstGeom prst="rect">
-              <a:avLst/>
-            </a:prstGeom>
-            <a:solidFill>
-              <a:srgbClr val="3CBA26">
-                <a:alpha val="100000"/>
-              </a:srgbClr>
-            </a:solidFill>
-            <a:ln w="2710" cap="flat">
-              <a:solidFill>
-                <a:srgbClr val="FFFFFF">
-                  <a:alpha val="100000"/>
-                </a:srgbClr>
-              </a:solidFill>
-              <a:prstDash val="solid"/>
-              <a:miter/>
-            </a:ln>
-          </p:spPr>
-          <p:txBody>
-            <a:bodyPr/>
-            <a:lstStyle/>
-            <a:p/>
-          </p:txBody>
-        </p:sp>
-        <p:sp>
-          <p:nvSpPr>
-            <p:cNvPr id="897" name="rc896"/>
-            <p:cNvSpPr/>
-            <p:nvPr/>
-          </p:nvSpPr>
-          <p:spPr>
-            <a:xfrm>
-              <a:off x="6504872" y="6952246"/>
-              <a:ext cx="250633" cy="64642"/>
-            </a:xfrm>
-            <a:prstGeom prst="rect">
-              <a:avLst/>
-            </a:prstGeom>
-            <a:solidFill>
-              <a:srgbClr val="3CBA26">
-                <a:alpha val="100000"/>
-              </a:srgbClr>
-            </a:solidFill>
-            <a:ln w="2710" cap="flat">
-              <a:solidFill>
-                <a:srgbClr val="FFFFFF">
-                  <a:alpha val="100000"/>
-                </a:srgbClr>
-              </a:solidFill>
-              <a:prstDash val="solid"/>
-              <a:miter/>
-            </a:ln>
-          </p:spPr>
-          <p:txBody>
-            <a:bodyPr/>
-            <a:lstStyle/>
-            <a:p/>
-          </p:txBody>
-        </p:sp>
-        <p:sp>
-          <p:nvSpPr>
-            <p:cNvPr id="898" name="rc897"/>
-            <p:cNvSpPr/>
-            <p:nvPr/>
-          </p:nvSpPr>
-          <p:spPr>
-            <a:xfrm>
-              <a:off x="6504872" y="6887603"/>
-              <a:ext cx="250633" cy="64642"/>
-            </a:xfrm>
-            <a:prstGeom prst="rect">
-              <a:avLst/>
-            </a:prstGeom>
-            <a:solidFill>
-              <a:srgbClr val="3CBA26">
-                <a:alpha val="100000"/>
-              </a:srgbClr>
-            </a:solidFill>
-            <a:ln w="2710" cap="flat">
-              <a:solidFill>
-                <a:srgbClr val="FFFFFF">
-                  <a:alpha val="100000"/>
-                </a:srgbClr>
-              </a:solidFill>
-              <a:prstDash val="solid"/>
-              <a:miter/>
-            </a:ln>
-          </p:spPr>
-          <p:txBody>
-            <a:bodyPr/>
-            <a:lstStyle/>
-            <a:p/>
-          </p:txBody>
-        </p:sp>
-        <p:sp>
-          <p:nvSpPr>
-            <p:cNvPr id="899" name="rc898"/>
-            <p:cNvSpPr/>
-            <p:nvPr/>
-          </p:nvSpPr>
-          <p:spPr>
-            <a:xfrm>
-              <a:off x="6504872" y="6822961"/>
-              <a:ext cx="250633" cy="64642"/>
-            </a:xfrm>
-            <a:prstGeom prst="rect">
-              <a:avLst/>
-            </a:prstGeom>
-            <a:solidFill>
-              <a:srgbClr val="3CBA26">
-                <a:alpha val="100000"/>
-              </a:srgbClr>
-            </a:solidFill>
-            <a:ln w="2710" cap="flat">
-              <a:solidFill>
-                <a:srgbClr val="FFFFFF">
-                  <a:alpha val="100000"/>
-                </a:srgbClr>
-              </a:solidFill>
-              <a:prstDash val="solid"/>
-              <a:miter/>
-            </a:ln>
-          </p:spPr>
-          <p:txBody>
-            <a:bodyPr/>
-            <a:lstStyle/>
-            <a:p/>
-          </p:txBody>
-        </p:sp>
-        <p:sp>
-          <p:nvSpPr>
-            <p:cNvPr id="900" name="rc899"/>
-            <p:cNvSpPr/>
-            <p:nvPr/>
-          </p:nvSpPr>
-          <p:spPr>
-            <a:xfrm>
-              <a:off x="6504872" y="6758318"/>
-              <a:ext cx="250633" cy="64642"/>
-            </a:xfrm>
-            <a:prstGeom prst="rect">
-              <a:avLst/>
-            </a:prstGeom>
-            <a:solidFill>
-              <a:srgbClr val="3CBA26">
-                <a:alpha val="100000"/>
-              </a:srgbClr>
-            </a:solidFill>
-            <a:ln w="2710" cap="flat">
-              <a:solidFill>
-                <a:srgbClr val="FFFFFF">
-                  <a:alpha val="100000"/>
-                </a:srgbClr>
-              </a:solidFill>
-              <a:prstDash val="solid"/>
-              <a:miter/>
-            </a:ln>
-          </p:spPr>
-          <p:txBody>
-            <a:bodyPr/>
-            <a:lstStyle/>
-            <a:p/>
-          </p:txBody>
-        </p:sp>
-        <p:sp>
-          <p:nvSpPr>
-            <p:cNvPr id="901" name="rc900"/>
-            <p:cNvSpPr/>
-            <p:nvPr/>
-          </p:nvSpPr>
-          <p:spPr>
-            <a:xfrm>
-              <a:off x="6504872" y="6693676"/>
-              <a:ext cx="250633" cy="64642"/>
-            </a:xfrm>
-            <a:prstGeom prst="rect">
-              <a:avLst/>
-            </a:prstGeom>
-            <a:solidFill>
-              <a:srgbClr val="3CBA26">
-                <a:alpha val="100000"/>
-              </a:srgbClr>
-            </a:solidFill>
-            <a:ln w="2710" cap="flat">
-              <a:solidFill>
-                <a:srgbClr val="FFFFFF">
-                  <a:alpha val="100000"/>
-                </a:srgbClr>
-              </a:solidFill>
-              <a:prstDash val="solid"/>
-              <a:miter/>
-            </a:ln>
-          </p:spPr>
-          <p:txBody>
-            <a:bodyPr/>
-            <a:lstStyle/>
-            <a:p/>
-          </p:txBody>
-        </p:sp>
-        <p:sp>
-          <p:nvSpPr>
-            <p:cNvPr id="902" name="rc901"/>
-            <p:cNvSpPr/>
-            <p:nvPr/>
-          </p:nvSpPr>
-          <p:spPr>
-            <a:xfrm>
-              <a:off x="6504872" y="6629033"/>
-              <a:ext cx="250633" cy="64642"/>
-            </a:xfrm>
-            <a:prstGeom prst="rect">
-              <a:avLst/>
-            </a:prstGeom>
-            <a:solidFill>
-              <a:srgbClr val="3CBA26">
-                <a:alpha val="100000"/>
-              </a:srgbClr>
-            </a:solidFill>
-            <a:ln w="2710" cap="flat">
-              <a:solidFill>
-                <a:srgbClr val="FFFFFF">
-                  <a:alpha val="100000"/>
-                </a:srgbClr>
-              </a:solidFill>
-              <a:prstDash val="solid"/>
-              <a:miter/>
-            </a:ln>
-          </p:spPr>
-          <p:txBody>
-            <a:bodyPr/>
-            <a:lstStyle/>
-            <a:p/>
-          </p:txBody>
-        </p:sp>
-        <p:sp>
-          <p:nvSpPr>
-            <p:cNvPr id="903" name="rc902"/>
-            <p:cNvSpPr/>
-            <p:nvPr/>
-          </p:nvSpPr>
-          <p:spPr>
-            <a:xfrm>
-              <a:off x="6504872" y="6564391"/>
-              <a:ext cx="250633" cy="64642"/>
-            </a:xfrm>
-            <a:prstGeom prst="rect">
-              <a:avLst/>
-            </a:prstGeom>
-            <a:solidFill>
-              <a:srgbClr val="3CBA26">
-                <a:alpha val="100000"/>
-              </a:srgbClr>
-            </a:solidFill>
-            <a:ln w="2710" cap="flat">
-              <a:solidFill>
-                <a:srgbClr val="FFFFFF">
-                  <a:alpha val="100000"/>
-                </a:srgbClr>
-              </a:solidFill>
-              <a:prstDash val="solid"/>
-              <a:miter/>
-            </a:ln>
-          </p:spPr>
-          <p:txBody>
-            <a:bodyPr/>
-            <a:lstStyle/>
-            <a:p/>
-          </p:txBody>
-        </p:sp>
-        <p:sp>
-          <p:nvSpPr>
-            <p:cNvPr id="904" name="rc903"/>
-            <p:cNvSpPr/>
-            <p:nvPr/>
-          </p:nvSpPr>
-          <p:spPr>
-            <a:xfrm>
-              <a:off x="6504872" y="6499748"/>
-              <a:ext cx="250633" cy="64642"/>
-            </a:xfrm>
-            <a:prstGeom prst="rect">
-              <a:avLst/>
-            </a:prstGeom>
-            <a:solidFill>
-              <a:srgbClr val="3CBA26">
-                <a:alpha val="100000"/>
-              </a:srgbClr>
-            </a:solidFill>
-            <a:ln w="2710" cap="flat">
-              <a:solidFill>
-                <a:srgbClr val="FFFFFF">
-                  <a:alpha val="100000"/>
-                </a:srgbClr>
-              </a:solidFill>
-              <a:prstDash val="solid"/>
-              <a:miter/>
-            </a:ln>
-          </p:spPr>
-          <p:txBody>
-            <a:bodyPr/>
-            <a:lstStyle/>
-            <a:p/>
-          </p:txBody>
-        </p:sp>
-        <p:sp>
-          <p:nvSpPr>
-            <p:cNvPr id="905" name="rc904"/>
-            <p:cNvSpPr/>
-            <p:nvPr/>
-          </p:nvSpPr>
-          <p:spPr>
-            <a:xfrm>
-              <a:off x="6504872" y="6435106"/>
-              <a:ext cx="250633" cy="64642"/>
-            </a:xfrm>
-            <a:prstGeom prst="rect">
-              <a:avLst/>
-            </a:prstGeom>
-            <a:solidFill>
-              <a:srgbClr val="3CBA26">
-                <a:alpha val="100000"/>
-              </a:srgbClr>
-            </a:solidFill>
-            <a:ln w="2710" cap="flat">
-              <a:solidFill>
-                <a:srgbClr val="FFFFFF">
-                  <a:alpha val="100000"/>
-                </a:srgbClr>
-              </a:solidFill>
-              <a:prstDash val="solid"/>
-              <a:miter/>
-            </a:ln>
-          </p:spPr>
-          <p:txBody>
-            <a:bodyPr/>
-            <a:lstStyle/>
-            <a:p/>
-          </p:txBody>
-        </p:sp>
-        <p:sp>
-          <p:nvSpPr>
-            <p:cNvPr id="906" name="rc905"/>
-            <p:cNvSpPr/>
-            <p:nvPr/>
-          </p:nvSpPr>
-          <p:spPr>
-            <a:xfrm>
-              <a:off x="6504872" y="6370463"/>
-              <a:ext cx="250633" cy="64642"/>
-            </a:xfrm>
-            <a:prstGeom prst="rect">
-              <a:avLst/>
-            </a:prstGeom>
-            <a:solidFill>
-              <a:srgbClr val="3CBA26">
-                <a:alpha val="100000"/>
-              </a:srgbClr>
-            </a:solidFill>
-            <a:ln w="2710" cap="flat">
-              <a:solidFill>
-                <a:srgbClr val="FFFFFF">
-                  <a:alpha val="100000"/>
-                </a:srgbClr>
-              </a:solidFill>
-              <a:prstDash val="solid"/>
-              <a:miter/>
-            </a:ln>
-          </p:spPr>
-          <p:txBody>
-            <a:bodyPr/>
-            <a:lstStyle/>
-            <a:p/>
-          </p:txBody>
-        </p:sp>
-        <p:sp>
-          <p:nvSpPr>
-            <p:cNvPr id="907" name="rc906"/>
-            <p:cNvSpPr/>
-            <p:nvPr/>
-          </p:nvSpPr>
-          <p:spPr>
-            <a:xfrm>
-              <a:off x="6504872" y="6305821"/>
-              <a:ext cx="250633" cy="64642"/>
-            </a:xfrm>
-            <a:prstGeom prst="rect">
-              <a:avLst/>
-            </a:prstGeom>
-            <a:solidFill>
-              <a:srgbClr val="3CBA26">
-                <a:alpha val="100000"/>
-              </a:srgbClr>
-            </a:solidFill>
-            <a:ln w="2710" cap="flat">
-              <a:solidFill>
-                <a:srgbClr val="FFFFFF">
-                  <a:alpha val="100000"/>
-                </a:srgbClr>
-              </a:solidFill>
-              <a:prstDash val="solid"/>
-              <a:miter/>
-            </a:ln>
-          </p:spPr>
-          <p:txBody>
-            <a:bodyPr/>
-            <a:lstStyle/>
-            <a:p/>
-          </p:txBody>
-        </p:sp>
-        <p:sp>
-          <p:nvSpPr>
-            <p:cNvPr id="908" name="rc907"/>
-            <p:cNvSpPr/>
-            <p:nvPr/>
-          </p:nvSpPr>
-          <p:spPr>
-            <a:xfrm>
-              <a:off x="6504872" y="6241178"/>
-              <a:ext cx="250633" cy="64642"/>
-            </a:xfrm>
-            <a:prstGeom prst="rect">
-              <a:avLst/>
-            </a:prstGeom>
-            <a:solidFill>
-              <a:srgbClr val="3CBA26">
-                <a:alpha val="100000"/>
-              </a:srgbClr>
-            </a:solidFill>
-            <a:ln w="2710" cap="flat">
-              <a:solidFill>
-                <a:srgbClr val="FFFFFF">
-                  <a:alpha val="100000"/>
-                </a:srgbClr>
-              </a:solidFill>
-              <a:prstDash val="solid"/>
-              <a:miter/>
-            </a:ln>
-          </p:spPr>
-          <p:txBody>
-            <a:bodyPr/>
-            <a:lstStyle/>
-            <a:p/>
-          </p:txBody>
-        </p:sp>
-        <p:sp>
-          <p:nvSpPr>
-            <p:cNvPr id="909" name="rc908"/>
-            <p:cNvSpPr/>
-            <p:nvPr/>
-          </p:nvSpPr>
-          <p:spPr>
-            <a:xfrm>
-              <a:off x="6504872" y="6176536"/>
-              <a:ext cx="250633" cy="64642"/>
-            </a:xfrm>
-            <a:prstGeom prst="rect">
-              <a:avLst/>
-            </a:prstGeom>
-            <a:solidFill>
-              <a:srgbClr val="3CBA26">
-                <a:alpha val="100000"/>
-              </a:srgbClr>
-            </a:solidFill>
-            <a:ln w="2710" cap="flat">
-              <a:solidFill>
-                <a:srgbClr val="FFFFFF">
-                  <a:alpha val="100000"/>
-                </a:srgbClr>
-              </a:solidFill>
-              <a:prstDash val="solid"/>
-              <a:miter/>
-            </a:ln>
-          </p:spPr>
-          <p:txBody>
-            <a:bodyPr/>
-            <a:lstStyle/>
-            <a:p/>
-          </p:txBody>
-        </p:sp>
-        <p:sp>
-          <p:nvSpPr>
-            <p:cNvPr id="910" name="rc909"/>
-            <p:cNvSpPr/>
-            <p:nvPr/>
-          </p:nvSpPr>
-          <p:spPr>
-            <a:xfrm>
-              <a:off x="6504872" y="6111893"/>
-              <a:ext cx="250633" cy="64642"/>
-            </a:xfrm>
-            <a:prstGeom prst="rect">
-              <a:avLst/>
-            </a:prstGeom>
-            <a:solidFill>
-              <a:srgbClr val="3CBA26">
-                <a:alpha val="100000"/>
-              </a:srgbClr>
-            </a:solidFill>
-            <a:ln w="2710" cap="flat">
-              <a:solidFill>
-                <a:srgbClr val="FFFFFF">
-                  <a:alpha val="100000"/>
-                </a:srgbClr>
-              </a:solidFill>
-              <a:prstDash val="solid"/>
-              <a:miter/>
-            </a:ln>
-          </p:spPr>
-          <p:txBody>
-            <a:bodyPr/>
-            <a:lstStyle/>
-            <a:p/>
-          </p:txBody>
-        </p:sp>
-        <p:sp>
-          <p:nvSpPr>
-            <p:cNvPr id="911" name="rc910"/>
-            <p:cNvSpPr/>
-            <p:nvPr/>
-          </p:nvSpPr>
-          <p:spPr>
-            <a:xfrm>
-              <a:off x="6504872" y="6047251"/>
-              <a:ext cx="250633" cy="64642"/>
-            </a:xfrm>
-            <a:prstGeom prst="rect">
-              <a:avLst/>
-            </a:prstGeom>
-            <a:solidFill>
-              <a:srgbClr val="3CBA26">
-                <a:alpha val="100000"/>
-              </a:srgbClr>
-            </a:solidFill>
-            <a:ln w="2710" cap="flat">
-              <a:solidFill>
-                <a:srgbClr val="FFFFFF">
-                  <a:alpha val="100000"/>
-                </a:srgbClr>
-              </a:solidFill>
-              <a:prstDash val="solid"/>
-              <a:miter/>
-            </a:ln>
-          </p:spPr>
-          <p:txBody>
-            <a:bodyPr/>
-            <a:lstStyle/>
-            <a:p/>
-          </p:txBody>
-        </p:sp>
-        <p:sp>
-          <p:nvSpPr>
-            <p:cNvPr id="912" name="rc911"/>
-            <p:cNvSpPr/>
-            <p:nvPr/>
-          </p:nvSpPr>
-          <p:spPr>
-            <a:xfrm>
-              <a:off x="6504872" y="5982608"/>
-              <a:ext cx="250633" cy="64642"/>
-            </a:xfrm>
-            <a:prstGeom prst="rect">
-              <a:avLst/>
-            </a:prstGeom>
-            <a:solidFill>
-              <a:srgbClr val="3CBA26">
-                <a:alpha val="100000"/>
-              </a:srgbClr>
-            </a:solidFill>
-            <a:ln w="2710" cap="flat">
-              <a:solidFill>
-                <a:srgbClr val="FFFFFF">
-                  <a:alpha val="100000"/>
-                </a:srgbClr>
-              </a:solidFill>
-              <a:prstDash val="solid"/>
-              <a:miter/>
-            </a:ln>
-          </p:spPr>
-          <p:txBody>
-            <a:bodyPr/>
-            <a:lstStyle/>
-            <a:p/>
-          </p:txBody>
-        </p:sp>
-        <p:sp>
-          <p:nvSpPr>
-            <p:cNvPr id="913" name="rc912"/>
-            <p:cNvSpPr/>
-            <p:nvPr/>
-          </p:nvSpPr>
-          <p:spPr>
-            <a:xfrm>
-              <a:off x="6504872" y="5917966"/>
-              <a:ext cx="250633" cy="64642"/>
-            </a:xfrm>
-            <a:prstGeom prst="rect">
-              <a:avLst/>
-            </a:prstGeom>
-            <a:solidFill>
-              <a:srgbClr val="3CBA26">
-                <a:alpha val="100000"/>
-              </a:srgbClr>
-            </a:solidFill>
-            <a:ln w="2710" cap="flat">
-              <a:solidFill>
-                <a:srgbClr val="FFFFFF">
-                  <a:alpha val="100000"/>
-                </a:srgbClr>
-              </a:solidFill>
-              <a:prstDash val="solid"/>
-              <a:miter/>
-            </a:ln>
-          </p:spPr>
-          <p:txBody>
-            <a:bodyPr/>
-            <a:lstStyle/>
-            <a:p/>
-          </p:txBody>
-        </p:sp>
-        <p:sp>
-          <p:nvSpPr>
-            <p:cNvPr id="914" name="rc913"/>
-            <p:cNvSpPr/>
-            <p:nvPr/>
-          </p:nvSpPr>
-          <p:spPr>
-            <a:xfrm>
-              <a:off x="6504872" y="5853323"/>
-              <a:ext cx="250633" cy="64642"/>
-            </a:xfrm>
-            <a:prstGeom prst="rect">
-              <a:avLst/>
-            </a:prstGeom>
-            <a:solidFill>
-              <a:srgbClr val="3CBA26">
-                <a:alpha val="100000"/>
-              </a:srgbClr>
-            </a:solidFill>
-            <a:ln w="2710" cap="flat">
-              <a:solidFill>
-                <a:srgbClr val="FFFFFF">
-                  <a:alpha val="100000"/>
-                </a:srgbClr>
-              </a:solidFill>
-              <a:prstDash val="solid"/>
-              <a:miter/>
-            </a:ln>
-          </p:spPr>
-          <p:txBody>
-            <a:bodyPr/>
-            <a:lstStyle/>
-            <a:p/>
-          </p:txBody>
-        </p:sp>
-        <p:sp>
-          <p:nvSpPr>
-            <p:cNvPr id="915" name="rc914"/>
-            <p:cNvSpPr/>
-            <p:nvPr/>
-          </p:nvSpPr>
-          <p:spPr>
-            <a:xfrm>
-              <a:off x="6504872" y="5788681"/>
-              <a:ext cx="250633" cy="64642"/>
-            </a:xfrm>
-            <a:prstGeom prst="rect">
-              <a:avLst/>
-            </a:prstGeom>
-            <a:solidFill>
-              <a:srgbClr val="3CBA26">
-                <a:alpha val="100000"/>
-              </a:srgbClr>
-            </a:solidFill>
-            <a:ln w="2710" cap="flat">
-              <a:solidFill>
-                <a:srgbClr val="FFFFFF">
-                  <a:alpha val="100000"/>
-                </a:srgbClr>
-              </a:solidFill>
-              <a:prstDash val="solid"/>
-              <a:miter/>
-            </a:ln>
-          </p:spPr>
-          <p:txBody>
-            <a:bodyPr/>
-            <a:lstStyle/>
-            <a:p/>
-          </p:txBody>
-        </p:sp>
-        <p:sp>
-          <p:nvSpPr>
-            <p:cNvPr id="916" name="rc915"/>
-            <p:cNvSpPr/>
-            <p:nvPr/>
-          </p:nvSpPr>
-          <p:spPr>
-            <a:xfrm>
-              <a:off x="6504872" y="5724038"/>
-              <a:ext cx="250633" cy="64642"/>
-            </a:xfrm>
-            <a:prstGeom prst="rect">
-              <a:avLst/>
-            </a:prstGeom>
-            <a:solidFill>
-              <a:srgbClr val="3CBA26">
-                <a:alpha val="100000"/>
-              </a:srgbClr>
-            </a:solidFill>
-            <a:ln w="2710" cap="flat">
-              <a:solidFill>
-                <a:srgbClr val="FFFFFF">
-                  <a:alpha val="100000"/>
-                </a:srgbClr>
-              </a:solidFill>
-              <a:prstDash val="solid"/>
-              <a:miter/>
-            </a:ln>
-          </p:spPr>
-          <p:txBody>
-            <a:bodyPr/>
-            <a:lstStyle/>
-            <a:p/>
-          </p:txBody>
-        </p:sp>
-        <p:sp>
-          <p:nvSpPr>
-            <p:cNvPr id="917" name="rc916"/>
-            <p:cNvSpPr/>
-            <p:nvPr/>
-          </p:nvSpPr>
-          <p:spPr>
-            <a:xfrm>
-              <a:off x="6504872" y="5659396"/>
-              <a:ext cx="250633" cy="64642"/>
-            </a:xfrm>
-            <a:prstGeom prst="rect">
-              <a:avLst/>
-            </a:prstGeom>
-            <a:solidFill>
-              <a:srgbClr val="3CBA26">
-                <a:alpha val="100000"/>
-              </a:srgbClr>
-            </a:solidFill>
-            <a:ln w="2710" cap="flat">
-              <a:solidFill>
-                <a:srgbClr val="FFFFFF">
-                  <a:alpha val="100000"/>
-                </a:srgbClr>
-              </a:solidFill>
-              <a:prstDash val="solid"/>
-              <a:miter/>
-            </a:ln>
-          </p:spPr>
-          <p:txBody>
-            <a:bodyPr/>
-            <a:lstStyle/>
-            <a:p/>
-          </p:txBody>
-        </p:sp>
-        <p:sp>
-          <p:nvSpPr>
-            <p:cNvPr id="918" name="rc917"/>
-            <p:cNvSpPr/>
-            <p:nvPr/>
-          </p:nvSpPr>
-          <p:spPr>
-            <a:xfrm>
-              <a:off x="6504872" y="5594753"/>
-              <a:ext cx="250633" cy="64642"/>
-            </a:xfrm>
-            <a:prstGeom prst="rect">
-              <a:avLst/>
-            </a:prstGeom>
-            <a:solidFill>
-              <a:srgbClr val="3CBA26">
-                <a:alpha val="100000"/>
-              </a:srgbClr>
-            </a:solidFill>
-            <a:ln w="2710" cap="flat">
-              <a:solidFill>
-                <a:srgbClr val="FFFFFF">
-                  <a:alpha val="100000"/>
-                </a:srgbClr>
-              </a:solidFill>
-              <a:prstDash val="solid"/>
-              <a:miter/>
-            </a:ln>
-          </p:spPr>
-          <p:txBody>
-            <a:bodyPr/>
-            <a:lstStyle/>
-            <a:p/>
-          </p:txBody>
-        </p:sp>
-        <p:sp>
-          <p:nvSpPr>
-            <p:cNvPr id="919" name="rc918"/>
-            <p:cNvSpPr/>
-            <p:nvPr/>
-          </p:nvSpPr>
-          <p:spPr>
-            <a:xfrm>
-              <a:off x="6504872" y="5530111"/>
-              <a:ext cx="250633" cy="64642"/>
-            </a:xfrm>
-            <a:prstGeom prst="rect">
-              <a:avLst/>
-            </a:prstGeom>
-            <a:solidFill>
-              <a:srgbClr val="3CBA26">
-                <a:alpha val="100000"/>
-              </a:srgbClr>
-            </a:solidFill>
-            <a:ln w="2710" cap="flat">
-              <a:solidFill>
-                <a:srgbClr val="FFFFFF">
-                  <a:alpha val="100000"/>
-                </a:srgbClr>
-              </a:solidFill>
-              <a:prstDash val="solid"/>
-              <a:miter/>
-            </a:ln>
-          </p:spPr>
-          <p:txBody>
-            <a:bodyPr/>
-            <a:lstStyle/>
-            <a:p/>
-          </p:txBody>
-        </p:sp>
-        <p:sp>
-          <p:nvSpPr>
-            <p:cNvPr id="920" name="rc919"/>
-            <p:cNvSpPr/>
-            <p:nvPr/>
-          </p:nvSpPr>
-          <p:spPr>
-            <a:xfrm>
-              <a:off x="6504872" y="5465468"/>
-              <a:ext cx="250633" cy="64642"/>
-            </a:xfrm>
-            <a:prstGeom prst="rect">
-              <a:avLst/>
-            </a:prstGeom>
-            <a:solidFill>
-              <a:srgbClr val="3CBA26">
-                <a:alpha val="100000"/>
-              </a:srgbClr>
-            </a:solidFill>
-            <a:ln w="2710" cap="flat">
-              <a:solidFill>
-                <a:srgbClr val="FFFFFF">
-                  <a:alpha val="100000"/>
-                </a:srgbClr>
-              </a:solidFill>
-              <a:prstDash val="solid"/>
-              <a:miter/>
-            </a:ln>
-          </p:spPr>
-          <p:txBody>
-            <a:bodyPr/>
-            <a:lstStyle/>
-            <a:p/>
-          </p:txBody>
-        </p:sp>
-        <p:sp>
-          <p:nvSpPr>
-            <p:cNvPr id="921" name="rc920"/>
-            <p:cNvSpPr/>
-            <p:nvPr/>
-          </p:nvSpPr>
-          <p:spPr>
-            <a:xfrm>
-              <a:off x="6504872" y="5400826"/>
-              <a:ext cx="250633" cy="64642"/>
-            </a:xfrm>
-            <a:prstGeom prst="rect">
-              <a:avLst/>
-            </a:prstGeom>
-            <a:solidFill>
-              <a:srgbClr val="3CBA26">
-                <a:alpha val="100000"/>
-              </a:srgbClr>
-            </a:solidFill>
-            <a:ln w="2710" cap="flat">
-              <a:solidFill>
-                <a:srgbClr val="FFFFFF">
-                  <a:alpha val="100000"/>
-                </a:srgbClr>
-              </a:solidFill>
-              <a:prstDash val="solid"/>
-              <a:miter/>
-            </a:ln>
-          </p:spPr>
-          <p:txBody>
-            <a:bodyPr/>
-            <a:lstStyle/>
-            <a:p/>
-          </p:txBody>
-        </p:sp>
-        <p:sp>
-          <p:nvSpPr>
-            <p:cNvPr id="922" name="rc921"/>
-            <p:cNvSpPr/>
-            <p:nvPr/>
-          </p:nvSpPr>
-          <p:spPr>
-            <a:xfrm>
-              <a:off x="6504872" y="5336183"/>
-              <a:ext cx="250633" cy="64642"/>
-            </a:xfrm>
-            <a:prstGeom prst="rect">
-              <a:avLst/>
-            </a:prstGeom>
-            <a:solidFill>
-              <a:srgbClr val="3CBA26">
-                <a:alpha val="100000"/>
-              </a:srgbClr>
-            </a:solidFill>
-            <a:ln w="2710" cap="flat">
-              <a:solidFill>
-                <a:srgbClr val="FFFFFF">
-                  <a:alpha val="100000"/>
-                </a:srgbClr>
-              </a:solidFill>
-              <a:prstDash val="solid"/>
-              <a:miter/>
-            </a:ln>
-          </p:spPr>
-          <p:txBody>
-            <a:bodyPr/>
-            <a:lstStyle/>
-            <a:p/>
-          </p:txBody>
-        </p:sp>
-        <p:sp>
-          <p:nvSpPr>
-            <p:cNvPr id="923" name="rc922"/>
-            <p:cNvSpPr/>
-            <p:nvPr/>
-          </p:nvSpPr>
-          <p:spPr>
-            <a:xfrm>
-              <a:off x="6504872" y="5271540"/>
-              <a:ext cx="250633" cy="64642"/>
-            </a:xfrm>
-            <a:prstGeom prst="rect">
-              <a:avLst/>
-            </a:prstGeom>
-            <a:solidFill>
-              <a:srgbClr val="3CBA26">
-                <a:alpha val="100000"/>
-              </a:srgbClr>
-            </a:solidFill>
-            <a:ln w="2710" cap="flat">
-              <a:solidFill>
-                <a:srgbClr val="FFFFFF">
-                  <a:alpha val="100000"/>
-                </a:srgbClr>
-              </a:solidFill>
-              <a:prstDash val="solid"/>
-              <a:miter/>
-            </a:ln>
-          </p:spPr>
-          <p:txBody>
-            <a:bodyPr/>
-            <a:lstStyle/>
-            <a:p/>
-          </p:txBody>
-        </p:sp>
-        <p:sp>
-          <p:nvSpPr>
-            <p:cNvPr id="924" name="rc923"/>
-            <p:cNvSpPr/>
-            <p:nvPr/>
-          </p:nvSpPr>
-          <p:spPr>
-            <a:xfrm>
-              <a:off x="6504872" y="5206898"/>
-              <a:ext cx="250633" cy="64642"/>
-            </a:xfrm>
-            <a:prstGeom prst="rect">
-              <a:avLst/>
-            </a:prstGeom>
-            <a:solidFill>
-              <a:srgbClr val="3CBA26">
-                <a:alpha val="100000"/>
-              </a:srgbClr>
-            </a:solidFill>
-            <a:ln w="2710" cap="flat">
-              <a:solidFill>
-                <a:srgbClr val="FFFFFF">
-                  <a:alpha val="100000"/>
-                </a:srgbClr>
-              </a:solidFill>
-              <a:prstDash val="solid"/>
-              <a:miter/>
-            </a:ln>
-          </p:spPr>
-          <p:txBody>
-            <a:bodyPr/>
-            <a:lstStyle/>
-            <a:p/>
-          </p:txBody>
-        </p:sp>
-        <p:sp>
-          <p:nvSpPr>
-            <p:cNvPr id="925" name="rc924"/>
-            <p:cNvSpPr/>
-            <p:nvPr/>
-          </p:nvSpPr>
-          <p:spPr>
-            <a:xfrm>
-              <a:off x="6504872" y="5142255"/>
-              <a:ext cx="250633" cy="64642"/>
-            </a:xfrm>
-            <a:prstGeom prst="rect">
-              <a:avLst/>
-            </a:prstGeom>
-            <a:solidFill>
-              <a:srgbClr val="3CBA26">
-                <a:alpha val="100000"/>
-              </a:srgbClr>
-            </a:solidFill>
-            <a:ln w="2710" cap="flat">
-              <a:solidFill>
-                <a:srgbClr val="FFFFFF">
-                  <a:alpha val="100000"/>
-                </a:srgbClr>
-              </a:solidFill>
-              <a:prstDash val="solid"/>
-              <a:miter/>
-            </a:ln>
-          </p:spPr>
-          <p:txBody>
-            <a:bodyPr/>
-            <a:lstStyle/>
-            <a:p/>
-          </p:txBody>
-        </p:sp>
-        <p:sp>
-          <p:nvSpPr>
-            <p:cNvPr id="926" name="rc925"/>
-            <p:cNvSpPr/>
-            <p:nvPr/>
-          </p:nvSpPr>
-          <p:spPr>
-            <a:xfrm>
-              <a:off x="6504872" y="5077613"/>
-              <a:ext cx="250633" cy="64642"/>
-            </a:xfrm>
-            <a:prstGeom prst="rect">
-              <a:avLst/>
-            </a:prstGeom>
-            <a:solidFill>
-              <a:srgbClr val="3CBA26">
-                <a:alpha val="100000"/>
-              </a:srgbClr>
-            </a:solidFill>
-            <a:ln w="2710" cap="flat">
-              <a:solidFill>
-                <a:srgbClr val="FFFFFF">
-                  <a:alpha val="100000"/>
-                </a:srgbClr>
-              </a:solidFill>
-              <a:prstDash val="solid"/>
-              <a:miter/>
-            </a:ln>
-          </p:spPr>
-          <p:txBody>
-            <a:bodyPr/>
-            <a:lstStyle/>
-            <a:p/>
-          </p:txBody>
-        </p:sp>
-        <p:sp>
-          <p:nvSpPr>
-            <p:cNvPr id="927" name="rc926"/>
-            <p:cNvSpPr/>
-            <p:nvPr/>
-          </p:nvSpPr>
-          <p:spPr>
-            <a:xfrm>
-              <a:off x="6504872" y="5012970"/>
-              <a:ext cx="250633" cy="64642"/>
-            </a:xfrm>
-            <a:prstGeom prst="rect">
-              <a:avLst/>
-            </a:prstGeom>
-            <a:solidFill>
-              <a:srgbClr val="3CBA26">
-                <a:alpha val="100000"/>
-              </a:srgbClr>
-            </a:solidFill>
-            <a:ln w="2710" cap="flat">
-              <a:solidFill>
-                <a:srgbClr val="FFFFFF">
-                  <a:alpha val="100000"/>
-                </a:srgbClr>
-              </a:solidFill>
-              <a:prstDash val="solid"/>
-              <a:miter/>
-            </a:ln>
-          </p:spPr>
-          <p:txBody>
-            <a:bodyPr/>
-            <a:lstStyle/>
-            <a:p/>
-          </p:txBody>
-        </p:sp>
-        <p:sp>
-          <p:nvSpPr>
-            <p:cNvPr id="928" name="rc927"/>
-            <p:cNvSpPr/>
-            <p:nvPr/>
-          </p:nvSpPr>
-          <p:spPr>
-            <a:xfrm>
-              <a:off x="6504872" y="4948328"/>
-              <a:ext cx="250633" cy="64642"/>
-            </a:xfrm>
-            <a:prstGeom prst="rect">
-              <a:avLst/>
-            </a:prstGeom>
-            <a:solidFill>
-              <a:srgbClr val="3CBA26">
-                <a:alpha val="100000"/>
-              </a:srgbClr>
-            </a:solidFill>
-            <a:ln w="2710" cap="flat">
-              <a:solidFill>
-                <a:srgbClr val="FFFFFF">
-                  <a:alpha val="100000"/>
-                </a:srgbClr>
-              </a:solidFill>
-              <a:prstDash val="solid"/>
-              <a:miter/>
-            </a:ln>
-          </p:spPr>
-          <p:txBody>
-            <a:bodyPr/>
-            <a:lstStyle/>
-            <a:p/>
-          </p:txBody>
-        </p:sp>
-        <p:sp>
-          <p:nvSpPr>
-            <p:cNvPr id="929" name="rc928"/>
-            <p:cNvSpPr/>
-            <p:nvPr/>
-          </p:nvSpPr>
-          <p:spPr>
-            <a:xfrm>
-              <a:off x="6504872" y="4883685"/>
-              <a:ext cx="250633" cy="64642"/>
-            </a:xfrm>
-            <a:prstGeom prst="rect">
-              <a:avLst/>
-            </a:prstGeom>
-            <a:solidFill>
-              <a:srgbClr val="3CBA26">
-                <a:alpha val="100000"/>
-              </a:srgbClr>
-            </a:solidFill>
-            <a:ln w="2710" cap="flat">
-              <a:solidFill>
-                <a:srgbClr val="FFFFFF">
-                  <a:alpha val="100000"/>
-                </a:srgbClr>
-              </a:solidFill>
-              <a:prstDash val="solid"/>
-              <a:miter/>
-            </a:ln>
-          </p:spPr>
-          <p:txBody>
-            <a:bodyPr/>
-            <a:lstStyle/>
-            <a:p/>
-          </p:txBody>
-        </p:sp>
-        <p:sp>
-          <p:nvSpPr>
-            <p:cNvPr id="930" name="rc929"/>
-            <p:cNvSpPr/>
-            <p:nvPr/>
-          </p:nvSpPr>
-          <p:spPr>
-            <a:xfrm>
-              <a:off x="6504872" y="4819043"/>
-              <a:ext cx="250633" cy="64642"/>
-            </a:xfrm>
-            <a:prstGeom prst="rect">
-              <a:avLst/>
-            </a:prstGeom>
-            <a:solidFill>
-              <a:srgbClr val="3CBA26">
-                <a:alpha val="100000"/>
-              </a:srgbClr>
-            </a:solidFill>
-            <a:ln w="2710" cap="flat">
-              <a:solidFill>
-                <a:srgbClr val="FFFFFF">
-                  <a:alpha val="100000"/>
-                </a:srgbClr>
-              </a:solidFill>
-              <a:prstDash val="solid"/>
-              <a:miter/>
-            </a:ln>
-          </p:spPr>
-          <p:txBody>
-            <a:bodyPr/>
-            <a:lstStyle/>
-            <a:p/>
-          </p:txBody>
-        </p:sp>
-        <p:sp>
-          <p:nvSpPr>
-            <p:cNvPr id="931" name="rc930"/>
-            <p:cNvSpPr/>
-            <p:nvPr/>
-          </p:nvSpPr>
-          <p:spPr>
-            <a:xfrm>
-              <a:off x="6504872" y="4754400"/>
-              <a:ext cx="250633" cy="64642"/>
-            </a:xfrm>
-            <a:prstGeom prst="rect">
-              <a:avLst/>
-            </a:prstGeom>
-            <a:solidFill>
-              <a:srgbClr val="3CBA26">
-                <a:alpha val="100000"/>
-              </a:srgbClr>
-            </a:solidFill>
-            <a:ln w="2710" cap="flat">
-              <a:solidFill>
-                <a:srgbClr val="FFFFFF">
-                  <a:alpha val="100000"/>
-                </a:srgbClr>
-              </a:solidFill>
-              <a:prstDash val="solid"/>
-              <a:miter/>
-            </a:ln>
-          </p:spPr>
-          <p:txBody>
-            <a:bodyPr/>
-            <a:lstStyle/>
-            <a:p/>
-          </p:txBody>
-        </p:sp>
-        <p:sp>
-          <p:nvSpPr>
-            <p:cNvPr id="932" name="rc931"/>
-            <p:cNvSpPr/>
-            <p:nvPr/>
-          </p:nvSpPr>
-          <p:spPr>
-            <a:xfrm>
-              <a:off x="6504872" y="4689758"/>
-              <a:ext cx="250633" cy="64642"/>
-            </a:xfrm>
-            <a:prstGeom prst="rect">
-              <a:avLst/>
-            </a:prstGeom>
-            <a:solidFill>
-              <a:srgbClr val="3CBA26">
-                <a:alpha val="100000"/>
-              </a:srgbClr>
-            </a:solidFill>
-            <a:ln w="2710" cap="flat">
-              <a:solidFill>
-                <a:srgbClr val="FFFFFF">
-                  <a:alpha val="100000"/>
-                </a:srgbClr>
-              </a:solidFill>
-              <a:prstDash val="solid"/>
-              <a:miter/>
-            </a:ln>
-          </p:spPr>
-          <p:txBody>
-            <a:bodyPr/>
-            <a:lstStyle/>
-            <a:p/>
-          </p:txBody>
-        </p:sp>
-        <p:sp>
-          <p:nvSpPr>
-            <p:cNvPr id="933" name="rc932"/>
-            <p:cNvSpPr/>
-            <p:nvPr/>
-          </p:nvSpPr>
-          <p:spPr>
-            <a:xfrm>
-              <a:off x="6504872" y="4625115"/>
-              <a:ext cx="250633" cy="64642"/>
-            </a:xfrm>
-            <a:prstGeom prst="rect">
-              <a:avLst/>
-            </a:prstGeom>
-            <a:solidFill>
-              <a:srgbClr val="3CBA26">
-                <a:alpha val="100000"/>
-              </a:srgbClr>
-            </a:solidFill>
-            <a:ln w="2710" cap="flat">
-              <a:solidFill>
-                <a:srgbClr val="FFFFFF">
-                  <a:alpha val="100000"/>
-                </a:srgbClr>
-              </a:solidFill>
-              <a:prstDash val="solid"/>
-              <a:miter/>
-            </a:ln>
-          </p:spPr>
-          <p:txBody>
-            <a:bodyPr/>
-            <a:lstStyle/>
-            <a:p/>
-          </p:txBody>
-        </p:sp>
-        <p:sp>
-          <p:nvSpPr>
-            <p:cNvPr id="934" name="rc933"/>
-            <p:cNvSpPr/>
-            <p:nvPr/>
-          </p:nvSpPr>
-          <p:spPr>
-            <a:xfrm>
-              <a:off x="6504872" y="4560473"/>
-              <a:ext cx="250633" cy="64642"/>
-            </a:xfrm>
-            <a:prstGeom prst="rect">
-              <a:avLst/>
-            </a:prstGeom>
-            <a:solidFill>
-              <a:srgbClr val="3CBA26">
-                <a:alpha val="100000"/>
-              </a:srgbClr>
-            </a:solidFill>
-            <a:ln w="2710" cap="flat">
-              <a:solidFill>
-                <a:srgbClr val="FFFFFF">
-                  <a:alpha val="100000"/>
-                </a:srgbClr>
-              </a:solidFill>
-              <a:prstDash val="solid"/>
-              <a:miter/>
-            </a:ln>
-          </p:spPr>
-          <p:txBody>
-            <a:bodyPr/>
-            <a:lstStyle/>
-            <a:p/>
-          </p:txBody>
-        </p:sp>
-        <p:sp>
-          <p:nvSpPr>
-            <p:cNvPr id="935" name="rc934"/>
-            <p:cNvSpPr/>
-            <p:nvPr/>
-          </p:nvSpPr>
-          <p:spPr>
-            <a:xfrm>
-              <a:off x="6504872" y="4495830"/>
-              <a:ext cx="250633" cy="64642"/>
-            </a:xfrm>
-            <a:prstGeom prst="rect">
-              <a:avLst/>
-            </a:prstGeom>
-            <a:solidFill>
-              <a:srgbClr val="3CBA26">
-                <a:alpha val="100000"/>
-              </a:srgbClr>
-            </a:solidFill>
-            <a:ln w="2710" cap="flat">
-              <a:solidFill>
-                <a:srgbClr val="FFFFFF">
-                  <a:alpha val="100000"/>
-                </a:srgbClr>
-              </a:solidFill>
-              <a:prstDash val="solid"/>
-              <a:miter/>
-            </a:ln>
-          </p:spPr>
-          <p:txBody>
-            <a:bodyPr/>
-            <a:lstStyle/>
-            <a:p/>
-          </p:txBody>
-        </p:sp>
-        <p:sp>
-          <p:nvSpPr>
-            <p:cNvPr id="936" name="rc935"/>
-            <p:cNvSpPr/>
-            <p:nvPr/>
-          </p:nvSpPr>
-          <p:spPr>
-            <a:xfrm>
-              <a:off x="6504872" y="4431188"/>
-              <a:ext cx="250633" cy="64642"/>
-            </a:xfrm>
-            <a:prstGeom prst="rect">
-              <a:avLst/>
-            </a:prstGeom>
-            <a:solidFill>
-              <a:srgbClr val="3CBA26">
-                <a:alpha val="100000"/>
-              </a:srgbClr>
-            </a:solidFill>
-            <a:ln w="2710" cap="flat">
-              <a:solidFill>
-                <a:srgbClr val="FFFFFF">
-                  <a:alpha val="100000"/>
-                </a:srgbClr>
-              </a:solidFill>
-              <a:prstDash val="solid"/>
-              <a:miter/>
-            </a:ln>
-          </p:spPr>
-          <p:txBody>
-            <a:bodyPr/>
-            <a:lstStyle/>
-            <a:p/>
-          </p:txBody>
-        </p:sp>
-        <p:sp>
-          <p:nvSpPr>
-            <p:cNvPr id="937" name="rc936"/>
-            <p:cNvSpPr/>
-            <p:nvPr/>
-          </p:nvSpPr>
-          <p:spPr>
-            <a:xfrm>
-              <a:off x="6504872" y="4366545"/>
-              <a:ext cx="250633" cy="64642"/>
-            </a:xfrm>
-            <a:prstGeom prst="rect">
-              <a:avLst/>
-            </a:prstGeom>
-            <a:solidFill>
-              <a:srgbClr val="3CBA26">
-                <a:alpha val="100000"/>
-              </a:srgbClr>
-            </a:solidFill>
-            <a:ln w="2710" cap="flat">
-              <a:solidFill>
-                <a:srgbClr val="FFFFFF">
-                  <a:alpha val="100000"/>
-                </a:srgbClr>
-              </a:solidFill>
-              <a:prstDash val="solid"/>
-              <a:miter/>
-            </a:ln>
-          </p:spPr>
-          <p:txBody>
-            <a:bodyPr/>
-            <a:lstStyle/>
-            <a:p/>
-          </p:txBody>
-        </p:sp>
-        <p:sp>
-          <p:nvSpPr>
-            <p:cNvPr id="938" name="rc937"/>
-            <p:cNvSpPr/>
-            <p:nvPr/>
-          </p:nvSpPr>
-          <p:spPr>
-            <a:xfrm>
-              <a:off x="6504872" y="4301903"/>
-              <a:ext cx="250633" cy="64642"/>
-            </a:xfrm>
-            <a:prstGeom prst="rect">
-              <a:avLst/>
-            </a:prstGeom>
-            <a:solidFill>
-              <a:srgbClr val="3CBA26">
-                <a:alpha val="100000"/>
-              </a:srgbClr>
-            </a:solidFill>
-            <a:ln w="2710" cap="flat">
-              <a:solidFill>
-                <a:srgbClr val="FFFFFF">
-                  <a:alpha val="100000"/>
-                </a:srgbClr>
-              </a:solidFill>
-              <a:prstDash val="solid"/>
-              <a:miter/>
-            </a:ln>
-          </p:spPr>
-          <p:txBody>
-            <a:bodyPr/>
-            <a:lstStyle/>
-            <a:p/>
-          </p:txBody>
-        </p:sp>
-        <p:sp>
-          <p:nvSpPr>
-            <p:cNvPr id="939" name="rc938"/>
-            <p:cNvSpPr/>
-            <p:nvPr/>
-          </p:nvSpPr>
-          <p:spPr>
-            <a:xfrm>
-              <a:off x="6504872" y="4237260"/>
-              <a:ext cx="250633" cy="64642"/>
-            </a:xfrm>
-            <a:prstGeom prst="rect">
-              <a:avLst/>
-            </a:prstGeom>
-            <a:solidFill>
-              <a:srgbClr val="3CBA26">
-                <a:alpha val="100000"/>
-              </a:srgbClr>
-            </a:solidFill>
-            <a:ln w="2710" cap="flat">
-              <a:solidFill>
-                <a:srgbClr val="FFFFFF">
-                  <a:alpha val="100000"/>
-                </a:srgbClr>
-              </a:solidFill>
-              <a:prstDash val="solid"/>
-              <a:miter/>
-            </a:ln>
-          </p:spPr>
-          <p:txBody>
-            <a:bodyPr/>
-            <a:lstStyle/>
-            <a:p/>
-          </p:txBody>
-        </p:sp>
-        <p:sp>
-          <p:nvSpPr>
-            <p:cNvPr id="940" name="rc939"/>
-            <p:cNvSpPr/>
-            <p:nvPr/>
-          </p:nvSpPr>
-          <p:spPr>
-            <a:xfrm>
-              <a:off x="6504872" y="4172618"/>
-              <a:ext cx="250633" cy="64642"/>
-            </a:xfrm>
-            <a:prstGeom prst="rect">
-              <a:avLst/>
-            </a:prstGeom>
-            <a:solidFill>
-              <a:srgbClr val="3CBA26">
-                <a:alpha val="100000"/>
-              </a:srgbClr>
-            </a:solidFill>
-            <a:ln w="2710" cap="flat">
-              <a:solidFill>
-                <a:srgbClr val="FFFFFF">
-                  <a:alpha val="100000"/>
-                </a:srgbClr>
-              </a:solidFill>
-              <a:prstDash val="solid"/>
-              <a:miter/>
-            </a:ln>
-          </p:spPr>
-          <p:txBody>
-            <a:bodyPr/>
-            <a:lstStyle/>
-            <a:p/>
-          </p:txBody>
-        </p:sp>
-        <p:sp>
-          <p:nvSpPr>
-            <p:cNvPr id="941" name="rc940"/>
-            <p:cNvSpPr/>
-            <p:nvPr/>
-          </p:nvSpPr>
-          <p:spPr>
-            <a:xfrm>
-              <a:off x="6504872" y="4107975"/>
-              <a:ext cx="250633" cy="64642"/>
-            </a:xfrm>
-            <a:prstGeom prst="rect">
-              <a:avLst/>
-            </a:prstGeom>
-            <a:solidFill>
-              <a:srgbClr val="3CBA26">
-                <a:alpha val="100000"/>
-              </a:srgbClr>
-            </a:solidFill>
-            <a:ln w="2710" cap="flat">
-              <a:solidFill>
-                <a:srgbClr val="FFFFFF">
-                  <a:alpha val="100000"/>
-                </a:srgbClr>
-              </a:solidFill>
-              <a:prstDash val="solid"/>
-              <a:miter/>
-            </a:ln>
-          </p:spPr>
-          <p:txBody>
-            <a:bodyPr/>
-            <a:lstStyle/>
-            <a:p/>
-          </p:txBody>
-        </p:sp>
-        <p:sp>
-          <p:nvSpPr>
-            <p:cNvPr id="942" name="rc941"/>
-            <p:cNvSpPr/>
-            <p:nvPr/>
-          </p:nvSpPr>
-          <p:spPr>
-            <a:xfrm>
-              <a:off x="6504872" y="4043333"/>
-              <a:ext cx="250633" cy="64642"/>
-            </a:xfrm>
-            <a:prstGeom prst="rect">
-              <a:avLst/>
-            </a:prstGeom>
-            <a:solidFill>
-              <a:srgbClr val="3CBA26">
-                <a:alpha val="100000"/>
-              </a:srgbClr>
-            </a:solidFill>
-            <a:ln w="2710" cap="flat">
-              <a:solidFill>
-                <a:srgbClr val="FFFFFF">
-                  <a:alpha val="100000"/>
-                </a:srgbClr>
-              </a:solidFill>
-              <a:prstDash val="solid"/>
-              <a:miter/>
-            </a:ln>
-          </p:spPr>
-          <p:txBody>
-            <a:bodyPr/>
-            <a:lstStyle/>
-            <a:p/>
-          </p:txBody>
-        </p:sp>
-        <p:sp>
-          <p:nvSpPr>
-            <p:cNvPr id="943" name="rc942"/>
-            <p:cNvSpPr/>
-            <p:nvPr/>
-          </p:nvSpPr>
-          <p:spPr>
-            <a:xfrm>
-              <a:off x="6504872" y="3978690"/>
-              <a:ext cx="250633" cy="64642"/>
-            </a:xfrm>
-            <a:prstGeom prst="rect">
-              <a:avLst/>
-            </a:prstGeom>
-            <a:solidFill>
-              <a:srgbClr val="3CBA26">
-                <a:alpha val="100000"/>
-              </a:srgbClr>
-            </a:solidFill>
-            <a:ln w="2710" cap="flat">
-              <a:solidFill>
-                <a:srgbClr val="FFFFFF">
-                  <a:alpha val="100000"/>
-                </a:srgbClr>
-              </a:solidFill>
-              <a:prstDash val="solid"/>
-              <a:miter/>
-            </a:ln>
-          </p:spPr>
-          <p:txBody>
-            <a:bodyPr/>
-            <a:lstStyle/>
-            <a:p/>
-          </p:txBody>
-        </p:sp>
-        <p:sp>
-          <p:nvSpPr>
-            <p:cNvPr id="944" name="rc943"/>
-            <p:cNvSpPr/>
-            <p:nvPr/>
-          </p:nvSpPr>
-          <p:spPr>
-            <a:xfrm>
-              <a:off x="6504872" y="3914048"/>
-              <a:ext cx="250633" cy="64642"/>
-            </a:xfrm>
-            <a:prstGeom prst="rect">
-              <a:avLst/>
-            </a:prstGeom>
-            <a:solidFill>
-              <a:srgbClr val="3CBA26">
-                <a:alpha val="100000"/>
-              </a:srgbClr>
-            </a:solidFill>
-            <a:ln w="2710" cap="flat">
-              <a:solidFill>
-                <a:srgbClr val="FFFFFF">
-                  <a:alpha val="100000"/>
-                </a:srgbClr>
-              </a:solidFill>
-              <a:prstDash val="solid"/>
-              <a:miter/>
-            </a:ln>
-          </p:spPr>
-          <p:txBody>
-            <a:bodyPr/>
-            <a:lstStyle/>
-            <a:p/>
-          </p:txBody>
-        </p:sp>
-        <p:sp>
-          <p:nvSpPr>
-            <p:cNvPr id="945" name="rc944"/>
-            <p:cNvSpPr/>
-            <p:nvPr/>
-          </p:nvSpPr>
-          <p:spPr>
-            <a:xfrm>
-              <a:off x="6504872" y="3849405"/>
-              <a:ext cx="250633" cy="64642"/>
-            </a:xfrm>
-            <a:prstGeom prst="rect">
-              <a:avLst/>
-            </a:prstGeom>
-            <a:solidFill>
-              <a:srgbClr val="3CBA26">
-                <a:alpha val="100000"/>
-              </a:srgbClr>
-            </a:solidFill>
-            <a:ln w="2710" cap="flat">
-              <a:solidFill>
-                <a:srgbClr val="FFFFFF">
-                  <a:alpha val="100000"/>
-                </a:srgbClr>
-              </a:solidFill>
-              <a:prstDash val="solid"/>
-              <a:miter/>
-            </a:ln>
-          </p:spPr>
-          <p:txBody>
-            <a:bodyPr/>
-            <a:lstStyle/>
-            <a:p/>
-          </p:txBody>
-        </p:sp>
-        <p:sp>
-          <p:nvSpPr>
-            <p:cNvPr id="946" name="rc945"/>
-            <p:cNvSpPr/>
-            <p:nvPr/>
-          </p:nvSpPr>
-          <p:spPr>
-            <a:xfrm>
-              <a:off x="6504872" y="3784763"/>
-              <a:ext cx="250633" cy="64642"/>
-            </a:xfrm>
-            <a:prstGeom prst="rect">
-              <a:avLst/>
-            </a:prstGeom>
-            <a:solidFill>
-              <a:srgbClr val="3CBA26">
-                <a:alpha val="100000"/>
-              </a:srgbClr>
-            </a:solidFill>
-            <a:ln w="2710" cap="flat">
-              <a:solidFill>
-                <a:srgbClr val="FFFFFF">
-                  <a:alpha val="100000"/>
-                </a:srgbClr>
-              </a:solidFill>
-              <a:prstDash val="solid"/>
-              <a:miter/>
-            </a:ln>
-          </p:spPr>
-          <p:txBody>
-            <a:bodyPr/>
-            <a:lstStyle/>
-            <a:p/>
-          </p:txBody>
-        </p:sp>
-        <p:sp>
-          <p:nvSpPr>
-            <p:cNvPr id="947" name="rc946"/>
-            <p:cNvSpPr/>
-            <p:nvPr/>
-          </p:nvSpPr>
-          <p:spPr>
-            <a:xfrm>
-              <a:off x="6504872" y="3720120"/>
-              <a:ext cx="250633" cy="64642"/>
-            </a:xfrm>
-            <a:prstGeom prst="rect">
-              <a:avLst/>
-            </a:prstGeom>
-            <a:solidFill>
-              <a:srgbClr val="3CBA26">
-                <a:alpha val="100000"/>
-              </a:srgbClr>
-            </a:solidFill>
-            <a:ln w="2710" cap="flat">
-              <a:solidFill>
-                <a:srgbClr val="FFFFFF">
-                  <a:alpha val="100000"/>
-                </a:srgbClr>
-              </a:solidFill>
-              <a:prstDash val="solid"/>
-              <a:miter/>
-            </a:ln>
-          </p:spPr>
-          <p:txBody>
-            <a:bodyPr/>
-            <a:lstStyle/>
-            <a:p/>
-          </p:txBody>
-        </p:sp>
-        <p:sp>
-          <p:nvSpPr>
-            <p:cNvPr id="948" name="rc947"/>
-            <p:cNvSpPr/>
-            <p:nvPr/>
-          </p:nvSpPr>
-          <p:spPr>
-            <a:xfrm>
-              <a:off x="6504872" y="3655478"/>
-              <a:ext cx="250633" cy="64642"/>
-            </a:xfrm>
-            <a:prstGeom prst="rect">
-              <a:avLst/>
-            </a:prstGeom>
-            <a:solidFill>
-              <a:srgbClr val="3CBA26">
-                <a:alpha val="100000"/>
-              </a:srgbClr>
-            </a:solidFill>
-            <a:ln w="2710" cap="flat">
-              <a:solidFill>
-                <a:srgbClr val="FFFFFF">
-                  <a:alpha val="100000"/>
-                </a:srgbClr>
-              </a:solidFill>
-              <a:prstDash val="solid"/>
-              <a:miter/>
-            </a:ln>
-          </p:spPr>
-          <p:txBody>
-            <a:bodyPr/>
-            <a:lstStyle/>
-            <a:p/>
-          </p:txBody>
-        </p:sp>
-        <p:sp>
-          <p:nvSpPr>
-            <p:cNvPr id="949" name="rc948"/>
-            <p:cNvSpPr/>
-            <p:nvPr/>
-          </p:nvSpPr>
-          <p:spPr>
-            <a:xfrm>
-              <a:off x="6504872" y="3590835"/>
-              <a:ext cx="250633" cy="64642"/>
-            </a:xfrm>
-            <a:prstGeom prst="rect">
-              <a:avLst/>
-            </a:prstGeom>
-            <a:solidFill>
-              <a:srgbClr val="3CBA26">
-                <a:alpha val="100000"/>
-              </a:srgbClr>
-            </a:solidFill>
-            <a:ln w="2710" cap="flat">
-              <a:solidFill>
-                <a:srgbClr val="FFFFFF">
-                  <a:alpha val="100000"/>
-                </a:srgbClr>
-              </a:solidFill>
-              <a:prstDash val="solid"/>
-              <a:miter/>
-            </a:ln>
-          </p:spPr>
-          <p:txBody>
-            <a:bodyPr/>
-            <a:lstStyle/>
-            <a:p/>
-          </p:txBody>
-        </p:sp>
-        <p:sp>
-          <p:nvSpPr>
-            <p:cNvPr id="950" name="rc949"/>
-            <p:cNvSpPr/>
-            <p:nvPr/>
-          </p:nvSpPr>
-          <p:spPr>
-            <a:xfrm>
-              <a:off x="6504872" y="3526193"/>
-              <a:ext cx="250633" cy="64642"/>
-            </a:xfrm>
-            <a:prstGeom prst="rect">
-              <a:avLst/>
-            </a:prstGeom>
-            <a:solidFill>
-              <a:srgbClr val="3CBA26">
-                <a:alpha val="100000"/>
-              </a:srgbClr>
-            </a:solidFill>
-            <a:ln w="2710" cap="flat">
-              <a:solidFill>
-                <a:srgbClr val="FFFFFF">
-                  <a:alpha val="100000"/>
-                </a:srgbClr>
-              </a:solidFill>
-              <a:prstDash val="solid"/>
-              <a:miter/>
-            </a:ln>
-          </p:spPr>
-          <p:txBody>
-            <a:bodyPr/>
-            <a:lstStyle/>
-            <a:p/>
-          </p:txBody>
-        </p:sp>
-        <p:sp>
-          <p:nvSpPr>
-            <p:cNvPr id="951" name="rc950"/>
-            <p:cNvSpPr/>
-            <p:nvPr/>
-          </p:nvSpPr>
-          <p:spPr>
-            <a:xfrm>
-              <a:off x="6504872" y="3461550"/>
-              <a:ext cx="250633" cy="64642"/>
-            </a:xfrm>
-            <a:prstGeom prst="rect">
-              <a:avLst/>
-            </a:prstGeom>
-            <a:solidFill>
-              <a:srgbClr val="3CBA26">
-                <a:alpha val="100000"/>
-              </a:srgbClr>
-            </a:solidFill>
-            <a:ln w="2710" cap="flat">
-              <a:solidFill>
-                <a:srgbClr val="FFFFFF">
-                  <a:alpha val="100000"/>
-                </a:srgbClr>
-              </a:solidFill>
-              <a:prstDash val="solid"/>
-              <a:miter/>
-            </a:ln>
-          </p:spPr>
-          <p:txBody>
-            <a:bodyPr/>
-            <a:lstStyle/>
-            <a:p/>
-          </p:txBody>
-        </p:sp>
-        <p:sp>
-          <p:nvSpPr>
-            <p:cNvPr id="952" name="rc951"/>
-            <p:cNvSpPr/>
-            <p:nvPr/>
-          </p:nvSpPr>
-          <p:spPr>
-            <a:xfrm>
-              <a:off x="6504872" y="3396908"/>
-              <a:ext cx="250633" cy="64642"/>
-            </a:xfrm>
-            <a:prstGeom prst="rect">
-              <a:avLst/>
-            </a:prstGeom>
-            <a:solidFill>
-              <a:srgbClr val="3CBA26">
-                <a:alpha val="100000"/>
-              </a:srgbClr>
-            </a:solidFill>
-            <a:ln w="2710" cap="flat">
-              <a:solidFill>
-                <a:srgbClr val="FFFFFF">
-                  <a:alpha val="100000"/>
-                </a:srgbClr>
-              </a:solidFill>
-              <a:prstDash val="solid"/>
-              <a:miter/>
-            </a:ln>
-          </p:spPr>
-          <p:txBody>
-            <a:bodyPr/>
-            <a:lstStyle/>
-            <a:p/>
-          </p:txBody>
-        </p:sp>
-        <p:sp>
-          <p:nvSpPr>
-            <p:cNvPr id="953" name="rc952"/>
-            <p:cNvSpPr/>
-            <p:nvPr/>
-          </p:nvSpPr>
-          <p:spPr>
-            <a:xfrm>
-              <a:off x="6504872" y="3332265"/>
-              <a:ext cx="250633" cy="64642"/>
-            </a:xfrm>
-            <a:prstGeom prst="rect">
-              <a:avLst/>
-            </a:prstGeom>
-            <a:solidFill>
-              <a:srgbClr val="3CBA26">
-                <a:alpha val="100000"/>
-              </a:srgbClr>
-            </a:solidFill>
-            <a:ln w="2710" cap="flat">
-              <a:solidFill>
-                <a:srgbClr val="FFFFFF">
-                  <a:alpha val="100000"/>
-                </a:srgbClr>
-              </a:solidFill>
-              <a:prstDash val="solid"/>
-              <a:miter/>
-            </a:ln>
-          </p:spPr>
-          <p:txBody>
-            <a:bodyPr/>
-            <a:lstStyle/>
-            <a:p/>
-          </p:txBody>
-        </p:sp>
-        <p:sp>
-          <p:nvSpPr>
-            <p:cNvPr id="954" name="rc953"/>
-            <p:cNvSpPr/>
-            <p:nvPr/>
-          </p:nvSpPr>
-          <p:spPr>
-            <a:xfrm>
-              <a:off x="6504872" y="3267622"/>
-              <a:ext cx="250633" cy="64642"/>
-            </a:xfrm>
-            <a:prstGeom prst="rect">
-              <a:avLst/>
-            </a:prstGeom>
-            <a:solidFill>
-              <a:srgbClr val="3CBA26">
-                <a:alpha val="100000"/>
-              </a:srgbClr>
-            </a:solidFill>
-            <a:ln w="2710" cap="flat">
-              <a:solidFill>
-                <a:srgbClr val="FFFFFF">
-                  <a:alpha val="100000"/>
-                </a:srgbClr>
-              </a:solidFill>
-              <a:prstDash val="solid"/>
-              <a:miter/>
-            </a:ln>
-          </p:spPr>
-          <p:txBody>
-            <a:bodyPr/>
-            <a:lstStyle/>
-            <a:p/>
-          </p:txBody>
-        </p:sp>
-        <p:sp>
-          <p:nvSpPr>
-            <p:cNvPr id="955" name="rc954"/>
-            <p:cNvSpPr/>
-            <p:nvPr/>
-          </p:nvSpPr>
-          <p:spPr>
-            <a:xfrm>
-              <a:off x="6504872" y="3202980"/>
-              <a:ext cx="250633" cy="64642"/>
-            </a:xfrm>
-            <a:prstGeom prst="rect">
-              <a:avLst/>
-            </a:prstGeom>
-            <a:solidFill>
-              <a:srgbClr val="3CBA26">
-                <a:alpha val="100000"/>
-              </a:srgbClr>
-            </a:solidFill>
-            <a:ln w="2710" cap="flat">
-              <a:solidFill>
-                <a:srgbClr val="FFFFFF">
-                  <a:alpha val="100000"/>
-                </a:srgbClr>
-              </a:solidFill>
-              <a:prstDash val="solid"/>
-              <a:miter/>
-            </a:ln>
-          </p:spPr>
-          <p:txBody>
-            <a:bodyPr/>
-            <a:lstStyle/>
-            <a:p/>
-          </p:txBody>
-        </p:sp>
-        <p:sp>
-          <p:nvSpPr>
-            <p:cNvPr id="956" name="rc955"/>
-            <p:cNvSpPr/>
-            <p:nvPr/>
-          </p:nvSpPr>
-          <p:spPr>
-            <a:xfrm>
-              <a:off x="6504872" y="3138337"/>
-              <a:ext cx="250633" cy="64642"/>
-            </a:xfrm>
-            <a:prstGeom prst="rect">
-              <a:avLst/>
-            </a:prstGeom>
-            <a:solidFill>
-              <a:srgbClr val="3CBA26">
-                <a:alpha val="100000"/>
-              </a:srgbClr>
-            </a:solidFill>
-            <a:ln w="2710" cap="flat">
-              <a:solidFill>
-                <a:srgbClr val="FFFFFF">
-                  <a:alpha val="100000"/>
-                </a:srgbClr>
-              </a:solidFill>
-              <a:prstDash val="solid"/>
-              <a:miter/>
-            </a:ln>
-          </p:spPr>
-          <p:txBody>
-            <a:bodyPr/>
-            <a:lstStyle/>
-            <a:p/>
-          </p:txBody>
-        </p:sp>
-        <p:sp>
-          <p:nvSpPr>
-            <p:cNvPr id="957" name="rc956"/>
-            <p:cNvSpPr/>
-            <p:nvPr/>
-          </p:nvSpPr>
-          <p:spPr>
-            <a:xfrm>
-              <a:off x="6504872" y="3073695"/>
-              <a:ext cx="250633" cy="64642"/>
-            </a:xfrm>
-            <a:prstGeom prst="rect">
-              <a:avLst/>
-            </a:prstGeom>
-            <a:solidFill>
-              <a:srgbClr val="3CBA26">
-                <a:alpha val="100000"/>
-              </a:srgbClr>
-            </a:solidFill>
-            <a:ln w="2710" cap="flat">
-              <a:solidFill>
-                <a:srgbClr val="FFFFFF">
-                  <a:alpha val="100000"/>
-                </a:srgbClr>
-              </a:solidFill>
-              <a:prstDash val="solid"/>
-              <a:miter/>
-            </a:ln>
-          </p:spPr>
-          <p:txBody>
-            <a:bodyPr/>
-            <a:lstStyle/>
-            <a:p/>
-          </p:txBody>
-        </p:sp>
-        <p:sp>
-          <p:nvSpPr>
-            <p:cNvPr id="958" name="rc957"/>
-            <p:cNvSpPr/>
-            <p:nvPr/>
-          </p:nvSpPr>
-          <p:spPr>
-            <a:xfrm>
-              <a:off x="6504872" y="3009052"/>
-              <a:ext cx="250633" cy="64642"/>
-            </a:xfrm>
-            <a:prstGeom prst="rect">
-              <a:avLst/>
-            </a:prstGeom>
-            <a:solidFill>
-              <a:srgbClr val="3CBA26">
-                <a:alpha val="100000"/>
-              </a:srgbClr>
-            </a:solidFill>
-            <a:ln w="2710" cap="flat">
-              <a:solidFill>
-                <a:srgbClr val="FFFFFF">
-                  <a:alpha val="100000"/>
-                </a:srgbClr>
-              </a:solidFill>
-              <a:prstDash val="solid"/>
-              <a:miter/>
-            </a:ln>
-          </p:spPr>
-          <p:txBody>
-            <a:bodyPr/>
-            <a:lstStyle/>
-            <a:p/>
-          </p:txBody>
-        </p:sp>
-        <p:sp>
-          <p:nvSpPr>
-            <p:cNvPr id="959" name="rc958"/>
-            <p:cNvSpPr/>
-            <p:nvPr/>
-          </p:nvSpPr>
-          <p:spPr>
-            <a:xfrm>
-              <a:off x="6504872" y="2944410"/>
-              <a:ext cx="250633" cy="64642"/>
-            </a:xfrm>
-            <a:prstGeom prst="rect">
-              <a:avLst/>
-            </a:prstGeom>
-            <a:solidFill>
-              <a:srgbClr val="3CBA26">
-                <a:alpha val="100000"/>
-              </a:srgbClr>
-            </a:solidFill>
-            <a:ln w="2710" cap="flat">
-              <a:solidFill>
-                <a:srgbClr val="FFFFFF">
-                  <a:alpha val="100000"/>
-                </a:srgbClr>
-              </a:solidFill>
-              <a:prstDash val="solid"/>
-              <a:miter/>
-            </a:ln>
-          </p:spPr>
-          <p:txBody>
-            <a:bodyPr/>
-            <a:lstStyle/>
-            <a:p/>
-          </p:txBody>
-        </p:sp>
-        <p:sp>
-          <p:nvSpPr>
-            <p:cNvPr id="960" name="rc959"/>
-            <p:cNvSpPr/>
-            <p:nvPr/>
-          </p:nvSpPr>
-          <p:spPr>
-            <a:xfrm>
-              <a:off x="6504872" y="2879767"/>
-              <a:ext cx="250633" cy="64642"/>
-            </a:xfrm>
-            <a:prstGeom prst="rect">
-              <a:avLst/>
-            </a:prstGeom>
-            <a:solidFill>
-              <a:srgbClr val="3CBA26">
-                <a:alpha val="100000"/>
-              </a:srgbClr>
-            </a:solidFill>
-            <a:ln w="2710" cap="flat">
-              <a:solidFill>
-                <a:srgbClr val="FFFFFF">
-                  <a:alpha val="100000"/>
-                </a:srgbClr>
-              </a:solidFill>
-              <a:prstDash val="solid"/>
-              <a:miter/>
-            </a:ln>
-          </p:spPr>
-          <p:txBody>
-            <a:bodyPr/>
-            <a:lstStyle/>
-            <a:p/>
-          </p:txBody>
-        </p:sp>
-        <p:sp>
-          <p:nvSpPr>
-            <p:cNvPr id="961" name="rc960"/>
-            <p:cNvSpPr/>
-            <p:nvPr/>
-          </p:nvSpPr>
-          <p:spPr>
-            <a:xfrm>
-              <a:off x="6504872" y="2815125"/>
-              <a:ext cx="250633" cy="64642"/>
-            </a:xfrm>
-            <a:prstGeom prst="rect">
-              <a:avLst/>
-            </a:prstGeom>
-            <a:solidFill>
-              <a:srgbClr val="3CBA26">
-                <a:alpha val="100000"/>
-              </a:srgbClr>
-            </a:solidFill>
-            <a:ln w="2710" cap="flat">
-              <a:solidFill>
-                <a:srgbClr val="FFFFFF">
-                  <a:alpha val="100000"/>
-                </a:srgbClr>
-              </a:solidFill>
-              <a:prstDash val="solid"/>
-              <a:miter/>
-            </a:ln>
-          </p:spPr>
-          <p:txBody>
-            <a:bodyPr/>
-            <a:lstStyle/>
-            <a:p/>
-          </p:txBody>
-        </p:sp>
-        <p:sp>
-          <p:nvSpPr>
-            <p:cNvPr id="962" name="rc961"/>
-            <p:cNvSpPr/>
-            <p:nvPr/>
-          </p:nvSpPr>
-          <p:spPr>
-            <a:xfrm>
-              <a:off x="6504872" y="2750482"/>
-              <a:ext cx="250633" cy="64642"/>
-            </a:xfrm>
-            <a:prstGeom prst="rect">
-              <a:avLst/>
-            </a:prstGeom>
-            <a:solidFill>
-              <a:srgbClr val="3CBA26">
-                <a:alpha val="100000"/>
-              </a:srgbClr>
-            </a:solidFill>
-            <a:ln w="2710" cap="flat">
-              <a:solidFill>
-                <a:srgbClr val="FFFFFF">
-                  <a:alpha val="100000"/>
-                </a:srgbClr>
-              </a:solidFill>
-              <a:prstDash val="solid"/>
-              <a:miter/>
-            </a:ln>
-          </p:spPr>
-          <p:txBody>
-            <a:bodyPr/>
-            <a:lstStyle/>
-            <a:p/>
-          </p:txBody>
-        </p:sp>
-        <p:sp>
-          <p:nvSpPr>
-            <p:cNvPr id="963" name="rc962"/>
-            <p:cNvSpPr/>
-            <p:nvPr/>
-          </p:nvSpPr>
-          <p:spPr>
-            <a:xfrm>
-              <a:off x="6504872" y="2685840"/>
-              <a:ext cx="250633" cy="64642"/>
-            </a:xfrm>
-            <a:prstGeom prst="rect">
-              <a:avLst/>
-            </a:prstGeom>
-            <a:solidFill>
-              <a:srgbClr val="3CBA26">
-                <a:alpha val="100000"/>
-              </a:srgbClr>
-            </a:solidFill>
-            <a:ln w="2710" cap="flat">
-              <a:solidFill>
-                <a:srgbClr val="FFFFFF">
-                  <a:alpha val="100000"/>
-                </a:srgbClr>
-              </a:solidFill>
-              <a:prstDash val="solid"/>
-              <a:miter/>
-            </a:ln>
-          </p:spPr>
-          <p:txBody>
-            <a:bodyPr/>
-            <a:lstStyle/>
-            <a:p/>
-          </p:txBody>
-        </p:sp>
-        <p:sp>
-          <p:nvSpPr>
-            <p:cNvPr id="964" name="rc963"/>
-            <p:cNvSpPr/>
-            <p:nvPr/>
-          </p:nvSpPr>
-          <p:spPr>
-            <a:xfrm>
-              <a:off x="6504872" y="2621197"/>
-              <a:ext cx="250633" cy="64642"/>
-            </a:xfrm>
-            <a:prstGeom prst="rect">
-              <a:avLst/>
-            </a:prstGeom>
-            <a:solidFill>
-              <a:srgbClr val="3CBA26">
-                <a:alpha val="100000"/>
-              </a:srgbClr>
-            </a:solidFill>
-            <a:ln w="2710" cap="flat">
-              <a:solidFill>
-                <a:srgbClr val="FFFFFF">
-                  <a:alpha val="100000"/>
-                </a:srgbClr>
-              </a:solidFill>
-              <a:prstDash val="solid"/>
-              <a:miter/>
-            </a:ln>
-          </p:spPr>
-          <p:txBody>
-            <a:bodyPr/>
-            <a:lstStyle/>
-            <a:p/>
-          </p:txBody>
-        </p:sp>
-        <p:sp>
-          <p:nvSpPr>
-            <p:cNvPr id="965" name="rc964"/>
-            <p:cNvSpPr/>
-            <p:nvPr/>
-          </p:nvSpPr>
-          <p:spPr>
-            <a:xfrm>
-              <a:off x="6504872" y="2556555"/>
-              <a:ext cx="250633" cy="64642"/>
-            </a:xfrm>
-            <a:prstGeom prst="rect">
-              <a:avLst/>
-            </a:prstGeom>
-            <a:solidFill>
-              <a:srgbClr val="3CBA26">
-                <a:alpha val="100000"/>
-              </a:srgbClr>
-            </a:solidFill>
-            <a:ln w="2710" cap="flat">
-              <a:solidFill>
-                <a:srgbClr val="FFFFFF">
-                  <a:alpha val="100000"/>
-                </a:srgbClr>
-              </a:solidFill>
-              <a:prstDash val="solid"/>
-              <a:miter/>
-            </a:ln>
-          </p:spPr>
-          <p:txBody>
-            <a:bodyPr/>
-            <a:lstStyle/>
-            <a:p/>
-          </p:txBody>
-        </p:sp>
-        <p:sp>
-          <p:nvSpPr>
-            <p:cNvPr id="966" name="rc965"/>
-            <p:cNvSpPr/>
-            <p:nvPr/>
-          </p:nvSpPr>
-          <p:spPr>
-            <a:xfrm>
-              <a:off x="6504872" y="2491912"/>
-              <a:ext cx="250633" cy="64642"/>
-            </a:xfrm>
-            <a:prstGeom prst="rect">
-              <a:avLst/>
-            </a:prstGeom>
-            <a:solidFill>
-              <a:srgbClr val="3CBA26">
-                <a:alpha val="100000"/>
-              </a:srgbClr>
-            </a:solidFill>
-            <a:ln w="2710" cap="flat">
-              <a:solidFill>
-                <a:srgbClr val="FFFFFF">
-                  <a:alpha val="100000"/>
-                </a:srgbClr>
-              </a:solidFill>
-              <a:prstDash val="solid"/>
-              <a:miter/>
-            </a:ln>
-          </p:spPr>
-          <p:txBody>
-            <a:bodyPr/>
-            <a:lstStyle/>
-            <a:p/>
-          </p:txBody>
-        </p:sp>
-        <p:sp>
-          <p:nvSpPr>
-            <p:cNvPr id="967" name="rc966"/>
-            <p:cNvSpPr/>
-            <p:nvPr/>
-          </p:nvSpPr>
-          <p:spPr>
-            <a:xfrm>
-              <a:off x="6504872" y="2427270"/>
-              <a:ext cx="250633" cy="64642"/>
-            </a:xfrm>
-            <a:prstGeom prst="rect">
-              <a:avLst/>
-            </a:prstGeom>
-            <a:solidFill>
-              <a:srgbClr val="3CBA26">
-                <a:alpha val="100000"/>
-              </a:srgbClr>
-            </a:solidFill>
-            <a:ln w="2710" cap="flat">
-              <a:solidFill>
-                <a:srgbClr val="FFFFFF">
-                  <a:alpha val="100000"/>
-                </a:srgbClr>
-              </a:solidFill>
-              <a:prstDash val="solid"/>
-              <a:miter/>
-            </a:ln>
-          </p:spPr>
-          <p:txBody>
-            <a:bodyPr/>
-            <a:lstStyle/>
-            <a:p/>
-          </p:txBody>
-        </p:sp>
-        <p:sp>
-          <p:nvSpPr>
-            <p:cNvPr id="968" name="rc967"/>
-            <p:cNvSpPr/>
-            <p:nvPr/>
-          </p:nvSpPr>
-          <p:spPr>
-            <a:xfrm>
-              <a:off x="6504872" y="2362627"/>
-              <a:ext cx="250633" cy="64642"/>
-            </a:xfrm>
-            <a:prstGeom prst="rect">
-              <a:avLst/>
-            </a:prstGeom>
-            <a:solidFill>
-              <a:srgbClr val="3CBA26">
-                <a:alpha val="100000"/>
-              </a:srgbClr>
-            </a:solidFill>
-            <a:ln w="2710" cap="flat">
-              <a:solidFill>
-                <a:srgbClr val="FFFFFF">
-                  <a:alpha val="100000"/>
-                </a:srgbClr>
-              </a:solidFill>
-              <a:prstDash val="solid"/>
-              <a:miter/>
-            </a:ln>
-          </p:spPr>
-          <p:txBody>
-            <a:bodyPr/>
-            <a:lstStyle/>
-            <a:p/>
-          </p:txBody>
-        </p:sp>
-        <p:sp>
-          <p:nvSpPr>
-            <p:cNvPr id="969" name="rc968"/>
-            <p:cNvSpPr/>
-            <p:nvPr/>
-          </p:nvSpPr>
-          <p:spPr>
-            <a:xfrm>
-              <a:off x="6504872" y="2297985"/>
-              <a:ext cx="250633" cy="64642"/>
-            </a:xfrm>
-            <a:prstGeom prst="rect">
-              <a:avLst/>
-            </a:prstGeom>
-            <a:solidFill>
-              <a:srgbClr val="3CBA26">
-                <a:alpha val="100000"/>
-              </a:srgbClr>
-            </a:solidFill>
-            <a:ln w="2710" cap="flat">
-              <a:solidFill>
-                <a:srgbClr val="FFFFFF">
-                  <a:alpha val="100000"/>
-                </a:srgbClr>
-              </a:solidFill>
-              <a:prstDash val="solid"/>
-              <a:miter/>
-            </a:ln>
-          </p:spPr>
-          <p:txBody>
-            <a:bodyPr/>
-            <a:lstStyle/>
-            <a:p/>
-          </p:txBody>
-        </p:sp>
-        <p:sp>
-          <p:nvSpPr>
-            <p:cNvPr id="970" name="rc969"/>
-            <p:cNvSpPr/>
-            <p:nvPr/>
-          </p:nvSpPr>
-          <p:spPr>
-            <a:xfrm>
-              <a:off x="6504872" y="2233342"/>
-              <a:ext cx="250633" cy="64642"/>
-            </a:xfrm>
-            <a:prstGeom prst="rect">
-              <a:avLst/>
-            </a:prstGeom>
-            <a:solidFill>
-              <a:srgbClr val="3CBA26">
-                <a:alpha val="100000"/>
-              </a:srgbClr>
-            </a:solidFill>
-            <a:ln w="2710" cap="flat">
-              <a:solidFill>
-                <a:srgbClr val="FFFFFF">
-                  <a:alpha val="100000"/>
-                </a:srgbClr>
-              </a:solidFill>
-              <a:prstDash val="solid"/>
-              <a:miter/>
-            </a:ln>
-          </p:spPr>
-          <p:txBody>
-            <a:bodyPr/>
-            <a:lstStyle/>
-            <a:p/>
-          </p:txBody>
-        </p:sp>
-        <p:sp>
-          <p:nvSpPr>
-            <p:cNvPr id="971" name="rc970"/>
-            <p:cNvSpPr/>
-            <p:nvPr/>
-          </p:nvSpPr>
-          <p:spPr>
-            <a:xfrm>
-              <a:off x="6504872" y="2168700"/>
-              <a:ext cx="250633" cy="64642"/>
-            </a:xfrm>
-            <a:prstGeom prst="rect">
-              <a:avLst/>
-            </a:prstGeom>
-            <a:solidFill>
-              <a:srgbClr val="63E3C5">
-                <a:alpha val="100000"/>
-              </a:srgbClr>
-            </a:solidFill>
-            <a:ln w="2710" cap="flat">
-              <a:solidFill>
-                <a:srgbClr val="FFFFFF">
-                  <a:alpha val="100000"/>
-                </a:srgbClr>
-              </a:solidFill>
-              <a:prstDash val="solid"/>
-              <a:miter/>
-            </a:ln>
-          </p:spPr>
-          <p:txBody>
-            <a:bodyPr/>
-            <a:lstStyle/>
-            <a:p/>
-          </p:txBody>
-        </p:sp>
-        <p:sp>
-          <p:nvSpPr>
-            <p:cNvPr id="972" name="rc971"/>
-            <p:cNvSpPr/>
-            <p:nvPr/>
-          </p:nvSpPr>
-          <p:spPr>
-            <a:xfrm>
-              <a:off x="6504872" y="2104057"/>
-              <a:ext cx="250633" cy="64642"/>
-            </a:xfrm>
-            <a:prstGeom prst="rect">
-              <a:avLst/>
-            </a:prstGeom>
-            <a:solidFill>
-              <a:srgbClr val="63E3C5">
-                <a:alpha val="100000"/>
-              </a:srgbClr>
-            </a:solidFill>
-            <a:ln w="2710" cap="flat">
-              <a:solidFill>
-                <a:srgbClr val="FFFFFF">
-                  <a:alpha val="100000"/>
-                </a:srgbClr>
-              </a:solidFill>
-              <a:prstDash val="solid"/>
-              <a:miter/>
-            </a:ln>
-          </p:spPr>
-          <p:txBody>
-            <a:bodyPr/>
-            <a:lstStyle/>
-            <a:p/>
-          </p:txBody>
-        </p:sp>
-        <p:sp>
-          <p:nvSpPr>
-            <p:cNvPr id="973" name="rc972"/>
-            <p:cNvSpPr/>
-            <p:nvPr/>
-          </p:nvSpPr>
-          <p:spPr>
-            <a:xfrm>
-              <a:off x="6504872" y="2039415"/>
-              <a:ext cx="250633" cy="64642"/>
-            </a:xfrm>
-            <a:prstGeom prst="rect">
-              <a:avLst/>
-            </a:prstGeom>
-            <a:solidFill>
-              <a:srgbClr val="63E3C5">
-                <a:alpha val="100000"/>
-              </a:srgbClr>
-            </a:solidFill>
-            <a:ln w="2710" cap="flat">
-              <a:solidFill>
-                <a:srgbClr val="FFFFFF">
-                  <a:alpha val="100000"/>
-                </a:srgbClr>
-              </a:solidFill>
-              <a:prstDash val="solid"/>
-              <a:miter/>
-            </a:ln>
-          </p:spPr>
-          <p:txBody>
-            <a:bodyPr/>
-            <a:lstStyle/>
-            <a:p/>
-          </p:txBody>
-        </p:sp>
-        <p:sp>
-          <p:nvSpPr>
-            <p:cNvPr id="974" name="rc973"/>
-            <p:cNvSpPr/>
-            <p:nvPr/>
-          </p:nvSpPr>
-          <p:spPr>
-            <a:xfrm>
-              <a:off x="6504872" y="1974772"/>
-              <a:ext cx="250633" cy="64642"/>
-            </a:xfrm>
-            <a:prstGeom prst="rect">
-              <a:avLst/>
-            </a:prstGeom>
-            <a:solidFill>
-              <a:srgbClr val="3CBA26">
-                <a:alpha val="100000"/>
-              </a:srgbClr>
-            </a:solidFill>
-            <a:ln w="2710" cap="flat">
-              <a:solidFill>
-                <a:srgbClr val="FFFFFF">
-                  <a:alpha val="100000"/>
-                </a:srgbClr>
-              </a:solidFill>
-              <a:prstDash val="solid"/>
-              <a:miter/>
-            </a:ln>
-          </p:spPr>
-          <p:txBody>
-            <a:bodyPr/>
-            <a:lstStyle/>
-            <a:p/>
-          </p:txBody>
-        </p:sp>
-        <p:sp>
-          <p:nvSpPr>
-            <p:cNvPr id="975" name="rc974"/>
-            <p:cNvSpPr/>
-            <p:nvPr/>
-          </p:nvSpPr>
-          <p:spPr>
-            <a:xfrm>
-              <a:off x="6504872" y="1910130"/>
-              <a:ext cx="250633" cy="64642"/>
-            </a:xfrm>
-            <a:prstGeom prst="rect">
-              <a:avLst/>
-            </a:prstGeom>
-            <a:solidFill>
-              <a:srgbClr val="3CBA26">
-                <a:alpha val="100000"/>
-              </a:srgbClr>
-            </a:solidFill>
-            <a:ln w="2710" cap="flat">
-              <a:solidFill>
-                <a:srgbClr val="FFFFFF">
-                  <a:alpha val="100000"/>
-                </a:srgbClr>
-              </a:solidFill>
-              <a:prstDash val="solid"/>
-              <a:miter/>
-            </a:ln>
-          </p:spPr>
-          <p:txBody>
-            <a:bodyPr/>
-            <a:lstStyle/>
-            <a:p/>
-          </p:txBody>
-        </p:sp>
-        <p:sp>
-          <p:nvSpPr>
-            <p:cNvPr id="976" name="rc975"/>
-            <p:cNvSpPr/>
-            <p:nvPr/>
-          </p:nvSpPr>
-          <p:spPr>
-            <a:xfrm>
-              <a:off x="6504872" y="1845487"/>
-              <a:ext cx="250633" cy="64642"/>
-            </a:xfrm>
-            <a:prstGeom prst="rect">
-              <a:avLst/>
-            </a:prstGeom>
-            <a:solidFill>
-              <a:srgbClr val="3CBA26">
-                <a:alpha val="100000"/>
-              </a:srgbClr>
-            </a:solidFill>
-            <a:ln w="2710" cap="flat">
-              <a:solidFill>
-                <a:srgbClr val="FFFFFF">
-                  <a:alpha val="100000"/>
-                </a:srgbClr>
-              </a:solidFill>
-              <a:prstDash val="solid"/>
-              <a:miter/>
-            </a:ln>
-          </p:spPr>
-          <p:txBody>
-            <a:bodyPr/>
-            <a:lstStyle/>
-            <a:p/>
-          </p:txBody>
-        </p:sp>
-        <p:sp>
-          <p:nvSpPr>
-            <p:cNvPr id="977" name="rc976"/>
-            <p:cNvSpPr/>
-            <p:nvPr/>
-          </p:nvSpPr>
-          <p:spPr>
-            <a:xfrm>
-              <a:off x="6504872" y="1780845"/>
-              <a:ext cx="250633" cy="64642"/>
-            </a:xfrm>
-            <a:prstGeom prst="rect">
-              <a:avLst/>
-            </a:prstGeom>
-            <a:solidFill>
-              <a:srgbClr val="3CBA26">
-                <a:alpha val="100000"/>
-              </a:srgbClr>
-            </a:solidFill>
-            <a:ln w="2710" cap="flat">
-              <a:solidFill>
-                <a:srgbClr val="FFFFFF">
-                  <a:alpha val="100000"/>
-                </a:srgbClr>
-              </a:solidFill>
-              <a:prstDash val="solid"/>
-              <a:miter/>
-            </a:ln>
-          </p:spPr>
-          <p:txBody>
-            <a:bodyPr/>
-            <a:lstStyle/>
-            <a:p/>
-          </p:txBody>
-        </p:sp>
-        <p:sp>
-          <p:nvSpPr>
-            <p:cNvPr id="978" name="rc977"/>
-            <p:cNvSpPr/>
-            <p:nvPr/>
-          </p:nvSpPr>
-          <p:spPr>
-            <a:xfrm>
-              <a:off x="6504872" y="1716202"/>
-              <a:ext cx="250633" cy="64642"/>
-            </a:xfrm>
-            <a:prstGeom prst="rect">
-              <a:avLst/>
-            </a:prstGeom>
-            <a:solidFill>
-              <a:srgbClr val="3CBA26">
-                <a:alpha val="100000"/>
-              </a:srgbClr>
-            </a:solidFill>
-            <a:ln w="2710" cap="flat">
-              <a:solidFill>
-                <a:srgbClr val="FFFFFF">
-                  <a:alpha val="100000"/>
-                </a:srgbClr>
-              </a:solidFill>
-              <a:prstDash val="solid"/>
-              <a:miter/>
-            </a:ln>
-          </p:spPr>
-          <p:txBody>
-            <a:bodyPr/>
-            <a:lstStyle/>
-            <a:p/>
-          </p:txBody>
-        </p:sp>
-        <p:sp>
-          <p:nvSpPr>
-            <p:cNvPr id="979" name="rc978"/>
-            <p:cNvSpPr/>
-            <p:nvPr/>
-          </p:nvSpPr>
-          <p:spPr>
-            <a:xfrm>
-              <a:off x="6504872" y="1651560"/>
-              <a:ext cx="250633" cy="64642"/>
-            </a:xfrm>
-            <a:prstGeom prst="rect">
-              <a:avLst/>
-            </a:prstGeom>
-            <a:solidFill>
-              <a:srgbClr val="3CBA26">
-                <a:alpha val="100000"/>
-              </a:srgbClr>
-            </a:solidFill>
-            <a:ln w="2710" cap="flat">
-              <a:solidFill>
-                <a:srgbClr val="FFFFFF">
-                  <a:alpha val="100000"/>
-                </a:srgbClr>
-              </a:solidFill>
-              <a:prstDash val="solid"/>
-              <a:miter/>
-            </a:ln>
-          </p:spPr>
-          <p:txBody>
-            <a:bodyPr/>
-            <a:lstStyle/>
-            <a:p/>
-          </p:txBody>
-        </p:sp>
-        <p:sp>
-          <p:nvSpPr>
-            <p:cNvPr id="980" name="rc979"/>
-            <p:cNvSpPr/>
-            <p:nvPr/>
-          </p:nvSpPr>
-          <p:spPr>
-            <a:xfrm>
-              <a:off x="6504872" y="1586917"/>
-              <a:ext cx="250633" cy="64642"/>
-            </a:xfrm>
-            <a:prstGeom prst="rect">
-              <a:avLst/>
-            </a:prstGeom>
-            <a:solidFill>
-              <a:srgbClr val="3CBA26">
-                <a:alpha val="100000"/>
-              </a:srgbClr>
-            </a:solidFill>
-            <a:ln w="2710" cap="flat">
-              <a:solidFill>
-                <a:srgbClr val="FFFFFF">
-                  <a:alpha val="100000"/>
-                </a:srgbClr>
-              </a:solidFill>
-              <a:prstDash val="solid"/>
-              <a:miter/>
-            </a:ln>
-          </p:spPr>
-          <p:txBody>
-            <a:bodyPr/>
-            <a:lstStyle/>
-            <a:p/>
-          </p:txBody>
-        </p:sp>
-        <p:sp>
-          <p:nvSpPr>
-            <p:cNvPr id="981" name="rc980"/>
-            <p:cNvSpPr/>
-            <p:nvPr/>
-          </p:nvSpPr>
-          <p:spPr>
-            <a:xfrm>
-              <a:off x="6504872" y="1522275"/>
-              <a:ext cx="250633" cy="64642"/>
-            </a:xfrm>
-            <a:prstGeom prst="rect">
-              <a:avLst/>
-            </a:prstGeom>
-            <a:solidFill>
-              <a:srgbClr val="3CBA26">
-                <a:alpha val="100000"/>
-              </a:srgbClr>
-            </a:solidFill>
-            <a:ln w="2710" cap="flat">
-              <a:solidFill>
-                <a:srgbClr val="FFFFFF">
-                  <a:alpha val="100000"/>
-                </a:srgbClr>
-              </a:solidFill>
-              <a:prstDash val="solid"/>
-              <a:miter/>
-            </a:ln>
-          </p:spPr>
-          <p:txBody>
-            <a:bodyPr/>
-            <a:lstStyle/>
-            <a:p/>
-          </p:txBody>
-        </p:sp>
-        <p:sp>
-          <p:nvSpPr>
-            <p:cNvPr id="982" name="rc981"/>
-            <p:cNvSpPr/>
-            <p:nvPr/>
-          </p:nvSpPr>
-          <p:spPr>
-            <a:xfrm>
-              <a:off x="6504872" y="1457632"/>
-              <a:ext cx="250633" cy="64642"/>
-            </a:xfrm>
-            <a:prstGeom prst="rect">
-              <a:avLst/>
-            </a:prstGeom>
-            <a:solidFill>
-              <a:srgbClr val="3CBA26">
-                <a:alpha val="100000"/>
-              </a:srgbClr>
-            </a:solidFill>
-            <a:ln w="2710" cap="flat">
-              <a:solidFill>
-                <a:srgbClr val="FFFFFF">
-                  <a:alpha val="100000"/>
-                </a:srgbClr>
-              </a:solidFill>
-              <a:prstDash val="solid"/>
-              <a:miter/>
-            </a:ln>
-          </p:spPr>
-          <p:txBody>
-            <a:bodyPr/>
-            <a:lstStyle/>
-            <a:p/>
-          </p:txBody>
-        </p:sp>
-        <p:sp>
-          <p:nvSpPr>
-            <p:cNvPr id="983" name="rc982"/>
-            <p:cNvSpPr/>
-            <p:nvPr/>
-          </p:nvSpPr>
-          <p:spPr>
-            <a:xfrm>
-              <a:off x="6504872" y="1392990"/>
-              <a:ext cx="250633" cy="64642"/>
-            </a:xfrm>
-            <a:prstGeom prst="rect">
-              <a:avLst/>
-            </a:prstGeom>
-            <a:solidFill>
-              <a:srgbClr val="3CBA26">
-                <a:alpha val="100000"/>
-              </a:srgbClr>
-            </a:solidFill>
-            <a:ln w="2710" cap="flat">
-              <a:solidFill>
-                <a:srgbClr val="FFFFFF">
-                  <a:alpha val="100000"/>
-                </a:srgbClr>
-              </a:solidFill>
-              <a:prstDash val="solid"/>
-              <a:miter/>
-            </a:ln>
-          </p:spPr>
-          <p:txBody>
-            <a:bodyPr/>
-            <a:lstStyle/>
-            <a:p/>
-          </p:txBody>
-        </p:sp>
-        <p:sp>
-          <p:nvSpPr>
-            <p:cNvPr id="984" name="rc983"/>
-            <p:cNvSpPr/>
-            <p:nvPr/>
-          </p:nvSpPr>
-          <p:spPr>
-            <a:xfrm>
-              <a:off x="8816207" y="1948930"/>
+              <a:off x="8816207" y="2880759"/>
               <a:ext cx="1172603" cy="1417544"/>
             </a:xfrm>
             <a:prstGeom prst="rect">
@@ -39303,13 +36153,13 @@
         </p:sp>
         <p:sp>
           <p:nvSpPr>
-            <p:cNvPr id="985" name="tx984"/>
-            <p:cNvSpPr/>
-            <p:nvPr/>
-          </p:nvSpPr>
-          <p:spPr>
-            <a:xfrm>
-              <a:off x="8885796" y="2000970"/>
+            <p:cNvPr id="895" name="tx894"/>
+            <p:cNvSpPr/>
+            <p:nvPr/>
+          </p:nvSpPr>
+          <p:spPr>
+            <a:xfrm>
+              <a:off x="8885796" y="2932798"/>
               <a:ext cx="1033425" cy="115341"/>
             </a:xfrm>
             <a:prstGeom prst="rect">
@@ -39349,7 +36199,7 @@
         </p:sp>
         <p:pic>
           <p:nvPicPr>
-            <p:cNvPr id="986" name="pic985"/>
+            <p:cNvPr id="896" name="pic895"/>
             <p:cNvPicPr/>
             <p:nvPr/>
           </p:nvPicPr>
@@ -39361,7 +36211,7 @@
           </p:blipFill>
           <p:spPr>
             <a:xfrm>
-              <a:off x="8885796" y="2199606"/>
+              <a:off x="8885796" y="3131434"/>
               <a:ext cx="219455" cy="1097280"/>
             </a:xfrm>
             <a:prstGeom prst="rect">
@@ -39371,13 +36221,13 @@
         </p:pic>
         <p:sp>
           <p:nvSpPr>
-            <p:cNvPr id="987" name="pl986"/>
-            <p:cNvSpPr/>
-            <p:nvPr/>
-          </p:nvSpPr>
-          <p:spPr>
-            <a:xfrm>
-              <a:off x="9061361" y="3081241"/>
+            <p:cNvPr id="897" name="pl896"/>
+            <p:cNvSpPr/>
+            <p:nvPr/>
+          </p:nvSpPr>
+          <p:spPr>
+            <a:xfrm>
+              <a:off x="9061361" y="4013070"/>
               <a:ext cx="43891" cy="0"/>
             </a:xfrm>
             <a:custGeom>
@@ -39411,13 +36261,13 @@
         </p:sp>
         <p:sp>
           <p:nvSpPr>
-            <p:cNvPr id="988" name="pl987"/>
-            <p:cNvSpPr/>
-            <p:nvPr/>
-          </p:nvSpPr>
-          <p:spPr>
-            <a:xfrm>
-              <a:off x="9061361" y="2785508"/>
+            <p:cNvPr id="898" name="pl897"/>
+            <p:cNvSpPr/>
+            <p:nvPr/>
+          </p:nvSpPr>
+          <p:spPr>
+            <a:xfrm>
+              <a:off x="9061361" y="3717336"/>
               <a:ext cx="43891" cy="0"/>
             </a:xfrm>
             <a:custGeom>
@@ -39451,13 +36301,13 @@
         </p:sp>
         <p:sp>
           <p:nvSpPr>
-            <p:cNvPr id="989" name="pl988"/>
-            <p:cNvSpPr/>
-            <p:nvPr/>
-          </p:nvSpPr>
-          <p:spPr>
-            <a:xfrm>
-              <a:off x="9061361" y="2489775"/>
+            <p:cNvPr id="899" name="pl898"/>
+            <p:cNvSpPr/>
+            <p:nvPr/>
+          </p:nvSpPr>
+          <p:spPr>
+            <a:xfrm>
+              <a:off x="9061361" y="3421603"/>
               <a:ext cx="43891" cy="0"/>
             </a:xfrm>
             <a:custGeom>
@@ -39491,13 +36341,13 @@
         </p:sp>
         <p:sp>
           <p:nvSpPr>
-            <p:cNvPr id="990" name="pl989"/>
-            <p:cNvSpPr/>
-            <p:nvPr/>
-          </p:nvSpPr>
-          <p:spPr>
-            <a:xfrm>
-              <a:off x="8885796" y="3081241"/>
+            <p:cNvPr id="900" name="pl899"/>
+            <p:cNvSpPr/>
+            <p:nvPr/>
+          </p:nvSpPr>
+          <p:spPr>
+            <a:xfrm>
+              <a:off x="8885796" y="4013070"/>
               <a:ext cx="43891" cy="0"/>
             </a:xfrm>
             <a:custGeom>
@@ -39531,13 +36381,13 @@
         </p:sp>
         <p:sp>
           <p:nvSpPr>
-            <p:cNvPr id="991" name="pl990"/>
-            <p:cNvSpPr/>
-            <p:nvPr/>
-          </p:nvSpPr>
-          <p:spPr>
-            <a:xfrm>
-              <a:off x="8885796" y="2785508"/>
+            <p:cNvPr id="901" name="pl900"/>
+            <p:cNvSpPr/>
+            <p:nvPr/>
+          </p:nvSpPr>
+          <p:spPr>
+            <a:xfrm>
+              <a:off x="8885796" y="3717336"/>
               <a:ext cx="43891" cy="0"/>
             </a:xfrm>
             <a:custGeom>
@@ -39571,13 +36421,13 @@
         </p:sp>
         <p:sp>
           <p:nvSpPr>
-            <p:cNvPr id="992" name="pl991"/>
-            <p:cNvSpPr/>
-            <p:nvPr/>
-          </p:nvSpPr>
-          <p:spPr>
-            <a:xfrm>
-              <a:off x="8885796" y="2489775"/>
+            <p:cNvPr id="902" name="pl901"/>
+            <p:cNvSpPr/>
+            <p:nvPr/>
+          </p:nvSpPr>
+          <p:spPr>
+            <a:xfrm>
+              <a:off x="8885796" y="3421603"/>
               <a:ext cx="43891" cy="0"/>
             </a:xfrm>
             <a:custGeom>
@@ -39611,13 +36461,13 @@
         </p:sp>
         <p:sp>
           <p:nvSpPr>
-            <p:cNvPr id="993" name="tx992"/>
-            <p:cNvSpPr/>
-            <p:nvPr/>
-          </p:nvSpPr>
-          <p:spPr>
-            <a:xfrm>
-              <a:off x="9174841" y="3056344"/>
+            <p:cNvPr id="903" name="tx902"/>
+            <p:cNvSpPr/>
+            <p:nvPr/>
+          </p:nvSpPr>
+          <p:spPr>
+            <a:xfrm>
+              <a:off x="9174841" y="3988172"/>
               <a:ext cx="69850" cy="48021"/>
             </a:xfrm>
             <a:prstGeom prst="rect">
@@ -39657,13 +36507,13 @@
         </p:sp>
         <p:sp>
           <p:nvSpPr>
-            <p:cNvPr id="994" name="tx993"/>
-            <p:cNvSpPr/>
-            <p:nvPr/>
-          </p:nvSpPr>
-          <p:spPr>
-            <a:xfrm>
-              <a:off x="9174841" y="2760610"/>
+            <p:cNvPr id="904" name="tx903"/>
+            <p:cNvSpPr/>
+            <p:nvPr/>
+          </p:nvSpPr>
+          <p:spPr>
+            <a:xfrm>
+              <a:off x="9174841" y="3692438"/>
               <a:ext cx="69850" cy="48021"/>
             </a:xfrm>
             <a:prstGeom prst="rect">
@@ -39703,13 +36553,13 @@
         </p:sp>
         <p:sp>
           <p:nvSpPr>
-            <p:cNvPr id="995" name="tx994"/>
-            <p:cNvSpPr/>
-            <p:nvPr/>
-          </p:nvSpPr>
-          <p:spPr>
-            <a:xfrm>
-              <a:off x="9174841" y="2464877"/>
+            <p:cNvPr id="905" name="tx904"/>
+            <p:cNvSpPr/>
+            <p:nvPr/>
+          </p:nvSpPr>
+          <p:spPr>
+            <a:xfrm>
+              <a:off x="9174841" y="3396705"/>
               <a:ext cx="69850" cy="48021"/>
             </a:xfrm>
             <a:prstGeom prst="rect">
@@ -39749,13 +36599,13 @@
         </p:sp>
         <p:sp>
           <p:nvSpPr>
-            <p:cNvPr id="996" name="rc995"/>
-            <p:cNvSpPr/>
-            <p:nvPr/>
-          </p:nvSpPr>
-          <p:spPr>
-            <a:xfrm>
-              <a:off x="8816207" y="3373675"/>
+            <p:cNvPr id="906" name="rc905"/>
+            <p:cNvSpPr/>
+            <p:nvPr/>
+          </p:nvSpPr>
+          <p:spPr>
+            <a:xfrm>
+              <a:off x="8816207" y="4305503"/>
               <a:ext cx="939935" cy="1417544"/>
             </a:xfrm>
             <a:prstGeom prst="rect">
@@ -39770,13 +36620,13 @@
         </p:sp>
         <p:sp>
           <p:nvSpPr>
-            <p:cNvPr id="997" name="tx996"/>
-            <p:cNvSpPr/>
-            <p:nvPr/>
-          </p:nvSpPr>
-          <p:spPr>
-            <a:xfrm>
-              <a:off x="8885796" y="3453124"/>
+            <p:cNvPr id="907" name="tx906"/>
+            <p:cNvSpPr/>
+            <p:nvPr/>
+          </p:nvSpPr>
+          <p:spPr>
+            <a:xfrm>
+              <a:off x="8885796" y="4384952"/>
               <a:ext cx="800757" cy="87932"/>
             </a:xfrm>
             <a:prstGeom prst="rect">
@@ -39816,13 +36666,13 @@
         </p:sp>
         <p:sp>
           <p:nvSpPr>
-            <p:cNvPr id="998" name="rc997"/>
-            <p:cNvSpPr/>
-            <p:nvPr/>
-          </p:nvSpPr>
-          <p:spPr>
-            <a:xfrm>
-              <a:off x="8885796" y="3624350"/>
+            <p:cNvPr id="908" name="rc907"/>
+            <p:cNvSpPr/>
+            <p:nvPr/>
+          </p:nvSpPr>
+          <p:spPr>
+            <a:xfrm>
+              <a:off x="8885796" y="4556178"/>
               <a:ext cx="219455" cy="219455"/>
             </a:xfrm>
             <a:prstGeom prst="rect">
@@ -39851,14 +36701,14 @@
         </p:sp>
         <p:sp>
           <p:nvSpPr>
-            <p:cNvPr id="999" name="rc998"/>
-            <p:cNvSpPr/>
-            <p:nvPr/>
-          </p:nvSpPr>
-          <p:spPr>
-            <a:xfrm>
-              <a:off x="8887596" y="3626150"/>
-              <a:ext cx="215856" cy="215856"/>
+            <p:cNvPr id="909" name="rc908"/>
+            <p:cNvSpPr/>
+            <p:nvPr/>
+          </p:nvSpPr>
+          <p:spPr>
+            <a:xfrm>
+              <a:off x="8887596" y="4557978"/>
+              <a:ext cx="215856" cy="215855"/>
             </a:xfrm>
             <a:prstGeom prst="rect">
               <a:avLst/>
@@ -39886,14 +36736,14 @@
         </p:sp>
         <p:sp>
           <p:nvSpPr>
-            <p:cNvPr id="1000" name="rc999"/>
-            <p:cNvSpPr/>
-            <p:nvPr/>
-          </p:nvSpPr>
-          <p:spPr>
-            <a:xfrm>
-              <a:off x="8885796" y="3843806"/>
-              <a:ext cx="219455" cy="219456"/>
+            <p:cNvPr id="910" name="rc909"/>
+            <p:cNvSpPr/>
+            <p:nvPr/>
+          </p:nvSpPr>
+          <p:spPr>
+            <a:xfrm>
+              <a:off x="8885796" y="4775634"/>
+              <a:ext cx="219455" cy="219455"/>
             </a:xfrm>
             <a:prstGeom prst="rect">
               <a:avLst/>
@@ -39921,14 +36771,14 @@
         </p:sp>
         <p:sp>
           <p:nvSpPr>
-            <p:cNvPr id="1001" name="rc1000"/>
-            <p:cNvSpPr/>
-            <p:nvPr/>
-          </p:nvSpPr>
-          <p:spPr>
-            <a:xfrm>
-              <a:off x="8887596" y="3845606"/>
-              <a:ext cx="215856" cy="215856"/>
+            <p:cNvPr id="911" name="rc910"/>
+            <p:cNvSpPr/>
+            <p:nvPr/>
+          </p:nvSpPr>
+          <p:spPr>
+            <a:xfrm>
+              <a:off x="8887596" y="4777434"/>
+              <a:ext cx="215856" cy="215855"/>
             </a:xfrm>
             <a:prstGeom prst="rect">
               <a:avLst/>
@@ -39956,13 +36806,13 @@
         </p:sp>
         <p:sp>
           <p:nvSpPr>
-            <p:cNvPr id="1002" name="rc1001"/>
-            <p:cNvSpPr/>
-            <p:nvPr/>
-          </p:nvSpPr>
-          <p:spPr>
-            <a:xfrm>
-              <a:off x="8885796" y="4063262"/>
+            <p:cNvPr id="912" name="rc911"/>
+            <p:cNvSpPr/>
+            <p:nvPr/>
+          </p:nvSpPr>
+          <p:spPr>
+            <a:xfrm>
+              <a:off x="8885796" y="4995090"/>
               <a:ext cx="219455" cy="219455"/>
             </a:xfrm>
             <a:prstGeom prst="rect">
@@ -39991,13 +36841,13 @@
         </p:sp>
         <p:sp>
           <p:nvSpPr>
-            <p:cNvPr id="1003" name="rc1002"/>
-            <p:cNvSpPr/>
-            <p:nvPr/>
-          </p:nvSpPr>
-          <p:spPr>
-            <a:xfrm>
-              <a:off x="8887596" y="4065062"/>
+            <p:cNvPr id="913" name="rc912"/>
+            <p:cNvSpPr/>
+            <p:nvPr/>
+          </p:nvSpPr>
+          <p:spPr>
+            <a:xfrm>
+              <a:off x="8887596" y="4996890"/>
               <a:ext cx="215856" cy="215855"/>
             </a:xfrm>
             <a:prstGeom prst="rect">
@@ -40026,13 +36876,13 @@
         </p:sp>
         <p:sp>
           <p:nvSpPr>
-            <p:cNvPr id="1004" name="rc1003"/>
-            <p:cNvSpPr/>
-            <p:nvPr/>
-          </p:nvSpPr>
-          <p:spPr>
-            <a:xfrm>
-              <a:off x="8885796" y="4282718"/>
+            <p:cNvPr id="914" name="rc913"/>
+            <p:cNvSpPr/>
+            <p:nvPr/>
+          </p:nvSpPr>
+          <p:spPr>
+            <a:xfrm>
+              <a:off x="8885796" y="5214546"/>
               <a:ext cx="219455" cy="219455"/>
             </a:xfrm>
             <a:prstGeom prst="rect">
@@ -40061,13 +36911,13 @@
         </p:sp>
         <p:sp>
           <p:nvSpPr>
-            <p:cNvPr id="1005" name="rc1004"/>
-            <p:cNvSpPr/>
-            <p:nvPr/>
-          </p:nvSpPr>
-          <p:spPr>
-            <a:xfrm>
-              <a:off x="8887596" y="4284518"/>
+            <p:cNvPr id="915" name="rc914"/>
+            <p:cNvSpPr/>
+            <p:nvPr/>
+          </p:nvSpPr>
+          <p:spPr>
+            <a:xfrm>
+              <a:off x="8887596" y="5216346"/>
               <a:ext cx="215856" cy="215855"/>
             </a:xfrm>
             <a:prstGeom prst="rect">
@@ -40096,13 +36946,13 @@
         </p:sp>
         <p:sp>
           <p:nvSpPr>
-            <p:cNvPr id="1006" name="rc1005"/>
-            <p:cNvSpPr/>
-            <p:nvPr/>
-          </p:nvSpPr>
-          <p:spPr>
-            <a:xfrm>
-              <a:off x="8885796" y="4502174"/>
+            <p:cNvPr id="916" name="rc915"/>
+            <p:cNvSpPr/>
+            <p:nvPr/>
+          </p:nvSpPr>
+          <p:spPr>
+            <a:xfrm>
+              <a:off x="8885796" y="5434002"/>
               <a:ext cx="219455" cy="219455"/>
             </a:xfrm>
             <a:prstGeom prst="rect">
@@ -40131,13 +36981,13 @@
         </p:sp>
         <p:sp>
           <p:nvSpPr>
-            <p:cNvPr id="1007" name="rc1006"/>
-            <p:cNvSpPr/>
-            <p:nvPr/>
-          </p:nvSpPr>
-          <p:spPr>
-            <a:xfrm>
-              <a:off x="8887596" y="4503974"/>
+            <p:cNvPr id="917" name="rc916"/>
+            <p:cNvSpPr/>
+            <p:nvPr/>
+          </p:nvSpPr>
+          <p:spPr>
+            <a:xfrm>
+              <a:off x="8887596" y="5435802"/>
               <a:ext cx="215856" cy="215855"/>
             </a:xfrm>
             <a:prstGeom prst="rect">
@@ -40166,13 +37016,13 @@
         </p:sp>
         <p:sp>
           <p:nvSpPr>
-            <p:cNvPr id="1008" name="tx1007"/>
-            <p:cNvSpPr/>
-            <p:nvPr/>
-          </p:nvSpPr>
-          <p:spPr>
-            <a:xfrm>
-              <a:off x="9174841" y="3710954"/>
+            <p:cNvPr id="918" name="tx917"/>
+            <p:cNvSpPr/>
+            <p:nvPr/>
+          </p:nvSpPr>
+          <p:spPr>
+            <a:xfrm>
+              <a:off x="9174841" y="4642782"/>
               <a:ext cx="50443" cy="46248"/>
             </a:xfrm>
             <a:prstGeom prst="rect">
@@ -40212,13 +37062,13 @@
         </p:sp>
         <p:sp>
           <p:nvSpPr>
-            <p:cNvPr id="1009" name="tx1008"/>
-            <p:cNvSpPr/>
-            <p:nvPr/>
-          </p:nvSpPr>
-          <p:spPr>
-            <a:xfrm>
-              <a:off x="9174841" y="3930410"/>
+            <p:cNvPr id="919" name="tx918"/>
+            <p:cNvSpPr/>
+            <p:nvPr/>
+          </p:nvSpPr>
+          <p:spPr>
+            <a:xfrm>
+              <a:off x="9174841" y="4862238"/>
               <a:ext cx="62107" cy="46248"/>
             </a:xfrm>
             <a:prstGeom prst="rect">
@@ -40258,13 +37108,13 @@
         </p:sp>
         <p:sp>
           <p:nvSpPr>
-            <p:cNvPr id="1010" name="tx1009"/>
-            <p:cNvSpPr/>
-            <p:nvPr/>
-          </p:nvSpPr>
-          <p:spPr>
-            <a:xfrm>
-              <a:off x="9174841" y="4149866"/>
+            <p:cNvPr id="920" name="tx919"/>
+            <p:cNvSpPr/>
+            <p:nvPr/>
+          </p:nvSpPr>
+          <p:spPr>
+            <a:xfrm>
+              <a:off x="9174841" y="5081694"/>
               <a:ext cx="42667" cy="46248"/>
             </a:xfrm>
             <a:prstGeom prst="rect">
@@ -40304,13 +37154,13 @@
         </p:sp>
         <p:sp>
           <p:nvSpPr>
-            <p:cNvPr id="1011" name="tx1010"/>
-            <p:cNvSpPr/>
-            <p:nvPr/>
-          </p:nvSpPr>
-          <p:spPr>
-            <a:xfrm>
-              <a:off x="9174841" y="4369322"/>
+            <p:cNvPr id="921" name="tx920"/>
+            <p:cNvSpPr/>
+            <p:nvPr/>
+          </p:nvSpPr>
+          <p:spPr>
+            <a:xfrm>
+              <a:off x="9174841" y="5301150"/>
               <a:ext cx="38847" cy="46248"/>
             </a:xfrm>
             <a:prstGeom prst="rect">
@@ -40350,13 +37200,13 @@
         </p:sp>
         <p:sp>
           <p:nvSpPr>
-            <p:cNvPr id="1012" name="tx1011"/>
-            <p:cNvSpPr/>
-            <p:nvPr/>
-          </p:nvSpPr>
-          <p:spPr>
-            <a:xfrm>
-              <a:off x="9174841" y="4586970"/>
+            <p:cNvPr id="922" name="tx921"/>
+            <p:cNvSpPr/>
+            <p:nvPr/>
+          </p:nvSpPr>
+          <p:spPr>
+            <a:xfrm>
+              <a:off x="9174841" y="5518798"/>
               <a:ext cx="100886" cy="48055"/>
             </a:xfrm>
             <a:prstGeom prst="rect">
@@ -40396,711 +37246,7 @@
         </p:sp>
         <p:sp>
           <p:nvSpPr>
-            <p:cNvPr id="1013" name="rc1012"/>
-            <p:cNvSpPr/>
-            <p:nvPr/>
-          </p:nvSpPr>
-          <p:spPr>
-            <a:xfrm>
-              <a:off x="8816207" y="4798419"/>
-              <a:ext cx="1109041" cy="1856456"/>
-            </a:xfrm>
-            <a:prstGeom prst="rect">
-              <a:avLst/>
-            </a:prstGeom>
-          </p:spPr>
-          <p:txBody>
-            <a:bodyPr/>
-            <a:lstStyle/>
-            <a:p/>
-          </p:txBody>
-        </p:sp>
-        <p:sp>
-          <p:nvSpPr>
-            <p:cNvPr id="1014" name="tx1013"/>
-            <p:cNvSpPr/>
-            <p:nvPr/>
-          </p:nvSpPr>
-          <p:spPr>
-            <a:xfrm>
-              <a:off x="8885796" y="4850211"/>
-              <a:ext cx="969863" cy="115589"/>
-            </a:xfrm>
-            <a:prstGeom prst="rect">
-              <a:avLst/>
-            </a:prstGeom>
-            <a:noFill/>
-          </p:spPr>
-          <p:txBody>
-            <a:bodyPr lIns="0" rIns="0" tIns="0" bIns="0" anchorCtr="1" anchor="ctr" wrap="none"/>
-            <a:lstStyle/>
-            <a:p>
-              <a:pPr algn="l" marL="0" marR="0" indent="0">
-                <a:lnSpc>
-                  <a:spcPts val="1000"/>
-                </a:lnSpc>
-                <a:spcBef>
-                  <a:spcPts val="0"/>
-                </a:spcBef>
-                <a:spcAft>
-                  <a:spcPts val="0"/>
-                </a:spcAft>
-              </a:pPr>
-              <a:r>
-                <a:rPr sz="1000">
-                  <a:solidFill>
-                    <a:srgbClr val="000000">
-                      <a:alpha val="100000"/>
-                    </a:srgbClr>
-                  </a:solidFill>
-                  <a:latin typeface="Times New Roman"/>
-                  <a:cs typeface="Times New Roman"/>
-                </a:rPr>
-                <a:t>Metabolic Strategy</a:t>
-              </a:r>
-            </a:p>
-          </p:txBody>
-        </p:sp>
-        <p:sp>
-          <p:nvSpPr>
-            <p:cNvPr id="1015" name="rc1014"/>
-            <p:cNvSpPr/>
-            <p:nvPr/>
-          </p:nvSpPr>
-          <p:spPr>
-            <a:xfrm>
-              <a:off x="8885796" y="5049094"/>
-              <a:ext cx="219455" cy="219455"/>
-            </a:xfrm>
-            <a:prstGeom prst="rect">
-              <a:avLst/>
-            </a:prstGeom>
-            <a:solidFill>
-              <a:srgbClr val="FFFFFF">
-                <a:alpha val="100000"/>
-              </a:srgbClr>
-            </a:solidFill>
-            <a:ln w="13550" cap="rnd">
-              <a:solidFill>
-                <a:srgbClr val="FFFFFF">
-                  <a:alpha val="100000"/>
-                </a:srgbClr>
-              </a:solidFill>
-              <a:prstDash val="solid"/>
-              <a:round/>
-            </a:ln>
-          </p:spPr>
-          <p:txBody>
-            <a:bodyPr/>
-            <a:lstStyle/>
-            <a:p/>
-          </p:txBody>
-        </p:sp>
-        <p:sp>
-          <p:nvSpPr>
-            <p:cNvPr id="1016" name="rc1015"/>
-            <p:cNvSpPr/>
-            <p:nvPr/>
-          </p:nvSpPr>
-          <p:spPr>
-            <a:xfrm>
-              <a:off x="8887596" y="5050894"/>
-              <a:ext cx="215856" cy="215855"/>
-            </a:xfrm>
-            <a:prstGeom prst="rect">
-              <a:avLst/>
-            </a:prstGeom>
-            <a:solidFill>
-              <a:srgbClr val="3CBA26">
-                <a:alpha val="100000"/>
-              </a:srgbClr>
-            </a:solidFill>
-            <a:ln w="2710" cap="flat">
-              <a:solidFill>
-                <a:srgbClr val="FFFFFF">
-                  <a:alpha val="100000"/>
-                </a:srgbClr>
-              </a:solidFill>
-              <a:prstDash val="solid"/>
-              <a:miter/>
-            </a:ln>
-          </p:spPr>
-          <p:txBody>
-            <a:bodyPr/>
-            <a:lstStyle/>
-            <a:p/>
-          </p:txBody>
-        </p:sp>
-        <p:sp>
-          <p:nvSpPr>
-            <p:cNvPr id="1017" name="rc1016"/>
-            <p:cNvSpPr/>
-            <p:nvPr/>
-          </p:nvSpPr>
-          <p:spPr>
-            <a:xfrm>
-              <a:off x="8885796" y="5268550"/>
-              <a:ext cx="219455" cy="219455"/>
-            </a:xfrm>
-            <a:prstGeom prst="rect">
-              <a:avLst/>
-            </a:prstGeom>
-            <a:solidFill>
-              <a:srgbClr val="FFFFFF">
-                <a:alpha val="100000"/>
-              </a:srgbClr>
-            </a:solidFill>
-            <a:ln w="13550" cap="rnd">
-              <a:solidFill>
-                <a:srgbClr val="FFFFFF">
-                  <a:alpha val="100000"/>
-                </a:srgbClr>
-              </a:solidFill>
-              <a:prstDash val="solid"/>
-              <a:round/>
-            </a:ln>
-          </p:spPr>
-          <p:txBody>
-            <a:bodyPr/>
-            <a:lstStyle/>
-            <a:p/>
-          </p:txBody>
-        </p:sp>
-        <p:sp>
-          <p:nvSpPr>
-            <p:cNvPr id="1018" name="rc1017"/>
-            <p:cNvSpPr/>
-            <p:nvPr/>
-          </p:nvSpPr>
-          <p:spPr>
-            <a:xfrm>
-              <a:off x="8885796" y="5488006"/>
-              <a:ext cx="219455" cy="219455"/>
-            </a:xfrm>
-            <a:prstGeom prst="rect">
-              <a:avLst/>
-            </a:prstGeom>
-            <a:solidFill>
-              <a:srgbClr val="FFFFFF">
-                <a:alpha val="100000"/>
-              </a:srgbClr>
-            </a:solidFill>
-            <a:ln w="13550" cap="rnd">
-              <a:solidFill>
-                <a:srgbClr val="FFFFFF">
-                  <a:alpha val="100000"/>
-                </a:srgbClr>
-              </a:solidFill>
-              <a:prstDash val="solid"/>
-              <a:round/>
-            </a:ln>
-          </p:spPr>
-          <p:txBody>
-            <a:bodyPr/>
-            <a:lstStyle/>
-            <a:p/>
-          </p:txBody>
-        </p:sp>
-        <p:sp>
-          <p:nvSpPr>
-            <p:cNvPr id="1019" name="rc1018"/>
-            <p:cNvSpPr/>
-            <p:nvPr/>
-          </p:nvSpPr>
-          <p:spPr>
-            <a:xfrm>
-              <a:off x="8887596" y="5489806"/>
-              <a:ext cx="215856" cy="215855"/>
-            </a:xfrm>
-            <a:prstGeom prst="rect">
-              <a:avLst/>
-            </a:prstGeom>
-            <a:solidFill>
-              <a:srgbClr val="63E3C5">
-                <a:alpha val="100000"/>
-              </a:srgbClr>
-            </a:solidFill>
-            <a:ln w="2710" cap="flat">
-              <a:solidFill>
-                <a:srgbClr val="FFFFFF">
-                  <a:alpha val="100000"/>
-                </a:srgbClr>
-              </a:solidFill>
-              <a:prstDash val="solid"/>
-              <a:miter/>
-            </a:ln>
-          </p:spPr>
-          <p:txBody>
-            <a:bodyPr/>
-            <a:lstStyle/>
-            <a:p/>
-          </p:txBody>
-        </p:sp>
-        <p:sp>
-          <p:nvSpPr>
-            <p:cNvPr id="1020" name="rc1019"/>
-            <p:cNvSpPr/>
-            <p:nvPr/>
-          </p:nvSpPr>
-          <p:spPr>
-            <a:xfrm>
-              <a:off x="8885796" y="5707462"/>
-              <a:ext cx="219455" cy="219455"/>
-            </a:xfrm>
-            <a:prstGeom prst="rect">
-              <a:avLst/>
-            </a:prstGeom>
-            <a:solidFill>
-              <a:srgbClr val="FFFFFF">
-                <a:alpha val="100000"/>
-              </a:srgbClr>
-            </a:solidFill>
-            <a:ln w="13550" cap="rnd">
-              <a:solidFill>
-                <a:srgbClr val="FFFFFF">
-                  <a:alpha val="100000"/>
-                </a:srgbClr>
-              </a:solidFill>
-              <a:prstDash val="solid"/>
-              <a:round/>
-            </a:ln>
-          </p:spPr>
-          <p:txBody>
-            <a:bodyPr/>
-            <a:lstStyle/>
-            <a:p/>
-          </p:txBody>
-        </p:sp>
-        <p:sp>
-          <p:nvSpPr>
-            <p:cNvPr id="1021" name="rc1020"/>
-            <p:cNvSpPr/>
-            <p:nvPr/>
-          </p:nvSpPr>
-          <p:spPr>
-            <a:xfrm>
-              <a:off x="8885796" y="5926918"/>
-              <a:ext cx="219455" cy="219455"/>
-            </a:xfrm>
-            <a:prstGeom prst="rect">
-              <a:avLst/>
-            </a:prstGeom>
-            <a:solidFill>
-              <a:srgbClr val="FFFFFF">
-                <a:alpha val="100000"/>
-              </a:srgbClr>
-            </a:solidFill>
-            <a:ln w="13550" cap="rnd">
-              <a:solidFill>
-                <a:srgbClr val="FFFFFF">
-                  <a:alpha val="100000"/>
-                </a:srgbClr>
-              </a:solidFill>
-              <a:prstDash val="solid"/>
-              <a:round/>
-            </a:ln>
-          </p:spPr>
-          <p:txBody>
-            <a:bodyPr/>
-            <a:lstStyle/>
-            <a:p/>
-          </p:txBody>
-        </p:sp>
-        <p:sp>
-          <p:nvSpPr>
-            <p:cNvPr id="1022" name="rc1021"/>
-            <p:cNvSpPr/>
-            <p:nvPr/>
-          </p:nvSpPr>
-          <p:spPr>
-            <a:xfrm>
-              <a:off x="8885796" y="6146374"/>
-              <a:ext cx="219455" cy="219455"/>
-            </a:xfrm>
-            <a:prstGeom prst="rect">
-              <a:avLst/>
-            </a:prstGeom>
-            <a:solidFill>
-              <a:srgbClr val="FFFFFF">
-                <a:alpha val="100000"/>
-              </a:srgbClr>
-            </a:solidFill>
-            <a:ln w="13550" cap="rnd">
-              <a:solidFill>
-                <a:srgbClr val="FFFFFF">
-                  <a:alpha val="100000"/>
-                </a:srgbClr>
-              </a:solidFill>
-              <a:prstDash val="solid"/>
-              <a:round/>
-            </a:ln>
-          </p:spPr>
-          <p:txBody>
-            <a:bodyPr/>
-            <a:lstStyle/>
-            <a:p/>
-          </p:txBody>
-        </p:sp>
-        <p:sp>
-          <p:nvSpPr>
-            <p:cNvPr id="1023" name="rc1022"/>
-            <p:cNvSpPr/>
-            <p:nvPr/>
-          </p:nvSpPr>
-          <p:spPr>
-            <a:xfrm>
-              <a:off x="8885796" y="6365830"/>
-              <a:ext cx="219455" cy="219456"/>
-            </a:xfrm>
-            <a:prstGeom prst="rect">
-              <a:avLst/>
-            </a:prstGeom>
-            <a:solidFill>
-              <a:srgbClr val="FFFFFF">
-                <a:alpha val="100000"/>
-              </a:srgbClr>
-            </a:solidFill>
-            <a:ln w="13550" cap="rnd">
-              <a:solidFill>
-                <a:srgbClr val="FFFFFF">
-                  <a:alpha val="100000"/>
-                </a:srgbClr>
-              </a:solidFill>
-              <a:prstDash val="solid"/>
-              <a:round/>
-            </a:ln>
-          </p:spPr>
-          <p:txBody>
-            <a:bodyPr/>
-            <a:lstStyle/>
-            <a:p/>
-          </p:txBody>
-        </p:sp>
-        <p:sp>
-          <p:nvSpPr>
-            <p:cNvPr id="1024" name="tx1023"/>
-            <p:cNvSpPr/>
-            <p:nvPr/>
-          </p:nvSpPr>
-          <p:spPr>
-            <a:xfrm>
-              <a:off x="9174841" y="5118508"/>
-              <a:ext cx="337551" cy="63437"/>
-            </a:xfrm>
-            <a:prstGeom prst="rect">
-              <a:avLst/>
-            </a:prstGeom>
-            <a:noFill/>
-          </p:spPr>
-          <p:txBody>
-            <a:bodyPr lIns="0" rIns="0" tIns="0" bIns="0" anchorCtr="1" anchor="ctr" wrap="none"/>
-            <a:lstStyle/>
-            <a:p>
-              <a:pPr algn="l" marL="0" marR="0" indent="0">
-                <a:lnSpc>
-                  <a:spcPts val="550"/>
-                </a:lnSpc>
-                <a:spcBef>
-                  <a:spcPts val="0"/>
-                </a:spcBef>
-                <a:spcAft>
-                  <a:spcPts val="0"/>
-                </a:spcAft>
-              </a:pPr>
-              <a:r>
-                <a:rPr sz="550">
-                  <a:solidFill>
-                    <a:srgbClr val="000000">
-                      <a:alpha val="100000"/>
-                    </a:srgbClr>
-                  </a:solidFill>
-                  <a:latin typeface="Times New Roman"/>
-                  <a:cs typeface="Times New Roman"/>
-                </a:rPr>
-                <a:t>Autotrophic</a:t>
-              </a:r>
-            </a:p>
-          </p:txBody>
-        </p:sp>
-        <p:sp>
-          <p:nvSpPr>
-            <p:cNvPr id="1025" name="tx1024"/>
-            <p:cNvSpPr/>
-            <p:nvPr/>
-          </p:nvSpPr>
-          <p:spPr>
-            <a:xfrm>
-              <a:off x="9174841" y="5337964"/>
-              <a:ext cx="337483" cy="63437"/>
-            </a:xfrm>
-            <a:prstGeom prst="rect">
-              <a:avLst/>
-            </a:prstGeom>
-            <a:noFill/>
-          </p:spPr>
-          <p:txBody>
-            <a:bodyPr lIns="0" rIns="0" tIns="0" bIns="0" anchorCtr="1" anchor="ctr" wrap="none"/>
-            <a:lstStyle/>
-            <a:p>
-              <a:pPr algn="l" marL="0" marR="0" indent="0">
-                <a:lnSpc>
-                  <a:spcPts val="550"/>
-                </a:lnSpc>
-                <a:spcBef>
-                  <a:spcPts val="0"/>
-                </a:spcBef>
-                <a:spcAft>
-                  <a:spcPts val="0"/>
-                </a:spcAft>
-              </a:pPr>
-              <a:r>
-                <a:rPr sz="550">
-                  <a:solidFill>
-                    <a:srgbClr val="000000">
-                      <a:alpha val="100000"/>
-                    </a:srgbClr>
-                  </a:solidFill>
-                  <a:latin typeface="Times New Roman"/>
-                  <a:cs typeface="Times New Roman"/>
-                </a:rPr>
-                <a:t>Heterotroph</a:t>
-              </a:r>
-            </a:p>
-          </p:txBody>
-        </p:sp>
-        <p:sp>
-          <p:nvSpPr>
-            <p:cNvPr id="1026" name="tx1025"/>
-            <p:cNvSpPr/>
-            <p:nvPr/>
-          </p:nvSpPr>
-          <p:spPr>
-            <a:xfrm>
-              <a:off x="9174841" y="5557420"/>
-              <a:ext cx="298806" cy="63437"/>
-            </a:xfrm>
-            <a:prstGeom prst="rect">
-              <a:avLst/>
-            </a:prstGeom>
-            <a:noFill/>
-          </p:spPr>
-          <p:txBody>
-            <a:bodyPr lIns="0" rIns="0" tIns="0" bIns="0" anchorCtr="1" anchor="ctr" wrap="none"/>
-            <a:lstStyle/>
-            <a:p>
-              <a:pPr algn="l" marL="0" marR="0" indent="0">
-                <a:lnSpc>
-                  <a:spcPts val="550"/>
-                </a:lnSpc>
-                <a:spcBef>
-                  <a:spcPts val="0"/>
-                </a:spcBef>
-                <a:spcAft>
-                  <a:spcPts val="0"/>
-                </a:spcAft>
-              </a:pPr>
-              <a:r>
-                <a:rPr sz="550">
-                  <a:solidFill>
-                    <a:srgbClr val="000000">
-                      <a:alpha val="100000"/>
-                    </a:srgbClr>
-                  </a:solidFill>
-                  <a:latin typeface="Times New Roman"/>
-                  <a:cs typeface="Times New Roman"/>
-                </a:rPr>
-                <a:t>Mixotroph</a:t>
-              </a:r>
-            </a:p>
-          </p:txBody>
-        </p:sp>
-        <p:sp>
-          <p:nvSpPr>
-            <p:cNvPr id="1027" name="tx1026"/>
-            <p:cNvSpPr/>
-            <p:nvPr/>
-          </p:nvSpPr>
-          <p:spPr>
-            <a:xfrm>
-              <a:off x="9174841" y="5790860"/>
-              <a:ext cx="428752" cy="49454"/>
-            </a:xfrm>
-            <a:prstGeom prst="rect">
-              <a:avLst/>
-            </a:prstGeom>
-            <a:noFill/>
-          </p:spPr>
-          <p:txBody>
-            <a:bodyPr lIns="0" rIns="0" tIns="0" bIns="0" anchorCtr="1" anchor="ctr" wrap="none"/>
-            <a:lstStyle/>
-            <a:p>
-              <a:pPr algn="l" marL="0" marR="0" indent="0">
-                <a:lnSpc>
-                  <a:spcPts val="550"/>
-                </a:lnSpc>
-                <a:spcBef>
-                  <a:spcPts val="0"/>
-                </a:spcBef>
-                <a:spcAft>
-                  <a:spcPts val="0"/>
-                </a:spcAft>
-              </a:pPr>
-              <a:r>
-                <a:rPr sz="550">
-                  <a:solidFill>
-                    <a:srgbClr val="000000">
-                      <a:alpha val="100000"/>
-                    </a:srgbClr>
-                  </a:solidFill>
-                  <a:latin typeface="Times New Roman"/>
-                  <a:cs typeface="Times New Roman"/>
-                </a:rPr>
-                <a:t>Plastid Parasite</a:t>
-              </a:r>
-            </a:p>
-          </p:txBody>
-        </p:sp>
-        <p:sp>
-          <p:nvSpPr>
-            <p:cNvPr id="1028" name="tx1027"/>
-            <p:cNvSpPr/>
-            <p:nvPr/>
-          </p:nvSpPr>
-          <p:spPr>
-            <a:xfrm>
-              <a:off x="9174841" y="6010316"/>
-              <a:ext cx="572306" cy="49454"/>
-            </a:xfrm>
-            <a:prstGeom prst="rect">
-              <a:avLst/>
-            </a:prstGeom>
-            <a:noFill/>
-          </p:spPr>
-          <p:txBody>
-            <a:bodyPr lIns="0" rIns="0" tIns="0" bIns="0" anchorCtr="1" anchor="ctr" wrap="none"/>
-            <a:lstStyle/>
-            <a:p>
-              <a:pPr algn="l" marL="0" marR="0" indent="0">
-                <a:lnSpc>
-                  <a:spcPts val="550"/>
-                </a:lnSpc>
-                <a:spcBef>
-                  <a:spcPts val="0"/>
-                </a:spcBef>
-                <a:spcAft>
-                  <a:spcPts val="0"/>
-                </a:spcAft>
-              </a:pPr>
-              <a:r>
-                <a:rPr sz="550">
-                  <a:solidFill>
-                    <a:srgbClr val="000000">
-                      <a:alpha val="100000"/>
-                    </a:srgbClr>
-                  </a:solidFill>
-                  <a:latin typeface="Times New Roman"/>
-                  <a:cs typeface="Times New Roman"/>
-                </a:rPr>
-                <a:t>Non-Plastid Parasite</a:t>
-              </a:r>
-            </a:p>
-          </p:txBody>
-        </p:sp>
-        <p:sp>
-          <p:nvSpPr>
-            <p:cNvPr id="1029" name="tx1028"/>
-            <p:cNvSpPr/>
-            <p:nvPr/>
-          </p:nvSpPr>
-          <p:spPr>
-            <a:xfrm>
-              <a:off x="9174841" y="6215652"/>
-              <a:ext cx="591610" cy="63574"/>
-            </a:xfrm>
-            <a:prstGeom prst="rect">
-              <a:avLst/>
-            </a:prstGeom>
-            <a:noFill/>
-          </p:spPr>
-          <p:txBody>
-            <a:bodyPr lIns="0" rIns="0" tIns="0" bIns="0" anchorCtr="1" anchor="ctr" wrap="none"/>
-            <a:lstStyle/>
-            <a:p>
-              <a:pPr algn="l" marL="0" marR="0" indent="0">
-                <a:lnSpc>
-                  <a:spcPts val="550"/>
-                </a:lnSpc>
-                <a:spcBef>
-                  <a:spcPts val="0"/>
-                </a:spcBef>
-                <a:spcAft>
-                  <a:spcPts val="0"/>
-                </a:spcAft>
-              </a:pPr>
-              <a:r>
-                <a:rPr sz="550">
-                  <a:solidFill>
-                    <a:srgbClr val="000000">
-                      <a:alpha val="100000"/>
-                    </a:srgbClr>
-                  </a:solidFill>
-                  <a:latin typeface="Times New Roman"/>
-                  <a:cs typeface="Times New Roman"/>
-                </a:rPr>
-                <a:t>Streptophyta parasite</a:t>
-              </a:r>
-            </a:p>
-          </p:txBody>
-        </p:sp>
-        <p:sp>
-          <p:nvSpPr>
-            <p:cNvPr id="1030" name="tx1029"/>
-            <p:cNvSpPr/>
-            <p:nvPr/>
-          </p:nvSpPr>
-          <p:spPr>
-            <a:xfrm>
-              <a:off x="9174841" y="6435108"/>
-              <a:ext cx="422954" cy="63574"/>
-            </a:xfrm>
-            <a:prstGeom prst="rect">
-              <a:avLst/>
-            </a:prstGeom>
-            <a:noFill/>
-          </p:spPr>
-          <p:txBody>
-            <a:bodyPr lIns="0" rIns="0" tIns="0" bIns="0" anchorCtr="1" anchor="ctr" wrap="none"/>
-            <a:lstStyle/>
-            <a:p>
-              <a:pPr algn="l" marL="0" marR="0" indent="0">
-                <a:lnSpc>
-                  <a:spcPts val="550"/>
-                </a:lnSpc>
-                <a:spcBef>
-                  <a:spcPts val="0"/>
-                </a:spcBef>
-                <a:spcAft>
-                  <a:spcPts val="0"/>
-                </a:spcAft>
-              </a:pPr>
-              <a:r>
-                <a:rPr sz="550">
-                  <a:solidFill>
-                    <a:srgbClr val="000000">
-                      <a:alpha val="100000"/>
-                    </a:srgbClr>
-                  </a:solidFill>
-                  <a:latin typeface="Times New Roman"/>
-                  <a:cs typeface="Times New Roman"/>
-                </a:rPr>
-                <a:t>Endosymbiotic</a:t>
-              </a:r>
-            </a:p>
-          </p:txBody>
-        </p:sp>
-        <p:sp>
-          <p:nvSpPr>
-            <p:cNvPr id="1031" name="tx1030"/>
+            <p:cNvPr id="923" name="tx922"/>
             <p:cNvSpPr/>
             <p:nvPr/>
           </p:nvSpPr>
@@ -41146,7 +37292,7 @@
         </p:sp>
         <p:sp>
           <p:nvSpPr>
-            <p:cNvPr id="1032" name="tx1031"/>
+            <p:cNvPr id="924" name="tx923"/>
             <p:cNvSpPr/>
             <p:nvPr/>
           </p:nvSpPr>

--- a/Images/Figures_PPT/ChlorophytaRhodophytaTree.pptx
+++ b/Images/Figures_PPT/ChlorophytaRhodophytaTree.pptx
@@ -20388,7 +20388,7 @@
           </p:nvSpPr>
           <p:spPr>
             <a:xfrm>
-              <a:off x="5070156" y="7141629"/>
+              <a:off x="4266843" y="7141629"/>
               <a:ext cx="176728" cy="69186"/>
             </a:xfrm>
             <a:prstGeom prst="rect">
@@ -20423,7 +20423,7 @@
           </p:nvSpPr>
           <p:spPr>
             <a:xfrm>
-              <a:off x="5070156" y="7072442"/>
+              <a:off x="4266843" y="7072442"/>
               <a:ext cx="176728" cy="69186"/>
             </a:xfrm>
             <a:prstGeom prst="rect">
@@ -20458,7 +20458,7 @@
           </p:nvSpPr>
           <p:spPr>
             <a:xfrm>
-              <a:off x="5070156" y="7003255"/>
+              <a:off x="4266843" y="7003255"/>
               <a:ext cx="176728" cy="69186"/>
             </a:xfrm>
             <a:prstGeom prst="rect">
@@ -20493,7 +20493,7 @@
           </p:nvSpPr>
           <p:spPr>
             <a:xfrm>
-              <a:off x="5070156" y="6934068"/>
+              <a:off x="4266843" y="6934068"/>
               <a:ext cx="176728" cy="69186"/>
             </a:xfrm>
             <a:prstGeom prst="rect">
@@ -20528,7 +20528,7 @@
           </p:nvSpPr>
           <p:spPr>
             <a:xfrm>
-              <a:off x="5070156" y="6864881"/>
+              <a:off x="4266843" y="6864881"/>
               <a:ext cx="176728" cy="69186"/>
             </a:xfrm>
             <a:prstGeom prst="rect">
@@ -20563,7 +20563,7 @@
           </p:nvSpPr>
           <p:spPr>
             <a:xfrm>
-              <a:off x="5070156" y="6795694"/>
+              <a:off x="4266843" y="6795694"/>
               <a:ext cx="176728" cy="69186"/>
             </a:xfrm>
             <a:prstGeom prst="rect">
@@ -20598,7 +20598,7 @@
           </p:nvSpPr>
           <p:spPr>
             <a:xfrm>
-              <a:off x="5070156" y="6726507"/>
+              <a:off x="4266843" y="6726507"/>
               <a:ext cx="176728" cy="69186"/>
             </a:xfrm>
             <a:prstGeom prst="rect">
@@ -20633,7 +20633,7 @@
           </p:nvSpPr>
           <p:spPr>
             <a:xfrm>
-              <a:off x="5070156" y="6657320"/>
+              <a:off x="4266843" y="6657320"/>
               <a:ext cx="176728" cy="69186"/>
             </a:xfrm>
             <a:prstGeom prst="rect">
@@ -20668,7 +20668,7 @@
           </p:nvSpPr>
           <p:spPr>
             <a:xfrm>
-              <a:off x="5070156" y="6588133"/>
+              <a:off x="4266843" y="6588133"/>
               <a:ext cx="176728" cy="69186"/>
             </a:xfrm>
             <a:prstGeom prst="rect">
@@ -20703,7 +20703,7 @@
           </p:nvSpPr>
           <p:spPr>
             <a:xfrm>
-              <a:off x="5070156" y="6518946"/>
+              <a:off x="4266843" y="6518946"/>
               <a:ext cx="176728" cy="69186"/>
             </a:xfrm>
             <a:prstGeom prst="rect">
@@ -20738,7 +20738,7 @@
           </p:nvSpPr>
           <p:spPr>
             <a:xfrm>
-              <a:off x="5070156" y="6449759"/>
+              <a:off x="4266843" y="6449759"/>
               <a:ext cx="176728" cy="69186"/>
             </a:xfrm>
             <a:prstGeom prst="rect">
@@ -20773,7 +20773,7 @@
           </p:nvSpPr>
           <p:spPr>
             <a:xfrm>
-              <a:off x="5070156" y="6380572"/>
+              <a:off x="4266843" y="6380572"/>
               <a:ext cx="176728" cy="69186"/>
             </a:xfrm>
             <a:prstGeom prst="rect">
@@ -20808,7 +20808,7 @@
           </p:nvSpPr>
           <p:spPr>
             <a:xfrm>
-              <a:off x="5070156" y="6311385"/>
+              <a:off x="4266843" y="6311385"/>
               <a:ext cx="176728" cy="69186"/>
             </a:xfrm>
             <a:prstGeom prst="rect">
@@ -20843,7 +20843,7 @@
           </p:nvSpPr>
           <p:spPr>
             <a:xfrm>
-              <a:off x="5070156" y="6242198"/>
+              <a:off x="4266843" y="6242198"/>
               <a:ext cx="176728" cy="69186"/>
             </a:xfrm>
             <a:prstGeom prst="rect">
@@ -20878,7 +20878,7 @@
           </p:nvSpPr>
           <p:spPr>
             <a:xfrm>
-              <a:off x="5070156" y="6173011"/>
+              <a:off x="4266843" y="6173011"/>
               <a:ext cx="176728" cy="69186"/>
             </a:xfrm>
             <a:prstGeom prst="rect">
@@ -20913,7 +20913,7 @@
           </p:nvSpPr>
           <p:spPr>
             <a:xfrm>
-              <a:off x="5070156" y="6103824"/>
+              <a:off x="4266843" y="6103824"/>
               <a:ext cx="176728" cy="69186"/>
             </a:xfrm>
             <a:prstGeom prst="rect">
@@ -20948,7 +20948,7 @@
           </p:nvSpPr>
           <p:spPr>
             <a:xfrm>
-              <a:off x="5070156" y="6034637"/>
+              <a:off x="4266843" y="6034637"/>
               <a:ext cx="176728" cy="69186"/>
             </a:xfrm>
             <a:prstGeom prst="rect">
@@ -20983,7 +20983,7 @@
           </p:nvSpPr>
           <p:spPr>
             <a:xfrm>
-              <a:off x="5070156" y="5965450"/>
+              <a:off x="4266843" y="5965450"/>
               <a:ext cx="176728" cy="69186"/>
             </a:xfrm>
             <a:prstGeom prst="rect">
@@ -21018,7 +21018,7 @@
           </p:nvSpPr>
           <p:spPr>
             <a:xfrm>
-              <a:off x="5070156" y="5896263"/>
+              <a:off x="4266843" y="5896263"/>
               <a:ext cx="176728" cy="69186"/>
             </a:xfrm>
             <a:prstGeom prst="rect">
@@ -21053,7 +21053,7 @@
           </p:nvSpPr>
           <p:spPr>
             <a:xfrm>
-              <a:off x="5070156" y="5827077"/>
+              <a:off x="4266843" y="5827077"/>
               <a:ext cx="176728" cy="69186"/>
             </a:xfrm>
             <a:prstGeom prst="rect">
@@ -21088,7 +21088,7 @@
           </p:nvSpPr>
           <p:spPr>
             <a:xfrm>
-              <a:off x="5070156" y="5757890"/>
+              <a:off x="4266843" y="5757890"/>
               <a:ext cx="176728" cy="69186"/>
             </a:xfrm>
             <a:prstGeom prst="rect">
@@ -21123,7 +21123,7 @@
           </p:nvSpPr>
           <p:spPr>
             <a:xfrm>
-              <a:off x="5070156" y="5688703"/>
+              <a:off x="4266843" y="5688703"/>
               <a:ext cx="176728" cy="69186"/>
             </a:xfrm>
             <a:prstGeom prst="rect">
@@ -21158,7 +21158,7 @@
           </p:nvSpPr>
           <p:spPr>
             <a:xfrm>
-              <a:off x="5070156" y="5619516"/>
+              <a:off x="4266843" y="5619516"/>
               <a:ext cx="176728" cy="69186"/>
             </a:xfrm>
             <a:prstGeom prst="rect">
@@ -21193,7 +21193,7 @@
           </p:nvSpPr>
           <p:spPr>
             <a:xfrm>
-              <a:off x="5070156" y="5550329"/>
+              <a:off x="4266843" y="5550329"/>
               <a:ext cx="176728" cy="69186"/>
             </a:xfrm>
             <a:prstGeom prst="rect">
@@ -21228,7 +21228,7 @@
           </p:nvSpPr>
           <p:spPr>
             <a:xfrm>
-              <a:off x="5070156" y="5481142"/>
+              <a:off x="4266843" y="5481142"/>
               <a:ext cx="176728" cy="69186"/>
             </a:xfrm>
             <a:prstGeom prst="rect">
@@ -21263,7 +21263,7 @@
           </p:nvSpPr>
           <p:spPr>
             <a:xfrm>
-              <a:off x="5070156" y="5411955"/>
+              <a:off x="4266843" y="5411955"/>
               <a:ext cx="176728" cy="69186"/>
             </a:xfrm>
             <a:prstGeom prst="rect">
@@ -21298,7 +21298,7 @@
           </p:nvSpPr>
           <p:spPr>
             <a:xfrm>
-              <a:off x="5070156" y="5342768"/>
+              <a:off x="4266843" y="5342768"/>
               <a:ext cx="176728" cy="69186"/>
             </a:xfrm>
             <a:prstGeom prst="rect">
@@ -21333,7 +21333,7 @@
           </p:nvSpPr>
           <p:spPr>
             <a:xfrm>
-              <a:off x="5070156" y="5273581"/>
+              <a:off x="4266843" y="5273581"/>
               <a:ext cx="176728" cy="69186"/>
             </a:xfrm>
             <a:prstGeom prst="rect">
@@ -21368,7 +21368,7 @@
           </p:nvSpPr>
           <p:spPr>
             <a:xfrm>
-              <a:off x="5070156" y="5204394"/>
+              <a:off x="4266843" y="5204394"/>
               <a:ext cx="176728" cy="69186"/>
             </a:xfrm>
             <a:prstGeom prst="rect">
@@ -21403,7 +21403,7 @@
           </p:nvSpPr>
           <p:spPr>
             <a:xfrm>
-              <a:off x="5070156" y="5135207"/>
+              <a:off x="4266843" y="5135207"/>
               <a:ext cx="176728" cy="69186"/>
             </a:xfrm>
             <a:prstGeom prst="rect">
@@ -21438,7 +21438,7 @@
           </p:nvSpPr>
           <p:spPr>
             <a:xfrm>
-              <a:off x="5070156" y="5066020"/>
+              <a:off x="4266843" y="5066020"/>
               <a:ext cx="176728" cy="69186"/>
             </a:xfrm>
             <a:prstGeom prst="rect">
@@ -21473,7 +21473,7 @@
           </p:nvSpPr>
           <p:spPr>
             <a:xfrm>
-              <a:off x="5070156" y="4996833"/>
+              <a:off x="4266843" y="4996833"/>
               <a:ext cx="176728" cy="69186"/>
             </a:xfrm>
             <a:prstGeom prst="rect">
@@ -21508,7 +21508,7 @@
           </p:nvSpPr>
           <p:spPr>
             <a:xfrm>
-              <a:off x="5070156" y="4927646"/>
+              <a:off x="4266843" y="4927646"/>
               <a:ext cx="176728" cy="69186"/>
             </a:xfrm>
             <a:prstGeom prst="rect">
@@ -21543,7 +21543,7 @@
           </p:nvSpPr>
           <p:spPr>
             <a:xfrm>
-              <a:off x="5070156" y="4858459"/>
+              <a:off x="4266843" y="4858459"/>
               <a:ext cx="176728" cy="69186"/>
             </a:xfrm>
             <a:prstGeom prst="rect">
@@ -21578,7 +21578,7 @@
           </p:nvSpPr>
           <p:spPr>
             <a:xfrm>
-              <a:off x="5070156" y="4789272"/>
+              <a:off x="4266843" y="4789272"/>
               <a:ext cx="176728" cy="69186"/>
             </a:xfrm>
             <a:prstGeom prst="rect">
@@ -21613,7 +21613,7 @@
           </p:nvSpPr>
           <p:spPr>
             <a:xfrm>
-              <a:off x="5070156" y="4720085"/>
+              <a:off x="4266843" y="4720085"/>
               <a:ext cx="176728" cy="69186"/>
             </a:xfrm>
             <a:prstGeom prst="rect">
@@ -21648,7 +21648,7 @@
           </p:nvSpPr>
           <p:spPr>
             <a:xfrm>
-              <a:off x="5070156" y="4650898"/>
+              <a:off x="4266843" y="4650898"/>
               <a:ext cx="176728" cy="69186"/>
             </a:xfrm>
             <a:prstGeom prst="rect">
@@ -21683,7 +21683,7 @@
           </p:nvSpPr>
           <p:spPr>
             <a:xfrm>
-              <a:off x="5070156" y="4581711"/>
+              <a:off x="4266843" y="4581711"/>
               <a:ext cx="176728" cy="69186"/>
             </a:xfrm>
             <a:prstGeom prst="rect">
@@ -21718,7 +21718,7 @@
           </p:nvSpPr>
           <p:spPr>
             <a:xfrm>
-              <a:off x="5070156" y="4512524"/>
+              <a:off x="4266843" y="4512524"/>
               <a:ext cx="176728" cy="69186"/>
             </a:xfrm>
             <a:prstGeom prst="rect">
@@ -21753,7 +21753,7 @@
           </p:nvSpPr>
           <p:spPr>
             <a:xfrm>
-              <a:off x="5070156" y="4443337"/>
+              <a:off x="4266843" y="4443337"/>
               <a:ext cx="176728" cy="69186"/>
             </a:xfrm>
             <a:prstGeom prst="rect">
@@ -21788,7 +21788,7 @@
           </p:nvSpPr>
           <p:spPr>
             <a:xfrm>
-              <a:off x="5070156" y="4374150"/>
+              <a:off x="4266843" y="4374150"/>
               <a:ext cx="176728" cy="69186"/>
             </a:xfrm>
             <a:prstGeom prst="rect">
@@ -21823,7 +21823,7 @@
           </p:nvSpPr>
           <p:spPr>
             <a:xfrm>
-              <a:off x="5070156" y="4304963"/>
+              <a:off x="4266843" y="4304963"/>
               <a:ext cx="176728" cy="69186"/>
             </a:xfrm>
             <a:prstGeom prst="rect">
@@ -21858,7 +21858,7 @@
           </p:nvSpPr>
           <p:spPr>
             <a:xfrm>
-              <a:off x="5070156" y="4235776"/>
+              <a:off x="4266843" y="4235776"/>
               <a:ext cx="176728" cy="69186"/>
             </a:xfrm>
             <a:prstGeom prst="rect">
@@ -21893,7 +21893,7 @@
           </p:nvSpPr>
           <p:spPr>
             <a:xfrm>
-              <a:off x="5070156" y="4166589"/>
+              <a:off x="4266843" y="4166589"/>
               <a:ext cx="176728" cy="69186"/>
             </a:xfrm>
             <a:prstGeom prst="rect">
@@ -21928,7 +21928,7 @@
           </p:nvSpPr>
           <p:spPr>
             <a:xfrm>
-              <a:off x="5070156" y="4097402"/>
+              <a:off x="4266843" y="4097402"/>
               <a:ext cx="176728" cy="69186"/>
             </a:xfrm>
             <a:prstGeom prst="rect">
@@ -21963,7 +21963,7 @@
           </p:nvSpPr>
           <p:spPr>
             <a:xfrm>
-              <a:off x="5070156" y="4028215"/>
+              <a:off x="4266843" y="4028215"/>
               <a:ext cx="176728" cy="69186"/>
             </a:xfrm>
             <a:prstGeom prst="rect">
@@ -21998,7 +21998,7 @@
           </p:nvSpPr>
           <p:spPr>
             <a:xfrm>
-              <a:off x="5070156" y="3959028"/>
+              <a:off x="4266843" y="3959028"/>
               <a:ext cx="176728" cy="69186"/>
             </a:xfrm>
             <a:prstGeom prst="rect">
@@ -22033,7 +22033,7 @@
           </p:nvSpPr>
           <p:spPr>
             <a:xfrm>
-              <a:off x="5070156" y="3889841"/>
+              <a:off x="4266843" y="3889841"/>
               <a:ext cx="176728" cy="69186"/>
             </a:xfrm>
             <a:prstGeom prst="rect">
@@ -22068,7 +22068,7 @@
           </p:nvSpPr>
           <p:spPr>
             <a:xfrm>
-              <a:off x="5070156" y="3820654"/>
+              <a:off x="4266843" y="3820654"/>
               <a:ext cx="176728" cy="69186"/>
             </a:xfrm>
             <a:prstGeom prst="rect">
@@ -22103,7 +22103,7 @@
           </p:nvSpPr>
           <p:spPr>
             <a:xfrm>
-              <a:off x="5070156" y="3751467"/>
+              <a:off x="4266843" y="3751467"/>
               <a:ext cx="176728" cy="69186"/>
             </a:xfrm>
             <a:prstGeom prst="rect">
@@ -22138,7 +22138,7 @@
           </p:nvSpPr>
           <p:spPr>
             <a:xfrm>
-              <a:off x="5070156" y="3682280"/>
+              <a:off x="4266843" y="3682280"/>
               <a:ext cx="176728" cy="69186"/>
             </a:xfrm>
             <a:prstGeom prst="rect">
@@ -22173,7 +22173,7 @@
           </p:nvSpPr>
           <p:spPr>
             <a:xfrm>
-              <a:off x="5070156" y="3613093"/>
+              <a:off x="4266843" y="3613093"/>
               <a:ext cx="176728" cy="69186"/>
             </a:xfrm>
             <a:prstGeom prst="rect">
@@ -22208,7 +22208,7 @@
           </p:nvSpPr>
           <p:spPr>
             <a:xfrm>
-              <a:off x="5070156" y="3543906"/>
+              <a:off x="4266843" y="3543906"/>
               <a:ext cx="176728" cy="69186"/>
             </a:xfrm>
             <a:prstGeom prst="rect">
@@ -22243,7 +22243,7 @@
           </p:nvSpPr>
           <p:spPr>
             <a:xfrm>
-              <a:off x="5070156" y="3474719"/>
+              <a:off x="4266843" y="3474719"/>
               <a:ext cx="176728" cy="69186"/>
             </a:xfrm>
             <a:prstGeom prst="rect">
@@ -22278,7 +22278,7 @@
           </p:nvSpPr>
           <p:spPr>
             <a:xfrm>
-              <a:off x="5070156" y="3405533"/>
+              <a:off x="4266843" y="3405533"/>
               <a:ext cx="176728" cy="69186"/>
             </a:xfrm>
             <a:prstGeom prst="rect">
@@ -22313,7 +22313,7 @@
           </p:nvSpPr>
           <p:spPr>
             <a:xfrm>
-              <a:off x="5070156" y="3336346"/>
+              <a:off x="4266843" y="3336346"/>
               <a:ext cx="176728" cy="69186"/>
             </a:xfrm>
             <a:prstGeom prst="rect">
@@ -22348,7 +22348,7 @@
           </p:nvSpPr>
           <p:spPr>
             <a:xfrm>
-              <a:off x="5070156" y="3267159"/>
+              <a:off x="4266843" y="3267159"/>
               <a:ext cx="176728" cy="69186"/>
             </a:xfrm>
             <a:prstGeom prst="rect">
@@ -22383,7 +22383,7 @@
           </p:nvSpPr>
           <p:spPr>
             <a:xfrm>
-              <a:off x="5070156" y="3197972"/>
+              <a:off x="4266843" y="3197972"/>
               <a:ext cx="176728" cy="69186"/>
             </a:xfrm>
             <a:prstGeom prst="rect">
@@ -22418,7 +22418,7 @@
           </p:nvSpPr>
           <p:spPr>
             <a:xfrm>
-              <a:off x="5070156" y="3128785"/>
+              <a:off x="4266843" y="3128785"/>
               <a:ext cx="176728" cy="69186"/>
             </a:xfrm>
             <a:prstGeom prst="rect">
@@ -22453,7 +22453,7 @@
           </p:nvSpPr>
           <p:spPr>
             <a:xfrm>
-              <a:off x="5070156" y="3059598"/>
+              <a:off x="4266843" y="3059598"/>
               <a:ext cx="176728" cy="69186"/>
             </a:xfrm>
             <a:prstGeom prst="rect">
@@ -22488,7 +22488,7 @@
           </p:nvSpPr>
           <p:spPr>
             <a:xfrm>
-              <a:off x="5070156" y="2990411"/>
+              <a:off x="4266843" y="2990411"/>
               <a:ext cx="176728" cy="69186"/>
             </a:xfrm>
             <a:prstGeom prst="rect">
@@ -22523,7 +22523,7 @@
           </p:nvSpPr>
           <p:spPr>
             <a:xfrm>
-              <a:off x="5070156" y="2921224"/>
+              <a:off x="4266843" y="2921224"/>
               <a:ext cx="176728" cy="69186"/>
             </a:xfrm>
             <a:prstGeom prst="rect">
@@ -22558,7 +22558,7 @@
           </p:nvSpPr>
           <p:spPr>
             <a:xfrm>
-              <a:off x="5070156" y="2852037"/>
+              <a:off x="4266843" y="2852037"/>
               <a:ext cx="176728" cy="69186"/>
             </a:xfrm>
             <a:prstGeom prst="rect">
@@ -22593,7 +22593,7 @@
           </p:nvSpPr>
           <p:spPr>
             <a:xfrm>
-              <a:off x="5070156" y="2782850"/>
+              <a:off x="4266843" y="2782850"/>
               <a:ext cx="176728" cy="69186"/>
             </a:xfrm>
             <a:prstGeom prst="rect">
@@ -22628,7 +22628,7 @@
           </p:nvSpPr>
           <p:spPr>
             <a:xfrm>
-              <a:off x="5070156" y="2713663"/>
+              <a:off x="4266843" y="2713663"/>
               <a:ext cx="176728" cy="69186"/>
             </a:xfrm>
             <a:prstGeom prst="rect">
@@ -22663,7 +22663,7 @@
           </p:nvSpPr>
           <p:spPr>
             <a:xfrm>
-              <a:off x="5070156" y="2644476"/>
+              <a:off x="4266843" y="2644476"/>
               <a:ext cx="176728" cy="69186"/>
             </a:xfrm>
             <a:prstGeom prst="rect">
@@ -22698,7 +22698,7 @@
           </p:nvSpPr>
           <p:spPr>
             <a:xfrm>
-              <a:off x="5070156" y="2575289"/>
+              <a:off x="4266843" y="2575289"/>
               <a:ext cx="176728" cy="69186"/>
             </a:xfrm>
             <a:prstGeom prst="rect">
@@ -22733,7 +22733,7 @@
           </p:nvSpPr>
           <p:spPr>
             <a:xfrm>
-              <a:off x="5070156" y="2506102"/>
+              <a:off x="4266843" y="2506102"/>
               <a:ext cx="176728" cy="69186"/>
             </a:xfrm>
             <a:prstGeom prst="rect">
@@ -22768,7 +22768,7 @@
           </p:nvSpPr>
           <p:spPr>
             <a:xfrm>
-              <a:off x="5070156" y="2436915"/>
+              <a:off x="4266843" y="2436915"/>
               <a:ext cx="176728" cy="69186"/>
             </a:xfrm>
             <a:prstGeom prst="rect">
@@ -22803,7 +22803,7 @@
           </p:nvSpPr>
           <p:spPr>
             <a:xfrm>
-              <a:off x="5070156" y="2367728"/>
+              <a:off x="4266843" y="2367728"/>
               <a:ext cx="176728" cy="69186"/>
             </a:xfrm>
             <a:prstGeom prst="rect">
@@ -22838,7 +22838,7 @@
           </p:nvSpPr>
           <p:spPr>
             <a:xfrm>
-              <a:off x="5070156" y="2298541"/>
+              <a:off x="4266843" y="2298541"/>
               <a:ext cx="176728" cy="69186"/>
             </a:xfrm>
             <a:prstGeom prst="rect">
@@ -22873,7 +22873,7 @@
           </p:nvSpPr>
           <p:spPr>
             <a:xfrm>
-              <a:off x="5070156" y="2229354"/>
+              <a:off x="4266843" y="2229354"/>
               <a:ext cx="176728" cy="69186"/>
             </a:xfrm>
             <a:prstGeom prst="rect">
@@ -22908,7 +22908,7 @@
           </p:nvSpPr>
           <p:spPr>
             <a:xfrm>
-              <a:off x="5070156" y="2160167"/>
+              <a:off x="4266843" y="2160167"/>
               <a:ext cx="176728" cy="69186"/>
             </a:xfrm>
             <a:prstGeom prst="rect">
@@ -22943,7 +22943,7 @@
           </p:nvSpPr>
           <p:spPr>
             <a:xfrm>
-              <a:off x="5070156" y="2090980"/>
+              <a:off x="4266843" y="2090980"/>
               <a:ext cx="176728" cy="69186"/>
             </a:xfrm>
             <a:prstGeom prst="rect">
@@ -22978,7 +22978,7 @@
           </p:nvSpPr>
           <p:spPr>
             <a:xfrm>
-              <a:off x="5070156" y="2021793"/>
+              <a:off x="4266843" y="2021793"/>
               <a:ext cx="176728" cy="69186"/>
             </a:xfrm>
             <a:prstGeom prst="rect">
@@ -23013,7 +23013,7 @@
           </p:nvSpPr>
           <p:spPr>
             <a:xfrm>
-              <a:off x="5070156" y="1952606"/>
+              <a:off x="4266843" y="1952606"/>
               <a:ext cx="176728" cy="69186"/>
             </a:xfrm>
             <a:prstGeom prst="rect">
@@ -23048,7 +23048,7 @@
           </p:nvSpPr>
           <p:spPr>
             <a:xfrm>
-              <a:off x="5070156" y="1883419"/>
+              <a:off x="4266843" y="1883419"/>
               <a:ext cx="176728" cy="69186"/>
             </a:xfrm>
             <a:prstGeom prst="rect">
@@ -23083,7 +23083,7 @@
           </p:nvSpPr>
           <p:spPr>
             <a:xfrm>
-              <a:off x="5070156" y="1814232"/>
+              <a:off x="4266843" y="1814232"/>
               <a:ext cx="176728" cy="69186"/>
             </a:xfrm>
             <a:prstGeom prst="rect">
@@ -23118,7 +23118,7 @@
           </p:nvSpPr>
           <p:spPr>
             <a:xfrm>
-              <a:off x="5070156" y="1745045"/>
+              <a:off x="4266843" y="1745045"/>
               <a:ext cx="176728" cy="69186"/>
             </a:xfrm>
             <a:prstGeom prst="rect">
@@ -23153,7 +23153,7 @@
           </p:nvSpPr>
           <p:spPr>
             <a:xfrm>
-              <a:off x="5070156" y="1675858"/>
+              <a:off x="4266843" y="1675858"/>
               <a:ext cx="176728" cy="69186"/>
             </a:xfrm>
             <a:prstGeom prst="rect">
@@ -23188,7 +23188,7 @@
           </p:nvSpPr>
           <p:spPr>
             <a:xfrm>
-              <a:off x="5070156" y="1606671"/>
+              <a:off x="4266843" y="1606671"/>
               <a:ext cx="176728" cy="69186"/>
             </a:xfrm>
             <a:prstGeom prst="rect">
@@ -23223,7 +23223,7 @@
           </p:nvSpPr>
           <p:spPr>
             <a:xfrm>
-              <a:off x="5070156" y="1537484"/>
+              <a:off x="4266843" y="1537484"/>
               <a:ext cx="176728" cy="69186"/>
             </a:xfrm>
             <a:prstGeom prst="rect">
@@ -23258,7 +23258,7 @@
           </p:nvSpPr>
           <p:spPr>
             <a:xfrm>
-              <a:off x="5070156" y="1468297"/>
+              <a:off x="4266843" y="1468297"/>
               <a:ext cx="176728" cy="69186"/>
             </a:xfrm>
             <a:prstGeom prst="rect">
@@ -23293,7 +23293,7 @@
           </p:nvSpPr>
           <p:spPr>
             <a:xfrm>
-              <a:off x="5070156" y="1399110"/>
+              <a:off x="4266843" y="1399110"/>
               <a:ext cx="176728" cy="69186"/>
             </a:xfrm>
             <a:prstGeom prst="rect">
@@ -23328,7 +23328,7 @@
           </p:nvSpPr>
           <p:spPr>
             <a:xfrm>
-              <a:off x="5070156" y="1329923"/>
+              <a:off x="4266843" y="1329923"/>
               <a:ext cx="176728" cy="69186"/>
             </a:xfrm>
             <a:prstGeom prst="rect">
@@ -23363,7 +23363,7 @@
           </p:nvSpPr>
           <p:spPr>
             <a:xfrm>
-              <a:off x="5070156" y="1260736"/>
+              <a:off x="4266843" y="1260736"/>
               <a:ext cx="176728" cy="69186"/>
             </a:xfrm>
             <a:prstGeom prst="rect">
@@ -23398,7 +23398,7 @@
           </p:nvSpPr>
           <p:spPr>
             <a:xfrm>
-              <a:off x="5070156" y="1191549"/>
+              <a:off x="4266843" y="1191549"/>
               <a:ext cx="176728" cy="69186"/>
             </a:xfrm>
             <a:prstGeom prst="rect">
@@ -23433,7 +23433,7 @@
           </p:nvSpPr>
           <p:spPr>
             <a:xfrm>
-              <a:off x="5070156" y="1122362"/>
+              <a:off x="4266843" y="1122362"/>
               <a:ext cx="176728" cy="69186"/>
             </a:xfrm>
             <a:prstGeom prst="rect">
@@ -23468,7 +23468,7 @@
           </p:nvSpPr>
           <p:spPr>
             <a:xfrm>
-              <a:off x="5070156" y="1053176"/>
+              <a:off x="4266843" y="1053176"/>
               <a:ext cx="176728" cy="69186"/>
             </a:xfrm>
             <a:prstGeom prst="rect">
@@ -23503,7 +23503,7 @@
           </p:nvSpPr>
           <p:spPr>
             <a:xfrm>
-              <a:off x="5070156" y="983989"/>
+              <a:off x="4266843" y="983989"/>
               <a:ext cx="176728" cy="69186"/>
             </a:xfrm>
             <a:prstGeom prst="rect">
@@ -23538,7 +23538,7 @@
           </p:nvSpPr>
           <p:spPr>
             <a:xfrm>
-              <a:off x="5246885" y="7141629"/>
+              <a:off x="4443572" y="7141629"/>
               <a:ext cx="176728" cy="69186"/>
             </a:xfrm>
             <a:prstGeom prst="rect">
@@ -23573,7 +23573,7 @@
           </p:nvSpPr>
           <p:spPr>
             <a:xfrm>
-              <a:off x="5246885" y="7072442"/>
+              <a:off x="4443572" y="7072442"/>
               <a:ext cx="176728" cy="69186"/>
             </a:xfrm>
             <a:prstGeom prst="rect">
@@ -23608,7 +23608,7 @@
           </p:nvSpPr>
           <p:spPr>
             <a:xfrm>
-              <a:off x="5246885" y="7003255"/>
+              <a:off x="4443572" y="7003255"/>
               <a:ext cx="176728" cy="69186"/>
             </a:xfrm>
             <a:prstGeom prst="rect">
@@ -23643,7 +23643,7 @@
           </p:nvSpPr>
           <p:spPr>
             <a:xfrm>
-              <a:off x="5246885" y="6934068"/>
+              <a:off x="4443572" y="6934068"/>
               <a:ext cx="176728" cy="69186"/>
             </a:xfrm>
             <a:prstGeom prst="rect">
@@ -23678,7 +23678,7 @@
           </p:nvSpPr>
           <p:spPr>
             <a:xfrm>
-              <a:off x="5246885" y="6864881"/>
+              <a:off x="4443572" y="6864881"/>
               <a:ext cx="176728" cy="69186"/>
             </a:xfrm>
             <a:prstGeom prst="rect">
@@ -23713,7 +23713,7 @@
           </p:nvSpPr>
           <p:spPr>
             <a:xfrm>
-              <a:off x="5246885" y="6795694"/>
+              <a:off x="4443572" y="6795694"/>
               <a:ext cx="176728" cy="69186"/>
             </a:xfrm>
             <a:prstGeom prst="rect">
@@ -23748,7 +23748,7 @@
           </p:nvSpPr>
           <p:spPr>
             <a:xfrm>
-              <a:off x="5246885" y="6726507"/>
+              <a:off x="4443572" y="6726507"/>
               <a:ext cx="176728" cy="69186"/>
             </a:xfrm>
             <a:prstGeom prst="rect">
@@ -23783,7 +23783,7 @@
           </p:nvSpPr>
           <p:spPr>
             <a:xfrm>
-              <a:off x="5246885" y="6657320"/>
+              <a:off x="4443572" y="6657320"/>
               <a:ext cx="176728" cy="69186"/>
             </a:xfrm>
             <a:prstGeom prst="rect">
@@ -23818,7 +23818,7 @@
           </p:nvSpPr>
           <p:spPr>
             <a:xfrm>
-              <a:off x="5246885" y="6588133"/>
+              <a:off x="4443572" y="6588133"/>
               <a:ext cx="176728" cy="69186"/>
             </a:xfrm>
             <a:prstGeom prst="rect">
@@ -23853,7 +23853,7 @@
           </p:nvSpPr>
           <p:spPr>
             <a:xfrm>
-              <a:off x="5246885" y="6518946"/>
+              <a:off x="4443572" y="6518946"/>
               <a:ext cx="176728" cy="69186"/>
             </a:xfrm>
             <a:prstGeom prst="rect">
@@ -23888,7 +23888,7 @@
           </p:nvSpPr>
           <p:spPr>
             <a:xfrm>
-              <a:off x="5246885" y="6449759"/>
+              <a:off x="4443572" y="6449759"/>
               <a:ext cx="176728" cy="69186"/>
             </a:xfrm>
             <a:prstGeom prst="rect">
@@ -23923,7 +23923,7 @@
           </p:nvSpPr>
           <p:spPr>
             <a:xfrm>
-              <a:off x="5246885" y="6380572"/>
+              <a:off x="4443572" y="6380572"/>
               <a:ext cx="176728" cy="69186"/>
             </a:xfrm>
             <a:prstGeom prst="rect">
@@ -23958,7 +23958,7 @@
           </p:nvSpPr>
           <p:spPr>
             <a:xfrm>
-              <a:off x="5246885" y="6311385"/>
+              <a:off x="4443572" y="6311385"/>
               <a:ext cx="176728" cy="69186"/>
             </a:xfrm>
             <a:prstGeom prst="rect">
@@ -23993,7 +23993,7 @@
           </p:nvSpPr>
           <p:spPr>
             <a:xfrm>
-              <a:off x="5246885" y="6242198"/>
+              <a:off x="4443572" y="6242198"/>
               <a:ext cx="176728" cy="69186"/>
             </a:xfrm>
             <a:prstGeom prst="rect">
@@ -24028,7 +24028,7 @@
           </p:nvSpPr>
           <p:spPr>
             <a:xfrm>
-              <a:off x="5246885" y="6173011"/>
+              <a:off x="4443572" y="6173011"/>
               <a:ext cx="176728" cy="69186"/>
             </a:xfrm>
             <a:prstGeom prst="rect">
@@ -24063,7 +24063,7 @@
           </p:nvSpPr>
           <p:spPr>
             <a:xfrm>
-              <a:off x="5246885" y="6103824"/>
+              <a:off x="4443572" y="6103824"/>
               <a:ext cx="176728" cy="69186"/>
             </a:xfrm>
             <a:prstGeom prst="rect">
@@ -24098,7 +24098,7 @@
           </p:nvSpPr>
           <p:spPr>
             <a:xfrm>
-              <a:off x="5246885" y="6034637"/>
+              <a:off x="4443572" y="6034637"/>
               <a:ext cx="176728" cy="69186"/>
             </a:xfrm>
             <a:prstGeom prst="rect">
@@ -24133,7 +24133,7 @@
           </p:nvSpPr>
           <p:spPr>
             <a:xfrm>
-              <a:off x="5246885" y="5965450"/>
+              <a:off x="4443572" y="5965450"/>
               <a:ext cx="176728" cy="69186"/>
             </a:xfrm>
             <a:prstGeom prst="rect">
@@ -24168,7 +24168,7 @@
           </p:nvSpPr>
           <p:spPr>
             <a:xfrm>
-              <a:off x="5246885" y="5896263"/>
+              <a:off x="4443572" y="5896263"/>
               <a:ext cx="176728" cy="69186"/>
             </a:xfrm>
             <a:prstGeom prst="rect">
@@ -24203,7 +24203,7 @@
           </p:nvSpPr>
           <p:spPr>
             <a:xfrm>
-              <a:off x="5246885" y="5827077"/>
+              <a:off x="4443572" y="5827077"/>
               <a:ext cx="176728" cy="69186"/>
             </a:xfrm>
             <a:prstGeom prst="rect">
@@ -24238,7 +24238,7 @@
           </p:nvSpPr>
           <p:spPr>
             <a:xfrm>
-              <a:off x="5246885" y="5757890"/>
+              <a:off x="4443572" y="5757890"/>
               <a:ext cx="176728" cy="69186"/>
             </a:xfrm>
             <a:prstGeom prst="rect">
@@ -24273,7 +24273,7 @@
           </p:nvSpPr>
           <p:spPr>
             <a:xfrm>
-              <a:off x="5246885" y="5688703"/>
+              <a:off x="4443572" y="5688703"/>
               <a:ext cx="176728" cy="69186"/>
             </a:xfrm>
             <a:prstGeom prst="rect">
@@ -24308,7 +24308,7 @@
           </p:nvSpPr>
           <p:spPr>
             <a:xfrm>
-              <a:off x="5246885" y="5619516"/>
+              <a:off x="4443572" y="5619516"/>
               <a:ext cx="176728" cy="69186"/>
             </a:xfrm>
             <a:prstGeom prst="rect">
@@ -24343,7 +24343,7 @@
           </p:nvSpPr>
           <p:spPr>
             <a:xfrm>
-              <a:off x="5246885" y="5550329"/>
+              <a:off x="4443572" y="5550329"/>
               <a:ext cx="176728" cy="69186"/>
             </a:xfrm>
             <a:prstGeom prst="rect">
@@ -24378,7 +24378,7 @@
           </p:nvSpPr>
           <p:spPr>
             <a:xfrm>
-              <a:off x="5246885" y="5481142"/>
+              <a:off x="4443572" y="5481142"/>
               <a:ext cx="176728" cy="69186"/>
             </a:xfrm>
             <a:prstGeom prst="rect">
@@ -24413,7 +24413,7 @@
           </p:nvSpPr>
           <p:spPr>
             <a:xfrm>
-              <a:off x="5246885" y="5411955"/>
+              <a:off x="4443572" y="5411955"/>
               <a:ext cx="176728" cy="69186"/>
             </a:xfrm>
             <a:prstGeom prst="rect">
@@ -24448,7 +24448,7 @@
           </p:nvSpPr>
           <p:spPr>
             <a:xfrm>
-              <a:off x="5246885" y="5342768"/>
+              <a:off x="4443572" y="5342768"/>
               <a:ext cx="176728" cy="69186"/>
             </a:xfrm>
             <a:prstGeom prst="rect">
@@ -24483,7 +24483,7 @@
           </p:nvSpPr>
           <p:spPr>
             <a:xfrm>
-              <a:off x="5246885" y="5273581"/>
+              <a:off x="4443572" y="5273581"/>
               <a:ext cx="176728" cy="69186"/>
             </a:xfrm>
             <a:prstGeom prst="rect">
@@ -24518,7 +24518,7 @@
           </p:nvSpPr>
           <p:spPr>
             <a:xfrm>
-              <a:off x="5246885" y="5204394"/>
+              <a:off x="4443572" y="5204394"/>
               <a:ext cx="176728" cy="69186"/>
             </a:xfrm>
             <a:prstGeom prst="rect">
@@ -24553,7 +24553,7 @@
           </p:nvSpPr>
           <p:spPr>
             <a:xfrm>
-              <a:off x="5246885" y="5135207"/>
+              <a:off x="4443572" y="5135207"/>
               <a:ext cx="176728" cy="69186"/>
             </a:xfrm>
             <a:prstGeom prst="rect">
@@ -24588,7 +24588,7 @@
           </p:nvSpPr>
           <p:spPr>
             <a:xfrm>
-              <a:off x="5246885" y="5066020"/>
+              <a:off x="4443572" y="5066020"/>
               <a:ext cx="176728" cy="69186"/>
             </a:xfrm>
             <a:prstGeom prst="rect">
@@ -24623,7 +24623,7 @@
           </p:nvSpPr>
           <p:spPr>
             <a:xfrm>
-              <a:off x="5246885" y="4996833"/>
+              <a:off x="4443572" y="4996833"/>
               <a:ext cx="176728" cy="69186"/>
             </a:xfrm>
             <a:prstGeom prst="rect">
@@ -24658,7 +24658,7 @@
           </p:nvSpPr>
           <p:spPr>
             <a:xfrm>
-              <a:off x="5246885" y="4927646"/>
+              <a:off x="4443572" y="4927646"/>
               <a:ext cx="176728" cy="69186"/>
             </a:xfrm>
             <a:prstGeom prst="rect">
@@ -24693,7 +24693,7 @@
           </p:nvSpPr>
           <p:spPr>
             <a:xfrm>
-              <a:off x="5246885" y="4858459"/>
+              <a:off x="4443572" y="4858459"/>
               <a:ext cx="176728" cy="69186"/>
             </a:xfrm>
             <a:prstGeom prst="rect">
@@ -24728,7 +24728,7 @@
           </p:nvSpPr>
           <p:spPr>
             <a:xfrm>
-              <a:off x="5246885" y="4789272"/>
+              <a:off x="4443572" y="4789272"/>
               <a:ext cx="176728" cy="69186"/>
             </a:xfrm>
             <a:prstGeom prst="rect">
@@ -24763,7 +24763,7 @@
           </p:nvSpPr>
           <p:spPr>
             <a:xfrm>
-              <a:off x="5246885" y="4720085"/>
+              <a:off x="4443572" y="4720085"/>
               <a:ext cx="176728" cy="69186"/>
             </a:xfrm>
             <a:prstGeom prst="rect">
@@ -24798,7 +24798,7 @@
           </p:nvSpPr>
           <p:spPr>
             <a:xfrm>
-              <a:off x="5246885" y="4650898"/>
+              <a:off x="4443572" y="4650898"/>
               <a:ext cx="176728" cy="69186"/>
             </a:xfrm>
             <a:prstGeom prst="rect">
@@ -24833,7 +24833,7 @@
           </p:nvSpPr>
           <p:spPr>
             <a:xfrm>
-              <a:off x="5246885" y="4581711"/>
+              <a:off x="4443572" y="4581711"/>
               <a:ext cx="176728" cy="69186"/>
             </a:xfrm>
             <a:prstGeom prst="rect">
@@ -24868,7 +24868,7 @@
           </p:nvSpPr>
           <p:spPr>
             <a:xfrm>
-              <a:off x="5246885" y="4512524"/>
+              <a:off x="4443572" y="4512524"/>
               <a:ext cx="176728" cy="69186"/>
             </a:xfrm>
             <a:prstGeom prst="rect">
@@ -24903,7 +24903,7 @@
           </p:nvSpPr>
           <p:spPr>
             <a:xfrm>
-              <a:off x="5246885" y="4443337"/>
+              <a:off x="4443572" y="4443337"/>
               <a:ext cx="176728" cy="69186"/>
             </a:xfrm>
             <a:prstGeom prst="rect">
@@ -24938,7 +24938,7 @@
           </p:nvSpPr>
           <p:spPr>
             <a:xfrm>
-              <a:off x="5246885" y="4374150"/>
+              <a:off x="4443572" y="4374150"/>
               <a:ext cx="176728" cy="69186"/>
             </a:xfrm>
             <a:prstGeom prst="rect">
@@ -24973,7 +24973,7 @@
           </p:nvSpPr>
           <p:spPr>
             <a:xfrm>
-              <a:off x="5246885" y="4304963"/>
+              <a:off x="4443572" y="4304963"/>
               <a:ext cx="176728" cy="69186"/>
             </a:xfrm>
             <a:prstGeom prst="rect">
@@ -25008,7 +25008,7 @@
           </p:nvSpPr>
           <p:spPr>
             <a:xfrm>
-              <a:off x="5246885" y="4235776"/>
+              <a:off x="4443572" y="4235776"/>
               <a:ext cx="176728" cy="69186"/>
             </a:xfrm>
             <a:prstGeom prst="rect">
@@ -25043,7 +25043,7 @@
           </p:nvSpPr>
           <p:spPr>
             <a:xfrm>
-              <a:off x="5246885" y="4166589"/>
+              <a:off x="4443572" y="4166589"/>
               <a:ext cx="176728" cy="69186"/>
             </a:xfrm>
             <a:prstGeom prst="rect">
@@ -25078,7 +25078,7 @@
           </p:nvSpPr>
           <p:spPr>
             <a:xfrm>
-              <a:off x="5246885" y="4097402"/>
+              <a:off x="4443572" y="4097402"/>
               <a:ext cx="176728" cy="69186"/>
             </a:xfrm>
             <a:prstGeom prst="rect">
@@ -25113,7 +25113,7 @@
           </p:nvSpPr>
           <p:spPr>
             <a:xfrm>
-              <a:off x="5246885" y="4028215"/>
+              <a:off x="4443572" y="4028215"/>
               <a:ext cx="176728" cy="69186"/>
             </a:xfrm>
             <a:prstGeom prst="rect">
@@ -25148,7 +25148,7 @@
           </p:nvSpPr>
           <p:spPr>
             <a:xfrm>
-              <a:off x="5246885" y="3959028"/>
+              <a:off x="4443572" y="3959028"/>
               <a:ext cx="176728" cy="69186"/>
             </a:xfrm>
             <a:prstGeom prst="rect">
@@ -25183,7 +25183,7 @@
           </p:nvSpPr>
           <p:spPr>
             <a:xfrm>
-              <a:off x="5246885" y="3889841"/>
+              <a:off x="4443572" y="3889841"/>
               <a:ext cx="176728" cy="69186"/>
             </a:xfrm>
             <a:prstGeom prst="rect">
@@ -25218,7 +25218,7 @@
           </p:nvSpPr>
           <p:spPr>
             <a:xfrm>
-              <a:off x="5246885" y="3820654"/>
+              <a:off x="4443572" y="3820654"/>
               <a:ext cx="176728" cy="69186"/>
             </a:xfrm>
             <a:prstGeom prst="rect">
@@ -25253,7 +25253,7 @@
           </p:nvSpPr>
           <p:spPr>
             <a:xfrm>
-              <a:off x="5246885" y="3751467"/>
+              <a:off x="4443572" y="3751467"/>
               <a:ext cx="176728" cy="69186"/>
             </a:xfrm>
             <a:prstGeom prst="rect">
@@ -25288,7 +25288,7 @@
           </p:nvSpPr>
           <p:spPr>
             <a:xfrm>
-              <a:off x="5246885" y="3682280"/>
+              <a:off x="4443572" y="3682280"/>
               <a:ext cx="176728" cy="69186"/>
             </a:xfrm>
             <a:prstGeom prst="rect">
@@ -25323,7 +25323,7 @@
           </p:nvSpPr>
           <p:spPr>
             <a:xfrm>
-              <a:off x="5246885" y="3613093"/>
+              <a:off x="4443572" y="3613093"/>
               <a:ext cx="176728" cy="69186"/>
             </a:xfrm>
             <a:prstGeom prst="rect">
@@ -25358,7 +25358,7 @@
           </p:nvSpPr>
           <p:spPr>
             <a:xfrm>
-              <a:off x="5246885" y="3543906"/>
+              <a:off x="4443572" y="3543906"/>
               <a:ext cx="176728" cy="69186"/>
             </a:xfrm>
             <a:prstGeom prst="rect">
@@ -25393,7 +25393,7 @@
           </p:nvSpPr>
           <p:spPr>
             <a:xfrm>
-              <a:off x="5246885" y="3474719"/>
+              <a:off x="4443572" y="3474719"/>
               <a:ext cx="176728" cy="69186"/>
             </a:xfrm>
             <a:prstGeom prst="rect">
@@ -25428,7 +25428,7 @@
           </p:nvSpPr>
           <p:spPr>
             <a:xfrm>
-              <a:off x="5246885" y="3405533"/>
+              <a:off x="4443572" y="3405533"/>
               <a:ext cx="176728" cy="69186"/>
             </a:xfrm>
             <a:prstGeom prst="rect">
@@ -25463,7 +25463,7 @@
           </p:nvSpPr>
           <p:spPr>
             <a:xfrm>
-              <a:off x="5246885" y="3336346"/>
+              <a:off x="4443572" y="3336346"/>
               <a:ext cx="176728" cy="69186"/>
             </a:xfrm>
             <a:prstGeom prst="rect">
@@ -25498,7 +25498,7 @@
           </p:nvSpPr>
           <p:spPr>
             <a:xfrm>
-              <a:off x="5246885" y="3267159"/>
+              <a:off x="4443572" y="3267159"/>
               <a:ext cx="176728" cy="69186"/>
             </a:xfrm>
             <a:prstGeom prst="rect">
@@ -25533,7 +25533,7 @@
           </p:nvSpPr>
           <p:spPr>
             <a:xfrm>
-              <a:off x="5246885" y="3197972"/>
+              <a:off x="4443572" y="3197972"/>
               <a:ext cx="176728" cy="69186"/>
             </a:xfrm>
             <a:prstGeom prst="rect">
@@ -25568,7 +25568,7 @@
           </p:nvSpPr>
           <p:spPr>
             <a:xfrm>
-              <a:off x="5246885" y="3128785"/>
+              <a:off x="4443572" y="3128785"/>
               <a:ext cx="176728" cy="69186"/>
             </a:xfrm>
             <a:prstGeom prst="rect">
@@ -25603,7 +25603,7 @@
           </p:nvSpPr>
           <p:spPr>
             <a:xfrm>
-              <a:off x="5246885" y="3059598"/>
+              <a:off x="4443572" y="3059598"/>
               <a:ext cx="176728" cy="69186"/>
             </a:xfrm>
             <a:prstGeom prst="rect">
@@ -25638,7 +25638,7 @@
           </p:nvSpPr>
           <p:spPr>
             <a:xfrm>
-              <a:off x="5246885" y="2990411"/>
+              <a:off x="4443572" y="2990411"/>
               <a:ext cx="176728" cy="69186"/>
             </a:xfrm>
             <a:prstGeom prst="rect">
@@ -25673,7 +25673,7 @@
           </p:nvSpPr>
           <p:spPr>
             <a:xfrm>
-              <a:off x="5246885" y="2921224"/>
+              <a:off x="4443572" y="2921224"/>
               <a:ext cx="176728" cy="69186"/>
             </a:xfrm>
             <a:prstGeom prst="rect">
@@ -25708,7 +25708,7 @@
           </p:nvSpPr>
           <p:spPr>
             <a:xfrm>
-              <a:off x="5246885" y="2852037"/>
+              <a:off x="4443572" y="2852037"/>
               <a:ext cx="176728" cy="69186"/>
             </a:xfrm>
             <a:prstGeom prst="rect">
@@ -25743,7 +25743,7 @@
           </p:nvSpPr>
           <p:spPr>
             <a:xfrm>
-              <a:off x="5246885" y="2782850"/>
+              <a:off x="4443572" y="2782850"/>
               <a:ext cx="176728" cy="69186"/>
             </a:xfrm>
             <a:prstGeom prst="rect">
@@ -25778,7 +25778,7 @@
           </p:nvSpPr>
           <p:spPr>
             <a:xfrm>
-              <a:off x="5246885" y="2713663"/>
+              <a:off x="4443572" y="2713663"/>
               <a:ext cx="176728" cy="69186"/>
             </a:xfrm>
             <a:prstGeom prst="rect">
@@ -25813,7 +25813,7 @@
           </p:nvSpPr>
           <p:spPr>
             <a:xfrm>
-              <a:off x="5246885" y="2644476"/>
+              <a:off x="4443572" y="2644476"/>
               <a:ext cx="176728" cy="69186"/>
             </a:xfrm>
             <a:prstGeom prst="rect">
@@ -25848,7 +25848,7 @@
           </p:nvSpPr>
           <p:spPr>
             <a:xfrm>
-              <a:off x="5246885" y="2575289"/>
+              <a:off x="4443572" y="2575289"/>
               <a:ext cx="176728" cy="69186"/>
             </a:xfrm>
             <a:prstGeom prst="rect">
@@ -25883,7 +25883,7 @@
           </p:nvSpPr>
           <p:spPr>
             <a:xfrm>
-              <a:off x="5246885" y="2506102"/>
+              <a:off x="4443572" y="2506102"/>
               <a:ext cx="176728" cy="69186"/>
             </a:xfrm>
             <a:prstGeom prst="rect">
@@ -25918,7 +25918,7 @@
           </p:nvSpPr>
           <p:spPr>
             <a:xfrm>
-              <a:off x="5246885" y="2436915"/>
+              <a:off x="4443572" y="2436915"/>
               <a:ext cx="176728" cy="69186"/>
             </a:xfrm>
             <a:prstGeom prst="rect">
@@ -25953,7 +25953,7 @@
           </p:nvSpPr>
           <p:spPr>
             <a:xfrm>
-              <a:off x="5246885" y="2367728"/>
+              <a:off x="4443572" y="2367728"/>
               <a:ext cx="176728" cy="69186"/>
             </a:xfrm>
             <a:prstGeom prst="rect">
@@ -25988,7 +25988,7 @@
           </p:nvSpPr>
           <p:spPr>
             <a:xfrm>
-              <a:off x="5246885" y="2298541"/>
+              <a:off x="4443572" y="2298541"/>
               <a:ext cx="176728" cy="69186"/>
             </a:xfrm>
             <a:prstGeom prst="rect">
@@ -26023,7 +26023,7 @@
           </p:nvSpPr>
           <p:spPr>
             <a:xfrm>
-              <a:off x="5246885" y="2229354"/>
+              <a:off x="4443572" y="2229354"/>
               <a:ext cx="176728" cy="69186"/>
             </a:xfrm>
             <a:prstGeom prst="rect">
@@ -26058,7 +26058,7 @@
           </p:nvSpPr>
           <p:spPr>
             <a:xfrm>
-              <a:off x="5246885" y="2160167"/>
+              <a:off x="4443572" y="2160167"/>
               <a:ext cx="176728" cy="69186"/>
             </a:xfrm>
             <a:prstGeom prst="rect">
@@ -26093,7 +26093,7 @@
           </p:nvSpPr>
           <p:spPr>
             <a:xfrm>
-              <a:off x="5246885" y="2090980"/>
+              <a:off x="4443572" y="2090980"/>
               <a:ext cx="176728" cy="69186"/>
             </a:xfrm>
             <a:prstGeom prst="rect">
@@ -26128,7 +26128,7 @@
           </p:nvSpPr>
           <p:spPr>
             <a:xfrm>
-              <a:off x="5246885" y="2021793"/>
+              <a:off x="4443572" y="2021793"/>
               <a:ext cx="176728" cy="69186"/>
             </a:xfrm>
             <a:prstGeom prst="rect">
@@ -26163,7 +26163,7 @@
           </p:nvSpPr>
           <p:spPr>
             <a:xfrm>
-              <a:off x="5246885" y="1952606"/>
+              <a:off x="4443572" y="1952606"/>
               <a:ext cx="176728" cy="69186"/>
             </a:xfrm>
             <a:prstGeom prst="rect">
@@ -26198,7 +26198,7 @@
           </p:nvSpPr>
           <p:spPr>
             <a:xfrm>
-              <a:off x="5246885" y="1883419"/>
+              <a:off x="4443572" y="1883419"/>
               <a:ext cx="176728" cy="69186"/>
             </a:xfrm>
             <a:prstGeom prst="rect">
@@ -26233,7 +26233,7 @@
           </p:nvSpPr>
           <p:spPr>
             <a:xfrm>
-              <a:off x="5246885" y="1814232"/>
+              <a:off x="4443572" y="1814232"/>
               <a:ext cx="176728" cy="69186"/>
             </a:xfrm>
             <a:prstGeom prst="rect">
@@ -26268,7 +26268,7 @@
           </p:nvSpPr>
           <p:spPr>
             <a:xfrm>
-              <a:off x="5246885" y="1745045"/>
+              <a:off x="4443572" y="1745045"/>
               <a:ext cx="176728" cy="69186"/>
             </a:xfrm>
             <a:prstGeom prst="rect">
@@ -26303,7 +26303,7 @@
           </p:nvSpPr>
           <p:spPr>
             <a:xfrm>
-              <a:off x="5246885" y="1675858"/>
+              <a:off x="4443572" y="1675858"/>
               <a:ext cx="176728" cy="69186"/>
             </a:xfrm>
             <a:prstGeom prst="rect">
@@ -26338,7 +26338,7 @@
           </p:nvSpPr>
           <p:spPr>
             <a:xfrm>
-              <a:off x="5246885" y="1606671"/>
+              <a:off x="4443572" y="1606671"/>
               <a:ext cx="176728" cy="69186"/>
             </a:xfrm>
             <a:prstGeom prst="rect">
@@ -26373,7 +26373,7 @@
           </p:nvSpPr>
           <p:spPr>
             <a:xfrm>
-              <a:off x="5246885" y="1537484"/>
+              <a:off x="4443572" y="1537484"/>
               <a:ext cx="176728" cy="69186"/>
             </a:xfrm>
             <a:prstGeom prst="rect">
@@ -26408,7 +26408,7 @@
           </p:nvSpPr>
           <p:spPr>
             <a:xfrm>
-              <a:off x="5246885" y="1468297"/>
+              <a:off x="4443572" y="1468297"/>
               <a:ext cx="176728" cy="69186"/>
             </a:xfrm>
             <a:prstGeom prst="rect">
@@ -26443,7 +26443,7 @@
           </p:nvSpPr>
           <p:spPr>
             <a:xfrm>
-              <a:off x="5246885" y="1399110"/>
+              <a:off x="4443572" y="1399110"/>
               <a:ext cx="176728" cy="69186"/>
             </a:xfrm>
             <a:prstGeom prst="rect">
@@ -26478,7 +26478,7 @@
           </p:nvSpPr>
           <p:spPr>
             <a:xfrm>
-              <a:off x="5246885" y="1329923"/>
+              <a:off x="4443572" y="1329923"/>
               <a:ext cx="176728" cy="69186"/>
             </a:xfrm>
             <a:prstGeom prst="rect">
@@ -26513,7 +26513,7 @@
           </p:nvSpPr>
           <p:spPr>
             <a:xfrm>
-              <a:off x="5246885" y="1260736"/>
+              <a:off x="4443572" y="1260736"/>
               <a:ext cx="176728" cy="69186"/>
             </a:xfrm>
             <a:prstGeom prst="rect">
@@ -26548,7 +26548,7 @@
           </p:nvSpPr>
           <p:spPr>
             <a:xfrm>
-              <a:off x="5246885" y="1191549"/>
+              <a:off x="4443572" y="1191549"/>
               <a:ext cx="176728" cy="69186"/>
             </a:xfrm>
             <a:prstGeom prst="rect">
@@ -26583,7 +26583,7 @@
           </p:nvSpPr>
           <p:spPr>
             <a:xfrm>
-              <a:off x="5246885" y="1122362"/>
+              <a:off x="4443572" y="1122362"/>
               <a:ext cx="176728" cy="69186"/>
             </a:xfrm>
             <a:prstGeom prst="rect">
@@ -26618,7 +26618,7 @@
           </p:nvSpPr>
           <p:spPr>
             <a:xfrm>
-              <a:off x="5246885" y="1053176"/>
+              <a:off x="4443572" y="1053176"/>
               <a:ext cx="176728" cy="69186"/>
             </a:xfrm>
             <a:prstGeom prst="rect">
@@ -26653,7 +26653,7 @@
           </p:nvSpPr>
           <p:spPr>
             <a:xfrm>
-              <a:off x="5246885" y="983989"/>
+              <a:off x="4443572" y="983989"/>
               <a:ext cx="176728" cy="69186"/>
             </a:xfrm>
             <a:prstGeom prst="rect">
@@ -26688,7 +26688,7 @@
           </p:nvSpPr>
           <p:spPr>
             <a:xfrm>
-              <a:off x="5423613" y="7141629"/>
+              <a:off x="4620301" y="7141629"/>
               <a:ext cx="176728" cy="69186"/>
             </a:xfrm>
             <a:prstGeom prst="rect">
@@ -26723,7 +26723,7 @@
           </p:nvSpPr>
           <p:spPr>
             <a:xfrm>
-              <a:off x="5423613" y="7072442"/>
+              <a:off x="4620301" y="7072442"/>
               <a:ext cx="176728" cy="69186"/>
             </a:xfrm>
             <a:prstGeom prst="rect">
@@ -26758,7 +26758,7 @@
           </p:nvSpPr>
           <p:spPr>
             <a:xfrm>
-              <a:off x="5423613" y="7003255"/>
+              <a:off x="4620301" y="7003255"/>
               <a:ext cx="176728" cy="69186"/>
             </a:xfrm>
             <a:prstGeom prst="rect">
@@ -26793,7 +26793,7 @@
           </p:nvSpPr>
           <p:spPr>
             <a:xfrm>
-              <a:off x="5423613" y="6934068"/>
+              <a:off x="4620301" y="6934068"/>
               <a:ext cx="176728" cy="69186"/>
             </a:xfrm>
             <a:prstGeom prst="rect">
@@ -26828,7 +26828,7 @@
           </p:nvSpPr>
           <p:spPr>
             <a:xfrm>
-              <a:off x="5423613" y="6864881"/>
+              <a:off x="4620301" y="6864881"/>
               <a:ext cx="176728" cy="69186"/>
             </a:xfrm>
             <a:prstGeom prst="rect">
@@ -26863,7 +26863,7 @@
           </p:nvSpPr>
           <p:spPr>
             <a:xfrm>
-              <a:off x="5423613" y="6795694"/>
+              <a:off x="4620301" y="6795694"/>
               <a:ext cx="176728" cy="69186"/>
             </a:xfrm>
             <a:prstGeom prst="rect">
@@ -26898,7 +26898,7 @@
           </p:nvSpPr>
           <p:spPr>
             <a:xfrm>
-              <a:off x="5423613" y="6726507"/>
+              <a:off x="4620301" y="6726507"/>
               <a:ext cx="176728" cy="69186"/>
             </a:xfrm>
             <a:prstGeom prst="rect">
@@ -26933,7 +26933,7 @@
           </p:nvSpPr>
           <p:spPr>
             <a:xfrm>
-              <a:off x="5423613" y="6657320"/>
+              <a:off x="4620301" y="6657320"/>
               <a:ext cx="176728" cy="69186"/>
             </a:xfrm>
             <a:prstGeom prst="rect">
@@ -26968,7 +26968,7 @@
           </p:nvSpPr>
           <p:spPr>
             <a:xfrm>
-              <a:off x="5423613" y="6588133"/>
+              <a:off x="4620301" y="6588133"/>
               <a:ext cx="176728" cy="69186"/>
             </a:xfrm>
             <a:prstGeom prst="rect">
@@ -27003,7 +27003,7 @@
           </p:nvSpPr>
           <p:spPr>
             <a:xfrm>
-              <a:off x="5423613" y="6518946"/>
+              <a:off x="4620301" y="6518946"/>
               <a:ext cx="176728" cy="69186"/>
             </a:xfrm>
             <a:prstGeom prst="rect">
@@ -27038,7 +27038,7 @@
           </p:nvSpPr>
           <p:spPr>
             <a:xfrm>
-              <a:off x="5423613" y="6449759"/>
+              <a:off x="4620301" y="6449759"/>
               <a:ext cx="176728" cy="69186"/>
             </a:xfrm>
             <a:prstGeom prst="rect">
@@ -27073,7 +27073,7 @@
           </p:nvSpPr>
           <p:spPr>
             <a:xfrm>
-              <a:off x="5423613" y="6380572"/>
+              <a:off x="4620301" y="6380572"/>
               <a:ext cx="176728" cy="69186"/>
             </a:xfrm>
             <a:prstGeom prst="rect">
@@ -27108,7 +27108,7 @@
           </p:nvSpPr>
           <p:spPr>
             <a:xfrm>
-              <a:off x="5423613" y="6311385"/>
+              <a:off x="4620301" y="6311385"/>
               <a:ext cx="176728" cy="69186"/>
             </a:xfrm>
             <a:prstGeom prst="rect">
@@ -27143,7 +27143,7 @@
           </p:nvSpPr>
           <p:spPr>
             <a:xfrm>
-              <a:off x="5423613" y="6242198"/>
+              <a:off x="4620301" y="6242198"/>
               <a:ext cx="176728" cy="69186"/>
             </a:xfrm>
             <a:prstGeom prst="rect">
@@ -27178,7 +27178,7 @@
           </p:nvSpPr>
           <p:spPr>
             <a:xfrm>
-              <a:off x="5423613" y="6173011"/>
+              <a:off x="4620301" y="6173011"/>
               <a:ext cx="176728" cy="69186"/>
             </a:xfrm>
             <a:prstGeom prst="rect">
@@ -27213,7 +27213,7 @@
           </p:nvSpPr>
           <p:spPr>
             <a:xfrm>
-              <a:off x="5423613" y="6103824"/>
+              <a:off x="4620301" y="6103824"/>
               <a:ext cx="176728" cy="69186"/>
             </a:xfrm>
             <a:prstGeom prst="rect">
@@ -27248,7 +27248,7 @@
           </p:nvSpPr>
           <p:spPr>
             <a:xfrm>
-              <a:off x="5423613" y="6034637"/>
+              <a:off x="4620301" y="6034637"/>
               <a:ext cx="176728" cy="69186"/>
             </a:xfrm>
             <a:prstGeom prst="rect">
@@ -27283,7 +27283,7 @@
           </p:nvSpPr>
           <p:spPr>
             <a:xfrm>
-              <a:off x="5423613" y="5965450"/>
+              <a:off x="4620301" y="5965450"/>
               <a:ext cx="176728" cy="69186"/>
             </a:xfrm>
             <a:prstGeom prst="rect">
@@ -27318,7 +27318,7 @@
           </p:nvSpPr>
           <p:spPr>
             <a:xfrm>
-              <a:off x="5423613" y="5896263"/>
+              <a:off x="4620301" y="5896263"/>
               <a:ext cx="176728" cy="69186"/>
             </a:xfrm>
             <a:prstGeom prst="rect">
@@ -27353,7 +27353,7 @@
           </p:nvSpPr>
           <p:spPr>
             <a:xfrm>
-              <a:off x="5423613" y="5827077"/>
+              <a:off x="4620301" y="5827077"/>
               <a:ext cx="176728" cy="69186"/>
             </a:xfrm>
             <a:prstGeom prst="rect">
@@ -27388,7 +27388,7 @@
           </p:nvSpPr>
           <p:spPr>
             <a:xfrm>
-              <a:off x="5423613" y="5757890"/>
+              <a:off x="4620301" y="5757890"/>
               <a:ext cx="176728" cy="69186"/>
             </a:xfrm>
             <a:prstGeom prst="rect">
@@ -27423,7 +27423,7 @@
           </p:nvSpPr>
           <p:spPr>
             <a:xfrm>
-              <a:off x="5423613" y="5688703"/>
+              <a:off x="4620301" y="5688703"/>
               <a:ext cx="176728" cy="69186"/>
             </a:xfrm>
             <a:prstGeom prst="rect">
@@ -27458,7 +27458,7 @@
           </p:nvSpPr>
           <p:spPr>
             <a:xfrm>
-              <a:off x="5423613" y="5619516"/>
+              <a:off x="4620301" y="5619516"/>
               <a:ext cx="176728" cy="69186"/>
             </a:xfrm>
             <a:prstGeom prst="rect">
@@ -27493,7 +27493,7 @@
           </p:nvSpPr>
           <p:spPr>
             <a:xfrm>
-              <a:off x="5423613" y="5550329"/>
+              <a:off x="4620301" y="5550329"/>
               <a:ext cx="176728" cy="69186"/>
             </a:xfrm>
             <a:prstGeom prst="rect">
@@ -27528,7 +27528,7 @@
           </p:nvSpPr>
           <p:spPr>
             <a:xfrm>
-              <a:off x="5423613" y="5481142"/>
+              <a:off x="4620301" y="5481142"/>
               <a:ext cx="176728" cy="69186"/>
             </a:xfrm>
             <a:prstGeom prst="rect">
@@ -27563,7 +27563,7 @@
           </p:nvSpPr>
           <p:spPr>
             <a:xfrm>
-              <a:off x="5423613" y="5411955"/>
+              <a:off x="4620301" y="5411955"/>
               <a:ext cx="176728" cy="69186"/>
             </a:xfrm>
             <a:prstGeom prst="rect">
@@ -27598,7 +27598,7 @@
           </p:nvSpPr>
           <p:spPr>
             <a:xfrm>
-              <a:off x="5423613" y="5342768"/>
+              <a:off x="4620301" y="5342768"/>
               <a:ext cx="176728" cy="69186"/>
             </a:xfrm>
             <a:prstGeom prst="rect">
@@ -27633,7 +27633,7 @@
           </p:nvSpPr>
           <p:spPr>
             <a:xfrm>
-              <a:off x="5423613" y="5273581"/>
+              <a:off x="4620301" y="5273581"/>
               <a:ext cx="176728" cy="69186"/>
             </a:xfrm>
             <a:prstGeom prst="rect">
@@ -27668,7 +27668,7 @@
           </p:nvSpPr>
           <p:spPr>
             <a:xfrm>
-              <a:off x="5423613" y="5204394"/>
+              <a:off x="4620301" y="5204394"/>
               <a:ext cx="176728" cy="69186"/>
             </a:xfrm>
             <a:prstGeom prst="rect">
@@ -27703,7 +27703,7 @@
           </p:nvSpPr>
           <p:spPr>
             <a:xfrm>
-              <a:off x="5423613" y="5135207"/>
+              <a:off x="4620301" y="5135207"/>
               <a:ext cx="176728" cy="69186"/>
             </a:xfrm>
             <a:prstGeom prst="rect">
@@ -27738,7 +27738,7 @@
           </p:nvSpPr>
           <p:spPr>
             <a:xfrm>
-              <a:off x="5423613" y="5066020"/>
+              <a:off x="4620301" y="5066020"/>
               <a:ext cx="176728" cy="69186"/>
             </a:xfrm>
             <a:prstGeom prst="rect">
@@ -27773,7 +27773,7 @@
           </p:nvSpPr>
           <p:spPr>
             <a:xfrm>
-              <a:off x="5423613" y="4996833"/>
+              <a:off x="4620301" y="4996833"/>
               <a:ext cx="176728" cy="69186"/>
             </a:xfrm>
             <a:prstGeom prst="rect">
@@ -27808,7 +27808,7 @@
           </p:nvSpPr>
           <p:spPr>
             <a:xfrm>
-              <a:off x="5423613" y="4927646"/>
+              <a:off x="4620301" y="4927646"/>
               <a:ext cx="176728" cy="69186"/>
             </a:xfrm>
             <a:prstGeom prst="rect">
@@ -27843,7 +27843,7 @@
           </p:nvSpPr>
           <p:spPr>
             <a:xfrm>
-              <a:off x="5423613" y="4858459"/>
+              <a:off x="4620301" y="4858459"/>
               <a:ext cx="176728" cy="69186"/>
             </a:xfrm>
             <a:prstGeom prst="rect">
@@ -27878,7 +27878,7 @@
           </p:nvSpPr>
           <p:spPr>
             <a:xfrm>
-              <a:off x="5423613" y="4789272"/>
+              <a:off x="4620301" y="4789272"/>
               <a:ext cx="176728" cy="69186"/>
             </a:xfrm>
             <a:prstGeom prst="rect">
@@ -27913,7 +27913,7 @@
           </p:nvSpPr>
           <p:spPr>
             <a:xfrm>
-              <a:off x="5423613" y="4720085"/>
+              <a:off x="4620301" y="4720085"/>
               <a:ext cx="176728" cy="69186"/>
             </a:xfrm>
             <a:prstGeom prst="rect">
@@ -27948,7 +27948,7 @@
           </p:nvSpPr>
           <p:spPr>
             <a:xfrm>
-              <a:off x="5423613" y="4650898"/>
+              <a:off x="4620301" y="4650898"/>
               <a:ext cx="176728" cy="69186"/>
             </a:xfrm>
             <a:prstGeom prst="rect">
@@ -27983,7 +27983,7 @@
           </p:nvSpPr>
           <p:spPr>
             <a:xfrm>
-              <a:off x="5423613" y="4581711"/>
+              <a:off x="4620301" y="4581711"/>
               <a:ext cx="176728" cy="69186"/>
             </a:xfrm>
             <a:prstGeom prst="rect">
@@ -28018,7 +28018,7 @@
           </p:nvSpPr>
           <p:spPr>
             <a:xfrm>
-              <a:off x="5423613" y="4512524"/>
+              <a:off x="4620301" y="4512524"/>
               <a:ext cx="176728" cy="69186"/>
             </a:xfrm>
             <a:prstGeom prst="rect">
@@ -28053,7 +28053,7 @@
           </p:nvSpPr>
           <p:spPr>
             <a:xfrm>
-              <a:off x="5423613" y="4443337"/>
+              <a:off x="4620301" y="4443337"/>
               <a:ext cx="176728" cy="69186"/>
             </a:xfrm>
             <a:prstGeom prst="rect">
@@ -28088,7 +28088,7 @@
           </p:nvSpPr>
           <p:spPr>
             <a:xfrm>
-              <a:off x="5423613" y="4374150"/>
+              <a:off x="4620301" y="4374150"/>
               <a:ext cx="176728" cy="69186"/>
             </a:xfrm>
             <a:prstGeom prst="rect">
@@ -28123,7 +28123,7 @@
           </p:nvSpPr>
           <p:spPr>
             <a:xfrm>
-              <a:off x="5423613" y="4304963"/>
+              <a:off x="4620301" y="4304963"/>
               <a:ext cx="176728" cy="69186"/>
             </a:xfrm>
             <a:prstGeom prst="rect">
@@ -28158,7 +28158,7 @@
           </p:nvSpPr>
           <p:spPr>
             <a:xfrm>
-              <a:off x="5423613" y="4235776"/>
+              <a:off x="4620301" y="4235776"/>
               <a:ext cx="176728" cy="69186"/>
             </a:xfrm>
             <a:prstGeom prst="rect">
@@ -28193,7 +28193,7 @@
           </p:nvSpPr>
           <p:spPr>
             <a:xfrm>
-              <a:off x="5423613" y="4166589"/>
+              <a:off x="4620301" y="4166589"/>
               <a:ext cx="176728" cy="69186"/>
             </a:xfrm>
             <a:prstGeom prst="rect">
@@ -28228,7 +28228,7 @@
           </p:nvSpPr>
           <p:spPr>
             <a:xfrm>
-              <a:off x="5423613" y="4097402"/>
+              <a:off x="4620301" y="4097402"/>
               <a:ext cx="176728" cy="69186"/>
             </a:xfrm>
             <a:prstGeom prst="rect">
@@ -28263,7 +28263,7 @@
           </p:nvSpPr>
           <p:spPr>
             <a:xfrm>
-              <a:off x="5423613" y="4028215"/>
+              <a:off x="4620301" y="4028215"/>
               <a:ext cx="176728" cy="69186"/>
             </a:xfrm>
             <a:prstGeom prst="rect">
@@ -28298,7 +28298,7 @@
           </p:nvSpPr>
           <p:spPr>
             <a:xfrm>
-              <a:off x="5423613" y="3959028"/>
+              <a:off x="4620301" y="3959028"/>
               <a:ext cx="176728" cy="69186"/>
             </a:xfrm>
             <a:prstGeom prst="rect">
@@ -28333,7 +28333,7 @@
           </p:nvSpPr>
           <p:spPr>
             <a:xfrm>
-              <a:off x="5423613" y="3889841"/>
+              <a:off x="4620301" y="3889841"/>
               <a:ext cx="176728" cy="69186"/>
             </a:xfrm>
             <a:prstGeom prst="rect">
@@ -28368,7 +28368,7 @@
           </p:nvSpPr>
           <p:spPr>
             <a:xfrm>
-              <a:off x="5423613" y="3820654"/>
+              <a:off x="4620301" y="3820654"/>
               <a:ext cx="176728" cy="69186"/>
             </a:xfrm>
             <a:prstGeom prst="rect">
@@ -28403,7 +28403,7 @@
           </p:nvSpPr>
           <p:spPr>
             <a:xfrm>
-              <a:off x="5423613" y="3751467"/>
+              <a:off x="4620301" y="3751467"/>
               <a:ext cx="176728" cy="69186"/>
             </a:xfrm>
             <a:prstGeom prst="rect">
@@ -28438,7 +28438,7 @@
           </p:nvSpPr>
           <p:spPr>
             <a:xfrm>
-              <a:off x="5423613" y="3682280"/>
+              <a:off x="4620301" y="3682280"/>
               <a:ext cx="176728" cy="69186"/>
             </a:xfrm>
             <a:prstGeom prst="rect">
@@ -28473,7 +28473,7 @@
           </p:nvSpPr>
           <p:spPr>
             <a:xfrm>
-              <a:off x="5423613" y="3613093"/>
+              <a:off x="4620301" y="3613093"/>
               <a:ext cx="176728" cy="69186"/>
             </a:xfrm>
             <a:prstGeom prst="rect">
@@ -28508,7 +28508,7 @@
           </p:nvSpPr>
           <p:spPr>
             <a:xfrm>
-              <a:off x="5423613" y="3543906"/>
+              <a:off x="4620301" y="3543906"/>
               <a:ext cx="176728" cy="69186"/>
             </a:xfrm>
             <a:prstGeom prst="rect">
@@ -28543,7 +28543,7 @@
           </p:nvSpPr>
           <p:spPr>
             <a:xfrm>
-              <a:off x="5423613" y="3474719"/>
+              <a:off x="4620301" y="3474719"/>
               <a:ext cx="176728" cy="69186"/>
             </a:xfrm>
             <a:prstGeom prst="rect">
@@ -28578,7 +28578,7 @@
           </p:nvSpPr>
           <p:spPr>
             <a:xfrm>
-              <a:off x="5423613" y="3405533"/>
+              <a:off x="4620301" y="3405533"/>
               <a:ext cx="176728" cy="69186"/>
             </a:xfrm>
             <a:prstGeom prst="rect">
@@ -28613,7 +28613,7 @@
           </p:nvSpPr>
           <p:spPr>
             <a:xfrm>
-              <a:off x="5423613" y="3336346"/>
+              <a:off x="4620301" y="3336346"/>
               <a:ext cx="176728" cy="69186"/>
             </a:xfrm>
             <a:prstGeom prst="rect">
@@ -28648,7 +28648,7 @@
           </p:nvSpPr>
           <p:spPr>
             <a:xfrm>
-              <a:off x="5423613" y="3267159"/>
+              <a:off x="4620301" y="3267159"/>
               <a:ext cx="176728" cy="69186"/>
             </a:xfrm>
             <a:prstGeom prst="rect">
@@ -28683,7 +28683,7 @@
           </p:nvSpPr>
           <p:spPr>
             <a:xfrm>
-              <a:off x="5423613" y="3197972"/>
+              <a:off x="4620301" y="3197972"/>
               <a:ext cx="176728" cy="69186"/>
             </a:xfrm>
             <a:prstGeom prst="rect">
@@ -28718,7 +28718,7 @@
           </p:nvSpPr>
           <p:spPr>
             <a:xfrm>
-              <a:off x="5423613" y="3128785"/>
+              <a:off x="4620301" y="3128785"/>
               <a:ext cx="176728" cy="69186"/>
             </a:xfrm>
             <a:prstGeom prst="rect">
@@ -28753,7 +28753,7 @@
           </p:nvSpPr>
           <p:spPr>
             <a:xfrm>
-              <a:off x="5423613" y="3059598"/>
+              <a:off x="4620301" y="3059598"/>
               <a:ext cx="176728" cy="69186"/>
             </a:xfrm>
             <a:prstGeom prst="rect">
@@ -28788,7 +28788,7 @@
           </p:nvSpPr>
           <p:spPr>
             <a:xfrm>
-              <a:off x="5423613" y="2990411"/>
+              <a:off x="4620301" y="2990411"/>
               <a:ext cx="176728" cy="69186"/>
             </a:xfrm>
             <a:prstGeom prst="rect">
@@ -28823,7 +28823,7 @@
           </p:nvSpPr>
           <p:spPr>
             <a:xfrm>
-              <a:off x="5423613" y="2921224"/>
+              <a:off x="4620301" y="2921224"/>
               <a:ext cx="176728" cy="69186"/>
             </a:xfrm>
             <a:prstGeom prst="rect">
@@ -28858,7 +28858,7 @@
           </p:nvSpPr>
           <p:spPr>
             <a:xfrm>
-              <a:off x="5423613" y="2852037"/>
+              <a:off x="4620301" y="2852037"/>
               <a:ext cx="176728" cy="69186"/>
             </a:xfrm>
             <a:prstGeom prst="rect">
@@ -28893,7 +28893,7 @@
           </p:nvSpPr>
           <p:spPr>
             <a:xfrm>
-              <a:off x="5423613" y="2782850"/>
+              <a:off x="4620301" y="2782850"/>
               <a:ext cx="176728" cy="69186"/>
             </a:xfrm>
             <a:prstGeom prst="rect">
@@ -28928,7 +28928,7 @@
           </p:nvSpPr>
           <p:spPr>
             <a:xfrm>
-              <a:off x="5423613" y="2713663"/>
+              <a:off x="4620301" y="2713663"/>
               <a:ext cx="176728" cy="69186"/>
             </a:xfrm>
             <a:prstGeom prst="rect">
@@ -28963,7 +28963,7 @@
           </p:nvSpPr>
           <p:spPr>
             <a:xfrm>
-              <a:off x="5423613" y="2644476"/>
+              <a:off x="4620301" y="2644476"/>
               <a:ext cx="176728" cy="69186"/>
             </a:xfrm>
             <a:prstGeom prst="rect">
@@ -28998,7 +28998,7 @@
           </p:nvSpPr>
           <p:spPr>
             <a:xfrm>
-              <a:off x="5423613" y="2575289"/>
+              <a:off x="4620301" y="2575289"/>
               <a:ext cx="176728" cy="69186"/>
             </a:xfrm>
             <a:prstGeom prst="rect">
@@ -29033,7 +29033,7 @@
           </p:nvSpPr>
           <p:spPr>
             <a:xfrm>
-              <a:off x="5423613" y="2506102"/>
+              <a:off x="4620301" y="2506102"/>
               <a:ext cx="176728" cy="69186"/>
             </a:xfrm>
             <a:prstGeom prst="rect">
@@ -29068,7 +29068,7 @@
           </p:nvSpPr>
           <p:spPr>
             <a:xfrm>
-              <a:off x="5423613" y="2436915"/>
+              <a:off x="4620301" y="2436915"/>
               <a:ext cx="176728" cy="69186"/>
             </a:xfrm>
             <a:prstGeom prst="rect">
@@ -29103,7 +29103,7 @@
           </p:nvSpPr>
           <p:spPr>
             <a:xfrm>
-              <a:off x="5423613" y="2367728"/>
+              <a:off x="4620301" y="2367728"/>
               <a:ext cx="176728" cy="69186"/>
             </a:xfrm>
             <a:prstGeom prst="rect">
@@ -29138,7 +29138,7 @@
           </p:nvSpPr>
           <p:spPr>
             <a:xfrm>
-              <a:off x="5423613" y="2298541"/>
+              <a:off x="4620301" y="2298541"/>
               <a:ext cx="176728" cy="69186"/>
             </a:xfrm>
             <a:prstGeom prst="rect">
@@ -29173,7 +29173,7 @@
           </p:nvSpPr>
           <p:spPr>
             <a:xfrm>
-              <a:off x="5423613" y="2229354"/>
+              <a:off x="4620301" y="2229354"/>
               <a:ext cx="176728" cy="69186"/>
             </a:xfrm>
             <a:prstGeom prst="rect">
@@ -29208,7 +29208,7 @@
           </p:nvSpPr>
           <p:spPr>
             <a:xfrm>
-              <a:off x="5423613" y="2160167"/>
+              <a:off x="4620301" y="2160167"/>
               <a:ext cx="176728" cy="69186"/>
             </a:xfrm>
             <a:prstGeom prst="rect">
@@ -29243,7 +29243,7 @@
           </p:nvSpPr>
           <p:spPr>
             <a:xfrm>
-              <a:off x="5423613" y="2090980"/>
+              <a:off x="4620301" y="2090980"/>
               <a:ext cx="176728" cy="69186"/>
             </a:xfrm>
             <a:prstGeom prst="rect">
@@ -29278,7 +29278,7 @@
           </p:nvSpPr>
           <p:spPr>
             <a:xfrm>
-              <a:off x="5423613" y="2021793"/>
+              <a:off x="4620301" y="2021793"/>
               <a:ext cx="176728" cy="69186"/>
             </a:xfrm>
             <a:prstGeom prst="rect">
@@ -29313,7 +29313,7 @@
           </p:nvSpPr>
           <p:spPr>
             <a:xfrm>
-              <a:off x="5423613" y="1952606"/>
+              <a:off x="4620301" y="1952606"/>
               <a:ext cx="176728" cy="69186"/>
             </a:xfrm>
             <a:prstGeom prst="rect">
@@ -29348,7 +29348,7 @@
           </p:nvSpPr>
           <p:spPr>
             <a:xfrm>
-              <a:off x="5423613" y="1883419"/>
+              <a:off x="4620301" y="1883419"/>
               <a:ext cx="176728" cy="69186"/>
             </a:xfrm>
             <a:prstGeom prst="rect">
@@ -29383,7 +29383,7 @@
           </p:nvSpPr>
           <p:spPr>
             <a:xfrm>
-              <a:off x="5423613" y="1814232"/>
+              <a:off x="4620301" y="1814232"/>
               <a:ext cx="176728" cy="69186"/>
             </a:xfrm>
             <a:prstGeom prst="rect">
@@ -29418,7 +29418,7 @@
           </p:nvSpPr>
           <p:spPr>
             <a:xfrm>
-              <a:off x="5423613" y="1745045"/>
+              <a:off x="4620301" y="1745045"/>
               <a:ext cx="176728" cy="69186"/>
             </a:xfrm>
             <a:prstGeom prst="rect">
@@ -29453,7 +29453,7 @@
           </p:nvSpPr>
           <p:spPr>
             <a:xfrm>
-              <a:off x="5423613" y="1675858"/>
+              <a:off x="4620301" y="1675858"/>
               <a:ext cx="176728" cy="69186"/>
             </a:xfrm>
             <a:prstGeom prst="rect">
@@ -29488,7 +29488,7 @@
           </p:nvSpPr>
           <p:spPr>
             <a:xfrm>
-              <a:off x="5423613" y="1606671"/>
+              <a:off x="4620301" y="1606671"/>
               <a:ext cx="176728" cy="69186"/>
             </a:xfrm>
             <a:prstGeom prst="rect">
@@ -29523,7 +29523,7 @@
           </p:nvSpPr>
           <p:spPr>
             <a:xfrm>
-              <a:off x="5423613" y="1537484"/>
+              <a:off x="4620301" y="1537484"/>
               <a:ext cx="176728" cy="69186"/>
             </a:xfrm>
             <a:prstGeom prst="rect">
@@ -29558,7 +29558,7 @@
           </p:nvSpPr>
           <p:spPr>
             <a:xfrm>
-              <a:off x="5423613" y="1468297"/>
+              <a:off x="4620301" y="1468297"/>
               <a:ext cx="176728" cy="69186"/>
             </a:xfrm>
             <a:prstGeom prst="rect">
@@ -29593,7 +29593,7 @@
           </p:nvSpPr>
           <p:spPr>
             <a:xfrm>
-              <a:off x="5423613" y="1399110"/>
+              <a:off x="4620301" y="1399110"/>
               <a:ext cx="176728" cy="69186"/>
             </a:xfrm>
             <a:prstGeom prst="rect">
@@ -29628,7 +29628,7 @@
           </p:nvSpPr>
           <p:spPr>
             <a:xfrm>
-              <a:off x="5423613" y="1329923"/>
+              <a:off x="4620301" y="1329923"/>
               <a:ext cx="176728" cy="69186"/>
             </a:xfrm>
             <a:prstGeom prst="rect">
@@ -29663,7 +29663,7 @@
           </p:nvSpPr>
           <p:spPr>
             <a:xfrm>
-              <a:off x="5423613" y="1260736"/>
+              <a:off x="4620301" y="1260736"/>
               <a:ext cx="176728" cy="69186"/>
             </a:xfrm>
             <a:prstGeom prst="rect">
@@ -29698,7 +29698,7 @@
           </p:nvSpPr>
           <p:spPr>
             <a:xfrm>
-              <a:off x="5423613" y="1191549"/>
+              <a:off x="4620301" y="1191549"/>
               <a:ext cx="176728" cy="69186"/>
             </a:xfrm>
             <a:prstGeom prst="rect">
@@ -29733,7 +29733,7 @@
           </p:nvSpPr>
           <p:spPr>
             <a:xfrm>
-              <a:off x="5423613" y="1122362"/>
+              <a:off x="4620301" y="1122362"/>
               <a:ext cx="176728" cy="69186"/>
             </a:xfrm>
             <a:prstGeom prst="rect">
@@ -29768,7 +29768,7 @@
           </p:nvSpPr>
           <p:spPr>
             <a:xfrm>
-              <a:off x="5423613" y="1053176"/>
+              <a:off x="4620301" y="1053176"/>
               <a:ext cx="176728" cy="69186"/>
             </a:xfrm>
             <a:prstGeom prst="rect">
@@ -29803,7 +29803,7 @@
           </p:nvSpPr>
           <p:spPr>
             <a:xfrm>
-              <a:off x="5423613" y="983989"/>
+              <a:off x="4620301" y="983989"/>
               <a:ext cx="176728" cy="69186"/>
             </a:xfrm>
             <a:prstGeom prst="rect">
@@ -29838,7 +29838,7 @@
           </p:nvSpPr>
           <p:spPr>
             <a:xfrm>
-              <a:off x="5600342" y="7141629"/>
+              <a:off x="4797030" y="7141629"/>
               <a:ext cx="176728" cy="69186"/>
             </a:xfrm>
             <a:prstGeom prst="rect">
@@ -29873,7 +29873,7 @@
           </p:nvSpPr>
           <p:spPr>
             <a:xfrm>
-              <a:off x="5600342" y="7072442"/>
+              <a:off x="4797030" y="7072442"/>
               <a:ext cx="176728" cy="69186"/>
             </a:xfrm>
             <a:prstGeom prst="rect">
@@ -29908,7 +29908,7 @@
           </p:nvSpPr>
           <p:spPr>
             <a:xfrm>
-              <a:off x="5600342" y="7003255"/>
+              <a:off x="4797030" y="7003255"/>
               <a:ext cx="176728" cy="69186"/>
             </a:xfrm>
             <a:prstGeom prst="rect">
@@ -29943,7 +29943,7 @@
           </p:nvSpPr>
           <p:spPr>
             <a:xfrm>
-              <a:off x="5600342" y="6934068"/>
+              <a:off x="4797030" y="6934068"/>
               <a:ext cx="176728" cy="69186"/>
             </a:xfrm>
             <a:prstGeom prst="rect">
@@ -29978,7 +29978,7 @@
           </p:nvSpPr>
           <p:spPr>
             <a:xfrm>
-              <a:off x="5600342" y="6864881"/>
+              <a:off x="4797030" y="6864881"/>
               <a:ext cx="176728" cy="69186"/>
             </a:xfrm>
             <a:prstGeom prst="rect">
@@ -30013,7 +30013,7 @@
           </p:nvSpPr>
           <p:spPr>
             <a:xfrm>
-              <a:off x="5600342" y="6795694"/>
+              <a:off x="4797030" y="6795694"/>
               <a:ext cx="176728" cy="69186"/>
             </a:xfrm>
             <a:prstGeom prst="rect">
@@ -30048,7 +30048,7 @@
           </p:nvSpPr>
           <p:spPr>
             <a:xfrm>
-              <a:off x="5600342" y="6726507"/>
+              <a:off x="4797030" y="6726507"/>
               <a:ext cx="176728" cy="69186"/>
             </a:xfrm>
             <a:prstGeom prst="rect">
@@ -30083,7 +30083,7 @@
           </p:nvSpPr>
           <p:spPr>
             <a:xfrm>
-              <a:off x="5600342" y="6657320"/>
+              <a:off x="4797030" y="6657320"/>
               <a:ext cx="176728" cy="69186"/>
             </a:xfrm>
             <a:prstGeom prst="rect">
@@ -30118,7 +30118,7 @@
           </p:nvSpPr>
           <p:spPr>
             <a:xfrm>
-              <a:off x="5600342" y="6588133"/>
+              <a:off x="4797030" y="6588133"/>
               <a:ext cx="176728" cy="69186"/>
             </a:xfrm>
             <a:prstGeom prst="rect">
@@ -30153,7 +30153,7 @@
           </p:nvSpPr>
           <p:spPr>
             <a:xfrm>
-              <a:off x="5600342" y="6518946"/>
+              <a:off x="4797030" y="6518946"/>
               <a:ext cx="176728" cy="69186"/>
             </a:xfrm>
             <a:prstGeom prst="rect">
@@ -30188,7 +30188,7 @@
           </p:nvSpPr>
           <p:spPr>
             <a:xfrm>
-              <a:off x="5600342" y="6449759"/>
+              <a:off x="4797030" y="6449759"/>
               <a:ext cx="176728" cy="69186"/>
             </a:xfrm>
             <a:prstGeom prst="rect">
@@ -30223,7 +30223,7 @@
           </p:nvSpPr>
           <p:spPr>
             <a:xfrm>
-              <a:off x="5600342" y="6380572"/>
+              <a:off x="4797030" y="6380572"/>
               <a:ext cx="176728" cy="69186"/>
             </a:xfrm>
             <a:prstGeom prst="rect">
@@ -30258,7 +30258,7 @@
           </p:nvSpPr>
           <p:spPr>
             <a:xfrm>
-              <a:off x="5600342" y="6311385"/>
+              <a:off x="4797030" y="6311385"/>
               <a:ext cx="176728" cy="69186"/>
             </a:xfrm>
             <a:prstGeom prst="rect">
@@ -30293,7 +30293,7 @@
           </p:nvSpPr>
           <p:spPr>
             <a:xfrm>
-              <a:off x="5600342" y="6242198"/>
+              <a:off x="4797030" y="6242198"/>
               <a:ext cx="176728" cy="69186"/>
             </a:xfrm>
             <a:prstGeom prst="rect">
@@ -30328,7 +30328,7 @@
           </p:nvSpPr>
           <p:spPr>
             <a:xfrm>
-              <a:off x="5600342" y="6173011"/>
+              <a:off x="4797030" y="6173011"/>
               <a:ext cx="176728" cy="69186"/>
             </a:xfrm>
             <a:prstGeom prst="rect">
@@ -30363,7 +30363,7 @@
           </p:nvSpPr>
           <p:spPr>
             <a:xfrm>
-              <a:off x="5600342" y="6103824"/>
+              <a:off x="4797030" y="6103824"/>
               <a:ext cx="176728" cy="69186"/>
             </a:xfrm>
             <a:prstGeom prst="rect">
@@ -30398,7 +30398,7 @@
           </p:nvSpPr>
           <p:spPr>
             <a:xfrm>
-              <a:off x="5600342" y="6034637"/>
+              <a:off x="4797030" y="6034637"/>
               <a:ext cx="176728" cy="69186"/>
             </a:xfrm>
             <a:prstGeom prst="rect">
@@ -30433,7 +30433,7 @@
           </p:nvSpPr>
           <p:spPr>
             <a:xfrm>
-              <a:off x="5600342" y="5965450"/>
+              <a:off x="4797030" y="5965450"/>
               <a:ext cx="176728" cy="69186"/>
             </a:xfrm>
             <a:prstGeom prst="rect">
@@ -30468,7 +30468,7 @@
           </p:nvSpPr>
           <p:spPr>
             <a:xfrm>
-              <a:off x="5600342" y="5896263"/>
+              <a:off x="4797030" y="5896263"/>
               <a:ext cx="176728" cy="69186"/>
             </a:xfrm>
             <a:prstGeom prst="rect">
@@ -30503,7 +30503,7 @@
           </p:nvSpPr>
           <p:spPr>
             <a:xfrm>
-              <a:off x="5600342" y="5827077"/>
+              <a:off x="4797030" y="5827077"/>
               <a:ext cx="176728" cy="69186"/>
             </a:xfrm>
             <a:prstGeom prst="rect">
@@ -30538,7 +30538,7 @@
           </p:nvSpPr>
           <p:spPr>
             <a:xfrm>
-              <a:off x="5600342" y="5757890"/>
+              <a:off x="4797030" y="5757890"/>
               <a:ext cx="176728" cy="69186"/>
             </a:xfrm>
             <a:prstGeom prst="rect">
@@ -30573,7 +30573,7 @@
           </p:nvSpPr>
           <p:spPr>
             <a:xfrm>
-              <a:off x="5600342" y="5688703"/>
+              <a:off x="4797030" y="5688703"/>
               <a:ext cx="176728" cy="69186"/>
             </a:xfrm>
             <a:prstGeom prst="rect">
@@ -30608,7 +30608,7 @@
           </p:nvSpPr>
           <p:spPr>
             <a:xfrm>
-              <a:off x="5600342" y="5619516"/>
+              <a:off x="4797030" y="5619516"/>
               <a:ext cx="176728" cy="69186"/>
             </a:xfrm>
             <a:prstGeom prst="rect">
@@ -30643,7 +30643,7 @@
           </p:nvSpPr>
           <p:spPr>
             <a:xfrm>
-              <a:off x="5600342" y="5550329"/>
+              <a:off x="4797030" y="5550329"/>
               <a:ext cx="176728" cy="69186"/>
             </a:xfrm>
             <a:prstGeom prst="rect">
@@ -30678,7 +30678,7 @@
           </p:nvSpPr>
           <p:spPr>
             <a:xfrm>
-              <a:off x="5600342" y="5481142"/>
+              <a:off x="4797030" y="5481142"/>
               <a:ext cx="176728" cy="69186"/>
             </a:xfrm>
             <a:prstGeom prst="rect">
@@ -30713,7 +30713,7 @@
           </p:nvSpPr>
           <p:spPr>
             <a:xfrm>
-              <a:off x="5600342" y="5411955"/>
+              <a:off x="4797030" y="5411955"/>
               <a:ext cx="176728" cy="69186"/>
             </a:xfrm>
             <a:prstGeom prst="rect">
@@ -30748,7 +30748,7 @@
           </p:nvSpPr>
           <p:spPr>
             <a:xfrm>
-              <a:off x="5600342" y="5342768"/>
+              <a:off x="4797030" y="5342768"/>
               <a:ext cx="176728" cy="69186"/>
             </a:xfrm>
             <a:prstGeom prst="rect">
@@ -30783,7 +30783,7 @@
           </p:nvSpPr>
           <p:spPr>
             <a:xfrm>
-              <a:off x="5600342" y="5273581"/>
+              <a:off x="4797030" y="5273581"/>
               <a:ext cx="176728" cy="69186"/>
             </a:xfrm>
             <a:prstGeom prst="rect">
@@ -30818,7 +30818,7 @@
           </p:nvSpPr>
           <p:spPr>
             <a:xfrm>
-              <a:off x="5600342" y="5204394"/>
+              <a:off x="4797030" y="5204394"/>
               <a:ext cx="176728" cy="69186"/>
             </a:xfrm>
             <a:prstGeom prst="rect">
@@ -30853,7 +30853,7 @@
           </p:nvSpPr>
           <p:spPr>
             <a:xfrm>
-              <a:off x="5600342" y="5135207"/>
+              <a:off x="4797030" y="5135207"/>
               <a:ext cx="176728" cy="69186"/>
             </a:xfrm>
             <a:prstGeom prst="rect">
@@ -30888,7 +30888,7 @@
           </p:nvSpPr>
           <p:spPr>
             <a:xfrm>
-              <a:off x="5600342" y="5066020"/>
+              <a:off x="4797030" y="5066020"/>
               <a:ext cx="176728" cy="69186"/>
             </a:xfrm>
             <a:prstGeom prst="rect">
@@ -30923,7 +30923,7 @@
           </p:nvSpPr>
           <p:spPr>
             <a:xfrm>
-              <a:off x="5600342" y="4996833"/>
+              <a:off x="4797030" y="4996833"/>
               <a:ext cx="176728" cy="69186"/>
             </a:xfrm>
             <a:prstGeom prst="rect">
@@ -30958,7 +30958,7 @@
           </p:nvSpPr>
           <p:spPr>
             <a:xfrm>
-              <a:off x="5600342" y="4927646"/>
+              <a:off x="4797030" y="4927646"/>
               <a:ext cx="176728" cy="69186"/>
             </a:xfrm>
             <a:prstGeom prst="rect">
@@ -30993,7 +30993,7 @@
           </p:nvSpPr>
           <p:spPr>
             <a:xfrm>
-              <a:off x="5600342" y="4858459"/>
+              <a:off x="4797030" y="4858459"/>
               <a:ext cx="176728" cy="69186"/>
             </a:xfrm>
             <a:prstGeom prst="rect">
@@ -31028,7 +31028,7 @@
           </p:nvSpPr>
           <p:spPr>
             <a:xfrm>
-              <a:off x="5600342" y="4789272"/>
+              <a:off x="4797030" y="4789272"/>
               <a:ext cx="176728" cy="69186"/>
             </a:xfrm>
             <a:prstGeom prst="rect">
@@ -31063,7 +31063,7 @@
           </p:nvSpPr>
           <p:spPr>
             <a:xfrm>
-              <a:off x="5600342" y="4720085"/>
+              <a:off x="4797030" y="4720085"/>
               <a:ext cx="176728" cy="69186"/>
             </a:xfrm>
             <a:prstGeom prst="rect">
@@ -31098,7 +31098,7 @@
           </p:nvSpPr>
           <p:spPr>
             <a:xfrm>
-              <a:off x="5600342" y="4650898"/>
+              <a:off x="4797030" y="4650898"/>
               <a:ext cx="176728" cy="69186"/>
             </a:xfrm>
             <a:prstGeom prst="rect">
@@ -31133,7 +31133,7 @@
           </p:nvSpPr>
           <p:spPr>
             <a:xfrm>
-              <a:off x="5600342" y="4581711"/>
+              <a:off x="4797030" y="4581711"/>
               <a:ext cx="176728" cy="69186"/>
             </a:xfrm>
             <a:prstGeom prst="rect">
@@ -31168,7 +31168,7 @@
           </p:nvSpPr>
           <p:spPr>
             <a:xfrm>
-              <a:off x="5600342" y="4512524"/>
+              <a:off x="4797030" y="4512524"/>
               <a:ext cx="176728" cy="69186"/>
             </a:xfrm>
             <a:prstGeom prst="rect">
@@ -31203,7 +31203,7 @@
           </p:nvSpPr>
           <p:spPr>
             <a:xfrm>
-              <a:off x="5600342" y="4443337"/>
+              <a:off x="4797030" y="4443337"/>
               <a:ext cx="176728" cy="69186"/>
             </a:xfrm>
             <a:prstGeom prst="rect">
@@ -31238,7 +31238,7 @@
           </p:nvSpPr>
           <p:spPr>
             <a:xfrm>
-              <a:off x="5600342" y="4374150"/>
+              <a:off x="4797030" y="4374150"/>
               <a:ext cx="176728" cy="69186"/>
             </a:xfrm>
             <a:prstGeom prst="rect">
@@ -31273,7 +31273,7 @@
           </p:nvSpPr>
           <p:spPr>
             <a:xfrm>
-              <a:off x="5600342" y="4304963"/>
+              <a:off x="4797030" y="4304963"/>
               <a:ext cx="176728" cy="69186"/>
             </a:xfrm>
             <a:prstGeom prst="rect">
@@ -31308,7 +31308,7 @@
           </p:nvSpPr>
           <p:spPr>
             <a:xfrm>
-              <a:off x="5600342" y="4235776"/>
+              <a:off x="4797030" y="4235776"/>
               <a:ext cx="176728" cy="69186"/>
             </a:xfrm>
             <a:prstGeom prst="rect">
@@ -31343,7 +31343,7 @@
           </p:nvSpPr>
           <p:spPr>
             <a:xfrm>
-              <a:off x="5600342" y="4166589"/>
+              <a:off x="4797030" y="4166589"/>
               <a:ext cx="176728" cy="69186"/>
             </a:xfrm>
             <a:prstGeom prst="rect">
@@ -31378,7 +31378,7 @@
           </p:nvSpPr>
           <p:spPr>
             <a:xfrm>
-              <a:off x="5600342" y="4097402"/>
+              <a:off x="4797030" y="4097402"/>
               <a:ext cx="176728" cy="69186"/>
             </a:xfrm>
             <a:prstGeom prst="rect">
@@ -31413,7 +31413,7 @@
           </p:nvSpPr>
           <p:spPr>
             <a:xfrm>
-              <a:off x="5600342" y="4028215"/>
+              <a:off x="4797030" y="4028215"/>
               <a:ext cx="176728" cy="69186"/>
             </a:xfrm>
             <a:prstGeom prst="rect">
@@ -31448,7 +31448,7 @@
           </p:nvSpPr>
           <p:spPr>
             <a:xfrm>
-              <a:off x="5600342" y="3959028"/>
+              <a:off x="4797030" y="3959028"/>
               <a:ext cx="176728" cy="69186"/>
             </a:xfrm>
             <a:prstGeom prst="rect">
@@ -31483,7 +31483,7 @@
           </p:nvSpPr>
           <p:spPr>
             <a:xfrm>
-              <a:off x="5600342" y="3889841"/>
+              <a:off x="4797030" y="3889841"/>
               <a:ext cx="176728" cy="69186"/>
             </a:xfrm>
             <a:prstGeom prst="rect">
@@ -31518,7 +31518,7 @@
           </p:nvSpPr>
           <p:spPr>
             <a:xfrm>
-              <a:off x="5600342" y="3820654"/>
+              <a:off x="4797030" y="3820654"/>
               <a:ext cx="176728" cy="69186"/>
             </a:xfrm>
             <a:prstGeom prst="rect">
@@ -31553,7 +31553,7 @@
           </p:nvSpPr>
           <p:spPr>
             <a:xfrm>
-              <a:off x="5600342" y="3751467"/>
+              <a:off x="4797030" y="3751467"/>
               <a:ext cx="176728" cy="69186"/>
             </a:xfrm>
             <a:prstGeom prst="rect">
@@ -31588,7 +31588,7 @@
           </p:nvSpPr>
           <p:spPr>
             <a:xfrm>
-              <a:off x="5600342" y="3682280"/>
+              <a:off x="4797030" y="3682280"/>
               <a:ext cx="176728" cy="69186"/>
             </a:xfrm>
             <a:prstGeom prst="rect">
@@ -31623,7 +31623,7 @@
           </p:nvSpPr>
           <p:spPr>
             <a:xfrm>
-              <a:off x="5600342" y="3613093"/>
+              <a:off x="4797030" y="3613093"/>
               <a:ext cx="176728" cy="69186"/>
             </a:xfrm>
             <a:prstGeom prst="rect">
@@ -31658,7 +31658,7 @@
           </p:nvSpPr>
           <p:spPr>
             <a:xfrm>
-              <a:off x="5600342" y="3543906"/>
+              <a:off x="4797030" y="3543906"/>
               <a:ext cx="176728" cy="69186"/>
             </a:xfrm>
             <a:prstGeom prst="rect">
@@ -31693,7 +31693,7 @@
           </p:nvSpPr>
           <p:spPr>
             <a:xfrm>
-              <a:off x="5600342" y="3474719"/>
+              <a:off x="4797030" y="3474719"/>
               <a:ext cx="176728" cy="69186"/>
             </a:xfrm>
             <a:prstGeom prst="rect">
@@ -31728,7 +31728,7 @@
           </p:nvSpPr>
           <p:spPr>
             <a:xfrm>
-              <a:off x="5600342" y="3405533"/>
+              <a:off x="4797030" y="3405533"/>
               <a:ext cx="176728" cy="69186"/>
             </a:xfrm>
             <a:prstGeom prst="rect">
@@ -31763,7 +31763,7 @@
           </p:nvSpPr>
           <p:spPr>
             <a:xfrm>
-              <a:off x="5600342" y="3336346"/>
+              <a:off x="4797030" y="3336346"/>
               <a:ext cx="176728" cy="69186"/>
             </a:xfrm>
             <a:prstGeom prst="rect">
@@ -31798,7 +31798,7 @@
           </p:nvSpPr>
           <p:spPr>
             <a:xfrm>
-              <a:off x="5600342" y="3267159"/>
+              <a:off x="4797030" y="3267159"/>
               <a:ext cx="176728" cy="69186"/>
             </a:xfrm>
             <a:prstGeom prst="rect">
@@ -31833,7 +31833,7 @@
           </p:nvSpPr>
           <p:spPr>
             <a:xfrm>
-              <a:off x="5600342" y="3197972"/>
+              <a:off x="4797030" y="3197972"/>
               <a:ext cx="176728" cy="69186"/>
             </a:xfrm>
             <a:prstGeom prst="rect">
@@ -31868,7 +31868,7 @@
           </p:nvSpPr>
           <p:spPr>
             <a:xfrm>
-              <a:off x="5600342" y="3128785"/>
+              <a:off x="4797030" y="3128785"/>
               <a:ext cx="176728" cy="69186"/>
             </a:xfrm>
             <a:prstGeom prst="rect">
@@ -31903,7 +31903,7 @@
           </p:nvSpPr>
           <p:spPr>
             <a:xfrm>
-              <a:off x="5600342" y="3059598"/>
+              <a:off x="4797030" y="3059598"/>
               <a:ext cx="176728" cy="69186"/>
             </a:xfrm>
             <a:prstGeom prst="rect">
@@ -31938,7 +31938,7 @@
           </p:nvSpPr>
           <p:spPr>
             <a:xfrm>
-              <a:off x="5600342" y="2990411"/>
+              <a:off x="4797030" y="2990411"/>
               <a:ext cx="176728" cy="69186"/>
             </a:xfrm>
             <a:prstGeom prst="rect">
@@ -31973,7 +31973,7 @@
           </p:nvSpPr>
           <p:spPr>
             <a:xfrm>
-              <a:off x="5600342" y="2921224"/>
+              <a:off x="4797030" y="2921224"/>
               <a:ext cx="176728" cy="69186"/>
             </a:xfrm>
             <a:prstGeom prst="rect">
@@ -32008,7 +32008,7 @@
           </p:nvSpPr>
           <p:spPr>
             <a:xfrm>
-              <a:off x="5600342" y="2852037"/>
+              <a:off x="4797030" y="2852037"/>
               <a:ext cx="176728" cy="69186"/>
             </a:xfrm>
             <a:prstGeom prst="rect">
@@ -32043,7 +32043,7 @@
           </p:nvSpPr>
           <p:spPr>
             <a:xfrm>
-              <a:off x="5600342" y="2782850"/>
+              <a:off x="4797030" y="2782850"/>
               <a:ext cx="176728" cy="69186"/>
             </a:xfrm>
             <a:prstGeom prst="rect">
@@ -32078,7 +32078,7 @@
           </p:nvSpPr>
           <p:spPr>
             <a:xfrm>
-              <a:off x="5600342" y="2713663"/>
+              <a:off x="4797030" y="2713663"/>
               <a:ext cx="176728" cy="69186"/>
             </a:xfrm>
             <a:prstGeom prst="rect">
@@ -32113,7 +32113,7 @@
           </p:nvSpPr>
           <p:spPr>
             <a:xfrm>
-              <a:off x="5600342" y="2644476"/>
+              <a:off x="4797030" y="2644476"/>
               <a:ext cx="176728" cy="69186"/>
             </a:xfrm>
             <a:prstGeom prst="rect">
@@ -32148,7 +32148,7 @@
           </p:nvSpPr>
           <p:spPr>
             <a:xfrm>
-              <a:off x="5600342" y="2575289"/>
+              <a:off x="4797030" y="2575289"/>
               <a:ext cx="176728" cy="69186"/>
             </a:xfrm>
             <a:prstGeom prst="rect">
@@ -32183,7 +32183,7 @@
           </p:nvSpPr>
           <p:spPr>
             <a:xfrm>
-              <a:off x="5600342" y="2506102"/>
+              <a:off x="4797030" y="2506102"/>
               <a:ext cx="176728" cy="69186"/>
             </a:xfrm>
             <a:prstGeom prst="rect">
@@ -32218,7 +32218,7 @@
           </p:nvSpPr>
           <p:spPr>
             <a:xfrm>
-              <a:off x="5600342" y="2436915"/>
+              <a:off x="4797030" y="2436915"/>
               <a:ext cx="176728" cy="69186"/>
             </a:xfrm>
             <a:prstGeom prst="rect">
@@ -32253,7 +32253,7 @@
           </p:nvSpPr>
           <p:spPr>
             <a:xfrm>
-              <a:off x="5600342" y="2367728"/>
+              <a:off x="4797030" y="2367728"/>
               <a:ext cx="176728" cy="69186"/>
             </a:xfrm>
             <a:prstGeom prst="rect">
@@ -32288,7 +32288,7 @@
           </p:nvSpPr>
           <p:spPr>
             <a:xfrm>
-              <a:off x="5600342" y="2298541"/>
+              <a:off x="4797030" y="2298541"/>
               <a:ext cx="176728" cy="69186"/>
             </a:xfrm>
             <a:prstGeom prst="rect">
@@ -32323,7 +32323,7 @@
           </p:nvSpPr>
           <p:spPr>
             <a:xfrm>
-              <a:off x="5600342" y="2229354"/>
+              <a:off x="4797030" y="2229354"/>
               <a:ext cx="176728" cy="69186"/>
             </a:xfrm>
             <a:prstGeom prst="rect">
@@ -32358,7 +32358,7 @@
           </p:nvSpPr>
           <p:spPr>
             <a:xfrm>
-              <a:off x="5600342" y="2160167"/>
+              <a:off x="4797030" y="2160167"/>
               <a:ext cx="176728" cy="69186"/>
             </a:xfrm>
             <a:prstGeom prst="rect">
@@ -32393,7 +32393,7 @@
           </p:nvSpPr>
           <p:spPr>
             <a:xfrm>
-              <a:off x="5600342" y="2090980"/>
+              <a:off x="4797030" y="2090980"/>
               <a:ext cx="176728" cy="69186"/>
             </a:xfrm>
             <a:prstGeom prst="rect">
@@ -32428,7 +32428,7 @@
           </p:nvSpPr>
           <p:spPr>
             <a:xfrm>
-              <a:off x="5600342" y="2021793"/>
+              <a:off x="4797030" y="2021793"/>
               <a:ext cx="176728" cy="69186"/>
             </a:xfrm>
             <a:prstGeom prst="rect">
@@ -32463,7 +32463,7 @@
           </p:nvSpPr>
           <p:spPr>
             <a:xfrm>
-              <a:off x="5600342" y="1952606"/>
+              <a:off x="4797030" y="1952606"/>
               <a:ext cx="176728" cy="69186"/>
             </a:xfrm>
             <a:prstGeom prst="rect">
@@ -32498,7 +32498,7 @@
           </p:nvSpPr>
           <p:spPr>
             <a:xfrm>
-              <a:off x="5600342" y="1883419"/>
+              <a:off x="4797030" y="1883419"/>
               <a:ext cx="176728" cy="69186"/>
             </a:xfrm>
             <a:prstGeom prst="rect">
@@ -32533,7 +32533,7 @@
           </p:nvSpPr>
           <p:spPr>
             <a:xfrm>
-              <a:off x="5600342" y="1814232"/>
+              <a:off x="4797030" y="1814232"/>
               <a:ext cx="176728" cy="69186"/>
             </a:xfrm>
             <a:prstGeom prst="rect">
@@ -32568,7 +32568,7 @@
           </p:nvSpPr>
           <p:spPr>
             <a:xfrm>
-              <a:off x="5600342" y="1745045"/>
+              <a:off x="4797030" y="1745045"/>
               <a:ext cx="176728" cy="69186"/>
             </a:xfrm>
             <a:prstGeom prst="rect">
@@ -32603,7 +32603,7 @@
           </p:nvSpPr>
           <p:spPr>
             <a:xfrm>
-              <a:off x="5600342" y="1675858"/>
+              <a:off x="4797030" y="1675858"/>
               <a:ext cx="176728" cy="69186"/>
             </a:xfrm>
             <a:prstGeom prst="rect">
@@ -32638,7 +32638,7 @@
           </p:nvSpPr>
           <p:spPr>
             <a:xfrm>
-              <a:off x="5600342" y="1606671"/>
+              <a:off x="4797030" y="1606671"/>
               <a:ext cx="176728" cy="69186"/>
             </a:xfrm>
             <a:prstGeom prst="rect">
@@ -32673,7 +32673,7 @@
           </p:nvSpPr>
           <p:spPr>
             <a:xfrm>
-              <a:off x="5600342" y="1537484"/>
+              <a:off x="4797030" y="1537484"/>
               <a:ext cx="176728" cy="69186"/>
             </a:xfrm>
             <a:prstGeom prst="rect">
@@ -32708,7 +32708,7 @@
           </p:nvSpPr>
           <p:spPr>
             <a:xfrm>
-              <a:off x="5600342" y="1468297"/>
+              <a:off x="4797030" y="1468297"/>
               <a:ext cx="176728" cy="69186"/>
             </a:xfrm>
             <a:prstGeom prst="rect">
@@ -32743,7 +32743,7 @@
           </p:nvSpPr>
           <p:spPr>
             <a:xfrm>
-              <a:off x="5600342" y="1399110"/>
+              <a:off x="4797030" y="1399110"/>
               <a:ext cx="176728" cy="69186"/>
             </a:xfrm>
             <a:prstGeom prst="rect">
@@ -32778,7 +32778,7 @@
           </p:nvSpPr>
           <p:spPr>
             <a:xfrm>
-              <a:off x="5600342" y="1329923"/>
+              <a:off x="4797030" y="1329923"/>
               <a:ext cx="176728" cy="69186"/>
             </a:xfrm>
             <a:prstGeom prst="rect">
@@ -32813,7 +32813,7 @@
           </p:nvSpPr>
           <p:spPr>
             <a:xfrm>
-              <a:off x="5600342" y="1260736"/>
+              <a:off x="4797030" y="1260736"/>
               <a:ext cx="176728" cy="69186"/>
             </a:xfrm>
             <a:prstGeom prst="rect">
@@ -32848,7 +32848,7 @@
           </p:nvSpPr>
           <p:spPr>
             <a:xfrm>
-              <a:off x="5600342" y="1191549"/>
+              <a:off x="4797030" y="1191549"/>
               <a:ext cx="176728" cy="69186"/>
             </a:xfrm>
             <a:prstGeom prst="rect">
@@ -32883,7 +32883,7 @@
           </p:nvSpPr>
           <p:spPr>
             <a:xfrm>
-              <a:off x="5600342" y="1122362"/>
+              <a:off x="4797030" y="1122362"/>
               <a:ext cx="176728" cy="69186"/>
             </a:xfrm>
             <a:prstGeom prst="rect">
@@ -32918,7 +32918,7 @@
           </p:nvSpPr>
           <p:spPr>
             <a:xfrm>
-              <a:off x="5600342" y="1053176"/>
+              <a:off x="4797030" y="1053176"/>
               <a:ext cx="176728" cy="69186"/>
             </a:xfrm>
             <a:prstGeom prst="rect">
@@ -32953,7 +32953,7 @@
           </p:nvSpPr>
           <p:spPr>
             <a:xfrm>
-              <a:off x="5600342" y="983989"/>
+              <a:off x="4797030" y="983989"/>
               <a:ext cx="176728" cy="69186"/>
             </a:xfrm>
             <a:prstGeom prst="rect">
@@ -32988,7 +32988,7 @@
           </p:nvSpPr>
           <p:spPr>
             <a:xfrm>
-              <a:off x="5777071" y="7141629"/>
+              <a:off x="4973758" y="7141629"/>
               <a:ext cx="176728" cy="69186"/>
             </a:xfrm>
             <a:prstGeom prst="rect">
@@ -33023,7 +33023,7 @@
           </p:nvSpPr>
           <p:spPr>
             <a:xfrm>
-              <a:off x="5777071" y="7072442"/>
+              <a:off x="4973758" y="7072442"/>
               <a:ext cx="176728" cy="69186"/>
             </a:xfrm>
             <a:prstGeom prst="rect">
@@ -33058,7 +33058,7 @@
           </p:nvSpPr>
           <p:spPr>
             <a:xfrm>
-              <a:off x="5777071" y="7003255"/>
+              <a:off x="4973758" y="7003255"/>
               <a:ext cx="176728" cy="69186"/>
             </a:xfrm>
             <a:prstGeom prst="rect">
@@ -33093,7 +33093,7 @@
           </p:nvSpPr>
           <p:spPr>
             <a:xfrm>
-              <a:off x="5777071" y="6934068"/>
+              <a:off x="4973758" y="6934068"/>
               <a:ext cx="176728" cy="69186"/>
             </a:xfrm>
             <a:prstGeom prst="rect">
@@ -33128,7 +33128,7 @@
           </p:nvSpPr>
           <p:spPr>
             <a:xfrm>
-              <a:off x="5777071" y="6864881"/>
+              <a:off x="4973758" y="6864881"/>
               <a:ext cx="176728" cy="69186"/>
             </a:xfrm>
             <a:prstGeom prst="rect">
@@ -33163,7 +33163,7 @@
           </p:nvSpPr>
           <p:spPr>
             <a:xfrm>
-              <a:off x="5777071" y="6795694"/>
+              <a:off x="4973758" y="6795694"/>
               <a:ext cx="176728" cy="69186"/>
             </a:xfrm>
             <a:prstGeom prst="rect">
@@ -33198,7 +33198,7 @@
           </p:nvSpPr>
           <p:spPr>
             <a:xfrm>
-              <a:off x="5777071" y="6726507"/>
+              <a:off x="4973758" y="6726507"/>
               <a:ext cx="176728" cy="69186"/>
             </a:xfrm>
             <a:prstGeom prst="rect">
@@ -33233,7 +33233,7 @@
           </p:nvSpPr>
           <p:spPr>
             <a:xfrm>
-              <a:off x="5777071" y="6657320"/>
+              <a:off x="4973758" y="6657320"/>
               <a:ext cx="176728" cy="69186"/>
             </a:xfrm>
             <a:prstGeom prst="rect">
@@ -33268,7 +33268,7 @@
           </p:nvSpPr>
           <p:spPr>
             <a:xfrm>
-              <a:off x="5777071" y="6588133"/>
+              <a:off x="4973758" y="6588133"/>
               <a:ext cx="176728" cy="69186"/>
             </a:xfrm>
             <a:prstGeom prst="rect">
@@ -33303,7 +33303,7 @@
           </p:nvSpPr>
           <p:spPr>
             <a:xfrm>
-              <a:off x="5777071" y="6518946"/>
+              <a:off x="4973758" y="6518946"/>
               <a:ext cx="176728" cy="69186"/>
             </a:xfrm>
             <a:prstGeom prst="rect">
@@ -33338,7 +33338,7 @@
           </p:nvSpPr>
           <p:spPr>
             <a:xfrm>
-              <a:off x="5777071" y="6449759"/>
+              <a:off x="4973758" y="6449759"/>
               <a:ext cx="176728" cy="69186"/>
             </a:xfrm>
             <a:prstGeom prst="rect">
@@ -33373,7 +33373,7 @@
           </p:nvSpPr>
           <p:spPr>
             <a:xfrm>
-              <a:off x="5777071" y="6380572"/>
+              <a:off x="4973758" y="6380572"/>
               <a:ext cx="176728" cy="69186"/>
             </a:xfrm>
             <a:prstGeom prst="rect">
@@ -33408,7 +33408,7 @@
           </p:nvSpPr>
           <p:spPr>
             <a:xfrm>
-              <a:off x="5777071" y="6311385"/>
+              <a:off x="4973758" y="6311385"/>
               <a:ext cx="176728" cy="69186"/>
             </a:xfrm>
             <a:prstGeom prst="rect">
@@ -33443,7 +33443,7 @@
           </p:nvSpPr>
           <p:spPr>
             <a:xfrm>
-              <a:off x="5777071" y="6242198"/>
+              <a:off x="4973758" y="6242198"/>
               <a:ext cx="176728" cy="69186"/>
             </a:xfrm>
             <a:prstGeom prst="rect">
@@ -33478,7 +33478,7 @@
           </p:nvSpPr>
           <p:spPr>
             <a:xfrm>
-              <a:off x="5777071" y="6173011"/>
+              <a:off x="4973758" y="6173011"/>
               <a:ext cx="176728" cy="69186"/>
             </a:xfrm>
             <a:prstGeom prst="rect">
@@ -33513,7 +33513,7 @@
           </p:nvSpPr>
           <p:spPr>
             <a:xfrm>
-              <a:off x="5777071" y="6103824"/>
+              <a:off x="4973758" y="6103824"/>
               <a:ext cx="176728" cy="69186"/>
             </a:xfrm>
             <a:prstGeom prst="rect">
@@ -33548,7 +33548,7 @@
           </p:nvSpPr>
           <p:spPr>
             <a:xfrm>
-              <a:off x="5777071" y="6034637"/>
+              <a:off x="4973758" y="6034637"/>
               <a:ext cx="176728" cy="69186"/>
             </a:xfrm>
             <a:prstGeom prst="rect">
@@ -33583,7 +33583,7 @@
           </p:nvSpPr>
           <p:spPr>
             <a:xfrm>
-              <a:off x="5777071" y="5965450"/>
+              <a:off x="4973758" y="5965450"/>
               <a:ext cx="176728" cy="69186"/>
             </a:xfrm>
             <a:prstGeom prst="rect">
@@ -33618,7 +33618,7 @@
           </p:nvSpPr>
           <p:spPr>
             <a:xfrm>
-              <a:off x="5777071" y="5896263"/>
+              <a:off x="4973758" y="5896263"/>
               <a:ext cx="176728" cy="69186"/>
             </a:xfrm>
             <a:prstGeom prst="rect">
@@ -33653,7 +33653,7 @@
           </p:nvSpPr>
           <p:spPr>
             <a:xfrm>
-              <a:off x="5777071" y="5827077"/>
+              <a:off x="4973758" y="5827077"/>
               <a:ext cx="176728" cy="69186"/>
             </a:xfrm>
             <a:prstGeom prst="rect">
@@ -33688,7 +33688,7 @@
           </p:nvSpPr>
           <p:spPr>
             <a:xfrm>
-              <a:off x="5777071" y="5757890"/>
+              <a:off x="4973758" y="5757890"/>
               <a:ext cx="176728" cy="69186"/>
             </a:xfrm>
             <a:prstGeom prst="rect">
@@ -33723,7 +33723,7 @@
           </p:nvSpPr>
           <p:spPr>
             <a:xfrm>
-              <a:off x="5777071" y="5688703"/>
+              <a:off x="4973758" y="5688703"/>
               <a:ext cx="176728" cy="69186"/>
             </a:xfrm>
             <a:prstGeom prst="rect">
@@ -33758,7 +33758,7 @@
           </p:nvSpPr>
           <p:spPr>
             <a:xfrm>
-              <a:off x="5777071" y="5619516"/>
+              <a:off x="4973758" y="5619516"/>
               <a:ext cx="176728" cy="69186"/>
             </a:xfrm>
             <a:prstGeom prst="rect">
@@ -33793,7 +33793,7 @@
           </p:nvSpPr>
           <p:spPr>
             <a:xfrm>
-              <a:off x="5777071" y="5550329"/>
+              <a:off x="4973758" y="5550329"/>
               <a:ext cx="176728" cy="69186"/>
             </a:xfrm>
             <a:prstGeom prst="rect">
@@ -33828,7 +33828,7 @@
           </p:nvSpPr>
           <p:spPr>
             <a:xfrm>
-              <a:off x="5777071" y="5481142"/>
+              <a:off x="4973758" y="5481142"/>
               <a:ext cx="176728" cy="69186"/>
             </a:xfrm>
             <a:prstGeom prst="rect">
@@ -33863,7 +33863,7 @@
           </p:nvSpPr>
           <p:spPr>
             <a:xfrm>
-              <a:off x="5777071" y="5411955"/>
+              <a:off x="4973758" y="5411955"/>
               <a:ext cx="176728" cy="69186"/>
             </a:xfrm>
             <a:prstGeom prst="rect">
@@ -33898,7 +33898,7 @@
           </p:nvSpPr>
           <p:spPr>
             <a:xfrm>
-              <a:off x="5777071" y="5342768"/>
+              <a:off x="4973758" y="5342768"/>
               <a:ext cx="176728" cy="69186"/>
             </a:xfrm>
             <a:prstGeom prst="rect">
@@ -33933,7 +33933,7 @@
           </p:nvSpPr>
           <p:spPr>
             <a:xfrm>
-              <a:off x="5777071" y="5273581"/>
+              <a:off x="4973758" y="5273581"/>
               <a:ext cx="176728" cy="69186"/>
             </a:xfrm>
             <a:prstGeom prst="rect">
@@ -33968,7 +33968,7 @@
           </p:nvSpPr>
           <p:spPr>
             <a:xfrm>
-              <a:off x="5777071" y="5204394"/>
+              <a:off x="4973758" y="5204394"/>
               <a:ext cx="176728" cy="69186"/>
             </a:xfrm>
             <a:prstGeom prst="rect">
@@ -34003,7 +34003,7 @@
           </p:nvSpPr>
           <p:spPr>
             <a:xfrm>
-              <a:off x="5777071" y="5135207"/>
+              <a:off x="4973758" y="5135207"/>
               <a:ext cx="176728" cy="69186"/>
             </a:xfrm>
             <a:prstGeom prst="rect">
@@ -34038,7 +34038,7 @@
           </p:nvSpPr>
           <p:spPr>
             <a:xfrm>
-              <a:off x="5777071" y="5066020"/>
+              <a:off x="4973758" y="5066020"/>
               <a:ext cx="176728" cy="69186"/>
             </a:xfrm>
             <a:prstGeom prst="rect">
@@ -34073,7 +34073,7 @@
           </p:nvSpPr>
           <p:spPr>
             <a:xfrm>
-              <a:off x="5777071" y="4996833"/>
+              <a:off x="4973758" y="4996833"/>
               <a:ext cx="176728" cy="69186"/>
             </a:xfrm>
             <a:prstGeom prst="rect">
@@ -34108,7 +34108,7 @@
           </p:nvSpPr>
           <p:spPr>
             <a:xfrm>
-              <a:off x="5777071" y="4927646"/>
+              <a:off x="4973758" y="4927646"/>
               <a:ext cx="176728" cy="69186"/>
             </a:xfrm>
             <a:prstGeom prst="rect">
@@ -34143,7 +34143,7 @@
           </p:nvSpPr>
           <p:spPr>
             <a:xfrm>
-              <a:off x="5777071" y="4858459"/>
+              <a:off x="4973758" y="4858459"/>
               <a:ext cx="176728" cy="69186"/>
             </a:xfrm>
             <a:prstGeom prst="rect">
@@ -34178,7 +34178,7 @@
           </p:nvSpPr>
           <p:spPr>
             <a:xfrm>
-              <a:off x="5777071" y="4789272"/>
+              <a:off x="4973758" y="4789272"/>
               <a:ext cx="176728" cy="69186"/>
             </a:xfrm>
             <a:prstGeom prst="rect">
@@ -34213,7 +34213,7 @@
           </p:nvSpPr>
           <p:spPr>
             <a:xfrm>
-              <a:off x="5777071" y="4720085"/>
+              <a:off x="4973758" y="4720085"/>
               <a:ext cx="176728" cy="69186"/>
             </a:xfrm>
             <a:prstGeom prst="rect">
@@ -34248,7 +34248,7 @@
           </p:nvSpPr>
           <p:spPr>
             <a:xfrm>
-              <a:off x="5777071" y="4650898"/>
+              <a:off x="4973758" y="4650898"/>
               <a:ext cx="176728" cy="69186"/>
             </a:xfrm>
             <a:prstGeom prst="rect">
@@ -34283,7 +34283,7 @@
           </p:nvSpPr>
           <p:spPr>
             <a:xfrm>
-              <a:off x="5777071" y="4581711"/>
+              <a:off x="4973758" y="4581711"/>
               <a:ext cx="176728" cy="69186"/>
             </a:xfrm>
             <a:prstGeom prst="rect">
@@ -34318,7 +34318,7 @@
           </p:nvSpPr>
           <p:spPr>
             <a:xfrm>
-              <a:off x="5777071" y="4512524"/>
+              <a:off x="4973758" y="4512524"/>
               <a:ext cx="176728" cy="69186"/>
             </a:xfrm>
             <a:prstGeom prst="rect">
@@ -34353,7 +34353,7 @@
           </p:nvSpPr>
           <p:spPr>
             <a:xfrm>
-              <a:off x="5777071" y="4443337"/>
+              <a:off x="4973758" y="4443337"/>
               <a:ext cx="176728" cy="69186"/>
             </a:xfrm>
             <a:prstGeom prst="rect">
@@ -34388,7 +34388,7 @@
           </p:nvSpPr>
           <p:spPr>
             <a:xfrm>
-              <a:off x="5777071" y="4374150"/>
+              <a:off x="4973758" y="4374150"/>
               <a:ext cx="176728" cy="69186"/>
             </a:xfrm>
             <a:prstGeom prst="rect">
@@ -34423,7 +34423,7 @@
           </p:nvSpPr>
           <p:spPr>
             <a:xfrm>
-              <a:off x="5777071" y="4304963"/>
+              <a:off x="4973758" y="4304963"/>
               <a:ext cx="176728" cy="69186"/>
             </a:xfrm>
             <a:prstGeom prst="rect">
@@ -34458,7 +34458,7 @@
           </p:nvSpPr>
           <p:spPr>
             <a:xfrm>
-              <a:off x="5777071" y="4235776"/>
+              <a:off x="4973758" y="4235776"/>
               <a:ext cx="176728" cy="69186"/>
             </a:xfrm>
             <a:prstGeom prst="rect">
@@ -34493,7 +34493,7 @@
           </p:nvSpPr>
           <p:spPr>
             <a:xfrm>
-              <a:off x="5777071" y="4166589"/>
+              <a:off x="4973758" y="4166589"/>
               <a:ext cx="176728" cy="69186"/>
             </a:xfrm>
             <a:prstGeom prst="rect">
@@ -34528,7 +34528,7 @@
           </p:nvSpPr>
           <p:spPr>
             <a:xfrm>
-              <a:off x="5777071" y="4097402"/>
+              <a:off x="4973758" y="4097402"/>
               <a:ext cx="176728" cy="69186"/>
             </a:xfrm>
             <a:prstGeom prst="rect">
@@ -34563,7 +34563,7 @@
           </p:nvSpPr>
           <p:spPr>
             <a:xfrm>
-              <a:off x="5777071" y="4028215"/>
+              <a:off x="4973758" y="4028215"/>
               <a:ext cx="176728" cy="69186"/>
             </a:xfrm>
             <a:prstGeom prst="rect">
@@ -34598,7 +34598,7 @@
           </p:nvSpPr>
           <p:spPr>
             <a:xfrm>
-              <a:off x="5777071" y="3959028"/>
+              <a:off x="4973758" y="3959028"/>
               <a:ext cx="176728" cy="69186"/>
             </a:xfrm>
             <a:prstGeom prst="rect">
@@ -34633,7 +34633,7 @@
           </p:nvSpPr>
           <p:spPr>
             <a:xfrm>
-              <a:off x="5777071" y="3889841"/>
+              <a:off x="4973758" y="3889841"/>
               <a:ext cx="176728" cy="69186"/>
             </a:xfrm>
             <a:prstGeom prst="rect">
@@ -34668,7 +34668,7 @@
           </p:nvSpPr>
           <p:spPr>
             <a:xfrm>
-              <a:off x="5777071" y="3820654"/>
+              <a:off x="4973758" y="3820654"/>
               <a:ext cx="176728" cy="69186"/>
             </a:xfrm>
             <a:prstGeom prst="rect">
@@ -34703,7 +34703,7 @@
           </p:nvSpPr>
           <p:spPr>
             <a:xfrm>
-              <a:off x="5777071" y="3751467"/>
+              <a:off x="4973758" y="3751467"/>
               <a:ext cx="176728" cy="69186"/>
             </a:xfrm>
             <a:prstGeom prst="rect">
@@ -34738,7 +34738,7 @@
           </p:nvSpPr>
           <p:spPr>
             <a:xfrm>
-              <a:off x="5777071" y="3682280"/>
+              <a:off x="4973758" y="3682280"/>
               <a:ext cx="176728" cy="69186"/>
             </a:xfrm>
             <a:prstGeom prst="rect">
@@ -34773,7 +34773,7 @@
           </p:nvSpPr>
           <p:spPr>
             <a:xfrm>
-              <a:off x="5777071" y="3613093"/>
+              <a:off x="4973758" y="3613093"/>
               <a:ext cx="176728" cy="69186"/>
             </a:xfrm>
             <a:prstGeom prst="rect">
@@ -34808,7 +34808,7 @@
           </p:nvSpPr>
           <p:spPr>
             <a:xfrm>
-              <a:off x="5777071" y="3543906"/>
+              <a:off x="4973758" y="3543906"/>
               <a:ext cx="176728" cy="69186"/>
             </a:xfrm>
             <a:prstGeom prst="rect">
@@ -34843,7 +34843,7 @@
           </p:nvSpPr>
           <p:spPr>
             <a:xfrm>
-              <a:off x="5777071" y="3474719"/>
+              <a:off x="4973758" y="3474719"/>
               <a:ext cx="176728" cy="69186"/>
             </a:xfrm>
             <a:prstGeom prst="rect">
@@ -34878,7 +34878,7 @@
           </p:nvSpPr>
           <p:spPr>
             <a:xfrm>
-              <a:off x="5777071" y="3405533"/>
+              <a:off x="4973758" y="3405533"/>
               <a:ext cx="176728" cy="69186"/>
             </a:xfrm>
             <a:prstGeom prst="rect">
@@ -34913,7 +34913,7 @@
           </p:nvSpPr>
           <p:spPr>
             <a:xfrm>
-              <a:off x="5777071" y="3336346"/>
+              <a:off x="4973758" y="3336346"/>
               <a:ext cx="176728" cy="69186"/>
             </a:xfrm>
             <a:prstGeom prst="rect">
@@ -34948,7 +34948,7 @@
           </p:nvSpPr>
           <p:spPr>
             <a:xfrm>
-              <a:off x="5777071" y="3267159"/>
+              <a:off x="4973758" y="3267159"/>
               <a:ext cx="176728" cy="69186"/>
             </a:xfrm>
             <a:prstGeom prst="rect">
@@ -34983,7 +34983,7 @@
           </p:nvSpPr>
           <p:spPr>
             <a:xfrm>
-              <a:off x="5777071" y="3197972"/>
+              <a:off x="4973758" y="3197972"/>
               <a:ext cx="176728" cy="69186"/>
             </a:xfrm>
             <a:prstGeom prst="rect">
@@ -35018,7 +35018,7 @@
           </p:nvSpPr>
           <p:spPr>
             <a:xfrm>
-              <a:off x="5777071" y="3128785"/>
+              <a:off x="4973758" y="3128785"/>
               <a:ext cx="176728" cy="69186"/>
             </a:xfrm>
             <a:prstGeom prst="rect">
@@ -35053,7 +35053,7 @@
           </p:nvSpPr>
           <p:spPr>
             <a:xfrm>
-              <a:off x="5777071" y="3059598"/>
+              <a:off x="4973758" y="3059598"/>
               <a:ext cx="176728" cy="69186"/>
             </a:xfrm>
             <a:prstGeom prst="rect">
@@ -35088,7 +35088,7 @@
           </p:nvSpPr>
           <p:spPr>
             <a:xfrm>
-              <a:off x="5777071" y="2990411"/>
+              <a:off x="4973758" y="2990411"/>
               <a:ext cx="176728" cy="69186"/>
             </a:xfrm>
             <a:prstGeom prst="rect">
@@ -35123,7 +35123,7 @@
           </p:nvSpPr>
           <p:spPr>
             <a:xfrm>
-              <a:off x="5777071" y="2921224"/>
+              <a:off x="4973758" y="2921224"/>
               <a:ext cx="176728" cy="69186"/>
             </a:xfrm>
             <a:prstGeom prst="rect">
@@ -35158,7 +35158,7 @@
           </p:nvSpPr>
           <p:spPr>
             <a:xfrm>
-              <a:off x="5777071" y="2852037"/>
+              <a:off x="4973758" y="2852037"/>
               <a:ext cx="176728" cy="69186"/>
             </a:xfrm>
             <a:prstGeom prst="rect">
@@ -35193,7 +35193,7 @@
           </p:nvSpPr>
           <p:spPr>
             <a:xfrm>
-              <a:off x="5777071" y="2782850"/>
+              <a:off x="4973758" y="2782850"/>
               <a:ext cx="176728" cy="69186"/>
             </a:xfrm>
             <a:prstGeom prst="rect">
@@ -35228,7 +35228,7 @@
           </p:nvSpPr>
           <p:spPr>
             <a:xfrm>
-              <a:off x="5777071" y="2713663"/>
+              <a:off x="4973758" y="2713663"/>
               <a:ext cx="176728" cy="69186"/>
             </a:xfrm>
             <a:prstGeom prst="rect">
@@ -35263,7 +35263,7 @@
           </p:nvSpPr>
           <p:spPr>
             <a:xfrm>
-              <a:off x="5777071" y="2644476"/>
+              <a:off x="4973758" y="2644476"/>
               <a:ext cx="176728" cy="69186"/>
             </a:xfrm>
             <a:prstGeom prst="rect">
@@ -35298,7 +35298,7 @@
           </p:nvSpPr>
           <p:spPr>
             <a:xfrm>
-              <a:off x="5777071" y="2575289"/>
+              <a:off x="4973758" y="2575289"/>
               <a:ext cx="176728" cy="69186"/>
             </a:xfrm>
             <a:prstGeom prst="rect">
@@ -35333,7 +35333,7 @@
           </p:nvSpPr>
           <p:spPr>
             <a:xfrm>
-              <a:off x="5777071" y="2506102"/>
+              <a:off x="4973758" y="2506102"/>
               <a:ext cx="176728" cy="69186"/>
             </a:xfrm>
             <a:prstGeom prst="rect">
@@ -35368,7 +35368,7 @@
           </p:nvSpPr>
           <p:spPr>
             <a:xfrm>
-              <a:off x="5777071" y="2436915"/>
+              <a:off x="4973758" y="2436915"/>
               <a:ext cx="176728" cy="69186"/>
             </a:xfrm>
             <a:prstGeom prst="rect">
@@ -35403,7 +35403,7 @@
           </p:nvSpPr>
           <p:spPr>
             <a:xfrm>
-              <a:off x="5777071" y="2367728"/>
+              <a:off x="4973758" y="2367728"/>
               <a:ext cx="176728" cy="69186"/>
             </a:xfrm>
             <a:prstGeom prst="rect">
@@ -35438,7 +35438,7 @@
           </p:nvSpPr>
           <p:spPr>
             <a:xfrm>
-              <a:off x="5777071" y="2298541"/>
+              <a:off x="4973758" y="2298541"/>
               <a:ext cx="176728" cy="69186"/>
             </a:xfrm>
             <a:prstGeom prst="rect">
@@ -35473,7 +35473,7 @@
           </p:nvSpPr>
           <p:spPr>
             <a:xfrm>
-              <a:off x="5777071" y="2229354"/>
+              <a:off x="4973758" y="2229354"/>
               <a:ext cx="176728" cy="69186"/>
             </a:xfrm>
             <a:prstGeom prst="rect">
@@ -35508,7 +35508,7 @@
           </p:nvSpPr>
           <p:spPr>
             <a:xfrm>
-              <a:off x="5777071" y="2160167"/>
+              <a:off x="4973758" y="2160167"/>
               <a:ext cx="176728" cy="69186"/>
             </a:xfrm>
             <a:prstGeom prst="rect">
@@ -35543,7 +35543,7 @@
           </p:nvSpPr>
           <p:spPr>
             <a:xfrm>
-              <a:off x="5777071" y="2090980"/>
+              <a:off x="4973758" y="2090980"/>
               <a:ext cx="176728" cy="69186"/>
             </a:xfrm>
             <a:prstGeom prst="rect">
@@ -35578,7 +35578,7 @@
           </p:nvSpPr>
           <p:spPr>
             <a:xfrm>
-              <a:off x="5777071" y="2021793"/>
+              <a:off x="4973758" y="2021793"/>
               <a:ext cx="176728" cy="69186"/>
             </a:xfrm>
             <a:prstGeom prst="rect">
@@ -35613,7 +35613,7 @@
           </p:nvSpPr>
           <p:spPr>
             <a:xfrm>
-              <a:off x="5777071" y="1952606"/>
+              <a:off x="4973758" y="1952606"/>
               <a:ext cx="176728" cy="69186"/>
             </a:xfrm>
             <a:prstGeom prst="rect">
@@ -35648,7 +35648,7 @@
           </p:nvSpPr>
           <p:spPr>
             <a:xfrm>
-              <a:off x="5777071" y="1883419"/>
+              <a:off x="4973758" y="1883419"/>
               <a:ext cx="176728" cy="69186"/>
             </a:xfrm>
             <a:prstGeom prst="rect">
@@ -35683,7 +35683,7 @@
           </p:nvSpPr>
           <p:spPr>
             <a:xfrm>
-              <a:off x="5777071" y="1814232"/>
+              <a:off x="4973758" y="1814232"/>
               <a:ext cx="176728" cy="69186"/>
             </a:xfrm>
             <a:prstGeom prst="rect">
@@ -35718,7 +35718,7 @@
           </p:nvSpPr>
           <p:spPr>
             <a:xfrm>
-              <a:off x="5777071" y="1745045"/>
+              <a:off x="4973758" y="1745045"/>
               <a:ext cx="176728" cy="69186"/>
             </a:xfrm>
             <a:prstGeom prst="rect">
@@ -35753,7 +35753,7 @@
           </p:nvSpPr>
           <p:spPr>
             <a:xfrm>
-              <a:off x="5777071" y="1675858"/>
+              <a:off x="4973758" y="1675858"/>
               <a:ext cx="176728" cy="69186"/>
             </a:xfrm>
             <a:prstGeom prst="rect">
@@ -35788,7 +35788,7 @@
           </p:nvSpPr>
           <p:spPr>
             <a:xfrm>
-              <a:off x="5777071" y="1606671"/>
+              <a:off x="4973758" y="1606671"/>
               <a:ext cx="176728" cy="69186"/>
             </a:xfrm>
             <a:prstGeom prst="rect">
@@ -35823,7 +35823,7 @@
           </p:nvSpPr>
           <p:spPr>
             <a:xfrm>
-              <a:off x="5777071" y="1537484"/>
+              <a:off x="4973758" y="1537484"/>
               <a:ext cx="176728" cy="69186"/>
             </a:xfrm>
             <a:prstGeom prst="rect">
@@ -35858,7 +35858,7 @@
           </p:nvSpPr>
           <p:spPr>
             <a:xfrm>
-              <a:off x="5777071" y="1468297"/>
+              <a:off x="4973758" y="1468297"/>
               <a:ext cx="176728" cy="69186"/>
             </a:xfrm>
             <a:prstGeom prst="rect">
@@ -35893,7 +35893,7 @@
           </p:nvSpPr>
           <p:spPr>
             <a:xfrm>
-              <a:off x="5777071" y="1399110"/>
+              <a:off x="4973758" y="1399110"/>
               <a:ext cx="176728" cy="69186"/>
             </a:xfrm>
             <a:prstGeom prst="rect">
@@ -35928,7 +35928,7 @@
           </p:nvSpPr>
           <p:spPr>
             <a:xfrm>
-              <a:off x="5777071" y="1329923"/>
+              <a:off x="4973758" y="1329923"/>
               <a:ext cx="176728" cy="69186"/>
             </a:xfrm>
             <a:prstGeom prst="rect">
@@ -35963,7 +35963,7 @@
           </p:nvSpPr>
           <p:spPr>
             <a:xfrm>
-              <a:off x="5777071" y="1260736"/>
+              <a:off x="4973758" y="1260736"/>
               <a:ext cx="176728" cy="69186"/>
             </a:xfrm>
             <a:prstGeom prst="rect">
@@ -35998,7 +35998,7 @@
           </p:nvSpPr>
           <p:spPr>
             <a:xfrm>
-              <a:off x="5777071" y="1191549"/>
+              <a:off x="4973758" y="1191549"/>
               <a:ext cx="176728" cy="69186"/>
             </a:xfrm>
             <a:prstGeom prst="rect">
@@ -36033,7 +36033,7 @@
           </p:nvSpPr>
           <p:spPr>
             <a:xfrm>
-              <a:off x="5777071" y="1122362"/>
+              <a:off x="4973758" y="1122362"/>
               <a:ext cx="176728" cy="69186"/>
             </a:xfrm>
             <a:prstGeom prst="rect">
@@ -36068,7 +36068,7 @@
           </p:nvSpPr>
           <p:spPr>
             <a:xfrm>
-              <a:off x="5777071" y="1053176"/>
+              <a:off x="4973758" y="1053176"/>
               <a:ext cx="176728" cy="69186"/>
             </a:xfrm>
             <a:prstGeom prst="rect">
@@ -36103,7 +36103,7 @@
           </p:nvSpPr>
           <p:spPr>
             <a:xfrm>
-              <a:off x="5777071" y="983989"/>
+              <a:off x="4973758" y="983989"/>
               <a:ext cx="176728" cy="69186"/>
             </a:xfrm>
             <a:prstGeom prst="rect">
@@ -36138,7 +36138,7 @@
           </p:nvSpPr>
           <p:spPr>
             <a:xfrm>
-              <a:off x="6019403" y="7141629"/>
+              <a:off x="5242868" y="7141629"/>
               <a:ext cx="200828" cy="69186"/>
             </a:xfrm>
             <a:prstGeom prst="rect">
@@ -36173,7 +36173,7 @@
           </p:nvSpPr>
           <p:spPr>
             <a:xfrm>
-              <a:off x="6019403" y="7072442"/>
+              <a:off x="5242868" y="7072442"/>
               <a:ext cx="200828" cy="69186"/>
             </a:xfrm>
             <a:prstGeom prst="rect">
@@ -36208,7 +36208,7 @@
           </p:nvSpPr>
           <p:spPr>
             <a:xfrm>
-              <a:off x="6019403" y="7003255"/>
+              <a:off x="5242868" y="7003255"/>
               <a:ext cx="200828" cy="69186"/>
             </a:xfrm>
             <a:prstGeom prst="rect">
@@ -36243,7 +36243,7 @@
           </p:nvSpPr>
           <p:spPr>
             <a:xfrm>
-              <a:off x="6019403" y="6934068"/>
+              <a:off x="5242868" y="6934068"/>
               <a:ext cx="200828" cy="69186"/>
             </a:xfrm>
             <a:prstGeom prst="rect">
@@ -36278,7 +36278,7 @@
           </p:nvSpPr>
           <p:spPr>
             <a:xfrm>
-              <a:off x="6019403" y="6864881"/>
+              <a:off x="5242868" y="6864881"/>
               <a:ext cx="200828" cy="69186"/>
             </a:xfrm>
             <a:prstGeom prst="rect">
@@ -36313,7 +36313,7 @@
           </p:nvSpPr>
           <p:spPr>
             <a:xfrm>
-              <a:off x="6019403" y="6795694"/>
+              <a:off x="5242868" y="6795694"/>
               <a:ext cx="200828" cy="69186"/>
             </a:xfrm>
             <a:prstGeom prst="rect">
@@ -36348,7 +36348,7 @@
           </p:nvSpPr>
           <p:spPr>
             <a:xfrm>
-              <a:off x="6019403" y="6726507"/>
+              <a:off x="5242868" y="6726507"/>
               <a:ext cx="200828" cy="69186"/>
             </a:xfrm>
             <a:prstGeom prst="rect">
@@ -36383,7 +36383,7 @@
           </p:nvSpPr>
           <p:spPr>
             <a:xfrm>
-              <a:off x="6019403" y="6657320"/>
+              <a:off x="5242868" y="6657320"/>
               <a:ext cx="200828" cy="69186"/>
             </a:xfrm>
             <a:prstGeom prst="rect">
@@ -36418,7 +36418,7 @@
           </p:nvSpPr>
           <p:spPr>
             <a:xfrm>
-              <a:off x="6019403" y="6588133"/>
+              <a:off x="5242868" y="6588133"/>
               <a:ext cx="200828" cy="69186"/>
             </a:xfrm>
             <a:prstGeom prst="rect">
@@ -36453,7 +36453,7 @@
           </p:nvSpPr>
           <p:spPr>
             <a:xfrm>
-              <a:off x="6019403" y="6518946"/>
+              <a:off x="5242868" y="6518946"/>
               <a:ext cx="200828" cy="69186"/>
             </a:xfrm>
             <a:prstGeom prst="rect">
@@ -36488,7 +36488,7 @@
           </p:nvSpPr>
           <p:spPr>
             <a:xfrm>
-              <a:off x="6019403" y="6449759"/>
+              <a:off x="5242868" y="6449759"/>
               <a:ext cx="200828" cy="69186"/>
             </a:xfrm>
             <a:prstGeom prst="rect">
@@ -36523,7 +36523,7 @@
           </p:nvSpPr>
           <p:spPr>
             <a:xfrm>
-              <a:off x="6019403" y="6380572"/>
+              <a:off x="5242868" y="6380572"/>
               <a:ext cx="200828" cy="69186"/>
             </a:xfrm>
             <a:prstGeom prst="rect">
@@ -36558,7 +36558,7 @@
           </p:nvSpPr>
           <p:spPr>
             <a:xfrm>
-              <a:off x="6019403" y="6311385"/>
+              <a:off x="5242868" y="6311385"/>
               <a:ext cx="200828" cy="69186"/>
             </a:xfrm>
             <a:prstGeom prst="rect">
@@ -36593,7 +36593,7 @@
           </p:nvSpPr>
           <p:spPr>
             <a:xfrm>
-              <a:off x="6019403" y="6242198"/>
+              <a:off x="5242868" y="6242198"/>
               <a:ext cx="200828" cy="69186"/>
             </a:xfrm>
             <a:prstGeom prst="rect">
@@ -36628,7 +36628,7 @@
           </p:nvSpPr>
           <p:spPr>
             <a:xfrm>
-              <a:off x="6019403" y="6173011"/>
+              <a:off x="5242868" y="6173011"/>
               <a:ext cx="200828" cy="69186"/>
             </a:xfrm>
             <a:prstGeom prst="rect">
@@ -36663,7 +36663,7 @@
           </p:nvSpPr>
           <p:spPr>
             <a:xfrm>
-              <a:off x="6019403" y="6103824"/>
+              <a:off x="5242868" y="6103824"/>
               <a:ext cx="200828" cy="69186"/>
             </a:xfrm>
             <a:prstGeom prst="rect">
@@ -36698,7 +36698,7 @@
           </p:nvSpPr>
           <p:spPr>
             <a:xfrm>
-              <a:off x="6019403" y="6034637"/>
+              <a:off x="5242868" y="6034637"/>
               <a:ext cx="200828" cy="69186"/>
             </a:xfrm>
             <a:prstGeom prst="rect">
@@ -36733,7 +36733,7 @@
           </p:nvSpPr>
           <p:spPr>
             <a:xfrm>
-              <a:off x="6019403" y="5965450"/>
+              <a:off x="5242868" y="5965450"/>
               <a:ext cx="200828" cy="69186"/>
             </a:xfrm>
             <a:prstGeom prst="rect">
@@ -36768,7 +36768,7 @@
           </p:nvSpPr>
           <p:spPr>
             <a:xfrm>
-              <a:off x="6019403" y="5896263"/>
+              <a:off x="5242868" y="5896263"/>
               <a:ext cx="200828" cy="69186"/>
             </a:xfrm>
             <a:prstGeom prst="rect">
@@ -36803,7 +36803,7 @@
           </p:nvSpPr>
           <p:spPr>
             <a:xfrm>
-              <a:off x="6019403" y="5827077"/>
+              <a:off x="5242868" y="5827077"/>
               <a:ext cx="200828" cy="69186"/>
             </a:xfrm>
             <a:prstGeom prst="rect">
@@ -36838,7 +36838,7 @@
           </p:nvSpPr>
           <p:spPr>
             <a:xfrm>
-              <a:off x="6019403" y="5757890"/>
+              <a:off x="5242868" y="5757890"/>
               <a:ext cx="200828" cy="69186"/>
             </a:xfrm>
             <a:prstGeom prst="rect">
@@ -36873,7 +36873,7 @@
           </p:nvSpPr>
           <p:spPr>
             <a:xfrm>
-              <a:off x="6019403" y="5688703"/>
+              <a:off x="5242868" y="5688703"/>
               <a:ext cx="200828" cy="69186"/>
             </a:xfrm>
             <a:prstGeom prst="rect">
@@ -36908,7 +36908,7 @@
           </p:nvSpPr>
           <p:spPr>
             <a:xfrm>
-              <a:off x="6019403" y="5619516"/>
+              <a:off x="5242868" y="5619516"/>
               <a:ext cx="200828" cy="69186"/>
             </a:xfrm>
             <a:prstGeom prst="rect">
@@ -36943,7 +36943,7 @@
           </p:nvSpPr>
           <p:spPr>
             <a:xfrm>
-              <a:off x="6019403" y="5550329"/>
+              <a:off x="5242868" y="5550329"/>
               <a:ext cx="200828" cy="69186"/>
             </a:xfrm>
             <a:prstGeom prst="rect">
@@ -36978,7 +36978,7 @@
           </p:nvSpPr>
           <p:spPr>
             <a:xfrm>
-              <a:off x="6019403" y="5481142"/>
+              <a:off x="5242868" y="5481142"/>
               <a:ext cx="200828" cy="69186"/>
             </a:xfrm>
             <a:prstGeom prst="rect">
@@ -37013,7 +37013,7 @@
           </p:nvSpPr>
           <p:spPr>
             <a:xfrm>
-              <a:off x="6019403" y="5411955"/>
+              <a:off x="5242868" y="5411955"/>
               <a:ext cx="200828" cy="69186"/>
             </a:xfrm>
             <a:prstGeom prst="rect">
@@ -37048,7 +37048,7 @@
           </p:nvSpPr>
           <p:spPr>
             <a:xfrm>
-              <a:off x="6019403" y="5342768"/>
+              <a:off x="5242868" y="5342768"/>
               <a:ext cx="200828" cy="69186"/>
             </a:xfrm>
             <a:prstGeom prst="rect">
@@ -37083,7 +37083,7 @@
           </p:nvSpPr>
           <p:spPr>
             <a:xfrm>
-              <a:off x="6019403" y="5273581"/>
+              <a:off x="5242868" y="5273581"/>
               <a:ext cx="200828" cy="69186"/>
             </a:xfrm>
             <a:prstGeom prst="rect">
@@ -37118,7 +37118,7 @@
           </p:nvSpPr>
           <p:spPr>
             <a:xfrm>
-              <a:off x="6019403" y="5204394"/>
+              <a:off x="5242868" y="5204394"/>
               <a:ext cx="200828" cy="69186"/>
             </a:xfrm>
             <a:prstGeom prst="rect">
@@ -37153,7 +37153,7 @@
           </p:nvSpPr>
           <p:spPr>
             <a:xfrm>
-              <a:off x="6019403" y="5135207"/>
+              <a:off x="5242868" y="5135207"/>
               <a:ext cx="200828" cy="69186"/>
             </a:xfrm>
             <a:prstGeom prst="rect">
@@ -37188,7 +37188,7 @@
           </p:nvSpPr>
           <p:spPr>
             <a:xfrm>
-              <a:off x="6019403" y="5066020"/>
+              <a:off x="5242868" y="5066020"/>
               <a:ext cx="200828" cy="69186"/>
             </a:xfrm>
             <a:prstGeom prst="rect">
@@ -37223,7 +37223,7 @@
           </p:nvSpPr>
           <p:spPr>
             <a:xfrm>
-              <a:off x="6019403" y="4996833"/>
+              <a:off x="5242868" y="4996833"/>
               <a:ext cx="200828" cy="69186"/>
             </a:xfrm>
             <a:prstGeom prst="rect">
@@ -37258,7 +37258,7 @@
           </p:nvSpPr>
           <p:spPr>
             <a:xfrm>
-              <a:off x="6019403" y="4927646"/>
+              <a:off x="5242868" y="4927646"/>
               <a:ext cx="200828" cy="69186"/>
             </a:xfrm>
             <a:prstGeom prst="rect">
@@ -37293,7 +37293,7 @@
           </p:nvSpPr>
           <p:spPr>
             <a:xfrm>
-              <a:off x="6019403" y="4858459"/>
+              <a:off x="5242868" y="4858459"/>
               <a:ext cx="200828" cy="69186"/>
             </a:xfrm>
             <a:prstGeom prst="rect">
@@ -37328,7 +37328,7 @@
           </p:nvSpPr>
           <p:spPr>
             <a:xfrm>
-              <a:off x="6019403" y="4789272"/>
+              <a:off x="5242868" y="4789272"/>
               <a:ext cx="200828" cy="69186"/>
             </a:xfrm>
             <a:prstGeom prst="rect">
@@ -37363,7 +37363,7 @@
           </p:nvSpPr>
           <p:spPr>
             <a:xfrm>
-              <a:off x="6019403" y="4720085"/>
+              <a:off x="5242868" y="4720085"/>
               <a:ext cx="200828" cy="69186"/>
             </a:xfrm>
             <a:prstGeom prst="rect">
@@ -37398,7 +37398,7 @@
           </p:nvSpPr>
           <p:spPr>
             <a:xfrm>
-              <a:off x="6019403" y="4650898"/>
+              <a:off x="5242868" y="4650898"/>
               <a:ext cx="200828" cy="69186"/>
             </a:xfrm>
             <a:prstGeom prst="rect">
@@ -37433,7 +37433,7 @@
           </p:nvSpPr>
           <p:spPr>
             <a:xfrm>
-              <a:off x="6019403" y="4581711"/>
+              <a:off x="5242868" y="4581711"/>
               <a:ext cx="200828" cy="69186"/>
             </a:xfrm>
             <a:prstGeom prst="rect">
@@ -37468,7 +37468,7 @@
           </p:nvSpPr>
           <p:spPr>
             <a:xfrm>
-              <a:off x="6019403" y="4512524"/>
+              <a:off x="5242868" y="4512524"/>
               <a:ext cx="200828" cy="69186"/>
             </a:xfrm>
             <a:prstGeom prst="rect">
@@ -37503,7 +37503,7 @@
           </p:nvSpPr>
           <p:spPr>
             <a:xfrm>
-              <a:off x="6019403" y="4443337"/>
+              <a:off x="5242868" y="4443337"/>
               <a:ext cx="200828" cy="69186"/>
             </a:xfrm>
             <a:prstGeom prst="rect">
@@ -37538,7 +37538,7 @@
           </p:nvSpPr>
           <p:spPr>
             <a:xfrm>
-              <a:off x="6019403" y="4374150"/>
+              <a:off x="5242868" y="4374150"/>
               <a:ext cx="200828" cy="69186"/>
             </a:xfrm>
             <a:prstGeom prst="rect">
@@ -37573,7 +37573,7 @@
           </p:nvSpPr>
           <p:spPr>
             <a:xfrm>
-              <a:off x="6019403" y="4304963"/>
+              <a:off x="5242868" y="4304963"/>
               <a:ext cx="200828" cy="69186"/>
             </a:xfrm>
             <a:prstGeom prst="rect">
@@ -37608,7 +37608,7 @@
           </p:nvSpPr>
           <p:spPr>
             <a:xfrm>
-              <a:off x="6019403" y="4235776"/>
+              <a:off x="5242868" y="4235776"/>
               <a:ext cx="200828" cy="69186"/>
             </a:xfrm>
             <a:prstGeom prst="rect">
@@ -37643,7 +37643,7 @@
           </p:nvSpPr>
           <p:spPr>
             <a:xfrm>
-              <a:off x="6019403" y="4166589"/>
+              <a:off x="5242868" y="4166589"/>
               <a:ext cx="200828" cy="69186"/>
             </a:xfrm>
             <a:prstGeom prst="rect">
@@ -37678,7 +37678,7 @@
           </p:nvSpPr>
           <p:spPr>
             <a:xfrm>
-              <a:off x="6019403" y="4097402"/>
+              <a:off x="5242868" y="4097402"/>
               <a:ext cx="200828" cy="69186"/>
             </a:xfrm>
             <a:prstGeom prst="rect">
@@ -37713,7 +37713,7 @@
           </p:nvSpPr>
           <p:spPr>
             <a:xfrm>
-              <a:off x="6019403" y="4028215"/>
+              <a:off x="5242868" y="4028215"/>
               <a:ext cx="200828" cy="69186"/>
             </a:xfrm>
             <a:prstGeom prst="rect">
@@ -37748,7 +37748,7 @@
           </p:nvSpPr>
           <p:spPr>
             <a:xfrm>
-              <a:off x="6019403" y="3959028"/>
+              <a:off x="5242868" y="3959028"/>
               <a:ext cx="200828" cy="69186"/>
             </a:xfrm>
             <a:prstGeom prst="rect">
@@ -37783,7 +37783,7 @@
           </p:nvSpPr>
           <p:spPr>
             <a:xfrm>
-              <a:off x="6019403" y="3889841"/>
+              <a:off x="5242868" y="3889841"/>
               <a:ext cx="200828" cy="69186"/>
             </a:xfrm>
             <a:prstGeom prst="rect">
@@ -37818,7 +37818,7 @@
           </p:nvSpPr>
           <p:spPr>
             <a:xfrm>
-              <a:off x="6019403" y="3820654"/>
+              <a:off x="5242868" y="3820654"/>
               <a:ext cx="200828" cy="69186"/>
             </a:xfrm>
             <a:prstGeom prst="rect">
@@ -37853,7 +37853,7 @@
           </p:nvSpPr>
           <p:spPr>
             <a:xfrm>
-              <a:off x="6019403" y="3751467"/>
+              <a:off x="5242868" y="3751467"/>
               <a:ext cx="200828" cy="69186"/>
             </a:xfrm>
             <a:prstGeom prst="rect">
@@ -37888,7 +37888,7 @@
           </p:nvSpPr>
           <p:spPr>
             <a:xfrm>
-              <a:off x="6019403" y="3682280"/>
+              <a:off x="5242868" y="3682280"/>
               <a:ext cx="200828" cy="69186"/>
             </a:xfrm>
             <a:prstGeom prst="rect">
@@ -37923,7 +37923,7 @@
           </p:nvSpPr>
           <p:spPr>
             <a:xfrm>
-              <a:off x="6019403" y="3613093"/>
+              <a:off x="5242868" y="3613093"/>
               <a:ext cx="200828" cy="69186"/>
             </a:xfrm>
             <a:prstGeom prst="rect">
@@ -37958,7 +37958,7 @@
           </p:nvSpPr>
           <p:spPr>
             <a:xfrm>
-              <a:off x="6019403" y="3543906"/>
+              <a:off x="5242868" y="3543906"/>
               <a:ext cx="200828" cy="69186"/>
             </a:xfrm>
             <a:prstGeom prst="rect">
@@ -37993,7 +37993,7 @@
           </p:nvSpPr>
           <p:spPr>
             <a:xfrm>
-              <a:off x="6019403" y="3474719"/>
+              <a:off x="5242868" y="3474719"/>
               <a:ext cx="200828" cy="69186"/>
             </a:xfrm>
             <a:prstGeom prst="rect">
@@ -38028,7 +38028,7 @@
           </p:nvSpPr>
           <p:spPr>
             <a:xfrm>
-              <a:off x="6019403" y="3405533"/>
+              <a:off x="5242868" y="3405533"/>
               <a:ext cx="200828" cy="69186"/>
             </a:xfrm>
             <a:prstGeom prst="rect">
@@ -38063,7 +38063,7 @@
           </p:nvSpPr>
           <p:spPr>
             <a:xfrm>
-              <a:off x="6019403" y="3336346"/>
+              <a:off x="5242868" y="3336346"/>
               <a:ext cx="200828" cy="69186"/>
             </a:xfrm>
             <a:prstGeom prst="rect">
@@ -38098,7 +38098,7 @@
           </p:nvSpPr>
           <p:spPr>
             <a:xfrm>
-              <a:off x="6019403" y="3267159"/>
+              <a:off x="5242868" y="3267159"/>
               <a:ext cx="200828" cy="69186"/>
             </a:xfrm>
             <a:prstGeom prst="rect">
@@ -38133,7 +38133,7 @@
           </p:nvSpPr>
           <p:spPr>
             <a:xfrm>
-              <a:off x="6019403" y="3197972"/>
+              <a:off x="5242868" y="3197972"/>
               <a:ext cx="200828" cy="69186"/>
             </a:xfrm>
             <a:prstGeom prst="rect">
@@ -38168,7 +38168,7 @@
           </p:nvSpPr>
           <p:spPr>
             <a:xfrm>
-              <a:off x="6019403" y="3128785"/>
+              <a:off x="5242868" y="3128785"/>
               <a:ext cx="200828" cy="69186"/>
             </a:xfrm>
             <a:prstGeom prst="rect">
@@ -38203,7 +38203,7 @@
           </p:nvSpPr>
           <p:spPr>
             <a:xfrm>
-              <a:off x="6019403" y="3059598"/>
+              <a:off x="5242868" y="3059598"/>
               <a:ext cx="200828" cy="69186"/>
             </a:xfrm>
             <a:prstGeom prst="rect">
@@ -38238,7 +38238,7 @@
           </p:nvSpPr>
           <p:spPr>
             <a:xfrm>
-              <a:off x="6019403" y="2990411"/>
+              <a:off x="5242868" y="2990411"/>
               <a:ext cx="200828" cy="69186"/>
             </a:xfrm>
             <a:prstGeom prst="rect">
@@ -38273,7 +38273,7 @@
           </p:nvSpPr>
           <p:spPr>
             <a:xfrm>
-              <a:off x="6019403" y="2921224"/>
+              <a:off x="5242868" y="2921224"/>
               <a:ext cx="200828" cy="69186"/>
             </a:xfrm>
             <a:prstGeom prst="rect">
@@ -38308,7 +38308,7 @@
           </p:nvSpPr>
           <p:spPr>
             <a:xfrm>
-              <a:off x="6019403" y="2852037"/>
+              <a:off x="5242868" y="2852037"/>
               <a:ext cx="200828" cy="69186"/>
             </a:xfrm>
             <a:prstGeom prst="rect">
@@ -38343,7 +38343,7 @@
           </p:nvSpPr>
           <p:spPr>
             <a:xfrm>
-              <a:off x="6019403" y="2782850"/>
+              <a:off x="5242868" y="2782850"/>
               <a:ext cx="200828" cy="69186"/>
             </a:xfrm>
             <a:prstGeom prst="rect">
@@ -38378,7 +38378,7 @@
           </p:nvSpPr>
           <p:spPr>
             <a:xfrm>
-              <a:off x="6019403" y="2713663"/>
+              <a:off x="5242868" y="2713663"/>
               <a:ext cx="200828" cy="69186"/>
             </a:xfrm>
             <a:prstGeom prst="rect">
@@ -38413,7 +38413,7 @@
           </p:nvSpPr>
           <p:spPr>
             <a:xfrm>
-              <a:off x="6019403" y="2644476"/>
+              <a:off x="5242868" y="2644476"/>
               <a:ext cx="200828" cy="69186"/>
             </a:xfrm>
             <a:prstGeom prst="rect">
@@ -38448,7 +38448,7 @@
           </p:nvSpPr>
           <p:spPr>
             <a:xfrm>
-              <a:off x="6019403" y="2575289"/>
+              <a:off x="5242868" y="2575289"/>
               <a:ext cx="200828" cy="69186"/>
             </a:xfrm>
             <a:prstGeom prst="rect">
@@ -38483,7 +38483,7 @@
           </p:nvSpPr>
           <p:spPr>
             <a:xfrm>
-              <a:off x="6019403" y="2506102"/>
+              <a:off x="5242868" y="2506102"/>
               <a:ext cx="200828" cy="69186"/>
             </a:xfrm>
             <a:prstGeom prst="rect">
@@ -38518,7 +38518,7 @@
           </p:nvSpPr>
           <p:spPr>
             <a:xfrm>
-              <a:off x="6019403" y="2436915"/>
+              <a:off x="5242868" y="2436915"/>
               <a:ext cx="200828" cy="69186"/>
             </a:xfrm>
             <a:prstGeom prst="rect">
@@ -38553,7 +38553,7 @@
           </p:nvSpPr>
           <p:spPr>
             <a:xfrm>
-              <a:off x="6019403" y="2367728"/>
+              <a:off x="5242868" y="2367728"/>
               <a:ext cx="200828" cy="69186"/>
             </a:xfrm>
             <a:prstGeom prst="rect">
@@ -38588,7 +38588,7 @@
           </p:nvSpPr>
           <p:spPr>
             <a:xfrm>
-              <a:off x="6019403" y="2298541"/>
+              <a:off x="5242868" y="2298541"/>
               <a:ext cx="200828" cy="69186"/>
             </a:xfrm>
             <a:prstGeom prst="rect">
@@ -38623,7 +38623,7 @@
           </p:nvSpPr>
           <p:spPr>
             <a:xfrm>
-              <a:off x="6019403" y="2229354"/>
+              <a:off x="5242868" y="2229354"/>
               <a:ext cx="200828" cy="69186"/>
             </a:xfrm>
             <a:prstGeom prst="rect">
@@ -38658,7 +38658,7 @@
           </p:nvSpPr>
           <p:spPr>
             <a:xfrm>
-              <a:off x="6019403" y="2160167"/>
+              <a:off x="5242868" y="2160167"/>
               <a:ext cx="200828" cy="69186"/>
             </a:xfrm>
             <a:prstGeom prst="rect">
@@ -38693,7 +38693,7 @@
           </p:nvSpPr>
           <p:spPr>
             <a:xfrm>
-              <a:off x="6019403" y="2090980"/>
+              <a:off x="5242868" y="2090980"/>
               <a:ext cx="200828" cy="69186"/>
             </a:xfrm>
             <a:prstGeom prst="rect">
@@ -38728,7 +38728,7 @@
           </p:nvSpPr>
           <p:spPr>
             <a:xfrm>
-              <a:off x="6019403" y="2021793"/>
+              <a:off x="5242868" y="2021793"/>
               <a:ext cx="200828" cy="69186"/>
             </a:xfrm>
             <a:prstGeom prst="rect">
@@ -38763,7 +38763,7 @@
           </p:nvSpPr>
           <p:spPr>
             <a:xfrm>
-              <a:off x="6019403" y="1952606"/>
+              <a:off x="5242868" y="1952606"/>
               <a:ext cx="200828" cy="69186"/>
             </a:xfrm>
             <a:prstGeom prst="rect">
@@ -38798,7 +38798,7 @@
           </p:nvSpPr>
           <p:spPr>
             <a:xfrm>
-              <a:off x="6019403" y="1883419"/>
+              <a:off x="5242868" y="1883419"/>
               <a:ext cx="200828" cy="69186"/>
             </a:xfrm>
             <a:prstGeom prst="rect">
@@ -38833,7 +38833,7 @@
           </p:nvSpPr>
           <p:spPr>
             <a:xfrm>
-              <a:off x="6019403" y="1814232"/>
+              <a:off x="5242868" y="1814232"/>
               <a:ext cx="200828" cy="69186"/>
             </a:xfrm>
             <a:prstGeom prst="rect">
@@ -38868,7 +38868,7 @@
           </p:nvSpPr>
           <p:spPr>
             <a:xfrm>
-              <a:off x="6019403" y="1745045"/>
+              <a:off x="5242868" y="1745045"/>
               <a:ext cx="200828" cy="69186"/>
             </a:xfrm>
             <a:prstGeom prst="rect">
@@ -38903,7 +38903,7 @@
           </p:nvSpPr>
           <p:spPr>
             <a:xfrm>
-              <a:off x="6019403" y="1675858"/>
+              <a:off x="5242868" y="1675858"/>
               <a:ext cx="200828" cy="69186"/>
             </a:xfrm>
             <a:prstGeom prst="rect">
@@ -38938,7 +38938,7 @@
           </p:nvSpPr>
           <p:spPr>
             <a:xfrm>
-              <a:off x="6019403" y="1606671"/>
+              <a:off x="5242868" y="1606671"/>
               <a:ext cx="200828" cy="69186"/>
             </a:xfrm>
             <a:prstGeom prst="rect">
@@ -38973,7 +38973,7 @@
           </p:nvSpPr>
           <p:spPr>
             <a:xfrm>
-              <a:off x="6019403" y="1537484"/>
+              <a:off x="5242868" y="1537484"/>
               <a:ext cx="200828" cy="69186"/>
             </a:xfrm>
             <a:prstGeom prst="rect">
@@ -39008,7 +39008,7 @@
           </p:nvSpPr>
           <p:spPr>
             <a:xfrm>
-              <a:off x="6019403" y="1468297"/>
+              <a:off x="5242868" y="1468297"/>
               <a:ext cx="200828" cy="69186"/>
             </a:xfrm>
             <a:prstGeom prst="rect">
@@ -39043,7 +39043,7 @@
           </p:nvSpPr>
           <p:spPr>
             <a:xfrm>
-              <a:off x="6019403" y="1399110"/>
+              <a:off x="5242868" y="1399110"/>
               <a:ext cx="200828" cy="69186"/>
             </a:xfrm>
             <a:prstGeom prst="rect">
@@ -39078,7 +39078,7 @@
           </p:nvSpPr>
           <p:spPr>
             <a:xfrm>
-              <a:off x="6019403" y="1329923"/>
+              <a:off x="5242868" y="1329923"/>
               <a:ext cx="200828" cy="69186"/>
             </a:xfrm>
             <a:prstGeom prst="rect">
@@ -39113,7 +39113,7 @@
           </p:nvSpPr>
           <p:spPr>
             <a:xfrm>
-              <a:off x="6019403" y="1260736"/>
+              <a:off x="5242868" y="1260736"/>
               <a:ext cx="200828" cy="69186"/>
             </a:xfrm>
             <a:prstGeom prst="rect">
@@ -39148,7 +39148,7 @@
           </p:nvSpPr>
           <p:spPr>
             <a:xfrm>
-              <a:off x="6019403" y="1191549"/>
+              <a:off x="5242868" y="1191549"/>
               <a:ext cx="200828" cy="69186"/>
             </a:xfrm>
             <a:prstGeom prst="rect">
@@ -39183,7 +39183,7 @@
           </p:nvSpPr>
           <p:spPr>
             <a:xfrm>
-              <a:off x="6019403" y="1122362"/>
+              <a:off x="5242868" y="1122362"/>
               <a:ext cx="200828" cy="69186"/>
             </a:xfrm>
             <a:prstGeom prst="rect">
@@ -39218,7 +39218,7 @@
           </p:nvSpPr>
           <p:spPr>
             <a:xfrm>
-              <a:off x="6019403" y="1053176"/>
+              <a:off x="5242868" y="1053176"/>
               <a:ext cx="200828" cy="69186"/>
             </a:xfrm>
             <a:prstGeom prst="rect">
@@ -39253,7 +39253,7 @@
           </p:nvSpPr>
           <p:spPr>
             <a:xfrm>
-              <a:off x="6019403" y="983989"/>
+              <a:off x="5242868" y="983989"/>
               <a:ext cx="200828" cy="69186"/>
             </a:xfrm>
             <a:prstGeom prst="rect">

--- a/Images/Figures_PPT/ChlorophytaRhodophytaTree.pptx
+++ b/Images/Figures_PPT/ChlorophytaRhodophytaTree.pptx
@@ -36950,7 +36950,7 @@
               <a:avLst/>
             </a:prstGeom>
             <a:solidFill>
-              <a:srgbClr val="3CBA26">
+              <a:srgbClr val="A020F0">
                 <a:alpha val="100000"/>
               </a:srgbClr>
             </a:solidFill>
@@ -36985,7 +36985,7 @@
               <a:avLst/>
             </a:prstGeom>
             <a:solidFill>
-              <a:srgbClr val="3CBA26">
+              <a:srgbClr val="A020F0">
                 <a:alpha val="100000"/>
               </a:srgbClr>
             </a:solidFill>
@@ -37020,7 +37020,7 @@
               <a:avLst/>
             </a:prstGeom>
             <a:solidFill>
-              <a:srgbClr val="3CBA26">
+              <a:srgbClr val="A020F0">
                 <a:alpha val="100000"/>
               </a:srgbClr>
             </a:solidFill>
@@ -37055,7 +37055,7 @@
               <a:avLst/>
             </a:prstGeom>
             <a:solidFill>
-              <a:srgbClr val="3CBA26">
+              <a:srgbClr val="A020F0">
                 <a:alpha val="100000"/>
               </a:srgbClr>
             </a:solidFill>
@@ -37090,7 +37090,7 @@
               <a:avLst/>
             </a:prstGeom>
             <a:solidFill>
-              <a:srgbClr val="3CBA26">
+              <a:srgbClr val="A020F0">
                 <a:alpha val="100000"/>
               </a:srgbClr>
             </a:solidFill>
@@ -37230,7 +37230,7 @@
               <a:avLst/>
             </a:prstGeom>
             <a:solidFill>
-              <a:srgbClr val="3CBA26">
+              <a:srgbClr val="A020F0">
                 <a:alpha val="100000"/>
               </a:srgbClr>
             </a:solidFill>
@@ -37370,7 +37370,7 @@
               <a:avLst/>
             </a:prstGeom>
             <a:solidFill>
-              <a:srgbClr val="3CBA26">
+              <a:srgbClr val="A020F0">
                 <a:alpha val="100000"/>
               </a:srgbClr>
             </a:solidFill>
@@ -37405,7 +37405,7 @@
               <a:avLst/>
             </a:prstGeom>
             <a:solidFill>
-              <a:srgbClr val="3CBA26">
+              <a:srgbClr val="63E3C5">
                 <a:alpha val="100000"/>
               </a:srgbClr>
             </a:solidFill>
@@ -37475,7 +37475,7 @@
               <a:avLst/>
             </a:prstGeom>
             <a:solidFill>
-              <a:srgbClr val="3CBA26">
+              <a:srgbClr val="A87142">
                 <a:alpha val="100000"/>
               </a:srgbClr>
             </a:solidFill>
@@ -37860,7 +37860,7 @@
               <a:avLst/>
             </a:prstGeom>
             <a:solidFill>
-              <a:srgbClr val="3CBA26">
+              <a:srgbClr val="63E3C5">
                 <a:alpha val="100000"/>
               </a:srgbClr>
             </a:solidFill>
@@ -39340,7 +39340,7 @@
           </p:nvSpPr>
           <p:spPr>
             <a:xfrm>
-              <a:off x="8816207" y="1909882"/>
+              <a:off x="8816207" y="1690426"/>
               <a:ext cx="1172603" cy="1417544"/>
             </a:xfrm>
             <a:prstGeom prst="rect">
@@ -39361,7 +39361,7 @@
           </p:nvSpPr>
           <p:spPr>
             <a:xfrm>
-              <a:off x="8885796" y="1961922"/>
+              <a:off x="8885796" y="1742466"/>
               <a:ext cx="1033425" cy="115341"/>
             </a:xfrm>
             <a:prstGeom prst="rect">
@@ -39413,7 +39413,7 @@
           </p:blipFill>
           <p:spPr>
             <a:xfrm>
-              <a:off x="8885796" y="2160557"/>
+              <a:off x="8885796" y="1941101"/>
               <a:ext cx="219455" cy="1097280"/>
             </a:xfrm>
             <a:prstGeom prst="rect">
@@ -39429,7 +39429,7 @@
           </p:nvSpPr>
           <p:spPr>
             <a:xfrm>
-              <a:off x="9061361" y="3042193"/>
+              <a:off x="9061361" y="2822737"/>
               <a:ext cx="43891" cy="0"/>
             </a:xfrm>
             <a:custGeom>
@@ -39469,7 +39469,7 @@
           </p:nvSpPr>
           <p:spPr>
             <a:xfrm>
-              <a:off x="9061361" y="2746459"/>
+              <a:off x="9061361" y="2527003"/>
               <a:ext cx="43891" cy="0"/>
             </a:xfrm>
             <a:custGeom>
@@ -39509,7 +39509,7 @@
           </p:nvSpPr>
           <p:spPr>
             <a:xfrm>
-              <a:off x="9061361" y="2450726"/>
+              <a:off x="9061361" y="2231270"/>
               <a:ext cx="43891" cy="0"/>
             </a:xfrm>
             <a:custGeom>
@@ -39549,7 +39549,7 @@
           </p:nvSpPr>
           <p:spPr>
             <a:xfrm>
-              <a:off x="8885796" y="3042193"/>
+              <a:off x="8885796" y="2822737"/>
               <a:ext cx="43891" cy="0"/>
             </a:xfrm>
             <a:custGeom>
@@ -39589,7 +39589,7 @@
           </p:nvSpPr>
           <p:spPr>
             <a:xfrm>
-              <a:off x="8885796" y="2746459"/>
+              <a:off x="8885796" y="2527003"/>
               <a:ext cx="43891" cy="0"/>
             </a:xfrm>
             <a:custGeom>
@@ -39629,7 +39629,7 @@
           </p:nvSpPr>
           <p:spPr>
             <a:xfrm>
-              <a:off x="8885796" y="2450726"/>
+              <a:off x="8885796" y="2231270"/>
               <a:ext cx="43891" cy="0"/>
             </a:xfrm>
             <a:custGeom>
@@ -39669,7 +39669,7 @@
           </p:nvSpPr>
           <p:spPr>
             <a:xfrm>
-              <a:off x="9174841" y="3017295"/>
+              <a:off x="9174841" y="2797839"/>
               <a:ext cx="69850" cy="48021"/>
             </a:xfrm>
             <a:prstGeom prst="rect">
@@ -39715,7 +39715,7 @@
           </p:nvSpPr>
           <p:spPr>
             <a:xfrm>
-              <a:off x="9174841" y="2721562"/>
+              <a:off x="9174841" y="2502106"/>
               <a:ext cx="69850" cy="48021"/>
             </a:xfrm>
             <a:prstGeom prst="rect">
@@ -39761,7 +39761,7 @@
           </p:nvSpPr>
           <p:spPr>
             <a:xfrm>
-              <a:off x="9174841" y="2425828"/>
+              <a:off x="9174841" y="2206372"/>
               <a:ext cx="69850" cy="48021"/>
             </a:xfrm>
             <a:prstGeom prst="rect">
@@ -39807,8 +39807,8 @@
           </p:nvSpPr>
           <p:spPr>
             <a:xfrm>
-              <a:off x="8816207" y="3334626"/>
-              <a:ext cx="1109041" cy="759176"/>
+              <a:off x="8816207" y="3115170"/>
+              <a:ext cx="1109041" cy="1198088"/>
             </a:xfrm>
             <a:prstGeom prst="rect">
               <a:avLst/>
@@ -39828,7 +39828,7 @@
           </p:nvSpPr>
           <p:spPr>
             <a:xfrm>
-              <a:off x="8885796" y="3386418"/>
+              <a:off x="8885796" y="3166962"/>
               <a:ext cx="969863" cy="115589"/>
             </a:xfrm>
             <a:prstGeom prst="rect">
@@ -39874,8 +39874,78 @@
           </p:nvSpPr>
           <p:spPr>
             <a:xfrm>
+              <a:off x="8885796" y="3365845"/>
+              <a:ext cx="219455" cy="219455"/>
+            </a:xfrm>
+            <a:prstGeom prst="rect">
+              <a:avLst/>
+            </a:prstGeom>
+            <a:solidFill>
+              <a:srgbClr val="FFFFFF">
+                <a:alpha val="100000"/>
+              </a:srgbClr>
+            </a:solidFill>
+            <a:ln w="13550" cap="rnd">
+              <a:solidFill>
+                <a:srgbClr val="FFFFFF">
+                  <a:alpha val="100000"/>
+                </a:srgbClr>
+              </a:solidFill>
+              <a:prstDash val="solid"/>
+              <a:round/>
+            </a:ln>
+          </p:spPr>
+          <p:txBody>
+            <a:bodyPr/>
+            <a:lstStyle/>
+            <a:p/>
+          </p:txBody>
+        </p:sp>
+        <p:sp>
+          <p:nvSpPr>
+            <p:cNvPr id="1001" name="rc1000"/>
+            <p:cNvSpPr/>
+            <p:nvPr/>
+          </p:nvSpPr>
+          <p:spPr>
+            <a:xfrm>
+              <a:off x="8887596" y="3367645"/>
+              <a:ext cx="215856" cy="215855"/>
+            </a:xfrm>
+            <a:prstGeom prst="rect">
+              <a:avLst/>
+            </a:prstGeom>
+            <a:solidFill>
+              <a:srgbClr val="3CBA26">
+                <a:alpha val="100000"/>
+              </a:srgbClr>
+            </a:solidFill>
+            <a:ln w="2710" cap="flat">
+              <a:solidFill>
+                <a:srgbClr val="FFFFFF">
+                  <a:alpha val="100000"/>
+                </a:srgbClr>
+              </a:solidFill>
+              <a:prstDash val="solid"/>
+              <a:miter/>
+            </a:ln>
+          </p:spPr>
+          <p:txBody>
+            <a:bodyPr/>
+            <a:lstStyle/>
+            <a:p/>
+          </p:txBody>
+        </p:sp>
+        <p:sp>
+          <p:nvSpPr>
+            <p:cNvPr id="1002" name="rc1001"/>
+            <p:cNvSpPr/>
+            <p:nvPr/>
+          </p:nvSpPr>
+          <p:spPr>
+            <a:xfrm>
               <a:off x="8885796" y="3585301"/>
-              <a:ext cx="219455" cy="219455"/>
+              <a:ext cx="219455" cy="219456"/>
             </a:xfrm>
             <a:prstGeom prst="rect">
               <a:avLst/>
@@ -39903,7 +39973,7 @@
         </p:sp>
         <p:sp>
           <p:nvSpPr>
-            <p:cNvPr id="1001" name="rc1000"/>
+            <p:cNvPr id="1003" name="rc1002"/>
             <p:cNvSpPr/>
             <p:nvPr/>
           </p:nvSpPr>
@@ -39916,36 +39986,36 @@
               <a:avLst/>
             </a:prstGeom>
             <a:solidFill>
-              <a:srgbClr val="3CBA26">
-                <a:alpha val="100000"/>
-              </a:srgbClr>
-            </a:solidFill>
-            <a:ln w="2710" cap="flat">
-              <a:solidFill>
-                <a:srgbClr val="FFFFFF">
-                  <a:alpha val="100000"/>
-                </a:srgbClr>
-              </a:solidFill>
-              <a:prstDash val="solid"/>
-              <a:miter/>
-            </a:ln>
-          </p:spPr>
-          <p:txBody>
-            <a:bodyPr/>
-            <a:lstStyle/>
-            <a:p/>
-          </p:txBody>
-        </p:sp>
-        <p:sp>
-          <p:nvSpPr>
-            <p:cNvPr id="1002" name="rc1001"/>
+              <a:srgbClr val="A87142">
+                <a:alpha val="100000"/>
+              </a:srgbClr>
+            </a:solidFill>
+            <a:ln w="2710" cap="flat">
+              <a:solidFill>
+                <a:srgbClr val="FFFFFF">
+                  <a:alpha val="100000"/>
+                </a:srgbClr>
+              </a:solidFill>
+              <a:prstDash val="solid"/>
+              <a:miter/>
+            </a:ln>
+          </p:spPr>
+          <p:txBody>
+            <a:bodyPr/>
+            <a:lstStyle/>
+            <a:p/>
+          </p:txBody>
+        </p:sp>
+        <p:sp>
+          <p:nvSpPr>
+            <p:cNvPr id="1004" name="rc1003"/>
             <p:cNvSpPr/>
             <p:nvPr/>
           </p:nvSpPr>
           <p:spPr>
             <a:xfrm>
               <a:off x="8885796" y="3804757"/>
-              <a:ext cx="219455" cy="219455"/>
+              <a:ext cx="219455" cy="219456"/>
             </a:xfrm>
             <a:prstGeom prst="rect">
               <a:avLst/>
@@ -39973,7 +40043,7 @@
         </p:sp>
         <p:sp>
           <p:nvSpPr>
-            <p:cNvPr id="1003" name="rc1002"/>
+            <p:cNvPr id="1005" name="rc1004"/>
             <p:cNvSpPr/>
             <p:nvPr/>
           </p:nvSpPr>
@@ -40008,13 +40078,83 @@
         </p:sp>
         <p:sp>
           <p:nvSpPr>
-            <p:cNvPr id="1004" name="tx1003"/>
-            <p:cNvSpPr/>
-            <p:nvPr/>
-          </p:nvSpPr>
-          <p:spPr>
-            <a:xfrm>
-              <a:off x="9174841" y="3654715"/>
+            <p:cNvPr id="1006" name="rc1005"/>
+            <p:cNvSpPr/>
+            <p:nvPr/>
+          </p:nvSpPr>
+          <p:spPr>
+            <a:xfrm>
+              <a:off x="8885796" y="4024213"/>
+              <a:ext cx="219455" cy="219455"/>
+            </a:xfrm>
+            <a:prstGeom prst="rect">
+              <a:avLst/>
+            </a:prstGeom>
+            <a:solidFill>
+              <a:srgbClr val="FFFFFF">
+                <a:alpha val="100000"/>
+              </a:srgbClr>
+            </a:solidFill>
+            <a:ln w="13550" cap="rnd">
+              <a:solidFill>
+                <a:srgbClr val="FFFFFF">
+                  <a:alpha val="100000"/>
+                </a:srgbClr>
+              </a:solidFill>
+              <a:prstDash val="solid"/>
+              <a:round/>
+            </a:ln>
+          </p:spPr>
+          <p:txBody>
+            <a:bodyPr/>
+            <a:lstStyle/>
+            <a:p/>
+          </p:txBody>
+        </p:sp>
+        <p:sp>
+          <p:nvSpPr>
+            <p:cNvPr id="1007" name="rc1006"/>
+            <p:cNvSpPr/>
+            <p:nvPr/>
+          </p:nvSpPr>
+          <p:spPr>
+            <a:xfrm>
+              <a:off x="8887596" y="4026013"/>
+              <a:ext cx="215856" cy="215855"/>
+            </a:xfrm>
+            <a:prstGeom prst="rect">
+              <a:avLst/>
+            </a:prstGeom>
+            <a:solidFill>
+              <a:srgbClr val="A020F0">
+                <a:alpha val="100000"/>
+              </a:srgbClr>
+            </a:solidFill>
+            <a:ln w="2710" cap="flat">
+              <a:solidFill>
+                <a:srgbClr val="FFFFFF">
+                  <a:alpha val="100000"/>
+                </a:srgbClr>
+              </a:solidFill>
+              <a:prstDash val="solid"/>
+              <a:miter/>
+            </a:ln>
+          </p:spPr>
+          <p:txBody>
+            <a:bodyPr/>
+            <a:lstStyle/>
+            <a:p/>
+          </p:txBody>
+        </p:sp>
+        <p:sp>
+          <p:nvSpPr>
+            <p:cNvPr id="1008" name="tx1007"/>
+            <p:cNvSpPr/>
+            <p:nvPr/>
+          </p:nvSpPr>
+          <p:spPr>
+            <a:xfrm>
+              <a:off x="9174841" y="3435259"/>
               <a:ext cx="337551" cy="63437"/>
             </a:xfrm>
             <a:prstGeom prst="rect">
@@ -40054,7 +40194,53 @@
         </p:sp>
         <p:sp>
           <p:nvSpPr>
-            <p:cNvPr id="1005" name="tx1004"/>
+            <p:cNvPr id="1009" name="tx1008"/>
+            <p:cNvSpPr/>
+            <p:nvPr/>
+          </p:nvSpPr>
+          <p:spPr>
+            <a:xfrm>
+              <a:off x="9174841" y="3654715"/>
+              <a:ext cx="337483" cy="63437"/>
+            </a:xfrm>
+            <a:prstGeom prst="rect">
+              <a:avLst/>
+            </a:prstGeom>
+            <a:noFill/>
+          </p:spPr>
+          <p:txBody>
+            <a:bodyPr lIns="0" rIns="0" tIns="0" bIns="0" anchorCtr="1" anchor="ctr" wrap="none"/>
+            <a:lstStyle/>
+            <a:p>
+              <a:pPr algn="l" marL="0" marR="0" indent="0">
+                <a:lnSpc>
+                  <a:spcPts val="550"/>
+                </a:lnSpc>
+                <a:spcBef>
+                  <a:spcPts val="0"/>
+                </a:spcBef>
+                <a:spcAft>
+                  <a:spcPts val="0"/>
+                </a:spcAft>
+              </a:pPr>
+              <a:r>
+                <a:rPr sz="550">
+                  <a:solidFill>
+                    <a:srgbClr val="000000">
+                      <a:alpha val="100000"/>
+                    </a:srgbClr>
+                  </a:solidFill>
+                  <a:latin typeface="Times New Roman"/>
+                  <a:cs typeface="Times New Roman"/>
+                </a:rPr>
+                <a:t>Heterotroph</a:t>
+              </a:r>
+            </a:p>
+          </p:txBody>
+        </p:sp>
+        <p:sp>
+          <p:nvSpPr>
+            <p:cNvPr id="1010" name="tx1009"/>
             <p:cNvSpPr/>
             <p:nvPr/>
           </p:nvSpPr>
@@ -40100,13 +40286,59 @@
         </p:sp>
         <p:sp>
           <p:nvSpPr>
-            <p:cNvPr id="1006" name="rc1005"/>
-            <p:cNvSpPr/>
-            <p:nvPr/>
-          </p:nvSpPr>
-          <p:spPr>
-            <a:xfrm>
-              <a:off x="8816207" y="4101002"/>
+            <p:cNvPr id="1011" name="tx1010"/>
+            <p:cNvSpPr/>
+            <p:nvPr/>
+          </p:nvSpPr>
+          <p:spPr>
+            <a:xfrm>
+              <a:off x="9174841" y="4093491"/>
+              <a:ext cx="422954" cy="63574"/>
+            </a:xfrm>
+            <a:prstGeom prst="rect">
+              <a:avLst/>
+            </a:prstGeom>
+            <a:noFill/>
+          </p:spPr>
+          <p:txBody>
+            <a:bodyPr lIns="0" rIns="0" tIns="0" bIns="0" anchorCtr="1" anchor="ctr" wrap="none"/>
+            <a:lstStyle/>
+            <a:p>
+              <a:pPr algn="l" marL="0" marR="0" indent="0">
+                <a:lnSpc>
+                  <a:spcPts val="550"/>
+                </a:lnSpc>
+                <a:spcBef>
+                  <a:spcPts val="0"/>
+                </a:spcBef>
+                <a:spcAft>
+                  <a:spcPts val="0"/>
+                </a:spcAft>
+              </a:pPr>
+              <a:r>
+                <a:rPr sz="550">
+                  <a:solidFill>
+                    <a:srgbClr val="000000">
+                      <a:alpha val="100000"/>
+                    </a:srgbClr>
+                  </a:solidFill>
+                  <a:latin typeface="Times New Roman"/>
+                  <a:cs typeface="Times New Roman"/>
+                </a:rPr>
+                <a:t>Endosymbiotic</a:t>
+              </a:r>
+            </a:p>
+          </p:txBody>
+        </p:sp>
+        <p:sp>
+          <p:nvSpPr>
+            <p:cNvPr id="1012" name="rc1011"/>
+            <p:cNvSpPr/>
+            <p:nvPr/>
+          </p:nvSpPr>
+          <p:spPr>
+            <a:xfrm>
+              <a:off x="8816207" y="4320458"/>
               <a:ext cx="939935" cy="1417544"/>
             </a:xfrm>
             <a:prstGeom prst="rect">
@@ -40121,13 +40353,13 @@
         </p:sp>
         <p:sp>
           <p:nvSpPr>
-            <p:cNvPr id="1007" name="tx1006"/>
-            <p:cNvSpPr/>
-            <p:nvPr/>
-          </p:nvSpPr>
-          <p:spPr>
-            <a:xfrm>
-              <a:off x="8885796" y="4180451"/>
+            <p:cNvPr id="1013" name="tx1012"/>
+            <p:cNvSpPr/>
+            <p:nvPr/>
+          </p:nvSpPr>
+          <p:spPr>
+            <a:xfrm>
+              <a:off x="8885796" y="4399907"/>
               <a:ext cx="800757" cy="87932"/>
             </a:xfrm>
             <a:prstGeom prst="rect">
@@ -40167,77 +40399,7 @@
         </p:sp>
         <p:sp>
           <p:nvSpPr>
-            <p:cNvPr id="1008" name="rc1007"/>
-            <p:cNvSpPr/>
-            <p:nvPr/>
-          </p:nvSpPr>
-          <p:spPr>
-            <a:xfrm>
-              <a:off x="8885796" y="4351677"/>
-              <a:ext cx="219455" cy="219455"/>
-            </a:xfrm>
-            <a:prstGeom prst="rect">
-              <a:avLst/>
-            </a:prstGeom>
-            <a:solidFill>
-              <a:srgbClr val="FFFFFF">
-                <a:alpha val="100000"/>
-              </a:srgbClr>
-            </a:solidFill>
-            <a:ln w="13550" cap="rnd">
-              <a:solidFill>
-                <a:srgbClr val="FFFFFF">
-                  <a:alpha val="100000"/>
-                </a:srgbClr>
-              </a:solidFill>
-              <a:prstDash val="solid"/>
-              <a:round/>
-            </a:ln>
-          </p:spPr>
-          <p:txBody>
-            <a:bodyPr/>
-            <a:lstStyle/>
-            <a:p/>
-          </p:txBody>
-        </p:sp>
-        <p:sp>
-          <p:nvSpPr>
-            <p:cNvPr id="1009" name="rc1008"/>
-            <p:cNvSpPr/>
-            <p:nvPr/>
-          </p:nvSpPr>
-          <p:spPr>
-            <a:xfrm>
-              <a:off x="8887596" y="4353477"/>
-              <a:ext cx="215856" cy="215855"/>
-            </a:xfrm>
-            <a:prstGeom prst="rect">
-              <a:avLst/>
-            </a:prstGeom>
-            <a:solidFill>
-              <a:srgbClr val="AE5A41">
-                <a:alpha val="100000"/>
-              </a:srgbClr>
-            </a:solidFill>
-            <a:ln w="2710" cap="flat">
-              <a:solidFill>
-                <a:srgbClr val="FFFFFF">
-                  <a:alpha val="100000"/>
-                </a:srgbClr>
-              </a:solidFill>
-              <a:prstDash val="solid"/>
-              <a:miter/>
-            </a:ln>
-          </p:spPr>
-          <p:txBody>
-            <a:bodyPr/>
-            <a:lstStyle/>
-            <a:p/>
-          </p:txBody>
-        </p:sp>
-        <p:sp>
-          <p:nvSpPr>
-            <p:cNvPr id="1010" name="rc1009"/>
+            <p:cNvPr id="1014" name="rc1013"/>
             <p:cNvSpPr/>
             <p:nvPr/>
           </p:nvSpPr>
@@ -40272,7 +40434,7 @@
         </p:sp>
         <p:sp>
           <p:nvSpPr>
-            <p:cNvPr id="1011" name="rc1010"/>
+            <p:cNvPr id="1015" name="rc1014"/>
             <p:cNvSpPr/>
             <p:nvPr/>
           </p:nvSpPr>
@@ -40285,29 +40447,29 @@
               <a:avLst/>
             </a:prstGeom>
             <a:solidFill>
-              <a:srgbClr val="559E83">
-                <a:alpha val="100000"/>
-              </a:srgbClr>
-            </a:solidFill>
-            <a:ln w="2710" cap="flat">
-              <a:solidFill>
-                <a:srgbClr val="FFFFFF">
-                  <a:alpha val="100000"/>
-                </a:srgbClr>
-              </a:solidFill>
-              <a:prstDash val="solid"/>
-              <a:miter/>
-            </a:ln>
-          </p:spPr>
-          <p:txBody>
-            <a:bodyPr/>
-            <a:lstStyle/>
-            <a:p/>
-          </p:txBody>
-        </p:sp>
-        <p:sp>
-          <p:nvSpPr>
-            <p:cNvPr id="1012" name="rc1011"/>
+              <a:srgbClr val="AE5A41">
+                <a:alpha val="100000"/>
+              </a:srgbClr>
+            </a:solidFill>
+            <a:ln w="2710" cap="flat">
+              <a:solidFill>
+                <a:srgbClr val="FFFFFF">
+                  <a:alpha val="100000"/>
+                </a:srgbClr>
+              </a:solidFill>
+              <a:prstDash val="solid"/>
+              <a:miter/>
+            </a:ln>
+          </p:spPr>
+          <p:txBody>
+            <a:bodyPr/>
+            <a:lstStyle/>
+            <a:p/>
+          </p:txBody>
+        </p:sp>
+        <p:sp>
+          <p:nvSpPr>
+            <p:cNvPr id="1016" name="rc1015"/>
             <p:cNvSpPr/>
             <p:nvPr/>
           </p:nvSpPr>
@@ -40342,7 +40504,7 @@
         </p:sp>
         <p:sp>
           <p:nvSpPr>
-            <p:cNvPr id="1013" name="rc1012"/>
+            <p:cNvPr id="1017" name="rc1016"/>
             <p:cNvSpPr/>
             <p:nvPr/>
           </p:nvSpPr>
@@ -40355,29 +40517,29 @@
               <a:avLst/>
             </a:prstGeom>
             <a:solidFill>
-              <a:srgbClr val="B2D4AD">
-                <a:alpha val="100000"/>
-              </a:srgbClr>
-            </a:solidFill>
-            <a:ln w="2710" cap="flat">
-              <a:solidFill>
-                <a:srgbClr val="FFFFFF">
-                  <a:alpha val="100000"/>
-                </a:srgbClr>
-              </a:solidFill>
-              <a:prstDash val="solid"/>
-              <a:miter/>
-            </a:ln>
-          </p:spPr>
-          <p:txBody>
-            <a:bodyPr/>
-            <a:lstStyle/>
-            <a:p/>
-          </p:txBody>
-        </p:sp>
-        <p:sp>
-          <p:nvSpPr>
-            <p:cNvPr id="1014" name="rc1013"/>
+              <a:srgbClr val="559E83">
+                <a:alpha val="100000"/>
+              </a:srgbClr>
+            </a:solidFill>
+            <a:ln w="2710" cap="flat">
+              <a:solidFill>
+                <a:srgbClr val="FFFFFF">
+                  <a:alpha val="100000"/>
+                </a:srgbClr>
+              </a:solidFill>
+              <a:prstDash val="solid"/>
+              <a:miter/>
+            </a:ln>
+          </p:spPr>
+          <p:txBody>
+            <a:bodyPr/>
+            <a:lstStyle/>
+            <a:p/>
+          </p:txBody>
+        </p:sp>
+        <p:sp>
+          <p:nvSpPr>
+            <p:cNvPr id="1018" name="rc1017"/>
             <p:cNvSpPr/>
             <p:nvPr/>
           </p:nvSpPr>
@@ -40412,7 +40574,7 @@
         </p:sp>
         <p:sp>
           <p:nvSpPr>
-            <p:cNvPr id="1015" name="rc1014"/>
+            <p:cNvPr id="1019" name="rc1018"/>
             <p:cNvSpPr/>
             <p:nvPr/>
           </p:nvSpPr>
@@ -40425,29 +40587,29 @@
               <a:avLst/>
             </a:prstGeom>
             <a:solidFill>
-              <a:srgbClr val="DBC795">
-                <a:alpha val="100000"/>
-              </a:srgbClr>
-            </a:solidFill>
-            <a:ln w="2710" cap="flat">
-              <a:solidFill>
-                <a:srgbClr val="FFFFFF">
-                  <a:alpha val="100000"/>
-                </a:srgbClr>
-              </a:solidFill>
-              <a:prstDash val="solid"/>
-              <a:miter/>
-            </a:ln>
-          </p:spPr>
-          <p:txBody>
-            <a:bodyPr/>
-            <a:lstStyle/>
-            <a:p/>
-          </p:txBody>
-        </p:sp>
-        <p:sp>
-          <p:nvSpPr>
-            <p:cNvPr id="1016" name="rc1015"/>
+              <a:srgbClr val="B2D4AD">
+                <a:alpha val="100000"/>
+              </a:srgbClr>
+            </a:solidFill>
+            <a:ln w="2710" cap="flat">
+              <a:solidFill>
+                <a:srgbClr val="FFFFFF">
+                  <a:alpha val="100000"/>
+                </a:srgbClr>
+              </a:solidFill>
+              <a:prstDash val="solid"/>
+              <a:miter/>
+            </a:ln>
+          </p:spPr>
+          <p:txBody>
+            <a:bodyPr/>
+            <a:lstStyle/>
+            <a:p/>
+          </p:txBody>
+        </p:sp>
+        <p:sp>
+          <p:nvSpPr>
+            <p:cNvPr id="1020" name="rc1019"/>
             <p:cNvSpPr/>
             <p:nvPr/>
           </p:nvSpPr>
@@ -40482,7 +40644,7 @@
         </p:sp>
         <p:sp>
           <p:nvSpPr>
-            <p:cNvPr id="1017" name="rc1016"/>
+            <p:cNvPr id="1021" name="rc1020"/>
             <p:cNvSpPr/>
             <p:nvPr/>
           </p:nvSpPr>
@@ -40495,35 +40657,105 @@
               <a:avLst/>
             </a:prstGeom>
             <a:solidFill>
+              <a:srgbClr val="DBC795">
+                <a:alpha val="100000"/>
+              </a:srgbClr>
+            </a:solidFill>
+            <a:ln w="2710" cap="flat">
+              <a:solidFill>
+                <a:srgbClr val="FFFFFF">
+                  <a:alpha val="100000"/>
+                </a:srgbClr>
+              </a:solidFill>
+              <a:prstDash val="solid"/>
+              <a:miter/>
+            </a:ln>
+          </p:spPr>
+          <p:txBody>
+            <a:bodyPr/>
+            <a:lstStyle/>
+            <a:p/>
+          </p:txBody>
+        </p:sp>
+        <p:sp>
+          <p:nvSpPr>
+            <p:cNvPr id="1022" name="rc1021"/>
+            <p:cNvSpPr/>
+            <p:nvPr/>
+          </p:nvSpPr>
+          <p:spPr>
+            <a:xfrm>
+              <a:off x="8885796" y="5448957"/>
+              <a:ext cx="219455" cy="219455"/>
+            </a:xfrm>
+            <a:prstGeom prst="rect">
+              <a:avLst/>
+            </a:prstGeom>
+            <a:solidFill>
               <a:srgbClr val="FFFFFF">
                 <a:alpha val="100000"/>
               </a:srgbClr>
             </a:solidFill>
-            <a:ln w="2710" cap="flat">
-              <a:solidFill>
-                <a:srgbClr val="FFFFFF">
-                  <a:alpha val="100000"/>
-                </a:srgbClr>
-              </a:solidFill>
-              <a:prstDash val="solid"/>
-              <a:miter/>
-            </a:ln>
-          </p:spPr>
-          <p:txBody>
-            <a:bodyPr/>
-            <a:lstStyle/>
-            <a:p/>
-          </p:txBody>
-        </p:sp>
-        <p:sp>
-          <p:nvSpPr>
-            <p:cNvPr id="1018" name="tx1017"/>
-            <p:cNvSpPr/>
-            <p:nvPr/>
-          </p:nvSpPr>
-          <p:spPr>
-            <a:xfrm>
-              <a:off x="9174841" y="4438281"/>
+            <a:ln w="13550" cap="rnd">
+              <a:solidFill>
+                <a:srgbClr val="FFFFFF">
+                  <a:alpha val="100000"/>
+                </a:srgbClr>
+              </a:solidFill>
+              <a:prstDash val="solid"/>
+              <a:round/>
+            </a:ln>
+          </p:spPr>
+          <p:txBody>
+            <a:bodyPr/>
+            <a:lstStyle/>
+            <a:p/>
+          </p:txBody>
+        </p:sp>
+        <p:sp>
+          <p:nvSpPr>
+            <p:cNvPr id="1023" name="rc1022"/>
+            <p:cNvSpPr/>
+            <p:nvPr/>
+          </p:nvSpPr>
+          <p:spPr>
+            <a:xfrm>
+              <a:off x="8887596" y="5450757"/>
+              <a:ext cx="215856" cy="215855"/>
+            </a:xfrm>
+            <a:prstGeom prst="rect">
+              <a:avLst/>
+            </a:prstGeom>
+            <a:solidFill>
+              <a:srgbClr val="FFFFFF">
+                <a:alpha val="100000"/>
+              </a:srgbClr>
+            </a:solidFill>
+            <a:ln w="2710" cap="flat">
+              <a:solidFill>
+                <a:srgbClr val="FFFFFF">
+                  <a:alpha val="100000"/>
+                </a:srgbClr>
+              </a:solidFill>
+              <a:prstDash val="solid"/>
+              <a:miter/>
+            </a:ln>
+          </p:spPr>
+          <p:txBody>
+            <a:bodyPr/>
+            <a:lstStyle/>
+            <a:p/>
+          </p:txBody>
+        </p:sp>
+        <p:sp>
+          <p:nvSpPr>
+            <p:cNvPr id="1024" name="tx1023"/>
+            <p:cNvSpPr/>
+            <p:nvPr/>
+          </p:nvSpPr>
+          <p:spPr>
+            <a:xfrm>
+              <a:off x="9174841" y="4657737"/>
               <a:ext cx="50443" cy="46248"/>
             </a:xfrm>
             <a:prstGeom prst="rect">
@@ -40563,13 +40795,13 @@
         </p:sp>
         <p:sp>
           <p:nvSpPr>
-            <p:cNvPr id="1019" name="tx1018"/>
-            <p:cNvSpPr/>
-            <p:nvPr/>
-          </p:nvSpPr>
-          <p:spPr>
-            <a:xfrm>
-              <a:off x="9174841" y="4657737"/>
+            <p:cNvPr id="1025" name="tx1024"/>
+            <p:cNvSpPr/>
+            <p:nvPr/>
+          </p:nvSpPr>
+          <p:spPr>
+            <a:xfrm>
+              <a:off x="9174841" y="4877193"/>
               <a:ext cx="62107" cy="46248"/>
             </a:xfrm>
             <a:prstGeom prst="rect">
@@ -40609,13 +40841,13 @@
         </p:sp>
         <p:sp>
           <p:nvSpPr>
-            <p:cNvPr id="1020" name="tx1019"/>
-            <p:cNvSpPr/>
-            <p:nvPr/>
-          </p:nvSpPr>
-          <p:spPr>
-            <a:xfrm>
-              <a:off x="9174841" y="4877193"/>
+            <p:cNvPr id="1026" name="tx1025"/>
+            <p:cNvSpPr/>
+            <p:nvPr/>
+          </p:nvSpPr>
+          <p:spPr>
+            <a:xfrm>
+              <a:off x="9174841" y="5096649"/>
               <a:ext cx="42667" cy="46248"/>
             </a:xfrm>
             <a:prstGeom prst="rect">
@@ -40655,13 +40887,13 @@
         </p:sp>
         <p:sp>
           <p:nvSpPr>
-            <p:cNvPr id="1021" name="tx1020"/>
-            <p:cNvSpPr/>
-            <p:nvPr/>
-          </p:nvSpPr>
-          <p:spPr>
-            <a:xfrm>
-              <a:off x="9174841" y="5096649"/>
+            <p:cNvPr id="1027" name="tx1026"/>
+            <p:cNvSpPr/>
+            <p:nvPr/>
+          </p:nvSpPr>
+          <p:spPr>
+            <a:xfrm>
+              <a:off x="9174841" y="5316105"/>
               <a:ext cx="38847" cy="46248"/>
             </a:xfrm>
             <a:prstGeom prst="rect">
@@ -40701,13 +40933,13 @@
         </p:sp>
         <p:sp>
           <p:nvSpPr>
-            <p:cNvPr id="1022" name="tx1021"/>
-            <p:cNvSpPr/>
-            <p:nvPr/>
-          </p:nvSpPr>
-          <p:spPr>
-            <a:xfrm>
-              <a:off x="9174841" y="5314298"/>
+            <p:cNvPr id="1028" name="tx1027"/>
+            <p:cNvSpPr/>
+            <p:nvPr/>
+          </p:nvSpPr>
+          <p:spPr>
+            <a:xfrm>
+              <a:off x="9174841" y="5533754"/>
               <a:ext cx="100886" cy="48055"/>
             </a:xfrm>
             <a:prstGeom prst="rect">
@@ -40747,13 +40979,13 @@
         </p:sp>
         <p:sp>
           <p:nvSpPr>
-            <p:cNvPr id="1023" name="rc1022"/>
-            <p:cNvSpPr/>
-            <p:nvPr/>
-          </p:nvSpPr>
-          <p:spPr>
-            <a:xfrm>
-              <a:off x="8816207" y="5525746"/>
+            <p:cNvPr id="1029" name="rc1028"/>
+            <p:cNvSpPr/>
+            <p:nvPr/>
+          </p:nvSpPr>
+          <p:spPr>
+            <a:xfrm>
+              <a:off x="8816207" y="5745202"/>
               <a:ext cx="791727" cy="759176"/>
             </a:xfrm>
             <a:prstGeom prst="rect">
@@ -40768,13 +41000,13 @@
         </p:sp>
         <p:sp>
           <p:nvSpPr>
-            <p:cNvPr id="1024" name="tx1023"/>
-            <p:cNvSpPr/>
-            <p:nvPr/>
-          </p:nvSpPr>
-          <p:spPr>
-            <a:xfrm>
-              <a:off x="8885796" y="5579957"/>
+            <p:cNvPr id="1030" name="tx1029"/>
+            <p:cNvSpPr/>
+            <p:nvPr/>
+          </p:nvSpPr>
+          <p:spPr>
+            <a:xfrm>
+              <a:off x="8885796" y="5799413"/>
               <a:ext cx="652549" cy="113171"/>
             </a:xfrm>
             <a:prstGeom prst="rect">
@@ -40814,13 +41046,13 @@
         </p:sp>
         <p:sp>
           <p:nvSpPr>
-            <p:cNvPr id="1025" name="rc1024"/>
-            <p:cNvSpPr/>
-            <p:nvPr/>
-          </p:nvSpPr>
-          <p:spPr>
-            <a:xfrm>
-              <a:off x="8885796" y="5776422"/>
+            <p:cNvPr id="1031" name="rc1030"/>
+            <p:cNvSpPr/>
+            <p:nvPr/>
+          </p:nvSpPr>
+          <p:spPr>
+            <a:xfrm>
+              <a:off x="8885796" y="5995878"/>
               <a:ext cx="219455" cy="219455"/>
             </a:xfrm>
             <a:prstGeom prst="rect">
@@ -40849,13 +41081,13 @@
         </p:sp>
         <p:sp>
           <p:nvSpPr>
-            <p:cNvPr id="1026" name="rc1025"/>
-            <p:cNvSpPr/>
-            <p:nvPr/>
-          </p:nvSpPr>
-          <p:spPr>
-            <a:xfrm>
-              <a:off x="8894796" y="5785422"/>
+            <p:cNvPr id="1032" name="rc1031"/>
+            <p:cNvSpPr/>
+            <p:nvPr/>
+          </p:nvSpPr>
+          <p:spPr>
+            <a:xfrm>
+              <a:off x="8894796" y="6004878"/>
               <a:ext cx="201455" cy="201456"/>
             </a:xfrm>
             <a:prstGeom prst="rect">
@@ -40875,13 +41107,13 @@
         </p:sp>
         <p:sp>
           <p:nvSpPr>
-            <p:cNvPr id="1027" name="rc1026"/>
-            <p:cNvSpPr/>
-            <p:nvPr/>
-          </p:nvSpPr>
-          <p:spPr>
-            <a:xfrm>
-              <a:off x="8885796" y="5995878"/>
+            <p:cNvPr id="1033" name="rc1032"/>
+            <p:cNvSpPr/>
+            <p:nvPr/>
+          </p:nvSpPr>
+          <p:spPr>
+            <a:xfrm>
+              <a:off x="8885796" y="6215334"/>
               <a:ext cx="219455" cy="219455"/>
             </a:xfrm>
             <a:prstGeom prst="rect">
@@ -40910,13 +41142,13 @@
         </p:sp>
         <p:sp>
           <p:nvSpPr>
-            <p:cNvPr id="1028" name="rc1027"/>
-            <p:cNvSpPr/>
-            <p:nvPr/>
-          </p:nvSpPr>
-          <p:spPr>
-            <a:xfrm>
-              <a:off x="8894796" y="6004878"/>
+            <p:cNvPr id="1034" name="rc1033"/>
+            <p:cNvSpPr/>
+            <p:nvPr/>
+          </p:nvSpPr>
+          <p:spPr>
+            <a:xfrm>
+              <a:off x="8894796" y="6224334"/>
               <a:ext cx="201455" cy="201456"/>
             </a:xfrm>
             <a:prstGeom prst="rect">
@@ -40936,13 +41168,13 @@
         </p:sp>
         <p:sp>
           <p:nvSpPr>
-            <p:cNvPr id="1029" name="tx1028"/>
-            <p:cNvSpPr/>
-            <p:nvPr/>
-          </p:nvSpPr>
-          <p:spPr>
-            <a:xfrm>
-              <a:off x="9174841" y="5845699"/>
+            <p:cNvPr id="1035" name="tx1034"/>
+            <p:cNvSpPr/>
+            <p:nvPr/>
+          </p:nvSpPr>
+          <p:spPr>
+            <a:xfrm>
+              <a:off x="9174841" y="6065155"/>
               <a:ext cx="349215" cy="63574"/>
             </a:xfrm>
             <a:prstGeom prst="rect">
@@ -40982,13 +41214,13 @@
         </p:sp>
         <p:sp>
           <p:nvSpPr>
-            <p:cNvPr id="1030" name="tx1029"/>
-            <p:cNvSpPr/>
-            <p:nvPr/>
-          </p:nvSpPr>
-          <p:spPr>
-            <a:xfrm>
-              <a:off x="9174841" y="6065155"/>
+            <p:cNvPr id="1036" name="tx1035"/>
+            <p:cNvSpPr/>
+            <p:nvPr/>
+          </p:nvSpPr>
+          <p:spPr>
+            <a:xfrm>
+              <a:off x="9174841" y="6284611"/>
               <a:ext cx="341473" cy="63574"/>
             </a:xfrm>
             <a:prstGeom prst="rect">

--- a/Images/Figures_PPT/ChlorophytaRhodophytaTree.pptx
+++ b/Images/Figures_PPT/ChlorophytaRhodophytaTree.pptx
@@ -36250,7 +36250,7 @@
               <a:avLst/>
             </a:prstGeom>
             <a:solidFill>
-              <a:srgbClr val="3CBA26">
+              <a:srgbClr val="A020F0">
                 <a:alpha val="100000"/>
               </a:srgbClr>
             </a:solidFill>
@@ -37160,7 +37160,7 @@
               <a:avLst/>
             </a:prstGeom>
             <a:solidFill>
-              <a:srgbClr val="3CBA26">
+              <a:srgbClr val="A020F0">
                 <a:alpha val="100000"/>
               </a:srgbClr>
             </a:solidFill>
@@ -37335,7 +37335,7 @@
               <a:avLst/>
             </a:prstGeom>
             <a:solidFill>
-              <a:srgbClr val="3CBA26">
+              <a:srgbClr val="BEBEBE">
                 <a:alpha val="100000"/>
               </a:srgbClr>
             </a:solidFill>
@@ -37440,7 +37440,7 @@
               <a:avLst/>
             </a:prstGeom>
             <a:solidFill>
-              <a:srgbClr val="3CBA26">
+              <a:srgbClr val="A020F0">
                 <a:alpha val="100000"/>
               </a:srgbClr>
             </a:solidFill>
@@ -37720,7 +37720,7 @@
               <a:avLst/>
             </a:prstGeom>
             <a:solidFill>
-              <a:srgbClr val="3CBA26">
+              <a:srgbClr val="63E3C5">
                 <a:alpha val="100000"/>
               </a:srgbClr>
             </a:solidFill>
@@ -37825,7 +37825,7 @@
               <a:avLst/>
             </a:prstGeom>
             <a:solidFill>
-              <a:srgbClr val="3CBA26">
+              <a:srgbClr val="63E3C5">
                 <a:alpha val="100000"/>
               </a:srgbClr>
             </a:solidFill>
